--- a/presentation/BuPl_concept-presentation-GitFit.pptx
+++ b/presentation/BuPl_concept-presentation-GitFit.pptx
@@ -296,7 +296,7 @@
           <a:p>
             <a:fld id="{08D9589F-252C-704B-9B79-8E17BF3570A5}" type="datetimeFigureOut">
               <a:rPr lang="de-DE" smtClean="0"/>
-              <a:t>04.10.16</a:t>
+              <a:t>06.10.16</a:t>
             </a:fld>
             <a:endParaRPr lang="de-DE"/>
           </a:p>
@@ -466,7 +466,7 @@
           <a:p>
             <a:fld id="{08D9589F-252C-704B-9B79-8E17BF3570A5}" type="datetimeFigureOut">
               <a:rPr lang="de-DE" smtClean="0"/>
-              <a:t>04.10.16</a:t>
+              <a:t>06.10.16</a:t>
             </a:fld>
             <a:endParaRPr lang="de-DE"/>
           </a:p>
@@ -646,7 +646,7 @@
           <a:p>
             <a:fld id="{08D9589F-252C-704B-9B79-8E17BF3570A5}" type="datetimeFigureOut">
               <a:rPr lang="de-DE" smtClean="0"/>
-              <a:t>04.10.16</a:t>
+              <a:t>06.10.16</a:t>
             </a:fld>
             <a:endParaRPr lang="de-DE"/>
           </a:p>
@@ -816,7 +816,7 @@
           <a:p>
             <a:fld id="{08D9589F-252C-704B-9B79-8E17BF3570A5}" type="datetimeFigureOut">
               <a:rPr lang="de-DE" smtClean="0"/>
-              <a:t>04.10.16</a:t>
+              <a:t>06.10.16</a:t>
             </a:fld>
             <a:endParaRPr lang="de-DE"/>
           </a:p>
@@ -1062,7 +1062,7 @@
           <a:p>
             <a:fld id="{08D9589F-252C-704B-9B79-8E17BF3570A5}" type="datetimeFigureOut">
               <a:rPr lang="de-DE" smtClean="0"/>
-              <a:t>04.10.16</a:t>
+              <a:t>06.10.16</a:t>
             </a:fld>
             <a:endParaRPr lang="de-DE"/>
           </a:p>
@@ -1350,7 +1350,7 @@
           <a:p>
             <a:fld id="{08D9589F-252C-704B-9B79-8E17BF3570A5}" type="datetimeFigureOut">
               <a:rPr lang="de-DE" smtClean="0"/>
-              <a:t>04.10.16</a:t>
+              <a:t>06.10.16</a:t>
             </a:fld>
             <a:endParaRPr lang="de-DE"/>
           </a:p>
@@ -1772,7 +1772,7 @@
           <a:p>
             <a:fld id="{08D9589F-252C-704B-9B79-8E17BF3570A5}" type="datetimeFigureOut">
               <a:rPr lang="de-DE" smtClean="0"/>
-              <a:t>04.10.16</a:t>
+              <a:t>06.10.16</a:t>
             </a:fld>
             <a:endParaRPr lang="de-DE"/>
           </a:p>
@@ -1890,7 +1890,7 @@
           <a:p>
             <a:fld id="{08D9589F-252C-704B-9B79-8E17BF3570A5}" type="datetimeFigureOut">
               <a:rPr lang="de-DE" smtClean="0"/>
-              <a:t>04.10.16</a:t>
+              <a:t>06.10.16</a:t>
             </a:fld>
             <a:endParaRPr lang="de-DE"/>
           </a:p>
@@ -1985,7 +1985,7 @@
           <a:p>
             <a:fld id="{08D9589F-252C-704B-9B79-8E17BF3570A5}" type="datetimeFigureOut">
               <a:rPr lang="de-DE" smtClean="0"/>
-              <a:t>04.10.16</a:t>
+              <a:t>06.10.16</a:t>
             </a:fld>
             <a:endParaRPr lang="de-DE"/>
           </a:p>
@@ -2262,7 +2262,7 @@
           <a:p>
             <a:fld id="{08D9589F-252C-704B-9B79-8E17BF3570A5}" type="datetimeFigureOut">
               <a:rPr lang="de-DE" smtClean="0"/>
-              <a:t>04.10.16</a:t>
+              <a:t>06.10.16</a:t>
             </a:fld>
             <a:endParaRPr lang="de-DE"/>
           </a:p>
@@ -2515,7 +2515,7 @@
           <a:p>
             <a:fld id="{08D9589F-252C-704B-9B79-8E17BF3570A5}" type="datetimeFigureOut">
               <a:rPr lang="de-DE" smtClean="0"/>
-              <a:t>04.10.16</a:t>
+              <a:t>06.10.16</a:t>
             </a:fld>
             <a:endParaRPr lang="de-DE"/>
           </a:p>
@@ -2728,7 +2728,7 @@
           <a:p>
             <a:fld id="{08D9589F-252C-704B-9B79-8E17BF3570A5}" type="datetimeFigureOut">
               <a:rPr lang="de-DE" smtClean="0"/>
-              <a:t>04.10.16</a:t>
+              <a:t>06.10.16</a:t>
             </a:fld>
             <a:endParaRPr lang="de-DE"/>
           </a:p>
@@ -3279,6 +3279,13 @@
   <p:clrMapOvr>
     <a:masterClrMapping/>
   </p:clrMapOvr>
+  <p:timing>
+    <p:tnLst>
+      <p:par>
+        <p:cTn xmlns:p14="http://schemas.microsoft.com/office/powerpoint/2010/main" id="1" dur="indefinite" restart="never" nodeType="tmRoot"/>
+      </p:par>
+    </p:tnLst>
+  </p:timing>
 </p:sld>
 </file>
 
@@ -3416,6 +3423,13 @@
   <p:clrMapOvr>
     <a:masterClrMapping/>
   </p:clrMapOvr>
+  <p:timing>
+    <p:tnLst>
+      <p:par>
+        <p:cTn xmlns:p14="http://schemas.microsoft.com/office/powerpoint/2010/main" id="1" dur="indefinite" restart="never" nodeType="tmRoot"/>
+      </p:par>
+    </p:tnLst>
+  </p:timing>
 </p:sld>
 </file>
 
@@ -3842,6 +3856,13 @@
   <p:clrMapOvr>
     <a:masterClrMapping/>
   </p:clrMapOvr>
+  <p:timing>
+    <p:tnLst>
+      <p:par>
+        <p:cTn xmlns:p14="http://schemas.microsoft.com/office/powerpoint/2010/main" id="1" dur="indefinite" restart="never" nodeType="tmRoot"/>
+      </p:par>
+    </p:tnLst>
+  </p:timing>
 </p:sld>
 </file>
 
@@ -3885,25 +3906,31 @@
           </a:p>
         </p:txBody>
       </p:sp>
-      <p:sp>
-        <p:nvSpPr>
-          <p:cNvPr id="3" name="Inhaltsplatzhalter 2"/>
-          <p:cNvSpPr>
-            <a:spLocks noGrp="1"/>
-          </p:cNvSpPr>
+      <p:pic>
+        <p:nvPicPr>
+          <p:cNvPr id="8" name="Inhaltsplatzhalter 7" descr="GitFit_concept.png"/>
+          <p:cNvPicPr>
+            <a:picLocks noGrp="1" noChangeAspect="1"/>
+          </p:cNvPicPr>
           <p:nvPr>
             <p:ph idx="1"/>
           </p:nvPr>
-        </p:nvSpPr>
-        <p:spPr/>
-        <p:txBody>
-          <a:bodyPr/>
-          <a:lstStyle/>
-          <a:p>
-            <a:endParaRPr lang="de-DE" dirty="0"/>
-          </a:p>
-        </p:txBody>
-      </p:sp>
+        </p:nvPicPr>
+        <p:blipFill>
+          <a:blip r:embed="rId2">
+            <a:extLst>
+              <a:ext uri="{28A0092B-C50C-407E-A947-70E740481C1C}">
+                <a14:useLocalDpi xmlns:a14="http://schemas.microsoft.com/office/drawing/2010/main" val="0"/>
+              </a:ext>
+            </a:extLst>
+          </a:blip>
+          <a:srcRect l="-12257" r="-12257"/>
+          <a:stretch>
+            <a:fillRect/>
+          </a:stretch>
+        </p:blipFill>
+        <p:spPr/>
+      </p:pic>
     </p:spTree>
     <p:extLst>
       <p:ext uri="{BB962C8B-B14F-4D97-AF65-F5344CB8AC3E}">
@@ -3914,6 +3941,13 @@
   <p:clrMapOvr>
     <a:masterClrMapping/>
   </p:clrMapOvr>
+  <p:timing>
+    <p:tnLst>
+      <p:par>
+        <p:cTn xmlns:p14="http://schemas.microsoft.com/office/powerpoint/2010/main" id="1" dur="indefinite" restart="never" nodeType="tmRoot"/>
+      </p:par>
+    </p:tnLst>
+  </p:timing>
 </p:sld>
 </file>
 
@@ -3986,6 +4020,13 @@
   <p:clrMapOvr>
     <a:masterClrMapping/>
   </p:clrMapOvr>
+  <p:timing>
+    <p:tnLst>
+      <p:par>
+        <p:cTn xmlns:p14="http://schemas.microsoft.com/office/powerpoint/2010/main" id="1" dur="indefinite" restart="never" nodeType="tmRoot"/>
+      </p:par>
+    </p:tnLst>
+  </p:timing>
 </p:sld>
 </file>
 
@@ -4058,6 +4099,13 @@
   <p:clrMapOvr>
     <a:masterClrMapping/>
   </p:clrMapOvr>
+  <p:timing>
+    <p:tnLst>
+      <p:par>
+        <p:cTn xmlns:p14="http://schemas.microsoft.com/office/powerpoint/2010/main" id="1" dur="indefinite" restart="never" nodeType="tmRoot"/>
+      </p:par>
+    </p:tnLst>
+  </p:timing>
 </p:sld>
 </file>
 

--- a/presentation/BuPl_concept-presentation-GitFit.pptx
+++ b/presentation/BuPl_concept-presentation-GitFit.pptx
@@ -112,6 +112,22 @@
       </a:defRPr>
     </a:lvl9pPr>
   </p:defaultTextStyle>
+  <p:extLst>
+    <p:ext uri="{EFAFB233-063F-42B5-8137-9DF3F51BA10A}">
+      <p15:sldGuideLst xmlns:p15="http://schemas.microsoft.com/office/powerpoint/2012/main">
+        <p15:guide id="1" orient="horz" pos="2160">
+          <p15:clr>
+            <a:srgbClr val="A4A3A4"/>
+          </p15:clr>
+        </p15:guide>
+        <p15:guide id="2" pos="2880">
+          <p15:clr>
+            <a:srgbClr val="A4A3A4"/>
+          </p15:clr>
+        </p15:guide>
+      </p15:sldGuideLst>
+    </p:ext>
+  </p:extLst>
 </p:presentation>
 </file>
 
@@ -296,7 +312,7 @@
           <a:p>
             <a:fld id="{08D9589F-252C-704B-9B79-8E17BF3570A5}" type="datetimeFigureOut">
               <a:rPr lang="de-DE" smtClean="0"/>
-              <a:t>06.10.16</a:t>
+              <a:t>06.10.2016</a:t>
             </a:fld>
             <a:endParaRPr lang="de-DE"/>
           </a:p>
@@ -466,7 +482,7 @@
           <a:p>
             <a:fld id="{08D9589F-252C-704B-9B79-8E17BF3570A5}" type="datetimeFigureOut">
               <a:rPr lang="de-DE" smtClean="0"/>
-              <a:t>06.10.16</a:t>
+              <a:t>06.10.2016</a:t>
             </a:fld>
             <a:endParaRPr lang="de-DE"/>
           </a:p>
@@ -646,7 +662,7 @@
           <a:p>
             <a:fld id="{08D9589F-252C-704B-9B79-8E17BF3570A5}" type="datetimeFigureOut">
               <a:rPr lang="de-DE" smtClean="0"/>
-              <a:t>06.10.16</a:t>
+              <a:t>06.10.2016</a:t>
             </a:fld>
             <a:endParaRPr lang="de-DE"/>
           </a:p>
@@ -816,7 +832,7 @@
           <a:p>
             <a:fld id="{08D9589F-252C-704B-9B79-8E17BF3570A5}" type="datetimeFigureOut">
               <a:rPr lang="de-DE" smtClean="0"/>
-              <a:t>06.10.16</a:t>
+              <a:t>06.10.2016</a:t>
             </a:fld>
             <a:endParaRPr lang="de-DE"/>
           </a:p>
@@ -1062,7 +1078,7 @@
           <a:p>
             <a:fld id="{08D9589F-252C-704B-9B79-8E17BF3570A5}" type="datetimeFigureOut">
               <a:rPr lang="de-DE" smtClean="0"/>
-              <a:t>06.10.16</a:t>
+              <a:t>06.10.2016</a:t>
             </a:fld>
             <a:endParaRPr lang="de-DE"/>
           </a:p>
@@ -1350,7 +1366,7 @@
           <a:p>
             <a:fld id="{08D9589F-252C-704B-9B79-8E17BF3570A5}" type="datetimeFigureOut">
               <a:rPr lang="de-DE" smtClean="0"/>
-              <a:t>06.10.16</a:t>
+              <a:t>06.10.2016</a:t>
             </a:fld>
             <a:endParaRPr lang="de-DE"/>
           </a:p>
@@ -1772,7 +1788,7 @@
           <a:p>
             <a:fld id="{08D9589F-252C-704B-9B79-8E17BF3570A5}" type="datetimeFigureOut">
               <a:rPr lang="de-DE" smtClean="0"/>
-              <a:t>06.10.16</a:t>
+              <a:t>06.10.2016</a:t>
             </a:fld>
             <a:endParaRPr lang="de-DE"/>
           </a:p>
@@ -1890,7 +1906,7 @@
           <a:p>
             <a:fld id="{08D9589F-252C-704B-9B79-8E17BF3570A5}" type="datetimeFigureOut">
               <a:rPr lang="de-DE" smtClean="0"/>
-              <a:t>06.10.16</a:t>
+              <a:t>06.10.2016</a:t>
             </a:fld>
             <a:endParaRPr lang="de-DE"/>
           </a:p>
@@ -1985,7 +2001,7 @@
           <a:p>
             <a:fld id="{08D9589F-252C-704B-9B79-8E17BF3570A5}" type="datetimeFigureOut">
               <a:rPr lang="de-DE" smtClean="0"/>
-              <a:t>06.10.16</a:t>
+              <a:t>06.10.2016</a:t>
             </a:fld>
             <a:endParaRPr lang="de-DE"/>
           </a:p>
@@ -2262,7 +2278,7 @@
           <a:p>
             <a:fld id="{08D9589F-252C-704B-9B79-8E17BF3570A5}" type="datetimeFigureOut">
               <a:rPr lang="de-DE" smtClean="0"/>
-              <a:t>06.10.16</a:t>
+              <a:t>06.10.2016</a:t>
             </a:fld>
             <a:endParaRPr lang="de-DE"/>
           </a:p>
@@ -2515,7 +2531,7 @@
           <a:p>
             <a:fld id="{08D9589F-252C-704B-9B79-8E17BF3570A5}" type="datetimeFigureOut">
               <a:rPr lang="de-DE" smtClean="0"/>
-              <a:t>06.10.16</a:t>
+              <a:t>06.10.2016</a:t>
             </a:fld>
             <a:endParaRPr lang="de-DE"/>
           </a:p>
@@ -2728,7 +2744,7 @@
           <a:p>
             <a:fld id="{08D9589F-252C-704B-9B79-8E17BF3570A5}" type="datetimeFigureOut">
               <a:rPr lang="de-DE" smtClean="0"/>
-              <a:t>06.10.16</a:t>
+              <a:t>06.10.2016</a:t>
             </a:fld>
             <a:endParaRPr lang="de-DE"/>
           </a:p>
@@ -3282,7 +3298,7 @@
   <p:timing>
     <p:tnLst>
       <p:par>
-        <p:cTn xmlns:p14="http://schemas.microsoft.com/office/powerpoint/2010/main" id="1" dur="indefinite" restart="never" nodeType="tmRoot"/>
+        <p:cTn id="1" dur="indefinite" restart="never" nodeType="tmRoot"/>
       </p:par>
     </p:tnLst>
   </p:timing>
@@ -3426,7 +3442,7 @@
   <p:timing>
     <p:tnLst>
       <p:par>
-        <p:cTn xmlns:p14="http://schemas.microsoft.com/office/powerpoint/2010/main" id="1" dur="indefinite" restart="never" nodeType="tmRoot"/>
+        <p:cTn id="1" dur="indefinite" restart="never" nodeType="tmRoot"/>
       </p:par>
     </p:tnLst>
   </p:timing>
@@ -3499,8 +3515,20 @@
                 <a:tableStyleId>{9D7B26C5-4107-4FEC-AEDC-1716B250A1EF}</a:tableStyleId>
               </a:tblPr>
               <a:tblGrid>
-                <a:gridCol w="2262717"/>
-                <a:gridCol w="5966883"/>
+                <a:gridCol w="2262717">
+                  <a:extLst>
+                    <a:ext uri="{9D8B030D-6E8A-4147-A177-3AD203B41FA5}">
+                      <a16:colId xmlns:a16="http://schemas.microsoft.com/office/drawing/2014/main" val="20000"/>
+                    </a:ext>
+                  </a:extLst>
+                </a:gridCol>
+                <a:gridCol w="5966883">
+                  <a:extLst>
+                    <a:ext uri="{9D8B030D-6E8A-4147-A177-3AD203B41FA5}">
+                      <a16:colId xmlns:a16="http://schemas.microsoft.com/office/drawing/2014/main" val="20001"/>
+                    </a:ext>
+                  </a:extLst>
+                </a:gridCol>
               </a:tblGrid>
               <a:tr h="370840">
                 <a:tc>
@@ -3531,6 +3559,11 @@
                   </a:txBody>
                   <a:tcPr/>
                 </a:tc>
+                <a:extLst>
+                  <a:ext uri="{0D108BD9-81ED-4DB2-BD59-A6C34878D82A}">
+                    <a16:rowId xmlns:a16="http://schemas.microsoft.com/office/drawing/2014/main" val="10000"/>
+                  </a:ext>
+                </a:extLst>
               </a:tr>
               <a:tr h="370840">
                 <a:tc>
@@ -3561,6 +3594,11 @@
                   </a:txBody>
                   <a:tcPr/>
                 </a:tc>
+                <a:extLst>
+                  <a:ext uri="{0D108BD9-81ED-4DB2-BD59-A6C34878D82A}">
+                    <a16:rowId xmlns:a16="http://schemas.microsoft.com/office/drawing/2014/main" val="10001"/>
+                  </a:ext>
+                </a:extLst>
               </a:tr>
               <a:tr h="370840">
                 <a:tc>
@@ -3591,6 +3629,11 @@
                   </a:txBody>
                   <a:tcPr/>
                 </a:tc>
+                <a:extLst>
+                  <a:ext uri="{0D108BD9-81ED-4DB2-BD59-A6C34878D82A}">
+                    <a16:rowId xmlns:a16="http://schemas.microsoft.com/office/drawing/2014/main" val="10002"/>
+                  </a:ext>
+                </a:extLst>
               </a:tr>
               <a:tr h="370840">
                 <a:tc>
@@ -3645,6 +3688,11 @@
                   </a:txBody>
                   <a:tcPr/>
                 </a:tc>
+                <a:extLst>
+                  <a:ext uri="{0D108BD9-81ED-4DB2-BD59-A6C34878D82A}">
+                    <a16:rowId xmlns:a16="http://schemas.microsoft.com/office/drawing/2014/main" val="10003"/>
+                  </a:ext>
+                </a:extLst>
               </a:tr>
               <a:tr h="370840">
                 <a:tc>
@@ -3675,6 +3723,11 @@
                   </a:txBody>
                   <a:tcPr/>
                 </a:tc>
+                <a:extLst>
+                  <a:ext uri="{0D108BD9-81ED-4DB2-BD59-A6C34878D82A}">
+                    <a16:rowId xmlns:a16="http://schemas.microsoft.com/office/drawing/2014/main" val="10004"/>
+                  </a:ext>
+                </a:extLst>
               </a:tr>
               <a:tr h="370840">
                 <a:tc>
@@ -3709,6 +3762,11 @@
                   </a:txBody>
                   <a:tcPr/>
                 </a:tc>
+                <a:extLst>
+                  <a:ext uri="{0D108BD9-81ED-4DB2-BD59-A6C34878D82A}">
+                    <a16:rowId xmlns:a16="http://schemas.microsoft.com/office/drawing/2014/main" val="10005"/>
+                  </a:ext>
+                </a:extLst>
               </a:tr>
               <a:tr h="370840">
                 <a:tc>
@@ -3747,6 +3805,11 @@
                   </a:txBody>
                   <a:tcPr/>
                 </a:tc>
+                <a:extLst>
+                  <a:ext uri="{0D108BD9-81ED-4DB2-BD59-A6C34878D82A}">
+                    <a16:rowId xmlns:a16="http://schemas.microsoft.com/office/drawing/2014/main" val="10006"/>
+                  </a:ext>
+                </a:extLst>
               </a:tr>
               <a:tr h="370840">
                 <a:tc>
@@ -3777,6 +3840,11 @@
                   </a:txBody>
                   <a:tcPr/>
                 </a:tc>
+                <a:extLst>
+                  <a:ext uri="{0D108BD9-81ED-4DB2-BD59-A6C34878D82A}">
+                    <a16:rowId xmlns:a16="http://schemas.microsoft.com/office/drawing/2014/main" val="10007"/>
+                  </a:ext>
+                </a:extLst>
               </a:tr>
               <a:tr h="370840">
                 <a:tc>
@@ -3811,6 +3879,11 @@
                   </a:txBody>
                   <a:tcPr/>
                 </a:tc>
+                <a:extLst>
+                  <a:ext uri="{0D108BD9-81ED-4DB2-BD59-A6C34878D82A}">
+                    <a16:rowId xmlns:a16="http://schemas.microsoft.com/office/drawing/2014/main" val="10008"/>
+                  </a:ext>
+                </a:extLst>
               </a:tr>
               <a:tr h="370840">
                 <a:tc>
@@ -3841,6 +3914,11 @@
                   </a:txBody>
                   <a:tcPr/>
                 </a:tc>
+                <a:extLst>
+                  <a:ext uri="{0D108BD9-81ED-4DB2-BD59-A6C34878D82A}">
+                    <a16:rowId xmlns:a16="http://schemas.microsoft.com/office/drawing/2014/main" val="10009"/>
+                  </a:ext>
+                </a:extLst>
               </a:tr>
             </a:tbl>
           </a:graphicData>
@@ -3859,7 +3937,7 @@
   <p:timing>
     <p:tnLst>
       <p:par>
-        <p:cTn xmlns:p14="http://schemas.microsoft.com/office/powerpoint/2010/main" id="1" dur="indefinite" restart="never" nodeType="tmRoot"/>
+        <p:cTn id="1" dur="indefinite" restart="never" nodeType="tmRoot"/>
       </p:par>
     </p:tnLst>
   </p:timing>
@@ -3944,7 +4022,7 @@
   <p:timing>
     <p:tnLst>
       <p:par>
-        <p:cTn xmlns:p14="http://schemas.microsoft.com/office/powerpoint/2010/main" id="1" dur="indefinite" restart="never" nodeType="tmRoot"/>
+        <p:cTn id="1" dur="indefinite" restart="never" nodeType="tmRoot"/>
       </p:par>
     </p:tnLst>
   </p:timing>
@@ -3991,25 +4069,35 @@
           </a:p>
         </p:txBody>
       </p:sp>
-      <p:sp>
-        <p:nvSpPr>
-          <p:cNvPr id="3" name="Inhaltsplatzhalter 2"/>
-          <p:cNvSpPr>
-            <a:spLocks noGrp="1"/>
-          </p:cNvSpPr>
+      <p:pic>
+        <p:nvPicPr>
+          <p:cNvPr id="6" name="Inhaltsplatzhalter 5"/>
+          <p:cNvPicPr>
+            <a:picLocks noGrp="1" noChangeAspect="1"/>
+          </p:cNvPicPr>
           <p:nvPr>
             <p:ph idx="1"/>
           </p:nvPr>
-        </p:nvSpPr>
-        <p:spPr/>
-        <p:txBody>
-          <a:bodyPr/>
-          <a:lstStyle/>
-          <a:p>
-            <a:endParaRPr lang="de-DE"/>
-          </a:p>
-        </p:txBody>
-      </p:sp>
+        </p:nvPicPr>
+        <p:blipFill>
+          <a:blip r:embed="rId2">
+            <a:extLst>
+              <a:ext uri="{28A0092B-C50C-407E-A947-70E740481C1C}">
+                <a14:useLocalDpi xmlns:a14="http://schemas.microsoft.com/office/drawing/2010/main" val="0"/>
+              </a:ext>
+            </a:extLst>
+          </a:blip>
+          <a:stretch>
+            <a:fillRect/>
+          </a:stretch>
+        </p:blipFill>
+        <p:spPr>
+          <a:xfrm>
+            <a:off x="457200" y="1933729"/>
+            <a:ext cx="8229600" cy="3858904"/>
+          </a:xfrm>
+        </p:spPr>
+      </p:pic>
     </p:spTree>
     <p:extLst>
       <p:ext uri="{BB962C8B-B14F-4D97-AF65-F5344CB8AC3E}">
@@ -4023,7 +4111,7 @@
   <p:timing>
     <p:tnLst>
       <p:par>
-        <p:cTn xmlns:p14="http://schemas.microsoft.com/office/powerpoint/2010/main" id="1" dur="indefinite" restart="never" nodeType="tmRoot"/>
+        <p:cTn id="1" dur="indefinite" restart="never" nodeType="tmRoot"/>
       </p:par>
     </p:tnLst>
   </p:timing>
@@ -4102,7 +4190,7 @@
   <p:timing>
     <p:tnLst>
       <p:par>
-        <p:cTn xmlns:p14="http://schemas.microsoft.com/office/powerpoint/2010/main" id="1" dur="indefinite" restart="never" nodeType="tmRoot"/>
+        <p:cTn id="1" dur="indefinite" restart="never" nodeType="tmRoot"/>
       </p:par>
     </p:tnLst>
   </p:timing>

--- a/presentation/BuPl_concept-presentation-GitFit.pptx
+++ b/presentation/BuPl_concept-presentation-GitFit.pptx
@@ -8,12 +8,13 @@
     <p:sldId id="256" r:id="rId2"/>
     <p:sldId id="257" r:id="rId3"/>
     <p:sldId id="258" r:id="rId4"/>
-    <p:sldId id="259" r:id="rId5"/>
-    <p:sldId id="262" r:id="rId6"/>
-    <p:sldId id="263" r:id="rId7"/>
-    <p:sldId id="260" r:id="rId8"/>
-    <p:sldId id="264" r:id="rId9"/>
-    <p:sldId id="261" r:id="rId10"/>
+    <p:sldId id="265" r:id="rId5"/>
+    <p:sldId id="259" r:id="rId6"/>
+    <p:sldId id="262" r:id="rId7"/>
+    <p:sldId id="263" r:id="rId8"/>
+    <p:sldId id="260" r:id="rId9"/>
+    <p:sldId id="264" r:id="rId10"/>
+    <p:sldId id="261" r:id="rId11"/>
   </p:sldIdLst>
   <p:sldSz cx="9144000" cy="6858000" type="screen4x3"/>
   <p:notesSz cx="6858000" cy="9144000"/>
@@ -3174,6 +3175,120 @@
 </p:sld>
 </file>
 
+<file path=ppt/slides/slide10.xml><?xml version="1.0" encoding="utf-8"?>
+<p:sld xmlns:a="http://schemas.openxmlformats.org/drawingml/2006/main" xmlns:r="http://schemas.openxmlformats.org/officeDocument/2006/relationships" xmlns:p="http://schemas.openxmlformats.org/presentationml/2006/main">
+  <p:cSld>
+    <p:spTree>
+      <p:nvGrpSpPr>
+        <p:cNvPr id="1" name=""/>
+        <p:cNvGrpSpPr/>
+        <p:nvPr/>
+      </p:nvGrpSpPr>
+      <p:grpSpPr>
+        <a:xfrm>
+          <a:off x="0" y="0"/>
+          <a:ext cx="0" cy="0"/>
+          <a:chOff x="0" y="0"/>
+          <a:chExt cx="0" cy="0"/>
+        </a:xfrm>
+      </p:grpSpPr>
+      <p:sp>
+        <p:nvSpPr>
+          <p:cNvPr id="2" name="Titel 1"/>
+          <p:cNvSpPr>
+            <a:spLocks noGrp="1"/>
+          </p:cNvSpPr>
+          <p:nvPr>
+            <p:ph type="title"/>
+          </p:nvPr>
+        </p:nvSpPr>
+        <p:spPr/>
+        <p:txBody>
+          <a:bodyPr/>
+          <a:lstStyle/>
+          <a:p>
+            <a:r>
+              <a:rPr lang="de-DE" dirty="0" smtClean="0"/>
+              <a:t>Ertragsmechanik</a:t>
+            </a:r>
+            <a:endParaRPr lang="de-DE" dirty="0"/>
+          </a:p>
+        </p:txBody>
+      </p:sp>
+      <p:sp>
+        <p:nvSpPr>
+          <p:cNvPr id="3" name="Inhaltsplatzhalter 2"/>
+          <p:cNvSpPr>
+            <a:spLocks noGrp="1"/>
+          </p:cNvSpPr>
+          <p:nvPr>
+            <p:ph idx="1"/>
+          </p:nvPr>
+        </p:nvSpPr>
+        <p:spPr/>
+        <p:txBody>
+          <a:bodyPr/>
+          <a:lstStyle/>
+          <a:p>
+            <a:r>
+              <a:rPr lang="de-DE" dirty="0" smtClean="0"/>
+              <a:t>Abo-Modell</a:t>
+            </a:r>
+          </a:p>
+          <a:p>
+            <a:pPr lvl="1"/>
+            <a:r>
+              <a:rPr lang="de-DE" dirty="0" smtClean="0"/>
+              <a:t>Nach Anzahl Mitglieder / </a:t>
+            </a:r>
+            <a:r>
+              <a:rPr lang="de-DE" dirty="0" err="1" smtClean="0"/>
+              <a:t>grösse</a:t>
+            </a:r>
+            <a:r>
+              <a:rPr lang="de-DE" dirty="0" smtClean="0"/>
+              <a:t> Fitnesscenter</a:t>
+            </a:r>
+          </a:p>
+          <a:p>
+            <a:r>
+              <a:rPr lang="de-DE" dirty="0" smtClean="0"/>
+              <a:t>Online Dienst (Kundenbindung)</a:t>
+            </a:r>
+          </a:p>
+          <a:p>
+            <a:r>
+              <a:rPr lang="de-DE" dirty="0" err="1" smtClean="0"/>
+              <a:t>IoT</a:t>
+            </a:r>
+            <a:r>
+              <a:rPr lang="de-DE" dirty="0" smtClean="0"/>
+              <a:t>-Geräte in Zukunft möglich</a:t>
+            </a:r>
+          </a:p>
+          <a:p>
+            <a:pPr lvl="1"/>
+            <a:r>
+              <a:rPr lang="de-DE" dirty="0" smtClean="0"/>
+              <a:t>Smarte Fitnessgeräte</a:t>
+            </a:r>
+            <a:endParaRPr lang="de-DE" dirty="0"/>
+          </a:p>
+        </p:txBody>
+      </p:sp>
+    </p:spTree>
+    <p:extLst>
+      <p:ext uri="{BB962C8B-B14F-4D97-AF65-F5344CB8AC3E}">
+        <p14:creationId xmlns:p14="http://schemas.microsoft.com/office/powerpoint/2010/main" val="1808634813"/>
+      </p:ext>
+    </p:extLst>
+  </p:cSld>
+  <p:clrMapOvr>
+    <a:masterClrMapping/>
+  </p:clrMapOvr>
+</p:sld>
+</file>
+
 <file path=ppt/slides/slide2.xml><?xml version="1.0" encoding="utf-8"?>
 <p:sld xmlns:a="http://schemas.openxmlformats.org/drawingml/2006/main" xmlns:r="http://schemas.openxmlformats.org/officeDocument/2006/relationships" xmlns:p="http://schemas.openxmlformats.org/presentationml/2006/main">
   <p:cSld>
@@ -3450,6 +3565,102 @@
 </file>
 
 <file path=ppt/slides/slide4.xml><?xml version="1.0" encoding="utf-8"?>
+<p:sld xmlns:a="http://schemas.openxmlformats.org/drawingml/2006/main" xmlns:r="http://schemas.openxmlformats.org/officeDocument/2006/relationships" xmlns:p="http://schemas.openxmlformats.org/presentationml/2006/main">
+  <p:cSld>
+    <p:spTree>
+      <p:nvGrpSpPr>
+        <p:cNvPr id="1" name=""/>
+        <p:cNvGrpSpPr/>
+        <p:nvPr/>
+      </p:nvGrpSpPr>
+      <p:grpSpPr>
+        <a:xfrm>
+          <a:off x="0" y="0"/>
+          <a:ext cx="0" cy="0"/>
+          <a:chOff x="0" y="0"/>
+          <a:chExt cx="0" cy="0"/>
+        </a:xfrm>
+      </p:grpSpPr>
+      <p:sp>
+        <p:nvSpPr>
+          <p:cNvPr id="2" name="Titel 1"/>
+          <p:cNvSpPr>
+            <a:spLocks noGrp="1"/>
+          </p:cNvSpPr>
+          <p:nvPr>
+            <p:ph type="title"/>
+          </p:nvPr>
+        </p:nvSpPr>
+        <p:spPr/>
+        <p:txBody>
+          <a:bodyPr/>
+          <a:lstStyle/>
+          <a:p>
+            <a:r>
+              <a:rPr lang="de-CH" dirty="0" smtClean="0"/>
+              <a:t>Der Kunde</a:t>
+            </a:r>
+            <a:endParaRPr lang="de-CH" dirty="0"/>
+          </a:p>
+        </p:txBody>
+      </p:sp>
+      <p:sp>
+        <p:nvSpPr>
+          <p:cNvPr id="3" name="Inhaltsplatzhalter 2"/>
+          <p:cNvSpPr>
+            <a:spLocks noGrp="1"/>
+          </p:cNvSpPr>
+          <p:nvPr>
+            <p:ph idx="1"/>
+          </p:nvPr>
+        </p:nvSpPr>
+        <p:spPr/>
+        <p:txBody>
+          <a:bodyPr/>
+          <a:lstStyle/>
+          <a:p>
+            <a:r>
+              <a:rPr lang="de-CH" dirty="0" smtClean="0"/>
+              <a:t>Fitnesscenter als primärer Kunde</a:t>
+            </a:r>
+          </a:p>
+          <a:p>
+            <a:endParaRPr lang="de-CH" dirty="0" smtClean="0"/>
+          </a:p>
+          <a:p>
+            <a:r>
+              <a:rPr lang="de-CH" dirty="0" smtClean="0"/>
+              <a:t>Mitglieder profitieren vom Angebot</a:t>
+            </a:r>
+          </a:p>
+          <a:p>
+            <a:r>
+              <a:rPr lang="de-CH" dirty="0" smtClean="0"/>
+              <a:t>Fitnesscenter profitiert von zufrieden Kunden</a:t>
+            </a:r>
+          </a:p>
+          <a:p>
+            <a:endParaRPr lang="de-CH" dirty="0" smtClean="0"/>
+          </a:p>
+          <a:p>
+            <a:endParaRPr lang="de-CH" dirty="0"/>
+          </a:p>
+        </p:txBody>
+      </p:sp>
+    </p:spTree>
+    <p:extLst>
+      <p:ext uri="{BB962C8B-B14F-4D97-AF65-F5344CB8AC3E}">
+        <p14:creationId xmlns:p14="http://schemas.microsoft.com/office/powerpoint/2010/main" val="2545300365"/>
+      </p:ext>
+    </p:extLst>
+  </p:cSld>
+  <p:clrMapOvr>
+    <a:masterClrMapping/>
+  </p:clrMapOvr>
+</p:sld>
+</file>
+
+<file path=ppt/slides/slide5.xml><?xml version="1.0" encoding="utf-8"?>
 <p:sld xmlns:a="http://schemas.openxmlformats.org/drawingml/2006/main" xmlns:r="http://schemas.openxmlformats.org/officeDocument/2006/relationships" xmlns:p="http://schemas.openxmlformats.org/presentationml/2006/main">
   <p:cSld>
     <p:spTree>
@@ -3944,7 +4155,7 @@
 </p:sld>
 </file>
 
-<file path=ppt/slides/slide5.xml><?xml version="1.0" encoding="utf-8"?>
+<file path=ppt/slides/slide6.xml><?xml version="1.0" encoding="utf-8"?>
 <p:sld xmlns:a="http://schemas.openxmlformats.org/drawingml/2006/main" xmlns:r="http://schemas.openxmlformats.org/officeDocument/2006/relationships" xmlns:p="http://schemas.openxmlformats.org/presentationml/2006/main">
   <p:cSld>
     <p:spTree>
@@ -4029,7 +4240,7 @@
 </p:sld>
 </file>
 
-<file path=ppt/slides/slide6.xml><?xml version="1.0" encoding="utf-8"?>
+<file path=ppt/slides/slide7.xml><?xml version="1.0" encoding="utf-8"?>
 <p:sld xmlns:a="http://schemas.openxmlformats.org/drawingml/2006/main" xmlns:r="http://schemas.openxmlformats.org/officeDocument/2006/relationships" xmlns:p="http://schemas.openxmlformats.org/presentationml/2006/main">
   <p:cSld>
     <p:spTree>
@@ -4118,7 +4329,7 @@
 </p:sld>
 </file>
 
-<file path=ppt/slides/slide7.xml><?xml version="1.0" encoding="utf-8"?>
+<file path=ppt/slides/slide8.xml><?xml version="1.0" encoding="utf-8"?>
 <p:sld xmlns:a="http://schemas.openxmlformats.org/drawingml/2006/main" xmlns:r="http://schemas.openxmlformats.org/officeDocument/2006/relationships" xmlns:p="http://schemas.openxmlformats.org/presentationml/2006/main">
   <p:cSld>
     <p:spTree>
@@ -4197,78 +4408,6 @@
 </p:sld>
 </file>
 
-<file path=ppt/slides/slide8.xml><?xml version="1.0" encoding="utf-8"?>
-<p:sld xmlns:a="http://schemas.openxmlformats.org/drawingml/2006/main" xmlns:r="http://schemas.openxmlformats.org/officeDocument/2006/relationships" xmlns:p="http://schemas.openxmlformats.org/presentationml/2006/main">
-  <p:cSld>
-    <p:spTree>
-      <p:nvGrpSpPr>
-        <p:cNvPr id="1" name=""/>
-        <p:cNvGrpSpPr/>
-        <p:nvPr/>
-      </p:nvGrpSpPr>
-      <p:grpSpPr>
-        <a:xfrm>
-          <a:off x="0" y="0"/>
-          <a:ext cx="0" cy="0"/>
-          <a:chOff x="0" y="0"/>
-          <a:chExt cx="0" cy="0"/>
-        </a:xfrm>
-      </p:grpSpPr>
-      <p:sp>
-        <p:nvSpPr>
-          <p:cNvPr id="2" name="Titel 1"/>
-          <p:cNvSpPr>
-            <a:spLocks noGrp="1"/>
-          </p:cNvSpPr>
-          <p:nvPr>
-            <p:ph type="title"/>
-          </p:nvPr>
-        </p:nvSpPr>
-        <p:spPr/>
-        <p:txBody>
-          <a:bodyPr/>
-          <a:lstStyle/>
-          <a:p>
-            <a:r>
-              <a:rPr lang="de-DE" dirty="0" smtClean="0"/>
-              <a:t>Kundennutzen</a:t>
-            </a:r>
-            <a:endParaRPr lang="de-DE" dirty="0"/>
-          </a:p>
-        </p:txBody>
-      </p:sp>
-      <p:sp>
-        <p:nvSpPr>
-          <p:cNvPr id="3" name="Inhaltsplatzhalter 2"/>
-          <p:cNvSpPr>
-            <a:spLocks noGrp="1"/>
-          </p:cNvSpPr>
-          <p:nvPr>
-            <p:ph idx="1"/>
-          </p:nvPr>
-        </p:nvSpPr>
-        <p:spPr/>
-        <p:txBody>
-          <a:bodyPr/>
-          <a:lstStyle/>
-          <a:p>
-            <a:endParaRPr lang="de-DE" dirty="0"/>
-          </a:p>
-        </p:txBody>
-      </p:sp>
-    </p:spTree>
-    <p:extLst>
-      <p:ext uri="{BB962C8B-B14F-4D97-AF65-F5344CB8AC3E}">
-        <p14:creationId xmlns:p14="http://schemas.microsoft.com/office/powerpoint/2010/main" val="4132382495"/>
-      </p:ext>
-    </p:extLst>
-  </p:cSld>
-  <p:clrMapOvr>
-    <a:masterClrMapping/>
-  </p:clrMapOvr>
-</p:sld>
-</file>
-
 <file path=ppt/slides/slide9.xml><?xml version="1.0" encoding="utf-8"?>
 <p:sld xmlns:a="http://schemas.openxmlformats.org/drawingml/2006/main" xmlns:r="http://schemas.openxmlformats.org/officeDocument/2006/relationships" xmlns:p="http://schemas.openxmlformats.org/presentationml/2006/main">
   <p:cSld>
@@ -4303,7 +4442,7 @@
           <a:p>
             <a:r>
               <a:rPr lang="de-DE" dirty="0" smtClean="0"/>
-              <a:t>Ertragsmechanik</a:t>
+              <a:t>Kundennutzen</a:t>
             </a:r>
             <a:endParaRPr lang="de-DE" dirty="0"/>
           </a:p>
@@ -4324,48 +4463,6 @@
           <a:bodyPr/>
           <a:lstStyle/>
           <a:p>
-            <a:r>
-              <a:rPr lang="de-DE" dirty="0" smtClean="0"/>
-              <a:t>Abo-Modell</a:t>
-            </a:r>
-          </a:p>
-          <a:p>
-            <a:pPr lvl="1"/>
-            <a:r>
-              <a:rPr lang="de-DE" dirty="0" smtClean="0"/>
-              <a:t>Nach Anzahl Mitglieder / </a:t>
-            </a:r>
-            <a:r>
-              <a:rPr lang="de-DE" dirty="0" err="1" smtClean="0"/>
-              <a:t>grösse</a:t>
-            </a:r>
-            <a:r>
-              <a:rPr lang="de-DE" dirty="0" smtClean="0"/>
-              <a:t> Fitnesscenter</a:t>
-            </a:r>
-          </a:p>
-          <a:p>
-            <a:r>
-              <a:rPr lang="de-DE" dirty="0" smtClean="0"/>
-              <a:t>Online Dienst (Kundenbindung)</a:t>
-            </a:r>
-          </a:p>
-          <a:p>
-            <a:r>
-              <a:rPr lang="de-DE" dirty="0" err="1" smtClean="0"/>
-              <a:t>IoT</a:t>
-            </a:r>
-            <a:r>
-              <a:rPr lang="de-DE" dirty="0" smtClean="0"/>
-              <a:t>-Geräte in Zukunft möglich</a:t>
-            </a:r>
-          </a:p>
-          <a:p>
-            <a:pPr lvl="1"/>
-            <a:r>
-              <a:rPr lang="de-DE" dirty="0" smtClean="0"/>
-              <a:t>Smarte Fitnessgeräte</a:t>
-            </a:r>
             <a:endParaRPr lang="de-DE" dirty="0"/>
           </a:p>
         </p:txBody>
@@ -4373,7 +4470,7 @@
     </p:spTree>
     <p:extLst>
       <p:ext uri="{BB962C8B-B14F-4D97-AF65-F5344CB8AC3E}">
-        <p14:creationId xmlns:p14="http://schemas.microsoft.com/office/powerpoint/2010/main" val="1808634813"/>
+        <p14:creationId xmlns:p14="http://schemas.microsoft.com/office/powerpoint/2010/main" val="4132382495"/>
       </p:ext>
     </p:extLst>
   </p:cSld>

--- a/presentation/BuPl_concept-presentation-GitFit.pptx
+++ b/presentation/BuPl_concept-presentation-GitFit.pptx
@@ -313,7 +313,7 @@
           <a:p>
             <a:fld id="{08D9589F-252C-704B-9B79-8E17BF3570A5}" type="datetimeFigureOut">
               <a:rPr lang="de-DE" smtClean="0"/>
-              <a:t>06.10.2016</a:t>
+              <a:t>07.10.16</a:t>
             </a:fld>
             <a:endParaRPr lang="de-DE"/>
           </a:p>
@@ -355,7 +355,7 @@
           <a:p>
             <a:fld id="{696D0DBA-6426-E344-AF92-7958926D7170}" type="slidenum">
               <a:rPr lang="de-DE" smtClean="0"/>
-              <a:t>‹Nr.›</a:t>
+              <a:t>‹#›</a:t>
             </a:fld>
             <a:endParaRPr lang="de-DE"/>
           </a:p>
@@ -483,7 +483,7 @@
           <a:p>
             <a:fld id="{08D9589F-252C-704B-9B79-8E17BF3570A5}" type="datetimeFigureOut">
               <a:rPr lang="de-DE" smtClean="0"/>
-              <a:t>06.10.2016</a:t>
+              <a:t>07.10.16</a:t>
             </a:fld>
             <a:endParaRPr lang="de-DE"/>
           </a:p>
@@ -525,7 +525,7 @@
           <a:p>
             <a:fld id="{696D0DBA-6426-E344-AF92-7958926D7170}" type="slidenum">
               <a:rPr lang="de-DE" smtClean="0"/>
-              <a:t>‹Nr.›</a:t>
+              <a:t>‹#›</a:t>
             </a:fld>
             <a:endParaRPr lang="de-DE"/>
           </a:p>
@@ -663,7 +663,7 @@
           <a:p>
             <a:fld id="{08D9589F-252C-704B-9B79-8E17BF3570A5}" type="datetimeFigureOut">
               <a:rPr lang="de-DE" smtClean="0"/>
-              <a:t>06.10.2016</a:t>
+              <a:t>07.10.16</a:t>
             </a:fld>
             <a:endParaRPr lang="de-DE"/>
           </a:p>
@@ -705,7 +705,7 @@
           <a:p>
             <a:fld id="{696D0DBA-6426-E344-AF92-7958926D7170}" type="slidenum">
               <a:rPr lang="de-DE" smtClean="0"/>
-              <a:t>‹Nr.›</a:t>
+              <a:t>‹#›</a:t>
             </a:fld>
             <a:endParaRPr lang="de-DE"/>
           </a:p>
@@ -833,7 +833,7 @@
           <a:p>
             <a:fld id="{08D9589F-252C-704B-9B79-8E17BF3570A5}" type="datetimeFigureOut">
               <a:rPr lang="de-DE" smtClean="0"/>
-              <a:t>06.10.2016</a:t>
+              <a:t>07.10.16</a:t>
             </a:fld>
             <a:endParaRPr lang="de-DE"/>
           </a:p>
@@ -875,7 +875,7 @@
           <a:p>
             <a:fld id="{696D0DBA-6426-E344-AF92-7958926D7170}" type="slidenum">
               <a:rPr lang="de-DE" smtClean="0"/>
-              <a:t>‹Nr.›</a:t>
+              <a:t>‹#›</a:t>
             </a:fld>
             <a:endParaRPr lang="de-DE"/>
           </a:p>
@@ -1079,7 +1079,7 @@
           <a:p>
             <a:fld id="{08D9589F-252C-704B-9B79-8E17BF3570A5}" type="datetimeFigureOut">
               <a:rPr lang="de-DE" smtClean="0"/>
-              <a:t>06.10.2016</a:t>
+              <a:t>07.10.16</a:t>
             </a:fld>
             <a:endParaRPr lang="de-DE"/>
           </a:p>
@@ -1121,7 +1121,7 @@
           <a:p>
             <a:fld id="{696D0DBA-6426-E344-AF92-7958926D7170}" type="slidenum">
               <a:rPr lang="de-DE" smtClean="0"/>
-              <a:t>‹Nr.›</a:t>
+              <a:t>‹#›</a:t>
             </a:fld>
             <a:endParaRPr lang="de-DE"/>
           </a:p>
@@ -1367,7 +1367,7 @@
           <a:p>
             <a:fld id="{08D9589F-252C-704B-9B79-8E17BF3570A5}" type="datetimeFigureOut">
               <a:rPr lang="de-DE" smtClean="0"/>
-              <a:t>06.10.2016</a:t>
+              <a:t>07.10.16</a:t>
             </a:fld>
             <a:endParaRPr lang="de-DE"/>
           </a:p>
@@ -1409,7 +1409,7 @@
           <a:p>
             <a:fld id="{696D0DBA-6426-E344-AF92-7958926D7170}" type="slidenum">
               <a:rPr lang="de-DE" smtClean="0"/>
-              <a:t>‹Nr.›</a:t>
+              <a:t>‹#›</a:t>
             </a:fld>
             <a:endParaRPr lang="de-DE"/>
           </a:p>
@@ -1789,7 +1789,7 @@
           <a:p>
             <a:fld id="{08D9589F-252C-704B-9B79-8E17BF3570A5}" type="datetimeFigureOut">
               <a:rPr lang="de-DE" smtClean="0"/>
-              <a:t>06.10.2016</a:t>
+              <a:t>07.10.16</a:t>
             </a:fld>
             <a:endParaRPr lang="de-DE"/>
           </a:p>
@@ -1831,7 +1831,7 @@
           <a:p>
             <a:fld id="{696D0DBA-6426-E344-AF92-7958926D7170}" type="slidenum">
               <a:rPr lang="de-DE" smtClean="0"/>
-              <a:t>‹Nr.›</a:t>
+              <a:t>‹#›</a:t>
             </a:fld>
             <a:endParaRPr lang="de-DE"/>
           </a:p>
@@ -1907,7 +1907,7 @@
           <a:p>
             <a:fld id="{08D9589F-252C-704B-9B79-8E17BF3570A5}" type="datetimeFigureOut">
               <a:rPr lang="de-DE" smtClean="0"/>
-              <a:t>06.10.2016</a:t>
+              <a:t>07.10.16</a:t>
             </a:fld>
             <a:endParaRPr lang="de-DE"/>
           </a:p>
@@ -1949,7 +1949,7 @@
           <a:p>
             <a:fld id="{696D0DBA-6426-E344-AF92-7958926D7170}" type="slidenum">
               <a:rPr lang="de-DE" smtClean="0"/>
-              <a:t>‹Nr.›</a:t>
+              <a:t>‹#›</a:t>
             </a:fld>
             <a:endParaRPr lang="de-DE"/>
           </a:p>
@@ -2002,7 +2002,7 @@
           <a:p>
             <a:fld id="{08D9589F-252C-704B-9B79-8E17BF3570A5}" type="datetimeFigureOut">
               <a:rPr lang="de-DE" smtClean="0"/>
-              <a:t>06.10.2016</a:t>
+              <a:t>07.10.16</a:t>
             </a:fld>
             <a:endParaRPr lang="de-DE"/>
           </a:p>
@@ -2044,7 +2044,7 @@
           <a:p>
             <a:fld id="{696D0DBA-6426-E344-AF92-7958926D7170}" type="slidenum">
               <a:rPr lang="de-DE" smtClean="0"/>
-              <a:t>‹Nr.›</a:t>
+              <a:t>‹#›</a:t>
             </a:fld>
             <a:endParaRPr lang="de-DE"/>
           </a:p>
@@ -2279,7 +2279,7 @@
           <a:p>
             <a:fld id="{08D9589F-252C-704B-9B79-8E17BF3570A5}" type="datetimeFigureOut">
               <a:rPr lang="de-DE" smtClean="0"/>
-              <a:t>06.10.2016</a:t>
+              <a:t>07.10.16</a:t>
             </a:fld>
             <a:endParaRPr lang="de-DE"/>
           </a:p>
@@ -2321,7 +2321,7 @@
           <a:p>
             <a:fld id="{696D0DBA-6426-E344-AF92-7958926D7170}" type="slidenum">
               <a:rPr lang="de-DE" smtClean="0"/>
-              <a:t>‹Nr.›</a:t>
+              <a:t>‹#›</a:t>
             </a:fld>
             <a:endParaRPr lang="de-DE"/>
           </a:p>
@@ -2532,7 +2532,7 @@
           <a:p>
             <a:fld id="{08D9589F-252C-704B-9B79-8E17BF3570A5}" type="datetimeFigureOut">
               <a:rPr lang="de-DE" smtClean="0"/>
-              <a:t>06.10.2016</a:t>
+              <a:t>07.10.16</a:t>
             </a:fld>
             <a:endParaRPr lang="de-DE"/>
           </a:p>
@@ -2574,7 +2574,7 @@
           <a:p>
             <a:fld id="{696D0DBA-6426-E344-AF92-7958926D7170}" type="slidenum">
               <a:rPr lang="de-DE" smtClean="0"/>
-              <a:t>‹Nr.›</a:t>
+              <a:t>‹#›</a:t>
             </a:fld>
             <a:endParaRPr lang="de-DE"/>
           </a:p>
@@ -2745,7 +2745,7 @@
           <a:p>
             <a:fld id="{08D9589F-252C-704B-9B79-8E17BF3570A5}" type="datetimeFigureOut">
               <a:rPr lang="de-DE" smtClean="0"/>
-              <a:t>06.10.2016</a:t>
+              <a:t>07.10.16</a:t>
             </a:fld>
             <a:endParaRPr lang="de-DE"/>
           </a:p>
@@ -2823,7 +2823,7 @@
           <a:p>
             <a:fld id="{696D0DBA-6426-E344-AF92-7958926D7170}" type="slidenum">
               <a:rPr lang="de-DE" smtClean="0"/>
-              <a:t>‹Nr.›</a:t>
+              <a:t>‹#›</a:t>
             </a:fld>
             <a:endParaRPr lang="de-DE"/>
           </a:p>
@@ -3215,67 +3215,227 @@
           </a:p>
         </p:txBody>
       </p:sp>
-      <p:sp>
-        <p:nvSpPr>
-          <p:cNvPr id="3" name="Inhaltsplatzhalter 2"/>
-          <p:cNvSpPr>
-            <a:spLocks noGrp="1"/>
-          </p:cNvSpPr>
+      <p:graphicFrame>
+        <p:nvGraphicFramePr>
+          <p:cNvPr id="6" name="Content Placeholder 5"/>
+          <p:cNvGraphicFramePr>
+            <a:graphicFrameLocks noGrp="1"/>
+          </p:cNvGraphicFramePr>
           <p:nvPr>
             <p:ph idx="1"/>
-          </p:nvPr>
-        </p:nvSpPr>
-        <p:spPr/>
-        <p:txBody>
-          <a:bodyPr/>
-          <a:lstStyle/>
-          <a:p>
-            <a:r>
-              <a:rPr lang="de-DE" dirty="0" smtClean="0"/>
-              <a:t>Abo-Modell</a:t>
-            </a:r>
-          </a:p>
-          <a:p>
-            <a:pPr lvl="1"/>
-            <a:r>
-              <a:rPr lang="de-DE" dirty="0" smtClean="0"/>
-              <a:t>Nach Anzahl Mitglieder / </a:t>
-            </a:r>
-            <a:r>
-              <a:rPr lang="de-DE" dirty="0" err="1" smtClean="0"/>
-              <a:t>grösse</a:t>
-            </a:r>
-            <a:r>
-              <a:rPr lang="de-DE" dirty="0" smtClean="0"/>
-              <a:t> Fitnesscenter</a:t>
-            </a:r>
-          </a:p>
-          <a:p>
-            <a:r>
-              <a:rPr lang="de-DE" dirty="0" smtClean="0"/>
-              <a:t>Online Dienst (Kundenbindung)</a:t>
-            </a:r>
-          </a:p>
-          <a:p>
-            <a:r>
-              <a:rPr lang="de-DE" dirty="0" err="1" smtClean="0"/>
-              <a:t>IoT</a:t>
-            </a:r>
-            <a:r>
-              <a:rPr lang="de-DE" dirty="0" smtClean="0"/>
-              <a:t>-Geräte in Zukunft möglich</a:t>
-            </a:r>
-          </a:p>
-          <a:p>
-            <a:pPr lvl="1"/>
-            <a:r>
-              <a:rPr lang="de-DE" dirty="0" smtClean="0"/>
-              <a:t>Smarte Fitnessgeräte</a:t>
-            </a:r>
-            <a:endParaRPr lang="de-DE" dirty="0"/>
-          </a:p>
-        </p:txBody>
-      </p:sp>
+            <p:extLst>
+              <p:ext uri="{D42A27DB-BD31-4B8C-83A1-F6EECF244321}">
+                <p14:modId xmlns:p14="http://schemas.microsoft.com/office/powerpoint/2010/main" val="961451102"/>
+              </p:ext>
+            </p:extLst>
+          </p:nvPr>
+        </p:nvGraphicFramePr>
+        <p:xfrm>
+          <a:off x="457200" y="1600200"/>
+          <a:ext cx="8229600" cy="2296160"/>
+        </p:xfrm>
+        <a:graphic>
+          <a:graphicData uri="http://schemas.openxmlformats.org/drawingml/2006/table">
+            <a:tbl>
+              <a:tblPr firstRow="1" bandRow="1">
+                <a:tableStyleId>{9D7B26C5-4107-4FEC-AEDC-1716B250A1EF}</a:tableStyleId>
+              </a:tblPr>
+              <a:tblGrid>
+                <a:gridCol w="4114800"/>
+                <a:gridCol w="4114800"/>
+              </a:tblGrid>
+              <a:tr h="370840">
+                <a:tc>
+                  <a:txBody>
+                    <a:bodyPr/>
+                    <a:lstStyle/>
+                    <a:p>
+                      <a:r>
+                        <a:rPr lang="en-US" dirty="0" err="1" smtClean="0"/>
+                        <a:t>Kosten</a:t>
+                      </a:r>
+                      <a:endParaRPr lang="en-US" dirty="0"/>
+                    </a:p>
+                  </a:txBody>
+                  <a:tcPr/>
+                </a:tc>
+                <a:tc>
+                  <a:txBody>
+                    <a:bodyPr/>
+                    <a:lstStyle/>
+                    <a:p>
+                      <a:r>
+                        <a:rPr lang="en-US" dirty="0" err="1" smtClean="0"/>
+                        <a:t>Ertrag</a:t>
+                      </a:r>
+                      <a:endParaRPr lang="en-US" dirty="0"/>
+                    </a:p>
+                  </a:txBody>
+                  <a:tcPr/>
+                </a:tc>
+              </a:tr>
+              <a:tr h="370840">
+                <a:tc>
+                  <a:txBody>
+                    <a:bodyPr/>
+                    <a:lstStyle/>
+                    <a:p>
+                      <a:r>
+                        <a:rPr lang="en-US" dirty="0" err="1" smtClean="0"/>
+                        <a:t>Programmierung</a:t>
+                      </a:r>
+                      <a:r>
+                        <a:rPr lang="en-US" dirty="0" smtClean="0"/>
+                        <a:t> der </a:t>
+                      </a:r>
+                      <a:r>
+                        <a:rPr lang="en-US" dirty="0" smtClean="0"/>
+                        <a:t>Software/App</a:t>
+                      </a:r>
+                      <a:endParaRPr lang="en-US" dirty="0"/>
+                    </a:p>
+                  </a:txBody>
+                  <a:tcPr/>
+                </a:tc>
+                <a:tc>
+                  <a:txBody>
+                    <a:bodyPr/>
+                    <a:lstStyle/>
+                    <a:p>
+                      <a:r>
+                        <a:rPr lang="de-DE" dirty="0" smtClean="0"/>
+                        <a:t>Abo-Modell</a:t>
+                      </a:r>
+                    </a:p>
+                    <a:p>
+                      <a:pPr lvl="1"/>
+                      <a:r>
+                        <a:rPr lang="de-DE" dirty="0" smtClean="0"/>
+                        <a:t>Nach Anzahl </a:t>
+                      </a:r>
+                      <a:r>
+                        <a:rPr lang="de-DE" dirty="0" smtClean="0"/>
+                        <a:t>Mitglieder</a:t>
+                      </a:r>
+                      <a:r>
+                        <a:rPr lang="de-DE" baseline="0" dirty="0" smtClean="0"/>
+                        <a:t> </a:t>
+                      </a:r>
+                      <a:r>
+                        <a:rPr lang="de-DE" dirty="0" smtClean="0"/>
+                        <a:t>/ </a:t>
+                      </a:r>
+                    </a:p>
+                    <a:p>
+                      <a:pPr lvl="1"/>
+                      <a:r>
+                        <a:rPr lang="de-DE" dirty="0" err="1" smtClean="0"/>
+                        <a:t>grösse</a:t>
+                      </a:r>
+                      <a:r>
+                        <a:rPr lang="de-DE" dirty="0" smtClean="0"/>
+                        <a:t> </a:t>
+                      </a:r>
+                      <a:r>
+                        <a:rPr lang="de-DE" dirty="0" smtClean="0"/>
+                        <a:t>Fitnesscenter</a:t>
+                      </a:r>
+                      <a:endParaRPr lang="en-US" dirty="0"/>
+                    </a:p>
+                  </a:txBody>
+                  <a:tcPr/>
+                </a:tc>
+              </a:tr>
+              <a:tr h="370840">
+                <a:tc>
+                  <a:txBody>
+                    <a:bodyPr/>
+                    <a:lstStyle/>
+                    <a:p>
+                      <a:r>
+                        <a:rPr lang="en-US" dirty="0" smtClean="0"/>
+                        <a:t>Testing</a:t>
+                      </a:r>
+                      <a:endParaRPr lang="en-US" dirty="0"/>
+                    </a:p>
+                  </a:txBody>
+                  <a:tcPr/>
+                </a:tc>
+                <a:tc>
+                  <a:txBody>
+                    <a:bodyPr/>
+                    <a:lstStyle/>
+                    <a:p>
+                      <a:pPr marL="0" marR="0" indent="0" algn="l" defTabSz="457200" rtl="0" eaLnBrk="1" fontAlgn="auto" latinLnBrk="0" hangingPunct="1">
+                        <a:lnSpc>
+                          <a:spcPct val="100000"/>
+                        </a:lnSpc>
+                        <a:spcBef>
+                          <a:spcPts val="0"/>
+                        </a:spcBef>
+                        <a:spcAft>
+                          <a:spcPts val="0"/>
+                        </a:spcAft>
+                        <a:buClrTx/>
+                        <a:buSzTx/>
+                        <a:buFontTx/>
+                        <a:buNone/>
+                        <a:tabLst/>
+                        <a:defRPr/>
+                      </a:pPr>
+                      <a:r>
+                        <a:rPr lang="de-DE" dirty="0" smtClean="0"/>
+                        <a:t>Online Dienst (Kundenbindung)</a:t>
+                      </a:r>
+                    </a:p>
+                  </a:txBody>
+                  <a:tcPr/>
+                </a:tc>
+              </a:tr>
+              <a:tr h="370840">
+                <a:tc>
+                  <a:txBody>
+                    <a:bodyPr/>
+                    <a:lstStyle/>
+                    <a:p>
+                      <a:r>
+                        <a:rPr lang="en-US" dirty="0" smtClean="0"/>
+                        <a:t>Support</a:t>
+                      </a:r>
+                      <a:endParaRPr lang="en-US" dirty="0"/>
+                    </a:p>
+                  </a:txBody>
+                  <a:tcPr/>
+                </a:tc>
+                <a:tc>
+                  <a:txBody>
+                    <a:bodyPr/>
+                    <a:lstStyle/>
+                    <a:p>
+                      <a:r>
+                        <a:rPr lang="de-DE" dirty="0" err="1" smtClean="0"/>
+                        <a:t>IoT</a:t>
+                      </a:r>
+                      <a:r>
+                        <a:rPr lang="de-DE" dirty="0" smtClean="0"/>
+                        <a:t>-Geräte in Zukunft möglich</a:t>
+                      </a:r>
+                    </a:p>
+                    <a:p>
+                      <a:pPr lvl="1"/>
+                      <a:r>
+                        <a:rPr lang="de-DE" dirty="0" smtClean="0"/>
+                        <a:t>Smarte Fitnessgeräte</a:t>
+                      </a:r>
+                    </a:p>
+                  </a:txBody>
+                  <a:tcPr/>
+                </a:tc>
+              </a:tr>
+            </a:tbl>
+          </a:graphicData>
+        </a:graphic>
+      </p:graphicFrame>
     </p:spTree>
     <p:extLst>
       <p:ext uri="{BB962C8B-B14F-4D97-AF65-F5344CB8AC3E}">
@@ -3729,14 +3889,14 @@
                 <a:gridCol w="2262717">
                   <a:extLst>
                     <a:ext uri="{9D8B030D-6E8A-4147-A177-3AD203B41FA5}">
-                      <a16:colId xmlns:a16="http://schemas.microsoft.com/office/drawing/2014/main" val="20000"/>
+                      <a16:colId xmlns:a16="http://schemas.microsoft.com/office/drawing/2014/main" xmlns="" val="20000"/>
                     </a:ext>
                   </a:extLst>
                 </a:gridCol>
                 <a:gridCol w="5966883">
                   <a:extLst>
                     <a:ext uri="{9D8B030D-6E8A-4147-A177-3AD203B41FA5}">
-                      <a16:colId xmlns:a16="http://schemas.microsoft.com/office/drawing/2014/main" val="20001"/>
+                      <a16:colId xmlns:a16="http://schemas.microsoft.com/office/drawing/2014/main" xmlns="" val="20001"/>
                     </a:ext>
                   </a:extLst>
                 </a:gridCol>
@@ -3772,7 +3932,7 @@
                 </a:tc>
                 <a:extLst>
                   <a:ext uri="{0D108BD9-81ED-4DB2-BD59-A6C34878D82A}">
-                    <a16:rowId xmlns:a16="http://schemas.microsoft.com/office/drawing/2014/main" val="10000"/>
+                    <a16:rowId xmlns:a16="http://schemas.microsoft.com/office/drawing/2014/main" xmlns="" val="10000"/>
                   </a:ext>
                 </a:extLst>
               </a:tr>
@@ -3807,7 +3967,7 @@
                 </a:tc>
                 <a:extLst>
                   <a:ext uri="{0D108BD9-81ED-4DB2-BD59-A6C34878D82A}">
-                    <a16:rowId xmlns:a16="http://schemas.microsoft.com/office/drawing/2014/main" val="10001"/>
+                    <a16:rowId xmlns:a16="http://schemas.microsoft.com/office/drawing/2014/main" xmlns="" val="10001"/>
                   </a:ext>
                 </a:extLst>
               </a:tr>
@@ -3842,7 +4002,7 @@
                 </a:tc>
                 <a:extLst>
                   <a:ext uri="{0D108BD9-81ED-4DB2-BD59-A6C34878D82A}">
-                    <a16:rowId xmlns:a16="http://schemas.microsoft.com/office/drawing/2014/main" val="10002"/>
+                    <a16:rowId xmlns:a16="http://schemas.microsoft.com/office/drawing/2014/main" xmlns="" val="10002"/>
                   </a:ext>
                 </a:extLst>
               </a:tr>
@@ -3901,7 +4061,7 @@
                 </a:tc>
                 <a:extLst>
                   <a:ext uri="{0D108BD9-81ED-4DB2-BD59-A6C34878D82A}">
-                    <a16:rowId xmlns:a16="http://schemas.microsoft.com/office/drawing/2014/main" val="10003"/>
+                    <a16:rowId xmlns:a16="http://schemas.microsoft.com/office/drawing/2014/main" xmlns="" val="10003"/>
                   </a:ext>
                 </a:extLst>
               </a:tr>
@@ -3936,7 +4096,7 @@
                 </a:tc>
                 <a:extLst>
                   <a:ext uri="{0D108BD9-81ED-4DB2-BD59-A6C34878D82A}">
-                    <a16:rowId xmlns:a16="http://schemas.microsoft.com/office/drawing/2014/main" val="10004"/>
+                    <a16:rowId xmlns:a16="http://schemas.microsoft.com/office/drawing/2014/main" xmlns="" val="10004"/>
                   </a:ext>
                 </a:extLst>
               </a:tr>
@@ -3975,7 +4135,7 @@
                 </a:tc>
                 <a:extLst>
                   <a:ext uri="{0D108BD9-81ED-4DB2-BD59-A6C34878D82A}">
-                    <a16:rowId xmlns:a16="http://schemas.microsoft.com/office/drawing/2014/main" val="10005"/>
+                    <a16:rowId xmlns:a16="http://schemas.microsoft.com/office/drawing/2014/main" xmlns="" val="10005"/>
                   </a:ext>
                 </a:extLst>
               </a:tr>
@@ -4018,7 +4178,7 @@
                 </a:tc>
                 <a:extLst>
                   <a:ext uri="{0D108BD9-81ED-4DB2-BD59-A6C34878D82A}">
-                    <a16:rowId xmlns:a16="http://schemas.microsoft.com/office/drawing/2014/main" val="10006"/>
+                    <a16:rowId xmlns:a16="http://schemas.microsoft.com/office/drawing/2014/main" xmlns="" val="10006"/>
                   </a:ext>
                 </a:extLst>
               </a:tr>
@@ -4053,7 +4213,7 @@
                 </a:tc>
                 <a:extLst>
                   <a:ext uri="{0D108BD9-81ED-4DB2-BD59-A6C34878D82A}">
-                    <a16:rowId xmlns:a16="http://schemas.microsoft.com/office/drawing/2014/main" val="10007"/>
+                    <a16:rowId xmlns:a16="http://schemas.microsoft.com/office/drawing/2014/main" xmlns="" val="10007"/>
                   </a:ext>
                 </a:extLst>
               </a:tr>
@@ -4092,7 +4252,7 @@
                 </a:tc>
                 <a:extLst>
                   <a:ext uri="{0D108BD9-81ED-4DB2-BD59-A6C34878D82A}">
-                    <a16:rowId xmlns:a16="http://schemas.microsoft.com/office/drawing/2014/main" val="10008"/>
+                    <a16:rowId xmlns:a16="http://schemas.microsoft.com/office/drawing/2014/main" xmlns="" val="10008"/>
                   </a:ext>
                 </a:extLst>
               </a:tr>
@@ -4127,7 +4287,7 @@
                 </a:tc>
                 <a:extLst>
                   <a:ext uri="{0D108BD9-81ED-4DB2-BD59-A6C34878D82A}">
-                    <a16:rowId xmlns:a16="http://schemas.microsoft.com/office/drawing/2014/main" val="10009"/>
+                    <a16:rowId xmlns:a16="http://schemas.microsoft.com/office/drawing/2014/main" xmlns="" val="10009"/>
                   </a:ext>
                 </a:extLst>
               </a:tr>

--- a/presentation/BuPl_concept-presentation-GitFit.pptx
+++ b/presentation/BuPl_concept-presentation-GitFit.pptx
@@ -2,7 +2,7 @@
 <file path=ppt/presentation.xml><?xml version="1.0" encoding="utf-8"?>
 <p:presentation xmlns:a="http://schemas.openxmlformats.org/drawingml/2006/main" xmlns:r="http://schemas.openxmlformats.org/officeDocument/2006/relationships" xmlns:p="http://schemas.openxmlformats.org/presentationml/2006/main" saveSubsetFonts="1" autoCompressPictures="0">
   <p:sldMasterIdLst>
-    <p:sldMasterId id="2147483648" r:id="rId1"/>
+    <p:sldMasterId id="2147483660" r:id="rId1"/>
   </p:sldMasterIdLst>
   <p:sldIdLst>
     <p:sldId id="256" r:id="rId2"/>
@@ -149,213 +149,321 @@
           <a:chExt cx="0" cy="0"/>
         </a:xfrm>
       </p:grpSpPr>
-      <p:sp>
-        <p:nvSpPr>
-          <p:cNvPr id="2" name="Titel 1"/>
-          <p:cNvSpPr>
-            <a:spLocks noGrp="1"/>
-          </p:cNvSpPr>
-          <p:nvPr>
-            <p:ph type="ctrTitle"/>
-          </p:nvPr>
-        </p:nvSpPr>
+      <p:pic>
+        <p:nvPicPr>
+          <p:cNvPr id="7" name="Picture 6" descr="HD-ShadowLong.png"/>
+          <p:cNvPicPr>
+            <a:picLocks noChangeAspect="1"/>
+          </p:cNvPicPr>
+          <p:nvPr/>
+        </p:nvPicPr>
+        <p:blipFill>
+          <a:blip r:embed="rId2">
+            <a:extLst>
+              <a:ext uri="{28A0092B-C50C-407E-A947-70E740481C1C}">
+                <a14:useLocalDpi xmlns:a14="http://schemas.microsoft.com/office/drawing/2010/main" val="0"/>
+              </a:ext>
+            </a:extLst>
+          </a:blip>
+          <a:stretch>
+            <a:fillRect/>
+          </a:stretch>
+        </p:blipFill>
         <p:spPr>
           <a:xfrm>
-            <a:off x="685800" y="2130425"/>
-            <a:ext cx="7772400" cy="1470025"/>
+            <a:off x="1" y="4242851"/>
+            <a:ext cx="6726063" cy="275942"/>
+          </a:xfrm>
+          <a:prstGeom prst="rect">
+            <a:avLst/>
+          </a:prstGeom>
+        </p:spPr>
+      </p:pic>
+      <p:pic>
+        <p:nvPicPr>
+          <p:cNvPr id="8" name="Picture 7" descr="HD-ShadowShort.png"/>
+          <p:cNvPicPr>
+            <a:picLocks noChangeAspect="1"/>
+          </p:cNvPicPr>
+          <p:nvPr/>
+        </p:nvPicPr>
+        <p:blipFill>
+          <a:blip r:embed="rId3">
+            <a:extLst>
+              <a:ext uri="{28A0092B-C50C-407E-A947-70E740481C1C}">
+                <a14:useLocalDpi xmlns:a14="http://schemas.microsoft.com/office/drawing/2010/main" val="0"/>
+              </a:ext>
+            </a:extLst>
+          </a:blip>
+          <a:stretch>
+            <a:fillRect/>
+          </a:stretch>
+        </p:blipFill>
+        <p:spPr>
+          <a:xfrm>
+            <a:off x="6833787" y="4243845"/>
+            <a:ext cx="2307831" cy="276940"/>
+          </a:xfrm>
+          <a:prstGeom prst="rect">
+            <a:avLst/>
+          </a:prstGeom>
+        </p:spPr>
+      </p:pic>
+      <p:sp>
+        <p:nvSpPr>
+          <p:cNvPr id="9" name="Rectangle 8"/>
+          <p:cNvSpPr/>
+          <p:nvPr/>
+        </p:nvSpPr>
+        <p:spPr>
+          <a:xfrm>
+            <a:off x="0" y="2590078"/>
+            <a:ext cx="6726064" cy="1660332"/>
+          </a:xfrm>
+          <a:prstGeom prst="rect">
+            <a:avLst/>
+          </a:prstGeom>
+          <a:solidFill>
+            <a:schemeClr val="bg1">
+              <a:lumMod val="85000"/>
+              <a:lumOff val="15000"/>
+            </a:schemeClr>
+          </a:solidFill>
+          <a:ln>
+            <a:noFill/>
+          </a:ln>
+        </p:spPr>
+        <p:style>
+          <a:lnRef idx="2">
+            <a:schemeClr val="accent1">
+              <a:shade val="50000"/>
+            </a:schemeClr>
+          </a:lnRef>
+          <a:fillRef idx="1">
+            <a:schemeClr val="accent1"/>
+          </a:fillRef>
+          <a:effectRef idx="0">
+            <a:schemeClr val="accent1"/>
+          </a:effectRef>
+          <a:fontRef idx="minor">
+            <a:schemeClr val="lt1"/>
+          </a:fontRef>
+        </p:style>
+      </p:sp>
+      <p:sp>
+        <p:nvSpPr>
+          <p:cNvPr id="10" name="Rectangle 9"/>
+          <p:cNvSpPr/>
+          <p:nvPr/>
+        </p:nvSpPr>
+        <p:spPr>
+          <a:xfrm>
+            <a:off x="6833787" y="2590078"/>
+            <a:ext cx="2307832" cy="1660332"/>
+          </a:xfrm>
+          <a:prstGeom prst="rect">
+            <a:avLst/>
+          </a:prstGeom>
+          <a:solidFill>
+            <a:schemeClr val="accent1"/>
+          </a:solidFill>
+          <a:ln>
+            <a:noFill/>
+          </a:ln>
+        </p:spPr>
+        <p:style>
+          <a:lnRef idx="2">
+            <a:schemeClr val="accent1">
+              <a:shade val="50000"/>
+            </a:schemeClr>
+          </a:lnRef>
+          <a:fillRef idx="1">
+            <a:schemeClr val="accent1"/>
+          </a:fillRef>
+          <a:effectRef idx="0">
+            <a:schemeClr val="accent1"/>
+          </a:effectRef>
+          <a:fontRef idx="minor">
+            <a:schemeClr val="lt1"/>
+          </a:fontRef>
+        </p:style>
+      </p:sp>
+      <p:sp>
+        <p:nvSpPr>
+          <p:cNvPr id="2" name="Title 1"/>
+          <p:cNvSpPr>
+            <a:spLocks noGrp="1"/>
+          </p:cNvSpPr>
+          <p:nvPr>
+            <p:ph type="ctrTitle"/>
+          </p:nvPr>
+        </p:nvSpPr>
+        <p:spPr>
+          <a:xfrm>
+            <a:off x="510242" y="2733709"/>
+            <a:ext cx="6069268" cy="1373070"/>
           </a:xfrm>
         </p:spPr>
         <p:txBody>
+          <a:bodyPr anchor="b">
+            <a:noAutofit/>
+          </a:bodyPr>
+          <a:lstStyle>
+            <a:lvl1pPr algn="r">
+              <a:defRPr sz="4800"/>
+            </a:lvl1pPr>
+          </a:lstStyle>
+          <a:p>
+            <a:r>
+              <a:rPr lang="de-DE" smtClean="0"/>
+              <a:t>Titelmasterformat durch Klicken bearbeiten</a:t>
+            </a:r>
+            <a:endParaRPr lang="en-US" dirty="0"/>
+          </a:p>
+        </p:txBody>
+      </p:sp>
+      <p:sp>
+        <p:nvSpPr>
+          <p:cNvPr id="3" name="Subtitle 2"/>
+          <p:cNvSpPr>
+            <a:spLocks noGrp="1"/>
+          </p:cNvSpPr>
+          <p:nvPr>
+            <p:ph type="subTitle" idx="1"/>
+          </p:nvPr>
+        </p:nvSpPr>
+        <p:spPr>
+          <a:xfrm>
+            <a:off x="510241" y="4394040"/>
+            <a:ext cx="6108101" cy="1117687"/>
+          </a:xfrm>
+        </p:spPr>
+        <p:txBody>
+          <a:bodyPr>
+            <a:normAutofit/>
+          </a:bodyPr>
+          <a:lstStyle>
+            <a:lvl1pPr marL="0" indent="0" algn="r">
+              <a:buNone/>
+              <a:defRPr sz="2000"/>
+            </a:lvl1pPr>
+            <a:lvl2pPr marL="457200" indent="0" algn="ctr">
+              <a:buNone/>
+              <a:defRPr sz="2000"/>
+            </a:lvl2pPr>
+            <a:lvl3pPr marL="914400" indent="0" algn="ctr">
+              <a:buNone/>
+              <a:defRPr sz="1800"/>
+            </a:lvl3pPr>
+            <a:lvl4pPr marL="1371600" indent="0" algn="ctr">
+              <a:buNone/>
+              <a:defRPr sz="1600"/>
+            </a:lvl4pPr>
+            <a:lvl5pPr marL="1828800" indent="0" algn="ctr">
+              <a:buNone/>
+              <a:defRPr sz="1600"/>
+            </a:lvl5pPr>
+            <a:lvl6pPr marL="2286000" indent="0" algn="ctr">
+              <a:buNone/>
+              <a:defRPr sz="1600"/>
+            </a:lvl6pPr>
+            <a:lvl7pPr marL="2743200" indent="0" algn="ctr">
+              <a:buNone/>
+              <a:defRPr sz="1600"/>
+            </a:lvl7pPr>
+            <a:lvl8pPr marL="3200400" indent="0" algn="ctr">
+              <a:buNone/>
+              <a:defRPr sz="1600"/>
+            </a:lvl8pPr>
+            <a:lvl9pPr marL="3657600" indent="0" algn="ctr">
+              <a:buNone/>
+              <a:defRPr sz="1600"/>
+            </a:lvl9pPr>
+          </a:lstStyle>
+          <a:p>
+            <a:r>
+              <a:rPr lang="de-DE" smtClean="0"/>
+              <a:t>Formatvorlage des Untertitelmasters durch Klicken bearbeiten</a:t>
+            </a:r>
+            <a:endParaRPr lang="en-US" dirty="0"/>
+          </a:p>
+        </p:txBody>
+      </p:sp>
+      <p:sp>
+        <p:nvSpPr>
+          <p:cNvPr id="4" name="Date Placeholder 3"/>
+          <p:cNvSpPr>
+            <a:spLocks noGrp="1"/>
+          </p:cNvSpPr>
+          <p:nvPr>
+            <p:ph type="dt" sz="half" idx="10"/>
+          </p:nvPr>
+        </p:nvSpPr>
+        <p:spPr>
+          <a:xfrm>
+            <a:off x="4555655" y="5936188"/>
+            <a:ext cx="2057400" cy="365125"/>
+          </a:xfrm>
+        </p:spPr>
+        <p:txBody>
           <a:bodyPr/>
           <a:lstStyle/>
           <a:p>
-            <a:r>
-              <a:rPr lang="de-CH" smtClean="0"/>
-              <a:t>Mastertitelformat bearbeiten</a:t>
-            </a:r>
+            <a:fld id="{08D9589F-252C-704B-9B79-8E17BF3570A5}" type="datetimeFigureOut">
+              <a:rPr lang="de-DE" smtClean="0"/>
+              <a:t>11.10.2016</a:t>
+            </a:fld>
             <a:endParaRPr lang="de-DE"/>
           </a:p>
         </p:txBody>
       </p:sp>
       <p:sp>
         <p:nvSpPr>
-          <p:cNvPr id="3" name="Untertitel 2"/>
-          <p:cNvSpPr>
-            <a:spLocks noGrp="1"/>
-          </p:cNvSpPr>
-          <p:nvPr>
-            <p:ph type="subTitle" idx="1"/>
+          <p:cNvPr id="5" name="Footer Placeholder 4"/>
+          <p:cNvSpPr>
+            <a:spLocks noGrp="1"/>
+          </p:cNvSpPr>
+          <p:nvPr>
+            <p:ph type="ftr" sz="quarter" idx="11"/>
           </p:nvPr>
         </p:nvSpPr>
         <p:spPr>
           <a:xfrm>
-            <a:off x="1371600" y="3886200"/>
-            <a:ext cx="6400800" cy="1752600"/>
+            <a:off x="533401" y="5936189"/>
+            <a:ext cx="4021666" cy="365125"/>
           </a:xfrm>
         </p:spPr>
         <p:txBody>
           <a:bodyPr/>
-          <a:lstStyle>
-            <a:lvl1pPr marL="0" indent="0" algn="ctr">
-              <a:buNone/>
-              <a:defRPr>
-                <a:solidFill>
-                  <a:schemeClr val="tx1">
-                    <a:tint val="75000"/>
-                  </a:schemeClr>
-                </a:solidFill>
-              </a:defRPr>
-            </a:lvl1pPr>
-            <a:lvl2pPr marL="457200" indent="0" algn="ctr">
-              <a:buNone/>
-              <a:defRPr>
-                <a:solidFill>
-                  <a:schemeClr val="tx1">
-                    <a:tint val="75000"/>
-                  </a:schemeClr>
-                </a:solidFill>
-              </a:defRPr>
-            </a:lvl2pPr>
-            <a:lvl3pPr marL="914400" indent="0" algn="ctr">
-              <a:buNone/>
-              <a:defRPr>
-                <a:solidFill>
-                  <a:schemeClr val="tx1">
-                    <a:tint val="75000"/>
-                  </a:schemeClr>
-                </a:solidFill>
-              </a:defRPr>
-            </a:lvl3pPr>
-            <a:lvl4pPr marL="1371600" indent="0" algn="ctr">
-              <a:buNone/>
-              <a:defRPr>
-                <a:solidFill>
-                  <a:schemeClr val="tx1">
-                    <a:tint val="75000"/>
-                  </a:schemeClr>
-                </a:solidFill>
-              </a:defRPr>
-            </a:lvl4pPr>
-            <a:lvl5pPr marL="1828800" indent="0" algn="ctr">
-              <a:buNone/>
-              <a:defRPr>
-                <a:solidFill>
-                  <a:schemeClr val="tx1">
-                    <a:tint val="75000"/>
-                  </a:schemeClr>
-                </a:solidFill>
-              </a:defRPr>
-            </a:lvl5pPr>
-            <a:lvl6pPr marL="2286000" indent="0" algn="ctr">
-              <a:buNone/>
-              <a:defRPr>
-                <a:solidFill>
-                  <a:schemeClr val="tx1">
-                    <a:tint val="75000"/>
-                  </a:schemeClr>
-                </a:solidFill>
-              </a:defRPr>
-            </a:lvl6pPr>
-            <a:lvl7pPr marL="2743200" indent="0" algn="ctr">
-              <a:buNone/>
-              <a:defRPr>
-                <a:solidFill>
-                  <a:schemeClr val="tx1">
-                    <a:tint val="75000"/>
-                  </a:schemeClr>
-                </a:solidFill>
-              </a:defRPr>
-            </a:lvl7pPr>
-            <a:lvl8pPr marL="3200400" indent="0" algn="ctr">
-              <a:buNone/>
-              <a:defRPr>
-                <a:solidFill>
-                  <a:schemeClr val="tx1">
-                    <a:tint val="75000"/>
-                  </a:schemeClr>
-                </a:solidFill>
-              </a:defRPr>
-            </a:lvl8pPr>
-            <a:lvl9pPr marL="3657600" indent="0" algn="ctr">
-              <a:buNone/>
-              <a:defRPr>
-                <a:solidFill>
-                  <a:schemeClr val="tx1">
-                    <a:tint val="75000"/>
-                  </a:schemeClr>
-                </a:solidFill>
-              </a:defRPr>
-            </a:lvl9pPr>
-          </a:lstStyle>
-          <a:p>
-            <a:r>
-              <a:rPr lang="de-CH" smtClean="0"/>
-              <a:t>Master-Untertitelformat bearbeiten</a:t>
-            </a:r>
+          <a:lstStyle/>
+          <a:p>
             <a:endParaRPr lang="de-DE"/>
           </a:p>
         </p:txBody>
       </p:sp>
       <p:sp>
         <p:nvSpPr>
-          <p:cNvPr id="4" name="Datumsplatzhalter 3"/>
-          <p:cNvSpPr>
-            <a:spLocks noGrp="1"/>
-          </p:cNvSpPr>
-          <p:nvPr>
-            <p:ph type="dt" sz="half" idx="10"/>
-          </p:nvPr>
-        </p:nvSpPr>
-        <p:spPr/>
+          <p:cNvPr id="6" name="Slide Number Placeholder 5"/>
+          <p:cNvSpPr>
+            <a:spLocks noGrp="1"/>
+          </p:cNvSpPr>
+          <p:nvPr>
+            <p:ph type="sldNum" sz="quarter" idx="12"/>
+          </p:nvPr>
+        </p:nvSpPr>
+        <p:spPr>
+          <a:xfrm>
+            <a:off x="7010399" y="2750337"/>
+            <a:ext cx="1370293" cy="1356442"/>
+          </a:xfrm>
+        </p:spPr>
         <p:txBody>
           <a:bodyPr/>
           <a:lstStyle/>
           <a:p>
-            <a:fld id="{08D9589F-252C-704B-9B79-8E17BF3570A5}" type="datetimeFigureOut">
-              <a:rPr lang="de-DE" smtClean="0"/>
-              <a:t>07.10.16</a:t>
-            </a:fld>
-            <a:endParaRPr lang="de-DE"/>
-          </a:p>
-        </p:txBody>
-      </p:sp>
-      <p:sp>
-        <p:nvSpPr>
-          <p:cNvPr id="5" name="Fußzeilenplatzhalter 4"/>
-          <p:cNvSpPr>
-            <a:spLocks noGrp="1"/>
-          </p:cNvSpPr>
-          <p:nvPr>
-            <p:ph type="ftr" sz="quarter" idx="11"/>
-          </p:nvPr>
-        </p:nvSpPr>
-        <p:spPr/>
-        <p:txBody>
-          <a:bodyPr/>
-          <a:lstStyle/>
-          <a:p>
-            <a:endParaRPr lang="de-DE"/>
-          </a:p>
-        </p:txBody>
-      </p:sp>
-      <p:sp>
-        <p:nvSpPr>
-          <p:cNvPr id="6" name="Foliennummernplatzhalter 5"/>
-          <p:cNvSpPr>
-            <a:spLocks noGrp="1"/>
-          </p:cNvSpPr>
-          <p:nvPr>
-            <p:ph type="sldNum" sz="quarter" idx="12"/>
-          </p:nvPr>
-        </p:nvSpPr>
-        <p:spPr/>
-        <p:txBody>
-          <a:bodyPr/>
-          <a:lstStyle/>
-          <a:p>
             <a:fld id="{696D0DBA-6426-E344-AF92-7958926D7170}" type="slidenum">
               <a:rPr lang="de-DE" smtClean="0"/>
-              <a:t>‹#›</a:t>
+              <a:t>‹Nr.›</a:t>
             </a:fld>
             <a:endParaRPr lang="de-DE"/>
           </a:p>
@@ -364,7 +472,7 @@
     </p:spTree>
     <p:extLst>
       <p:ext uri="{BB962C8B-B14F-4D97-AF65-F5344CB8AC3E}">
-        <p14:creationId xmlns:p14="http://schemas.microsoft.com/office/powerpoint/2010/main" val="1067319979"/>
+        <p14:creationId xmlns:p14="http://schemas.microsoft.com/office/powerpoint/2010/main" val="3384975719"/>
       </p:ext>
     </p:extLst>
   </p:cSld>
@@ -375,6 +483,3396 @@
 </file>
 
 <file path=ppt/slideLayouts/slideLayout10.xml><?xml version="1.0" encoding="utf-8"?>
+<p:sldLayout xmlns:a="http://schemas.openxmlformats.org/drawingml/2006/main" xmlns:r="http://schemas.openxmlformats.org/officeDocument/2006/relationships" xmlns:p="http://schemas.openxmlformats.org/presentationml/2006/main" preserve="1">
+  <p:cSld name="Panoramabild mit Beschriftung">
+    <p:spTree>
+      <p:nvGrpSpPr>
+        <p:cNvPr id="1" name=""/>
+        <p:cNvGrpSpPr/>
+        <p:nvPr/>
+      </p:nvGrpSpPr>
+      <p:grpSpPr>
+        <a:xfrm>
+          <a:off x="0" y="0"/>
+          <a:ext cx="0" cy="0"/>
+          <a:chOff x="0" y="0"/>
+          <a:chExt cx="0" cy="0"/>
+        </a:xfrm>
+      </p:grpSpPr>
+      <p:grpSp>
+        <p:nvGrpSpPr>
+          <p:cNvPr id="20" name="Group 19"/>
+          <p:cNvGrpSpPr/>
+          <p:nvPr/>
+        </p:nvGrpSpPr>
+        <p:grpSpPr>
+          <a:xfrm>
+            <a:off x="0" y="4572000"/>
+            <a:ext cx="9161969" cy="1677035"/>
+            <a:chOff x="0" y="2895600"/>
+            <a:chExt cx="9161969" cy="1677035"/>
+          </a:xfrm>
+        </p:grpSpPr>
+        <p:pic>
+          <p:nvPicPr>
+            <p:cNvPr id="24" name="Picture 23" descr="HD-ShadowLong.png"/>
+            <p:cNvPicPr>
+              <a:picLocks noChangeAspect="1"/>
+            </p:cNvPicPr>
+            <p:nvPr/>
+          </p:nvPicPr>
+          <p:blipFill rotWithShape="1">
+            <a:blip r:embed="rId2">
+              <a:extLst>
+                <a:ext uri="{28A0092B-C50C-407E-A947-70E740481C1C}">
+                  <a14:useLocalDpi xmlns:a14="http://schemas.microsoft.com/office/drawing/2010/main" val="0"/>
+                </a:ext>
+              </a:extLst>
+            </a:blip>
+            <a:srcRect l="26982" r="-217"/>
+            <a:stretch/>
+          </p:blipFill>
+          <p:spPr>
+            <a:xfrm>
+              <a:off x="0" y="4251471"/>
+              <a:ext cx="7644384" cy="321164"/>
+            </a:xfrm>
+            <a:prstGeom prst="rect">
+              <a:avLst/>
+            </a:prstGeom>
+          </p:spPr>
+        </p:pic>
+        <p:pic>
+          <p:nvPicPr>
+            <p:cNvPr id="25" name="Picture 24" descr="HD-ShadowShort.png"/>
+            <p:cNvPicPr>
+              <a:picLocks noChangeAspect="1"/>
+            </p:cNvPicPr>
+            <p:nvPr/>
+          </p:nvPicPr>
+          <p:blipFill rotWithShape="1">
+            <a:blip r:embed="rId3">
+              <a:extLst>
+                <a:ext uri="{28A0092B-C50C-407E-A947-70E740481C1C}">
+                  <a14:useLocalDpi xmlns:a14="http://schemas.microsoft.com/office/drawing/2010/main" val="0"/>
+                </a:ext>
+              </a:extLst>
+            </a:blip>
+            <a:srcRect r="9871"/>
+            <a:stretch/>
+          </p:blipFill>
+          <p:spPr>
+            <a:xfrm>
+              <a:off x="7717217" y="4259262"/>
+              <a:ext cx="1444752" cy="144270"/>
+            </a:xfrm>
+            <a:prstGeom prst="rect">
+              <a:avLst/>
+            </a:prstGeom>
+          </p:spPr>
+        </p:pic>
+        <p:sp>
+          <p:nvSpPr>
+            <p:cNvPr id="26" name="Rectangle 25"/>
+            <p:cNvSpPr/>
+            <p:nvPr/>
+          </p:nvSpPr>
+          <p:spPr>
+            <a:xfrm>
+              <a:off x="0" y="2895600"/>
+              <a:ext cx="7567140" cy="1368198"/>
+            </a:xfrm>
+            <a:prstGeom prst="rect">
+              <a:avLst/>
+            </a:prstGeom>
+            <a:solidFill>
+              <a:schemeClr val="bg1">
+                <a:lumMod val="85000"/>
+                <a:lumOff val="15000"/>
+              </a:schemeClr>
+            </a:solidFill>
+            <a:ln>
+              <a:noFill/>
+            </a:ln>
+          </p:spPr>
+          <p:style>
+            <a:lnRef idx="2">
+              <a:schemeClr val="accent1">
+                <a:shade val="50000"/>
+              </a:schemeClr>
+            </a:lnRef>
+            <a:fillRef idx="1">
+              <a:schemeClr val="accent1"/>
+            </a:fillRef>
+            <a:effectRef idx="0">
+              <a:schemeClr val="accent1"/>
+            </a:effectRef>
+            <a:fontRef idx="minor">
+              <a:schemeClr val="lt1"/>
+            </a:fontRef>
+          </p:style>
+        </p:sp>
+        <p:sp>
+          <p:nvSpPr>
+            <p:cNvPr id="27" name="Rectangle 26"/>
+            <p:cNvSpPr/>
+            <p:nvPr/>
+          </p:nvSpPr>
+          <p:spPr>
+            <a:xfrm>
+              <a:off x="7710769" y="2895600"/>
+              <a:ext cx="1433231" cy="1368198"/>
+            </a:xfrm>
+            <a:prstGeom prst="rect">
+              <a:avLst/>
+            </a:prstGeom>
+            <a:solidFill>
+              <a:schemeClr val="accent1"/>
+            </a:solidFill>
+            <a:ln>
+              <a:noFill/>
+            </a:ln>
+          </p:spPr>
+          <p:style>
+            <a:lnRef idx="2">
+              <a:schemeClr val="accent1">
+                <a:shade val="50000"/>
+              </a:schemeClr>
+            </a:lnRef>
+            <a:fillRef idx="1">
+              <a:schemeClr val="accent1"/>
+            </a:fillRef>
+            <a:effectRef idx="0">
+              <a:schemeClr val="accent1"/>
+            </a:effectRef>
+            <a:fontRef idx="minor">
+              <a:schemeClr val="lt1"/>
+            </a:fontRef>
+          </p:style>
+        </p:sp>
+      </p:grpSp>
+      <p:sp>
+        <p:nvSpPr>
+          <p:cNvPr id="2" name="Title 1"/>
+          <p:cNvSpPr>
+            <a:spLocks noGrp="1"/>
+          </p:cNvSpPr>
+          <p:nvPr>
+            <p:ph type="title"/>
+          </p:nvPr>
+        </p:nvSpPr>
+        <p:spPr>
+          <a:xfrm>
+            <a:off x="533403" y="4711617"/>
+            <a:ext cx="6894770" cy="544482"/>
+          </a:xfrm>
+        </p:spPr>
+        <p:txBody>
+          <a:bodyPr anchor="b">
+            <a:normAutofit/>
+          </a:bodyPr>
+          <a:lstStyle>
+            <a:lvl1pPr>
+              <a:defRPr sz="2400"/>
+            </a:lvl1pPr>
+          </a:lstStyle>
+          <a:p>
+            <a:r>
+              <a:rPr lang="de-DE" smtClean="0"/>
+              <a:t>Titelmasterformat durch Klicken bearbeiten</a:t>
+            </a:r>
+            <a:endParaRPr lang="en-US" dirty="0"/>
+          </a:p>
+        </p:txBody>
+      </p:sp>
+      <p:sp>
+        <p:nvSpPr>
+          <p:cNvPr id="3" name="Picture Placeholder 2"/>
+          <p:cNvSpPr>
+            <a:spLocks noGrp="1" noChangeAspect="1"/>
+          </p:cNvSpPr>
+          <p:nvPr>
+            <p:ph type="pic" idx="1"/>
+          </p:nvPr>
+        </p:nvSpPr>
+        <p:spPr>
+          <a:xfrm>
+            <a:off x="531639" y="609598"/>
+            <a:ext cx="6896534" cy="3589575"/>
+          </a:xfrm>
+          <a:noFill/>
+          <a:ln>
+            <a:noFill/>
+          </a:ln>
+          <a:effectLst>
+            <a:outerShdw blurRad="76200" dist="63500" dir="5040000" algn="tl" rotWithShape="0">
+              <a:srgbClr val="000000">
+                <a:alpha val="41000"/>
+              </a:srgbClr>
+            </a:outerShdw>
+          </a:effectLst>
+        </p:spPr>
+        <p:txBody>
+          <a:bodyPr anchor="t"/>
+          <a:lstStyle>
+            <a:lvl1pPr marL="0" indent="0">
+              <a:buNone/>
+              <a:defRPr sz="3200"/>
+            </a:lvl1pPr>
+            <a:lvl2pPr marL="457200" indent="0">
+              <a:buNone/>
+              <a:defRPr sz="2800"/>
+            </a:lvl2pPr>
+            <a:lvl3pPr marL="914400" indent="0">
+              <a:buNone/>
+              <a:defRPr sz="2400"/>
+            </a:lvl3pPr>
+            <a:lvl4pPr marL="1371600" indent="0">
+              <a:buNone/>
+              <a:defRPr sz="2000"/>
+            </a:lvl4pPr>
+            <a:lvl5pPr marL="1828800" indent="0">
+              <a:buNone/>
+              <a:defRPr sz="2000"/>
+            </a:lvl5pPr>
+            <a:lvl6pPr marL="2286000" indent="0">
+              <a:buNone/>
+              <a:defRPr sz="2000"/>
+            </a:lvl6pPr>
+            <a:lvl7pPr marL="2743200" indent="0">
+              <a:buNone/>
+              <a:defRPr sz="2000"/>
+            </a:lvl7pPr>
+            <a:lvl8pPr marL="3200400" indent="0">
+              <a:buNone/>
+              <a:defRPr sz="2000"/>
+            </a:lvl8pPr>
+            <a:lvl9pPr marL="3657600" indent="0">
+              <a:buNone/>
+              <a:defRPr sz="2000"/>
+            </a:lvl9pPr>
+          </a:lstStyle>
+          <a:p>
+            <a:r>
+              <a:rPr lang="de-DE" smtClean="0"/>
+              <a:t>Bild durch Klicken auf Symbol hinzufügen</a:t>
+            </a:r>
+            <a:endParaRPr lang="en-US" dirty="0"/>
+          </a:p>
+        </p:txBody>
+      </p:sp>
+      <p:sp>
+        <p:nvSpPr>
+          <p:cNvPr id="4" name="Text Placeholder 3"/>
+          <p:cNvSpPr>
+            <a:spLocks noGrp="1"/>
+          </p:cNvSpPr>
+          <p:nvPr>
+            <p:ph type="body" sz="half" idx="2"/>
+          </p:nvPr>
+        </p:nvSpPr>
+        <p:spPr>
+          <a:xfrm>
+            <a:off x="533401" y="5256098"/>
+            <a:ext cx="6894772" cy="547819"/>
+          </a:xfrm>
+        </p:spPr>
+        <p:txBody>
+          <a:bodyPr/>
+          <a:lstStyle>
+            <a:lvl1pPr marL="0" indent="0">
+              <a:buNone/>
+              <a:defRPr sz="1600"/>
+            </a:lvl1pPr>
+            <a:lvl2pPr marL="457200" indent="0">
+              <a:buNone/>
+              <a:defRPr sz="1400"/>
+            </a:lvl2pPr>
+            <a:lvl3pPr marL="914400" indent="0">
+              <a:buNone/>
+              <a:defRPr sz="1200"/>
+            </a:lvl3pPr>
+            <a:lvl4pPr marL="1371600" indent="0">
+              <a:buNone/>
+              <a:defRPr sz="1000"/>
+            </a:lvl4pPr>
+            <a:lvl5pPr marL="1828800" indent="0">
+              <a:buNone/>
+              <a:defRPr sz="1000"/>
+            </a:lvl5pPr>
+            <a:lvl6pPr marL="2286000" indent="0">
+              <a:buNone/>
+              <a:defRPr sz="1000"/>
+            </a:lvl6pPr>
+            <a:lvl7pPr marL="2743200" indent="0">
+              <a:buNone/>
+              <a:defRPr sz="1000"/>
+            </a:lvl7pPr>
+            <a:lvl8pPr marL="3200400" indent="0">
+              <a:buNone/>
+              <a:defRPr sz="1000"/>
+            </a:lvl8pPr>
+            <a:lvl9pPr marL="3657600" indent="0">
+              <a:buNone/>
+              <a:defRPr sz="1000"/>
+            </a:lvl9pPr>
+          </a:lstStyle>
+          <a:p>
+            <a:pPr lvl="0"/>
+            <a:r>
+              <a:rPr lang="de-DE" smtClean="0"/>
+              <a:t>Formatvorlagen des Textmasters bearbeiten</a:t>
+            </a:r>
+          </a:p>
+        </p:txBody>
+      </p:sp>
+      <p:sp>
+        <p:nvSpPr>
+          <p:cNvPr id="5" name="Date Placeholder 4"/>
+          <p:cNvSpPr>
+            <a:spLocks noGrp="1"/>
+          </p:cNvSpPr>
+          <p:nvPr>
+            <p:ph type="dt" sz="half" idx="10"/>
+          </p:nvPr>
+        </p:nvSpPr>
+        <p:spPr/>
+        <p:txBody>
+          <a:bodyPr/>
+          <a:lstStyle/>
+          <a:p>
+            <a:fld id="{08D9589F-252C-704B-9B79-8E17BF3570A5}" type="datetimeFigureOut">
+              <a:rPr lang="de-DE" smtClean="0"/>
+              <a:t>11.10.2016</a:t>
+            </a:fld>
+            <a:endParaRPr lang="de-DE"/>
+          </a:p>
+        </p:txBody>
+      </p:sp>
+      <p:sp>
+        <p:nvSpPr>
+          <p:cNvPr id="6" name="Footer Placeholder 5"/>
+          <p:cNvSpPr>
+            <a:spLocks noGrp="1"/>
+          </p:cNvSpPr>
+          <p:nvPr>
+            <p:ph type="ftr" sz="quarter" idx="11"/>
+          </p:nvPr>
+        </p:nvSpPr>
+        <p:spPr/>
+        <p:txBody>
+          <a:bodyPr/>
+          <a:lstStyle/>
+          <a:p>
+            <a:endParaRPr lang="de-DE"/>
+          </a:p>
+        </p:txBody>
+      </p:sp>
+      <p:sp>
+        <p:nvSpPr>
+          <p:cNvPr id="7" name="Slide Number Placeholder 6"/>
+          <p:cNvSpPr>
+            <a:spLocks noGrp="1"/>
+          </p:cNvSpPr>
+          <p:nvPr>
+            <p:ph type="sldNum" sz="quarter" idx="12"/>
+          </p:nvPr>
+        </p:nvSpPr>
+        <p:spPr>
+          <a:xfrm>
+            <a:off x="7856438" y="4711310"/>
+            <a:ext cx="1149836" cy="1090789"/>
+          </a:xfrm>
+        </p:spPr>
+        <p:txBody>
+          <a:bodyPr/>
+          <a:lstStyle/>
+          <a:p>
+            <a:fld id="{696D0DBA-6426-E344-AF92-7958926D7170}" type="slidenum">
+              <a:rPr lang="de-DE" smtClean="0"/>
+              <a:t>‹Nr.›</a:t>
+            </a:fld>
+            <a:endParaRPr lang="de-DE"/>
+          </a:p>
+        </p:txBody>
+      </p:sp>
+    </p:spTree>
+    <p:extLst>
+      <p:ext uri="{BB962C8B-B14F-4D97-AF65-F5344CB8AC3E}">
+        <p14:creationId xmlns:p14="http://schemas.microsoft.com/office/powerpoint/2010/main" val="1025537666"/>
+      </p:ext>
+    </p:extLst>
+  </p:cSld>
+  <p:clrMapOvr>
+    <a:masterClrMapping/>
+  </p:clrMapOvr>
+</p:sldLayout>
+</file>
+
+<file path=ppt/slideLayouts/slideLayout11.xml><?xml version="1.0" encoding="utf-8"?>
+<p:sldLayout xmlns:a="http://schemas.openxmlformats.org/drawingml/2006/main" xmlns:r="http://schemas.openxmlformats.org/officeDocument/2006/relationships" xmlns:p="http://schemas.openxmlformats.org/presentationml/2006/main" preserve="1">
+  <p:cSld name="Titel und Beschriftung">
+    <p:spTree>
+      <p:nvGrpSpPr>
+        <p:cNvPr id="1" name=""/>
+        <p:cNvGrpSpPr/>
+        <p:nvPr/>
+      </p:nvGrpSpPr>
+      <p:grpSpPr>
+        <a:xfrm>
+          <a:off x="0" y="0"/>
+          <a:ext cx="0" cy="0"/>
+          <a:chOff x="0" y="0"/>
+          <a:chExt cx="0" cy="0"/>
+        </a:xfrm>
+      </p:grpSpPr>
+      <p:grpSp>
+        <p:nvGrpSpPr>
+          <p:cNvPr id="21" name="Group 20"/>
+          <p:cNvGrpSpPr/>
+          <p:nvPr/>
+        </p:nvGrpSpPr>
+        <p:grpSpPr>
+          <a:xfrm>
+            <a:off x="0" y="4572000"/>
+            <a:ext cx="9161969" cy="1677035"/>
+            <a:chOff x="0" y="2895600"/>
+            <a:chExt cx="9161969" cy="1677035"/>
+          </a:xfrm>
+        </p:grpSpPr>
+        <p:pic>
+          <p:nvPicPr>
+            <p:cNvPr id="22" name="Picture 21" descr="HD-ShadowLong.png"/>
+            <p:cNvPicPr>
+              <a:picLocks noChangeAspect="1"/>
+            </p:cNvPicPr>
+            <p:nvPr/>
+          </p:nvPicPr>
+          <p:blipFill rotWithShape="1">
+            <a:blip r:embed="rId2">
+              <a:extLst>
+                <a:ext uri="{28A0092B-C50C-407E-A947-70E740481C1C}">
+                  <a14:useLocalDpi xmlns:a14="http://schemas.microsoft.com/office/drawing/2010/main" val="0"/>
+                </a:ext>
+              </a:extLst>
+            </a:blip>
+            <a:srcRect l="26982" r="-217"/>
+            <a:stretch/>
+          </p:blipFill>
+          <p:spPr>
+            <a:xfrm>
+              <a:off x="0" y="4251471"/>
+              <a:ext cx="7644384" cy="321164"/>
+            </a:xfrm>
+            <a:prstGeom prst="rect">
+              <a:avLst/>
+            </a:prstGeom>
+          </p:spPr>
+        </p:pic>
+        <p:pic>
+          <p:nvPicPr>
+            <p:cNvPr id="23" name="Picture 22" descr="HD-ShadowShort.png"/>
+            <p:cNvPicPr>
+              <a:picLocks noChangeAspect="1"/>
+            </p:cNvPicPr>
+            <p:nvPr/>
+          </p:nvPicPr>
+          <p:blipFill rotWithShape="1">
+            <a:blip r:embed="rId3">
+              <a:extLst>
+                <a:ext uri="{28A0092B-C50C-407E-A947-70E740481C1C}">
+                  <a14:useLocalDpi xmlns:a14="http://schemas.microsoft.com/office/drawing/2010/main" val="0"/>
+                </a:ext>
+              </a:extLst>
+            </a:blip>
+            <a:srcRect r="9871"/>
+            <a:stretch/>
+          </p:blipFill>
+          <p:spPr>
+            <a:xfrm>
+              <a:off x="7717217" y="4259262"/>
+              <a:ext cx="1444752" cy="144270"/>
+            </a:xfrm>
+            <a:prstGeom prst="rect">
+              <a:avLst/>
+            </a:prstGeom>
+          </p:spPr>
+        </p:pic>
+        <p:sp>
+          <p:nvSpPr>
+            <p:cNvPr id="24" name="Rectangle 23"/>
+            <p:cNvSpPr/>
+            <p:nvPr/>
+          </p:nvSpPr>
+          <p:spPr>
+            <a:xfrm>
+              <a:off x="0" y="2895600"/>
+              <a:ext cx="7567140" cy="1368198"/>
+            </a:xfrm>
+            <a:prstGeom prst="rect">
+              <a:avLst/>
+            </a:prstGeom>
+            <a:solidFill>
+              <a:schemeClr val="bg1">
+                <a:lumMod val="85000"/>
+                <a:lumOff val="15000"/>
+              </a:schemeClr>
+            </a:solidFill>
+            <a:ln>
+              <a:noFill/>
+            </a:ln>
+          </p:spPr>
+          <p:style>
+            <a:lnRef idx="2">
+              <a:schemeClr val="accent1">
+                <a:shade val="50000"/>
+              </a:schemeClr>
+            </a:lnRef>
+            <a:fillRef idx="1">
+              <a:schemeClr val="accent1"/>
+            </a:fillRef>
+            <a:effectRef idx="0">
+              <a:schemeClr val="accent1"/>
+            </a:effectRef>
+            <a:fontRef idx="minor">
+              <a:schemeClr val="lt1"/>
+            </a:fontRef>
+          </p:style>
+        </p:sp>
+        <p:sp>
+          <p:nvSpPr>
+            <p:cNvPr id="25" name="Rectangle 24"/>
+            <p:cNvSpPr/>
+            <p:nvPr/>
+          </p:nvSpPr>
+          <p:spPr>
+            <a:xfrm>
+              <a:off x="7710769" y="2895600"/>
+              <a:ext cx="1433231" cy="1368198"/>
+            </a:xfrm>
+            <a:prstGeom prst="rect">
+              <a:avLst/>
+            </a:prstGeom>
+            <a:solidFill>
+              <a:schemeClr val="accent1"/>
+            </a:solidFill>
+            <a:ln>
+              <a:noFill/>
+            </a:ln>
+          </p:spPr>
+          <p:style>
+            <a:lnRef idx="2">
+              <a:schemeClr val="accent1">
+                <a:shade val="50000"/>
+              </a:schemeClr>
+            </a:lnRef>
+            <a:fillRef idx="1">
+              <a:schemeClr val="accent1"/>
+            </a:fillRef>
+            <a:effectRef idx="0">
+              <a:schemeClr val="accent1"/>
+            </a:effectRef>
+            <a:fontRef idx="minor">
+              <a:schemeClr val="lt1"/>
+            </a:fontRef>
+          </p:style>
+        </p:sp>
+      </p:grpSp>
+      <p:sp>
+        <p:nvSpPr>
+          <p:cNvPr id="2" name="Title 1"/>
+          <p:cNvSpPr>
+            <a:spLocks noGrp="1"/>
+          </p:cNvSpPr>
+          <p:nvPr>
+            <p:ph type="title"/>
+          </p:nvPr>
+        </p:nvSpPr>
+        <p:spPr>
+          <a:xfrm>
+            <a:off x="524255" y="609597"/>
+            <a:ext cx="6896534" cy="3592750"/>
+          </a:xfrm>
+        </p:spPr>
+        <p:txBody>
+          <a:bodyPr anchor="ctr"/>
+          <a:lstStyle>
+            <a:lvl1pPr>
+              <a:defRPr sz="3200"/>
+            </a:lvl1pPr>
+          </a:lstStyle>
+          <a:p>
+            <a:r>
+              <a:rPr lang="de-DE" smtClean="0"/>
+              <a:t>Titelmasterformat durch Klicken bearbeiten</a:t>
+            </a:r>
+            <a:endParaRPr lang="en-US" dirty="0"/>
+          </a:p>
+        </p:txBody>
+      </p:sp>
+      <p:sp>
+        <p:nvSpPr>
+          <p:cNvPr id="4" name="Text Placeholder 3"/>
+          <p:cNvSpPr>
+            <a:spLocks noGrp="1"/>
+          </p:cNvSpPr>
+          <p:nvPr>
+            <p:ph type="body" sz="half" idx="2"/>
+          </p:nvPr>
+        </p:nvSpPr>
+        <p:spPr>
+          <a:xfrm>
+            <a:off x="531638" y="4710340"/>
+            <a:ext cx="6889151" cy="1101764"/>
+          </a:xfrm>
+        </p:spPr>
+        <p:txBody>
+          <a:bodyPr anchor="ctr"/>
+          <a:lstStyle>
+            <a:lvl1pPr marL="0" indent="0">
+              <a:buNone/>
+              <a:defRPr sz="1600"/>
+            </a:lvl1pPr>
+            <a:lvl2pPr marL="457200" indent="0">
+              <a:buNone/>
+              <a:defRPr sz="1400"/>
+            </a:lvl2pPr>
+            <a:lvl3pPr marL="914400" indent="0">
+              <a:buNone/>
+              <a:defRPr sz="1200"/>
+            </a:lvl3pPr>
+            <a:lvl4pPr marL="1371600" indent="0">
+              <a:buNone/>
+              <a:defRPr sz="1000"/>
+            </a:lvl4pPr>
+            <a:lvl5pPr marL="1828800" indent="0">
+              <a:buNone/>
+              <a:defRPr sz="1000"/>
+            </a:lvl5pPr>
+            <a:lvl6pPr marL="2286000" indent="0">
+              <a:buNone/>
+              <a:defRPr sz="1000"/>
+            </a:lvl6pPr>
+            <a:lvl7pPr marL="2743200" indent="0">
+              <a:buNone/>
+              <a:defRPr sz="1000"/>
+            </a:lvl7pPr>
+            <a:lvl8pPr marL="3200400" indent="0">
+              <a:buNone/>
+              <a:defRPr sz="1000"/>
+            </a:lvl8pPr>
+            <a:lvl9pPr marL="3657600" indent="0">
+              <a:buNone/>
+              <a:defRPr sz="1000"/>
+            </a:lvl9pPr>
+          </a:lstStyle>
+          <a:p>
+            <a:pPr lvl="0"/>
+            <a:r>
+              <a:rPr lang="de-DE" smtClean="0"/>
+              <a:t>Formatvorlagen des Textmasters bearbeiten</a:t>
+            </a:r>
+          </a:p>
+        </p:txBody>
+      </p:sp>
+      <p:sp>
+        <p:nvSpPr>
+          <p:cNvPr id="5" name="Date Placeholder 4"/>
+          <p:cNvSpPr>
+            <a:spLocks noGrp="1"/>
+          </p:cNvSpPr>
+          <p:nvPr>
+            <p:ph type="dt" sz="half" idx="10"/>
+          </p:nvPr>
+        </p:nvSpPr>
+        <p:spPr/>
+        <p:txBody>
+          <a:bodyPr/>
+          <a:lstStyle/>
+          <a:p>
+            <a:fld id="{08D9589F-252C-704B-9B79-8E17BF3570A5}" type="datetimeFigureOut">
+              <a:rPr lang="de-DE" smtClean="0"/>
+              <a:t>11.10.2016</a:t>
+            </a:fld>
+            <a:endParaRPr lang="de-DE"/>
+          </a:p>
+        </p:txBody>
+      </p:sp>
+      <p:sp>
+        <p:nvSpPr>
+          <p:cNvPr id="6" name="Footer Placeholder 5"/>
+          <p:cNvSpPr>
+            <a:spLocks noGrp="1"/>
+          </p:cNvSpPr>
+          <p:nvPr>
+            <p:ph type="ftr" sz="quarter" idx="11"/>
+          </p:nvPr>
+        </p:nvSpPr>
+        <p:spPr/>
+        <p:txBody>
+          <a:bodyPr/>
+          <a:lstStyle/>
+          <a:p>
+            <a:endParaRPr lang="de-DE"/>
+          </a:p>
+        </p:txBody>
+      </p:sp>
+      <p:sp>
+        <p:nvSpPr>
+          <p:cNvPr id="7" name="Slide Number Placeholder 6"/>
+          <p:cNvSpPr>
+            <a:spLocks noGrp="1"/>
+          </p:cNvSpPr>
+          <p:nvPr>
+            <p:ph type="sldNum" sz="quarter" idx="12"/>
+          </p:nvPr>
+        </p:nvSpPr>
+        <p:spPr>
+          <a:xfrm>
+            <a:off x="7856438" y="4711616"/>
+            <a:ext cx="1149836" cy="1090789"/>
+          </a:xfrm>
+        </p:spPr>
+        <p:txBody>
+          <a:bodyPr/>
+          <a:lstStyle/>
+          <a:p>
+            <a:fld id="{696D0DBA-6426-E344-AF92-7958926D7170}" type="slidenum">
+              <a:rPr lang="de-DE" smtClean="0"/>
+              <a:t>‹Nr.›</a:t>
+            </a:fld>
+            <a:endParaRPr lang="de-DE"/>
+          </a:p>
+        </p:txBody>
+      </p:sp>
+    </p:spTree>
+    <p:extLst>
+      <p:ext uri="{BB962C8B-B14F-4D97-AF65-F5344CB8AC3E}">
+        <p14:creationId xmlns:p14="http://schemas.microsoft.com/office/powerpoint/2010/main" val="4101216582"/>
+      </p:ext>
+    </p:extLst>
+  </p:cSld>
+  <p:clrMapOvr>
+    <a:masterClrMapping/>
+  </p:clrMapOvr>
+</p:sldLayout>
+</file>
+
+<file path=ppt/slideLayouts/slideLayout12.xml><?xml version="1.0" encoding="utf-8"?>
+<p:sldLayout xmlns:a="http://schemas.openxmlformats.org/drawingml/2006/main" xmlns:r="http://schemas.openxmlformats.org/officeDocument/2006/relationships" xmlns:p="http://schemas.openxmlformats.org/presentationml/2006/main" preserve="1">
+  <p:cSld name="Zitat mit Beschriftung">
+    <p:spTree>
+      <p:nvGrpSpPr>
+        <p:cNvPr id="1" name=""/>
+        <p:cNvGrpSpPr/>
+        <p:nvPr/>
+      </p:nvGrpSpPr>
+      <p:grpSpPr>
+        <a:xfrm>
+          <a:off x="0" y="0"/>
+          <a:ext cx="0" cy="0"/>
+          <a:chOff x="0" y="0"/>
+          <a:chExt cx="0" cy="0"/>
+        </a:xfrm>
+      </p:grpSpPr>
+      <p:grpSp>
+        <p:nvGrpSpPr>
+          <p:cNvPr id="29" name="Group 28"/>
+          <p:cNvGrpSpPr/>
+          <p:nvPr/>
+        </p:nvGrpSpPr>
+        <p:grpSpPr>
+          <a:xfrm>
+            <a:off x="0" y="4572000"/>
+            <a:ext cx="9161969" cy="1677035"/>
+            <a:chOff x="0" y="2895600"/>
+            <a:chExt cx="9161969" cy="1677035"/>
+          </a:xfrm>
+        </p:grpSpPr>
+        <p:pic>
+          <p:nvPicPr>
+            <p:cNvPr id="30" name="Picture 29" descr="HD-ShadowLong.png"/>
+            <p:cNvPicPr>
+              <a:picLocks noChangeAspect="1"/>
+            </p:cNvPicPr>
+            <p:nvPr/>
+          </p:nvPicPr>
+          <p:blipFill rotWithShape="1">
+            <a:blip r:embed="rId2">
+              <a:extLst>
+                <a:ext uri="{28A0092B-C50C-407E-A947-70E740481C1C}">
+                  <a14:useLocalDpi xmlns:a14="http://schemas.microsoft.com/office/drawing/2010/main" val="0"/>
+                </a:ext>
+              </a:extLst>
+            </a:blip>
+            <a:srcRect l="26982" r="-217"/>
+            <a:stretch/>
+          </p:blipFill>
+          <p:spPr>
+            <a:xfrm>
+              <a:off x="0" y="4251471"/>
+              <a:ext cx="7644384" cy="321164"/>
+            </a:xfrm>
+            <a:prstGeom prst="rect">
+              <a:avLst/>
+            </a:prstGeom>
+          </p:spPr>
+        </p:pic>
+        <p:pic>
+          <p:nvPicPr>
+            <p:cNvPr id="31" name="Picture 30" descr="HD-ShadowShort.png"/>
+            <p:cNvPicPr>
+              <a:picLocks noChangeAspect="1"/>
+            </p:cNvPicPr>
+            <p:nvPr/>
+          </p:nvPicPr>
+          <p:blipFill rotWithShape="1">
+            <a:blip r:embed="rId3">
+              <a:extLst>
+                <a:ext uri="{28A0092B-C50C-407E-A947-70E740481C1C}">
+                  <a14:useLocalDpi xmlns:a14="http://schemas.microsoft.com/office/drawing/2010/main" val="0"/>
+                </a:ext>
+              </a:extLst>
+            </a:blip>
+            <a:srcRect r="9871"/>
+            <a:stretch/>
+          </p:blipFill>
+          <p:spPr>
+            <a:xfrm>
+              <a:off x="7717217" y="4259262"/>
+              <a:ext cx="1444752" cy="144270"/>
+            </a:xfrm>
+            <a:prstGeom prst="rect">
+              <a:avLst/>
+            </a:prstGeom>
+          </p:spPr>
+        </p:pic>
+        <p:sp>
+          <p:nvSpPr>
+            <p:cNvPr id="32" name="Rectangle 31"/>
+            <p:cNvSpPr/>
+            <p:nvPr/>
+          </p:nvSpPr>
+          <p:spPr>
+            <a:xfrm>
+              <a:off x="0" y="2895600"/>
+              <a:ext cx="7567140" cy="1368198"/>
+            </a:xfrm>
+            <a:prstGeom prst="rect">
+              <a:avLst/>
+            </a:prstGeom>
+            <a:solidFill>
+              <a:schemeClr val="bg1">
+                <a:lumMod val="85000"/>
+                <a:lumOff val="15000"/>
+              </a:schemeClr>
+            </a:solidFill>
+            <a:ln>
+              <a:noFill/>
+            </a:ln>
+          </p:spPr>
+          <p:style>
+            <a:lnRef idx="2">
+              <a:schemeClr val="accent1">
+                <a:shade val="50000"/>
+              </a:schemeClr>
+            </a:lnRef>
+            <a:fillRef idx="1">
+              <a:schemeClr val="accent1"/>
+            </a:fillRef>
+            <a:effectRef idx="0">
+              <a:schemeClr val="accent1"/>
+            </a:effectRef>
+            <a:fontRef idx="minor">
+              <a:schemeClr val="lt1"/>
+            </a:fontRef>
+          </p:style>
+        </p:sp>
+        <p:sp>
+          <p:nvSpPr>
+            <p:cNvPr id="33" name="Rectangle 32"/>
+            <p:cNvSpPr/>
+            <p:nvPr/>
+          </p:nvSpPr>
+          <p:spPr>
+            <a:xfrm>
+              <a:off x="7710769" y="2895600"/>
+              <a:ext cx="1433231" cy="1368198"/>
+            </a:xfrm>
+            <a:prstGeom prst="rect">
+              <a:avLst/>
+            </a:prstGeom>
+            <a:solidFill>
+              <a:schemeClr val="accent1"/>
+            </a:solidFill>
+            <a:ln>
+              <a:noFill/>
+            </a:ln>
+          </p:spPr>
+          <p:style>
+            <a:lnRef idx="2">
+              <a:schemeClr val="accent1">
+                <a:shade val="50000"/>
+              </a:schemeClr>
+            </a:lnRef>
+            <a:fillRef idx="1">
+              <a:schemeClr val="accent1"/>
+            </a:fillRef>
+            <a:effectRef idx="0">
+              <a:schemeClr val="accent1"/>
+            </a:effectRef>
+            <a:fontRef idx="minor">
+              <a:schemeClr val="lt1"/>
+            </a:fontRef>
+          </p:style>
+        </p:sp>
+      </p:grpSp>
+      <p:sp>
+        <p:nvSpPr>
+          <p:cNvPr id="2" name="Title 1"/>
+          <p:cNvSpPr>
+            <a:spLocks noGrp="1"/>
+          </p:cNvSpPr>
+          <p:nvPr>
+            <p:ph type="title"/>
+          </p:nvPr>
+        </p:nvSpPr>
+        <p:spPr>
+          <a:xfrm>
+            <a:off x="767921" y="616983"/>
+            <a:ext cx="6425147" cy="3036061"/>
+          </a:xfrm>
+        </p:spPr>
+        <p:txBody>
+          <a:bodyPr anchor="ctr"/>
+          <a:lstStyle>
+            <a:lvl1pPr>
+              <a:defRPr sz="3200"/>
+            </a:lvl1pPr>
+          </a:lstStyle>
+          <a:p>
+            <a:r>
+              <a:rPr lang="de-DE" smtClean="0"/>
+              <a:t>Titelmasterformat durch Klicken bearbeiten</a:t>
+            </a:r>
+            <a:endParaRPr lang="en-US" dirty="0"/>
+          </a:p>
+        </p:txBody>
+      </p:sp>
+      <p:sp>
+        <p:nvSpPr>
+          <p:cNvPr id="12" name="Text Placeholder 3"/>
+          <p:cNvSpPr>
+            <a:spLocks noGrp="1"/>
+          </p:cNvSpPr>
+          <p:nvPr>
+            <p:ph type="body" sz="half" idx="13"/>
+          </p:nvPr>
+        </p:nvSpPr>
+        <p:spPr>
+          <a:xfrm>
+            <a:off x="989438" y="3660763"/>
+            <a:ext cx="5987731" cy="548968"/>
+          </a:xfrm>
+        </p:spPr>
+        <p:txBody>
+          <a:bodyPr anchor="t">
+            <a:normAutofit/>
+          </a:bodyPr>
+          <a:lstStyle>
+            <a:lvl1pPr marL="0" indent="0">
+              <a:buNone/>
+              <a:defRPr sz="1400"/>
+            </a:lvl1pPr>
+            <a:lvl2pPr marL="457200" indent="0">
+              <a:buNone/>
+              <a:defRPr sz="1400"/>
+            </a:lvl2pPr>
+            <a:lvl3pPr marL="914400" indent="0">
+              <a:buNone/>
+              <a:defRPr sz="1200"/>
+            </a:lvl3pPr>
+            <a:lvl4pPr marL="1371600" indent="0">
+              <a:buNone/>
+              <a:defRPr sz="1000"/>
+            </a:lvl4pPr>
+            <a:lvl5pPr marL="1828800" indent="0">
+              <a:buNone/>
+              <a:defRPr sz="1000"/>
+            </a:lvl5pPr>
+            <a:lvl6pPr marL="2286000" indent="0">
+              <a:buNone/>
+              <a:defRPr sz="1000"/>
+            </a:lvl6pPr>
+            <a:lvl7pPr marL="2743200" indent="0">
+              <a:buNone/>
+              <a:defRPr sz="1000"/>
+            </a:lvl7pPr>
+            <a:lvl8pPr marL="3200400" indent="0">
+              <a:buNone/>
+              <a:defRPr sz="1000"/>
+            </a:lvl8pPr>
+            <a:lvl9pPr marL="3657600" indent="0">
+              <a:buNone/>
+              <a:defRPr sz="1000"/>
+            </a:lvl9pPr>
+          </a:lstStyle>
+          <a:p>
+            <a:pPr lvl="0"/>
+            <a:r>
+              <a:rPr lang="de-DE" smtClean="0"/>
+              <a:t>Formatvorlagen des Textmasters bearbeiten</a:t>
+            </a:r>
+          </a:p>
+        </p:txBody>
+      </p:sp>
+      <p:sp>
+        <p:nvSpPr>
+          <p:cNvPr id="4" name="Text Placeholder 3"/>
+          <p:cNvSpPr>
+            <a:spLocks noGrp="1"/>
+          </p:cNvSpPr>
+          <p:nvPr>
+            <p:ph type="body" sz="half" idx="2"/>
+          </p:nvPr>
+        </p:nvSpPr>
+        <p:spPr>
+          <a:xfrm>
+            <a:off x="531638" y="4710340"/>
+            <a:ext cx="6903919" cy="1101764"/>
+          </a:xfrm>
+        </p:spPr>
+        <p:txBody>
+          <a:bodyPr anchor="ctr">
+            <a:normAutofit/>
+          </a:bodyPr>
+          <a:lstStyle>
+            <a:lvl1pPr marL="0" indent="0">
+              <a:buNone/>
+              <a:defRPr sz="1600"/>
+            </a:lvl1pPr>
+            <a:lvl2pPr marL="457200" indent="0">
+              <a:buNone/>
+              <a:defRPr sz="1400"/>
+            </a:lvl2pPr>
+            <a:lvl3pPr marL="914400" indent="0">
+              <a:buNone/>
+              <a:defRPr sz="1200"/>
+            </a:lvl3pPr>
+            <a:lvl4pPr marL="1371600" indent="0">
+              <a:buNone/>
+              <a:defRPr sz="1000"/>
+            </a:lvl4pPr>
+            <a:lvl5pPr marL="1828800" indent="0">
+              <a:buNone/>
+              <a:defRPr sz="1000"/>
+            </a:lvl5pPr>
+            <a:lvl6pPr marL="2286000" indent="0">
+              <a:buNone/>
+              <a:defRPr sz="1000"/>
+            </a:lvl6pPr>
+            <a:lvl7pPr marL="2743200" indent="0">
+              <a:buNone/>
+              <a:defRPr sz="1000"/>
+            </a:lvl7pPr>
+            <a:lvl8pPr marL="3200400" indent="0">
+              <a:buNone/>
+              <a:defRPr sz="1000"/>
+            </a:lvl8pPr>
+            <a:lvl9pPr marL="3657600" indent="0">
+              <a:buNone/>
+              <a:defRPr sz="1000"/>
+            </a:lvl9pPr>
+          </a:lstStyle>
+          <a:p>
+            <a:pPr lvl="0"/>
+            <a:r>
+              <a:rPr lang="de-DE" smtClean="0"/>
+              <a:t>Formatvorlagen des Textmasters bearbeiten</a:t>
+            </a:r>
+          </a:p>
+        </p:txBody>
+      </p:sp>
+      <p:sp>
+        <p:nvSpPr>
+          <p:cNvPr id="5" name="Date Placeholder 4"/>
+          <p:cNvSpPr>
+            <a:spLocks noGrp="1"/>
+          </p:cNvSpPr>
+          <p:nvPr>
+            <p:ph type="dt" sz="half" idx="10"/>
+          </p:nvPr>
+        </p:nvSpPr>
+        <p:spPr/>
+        <p:txBody>
+          <a:bodyPr/>
+          <a:lstStyle/>
+          <a:p>
+            <a:fld id="{08D9589F-252C-704B-9B79-8E17BF3570A5}" type="datetimeFigureOut">
+              <a:rPr lang="de-DE" smtClean="0"/>
+              <a:t>11.10.2016</a:t>
+            </a:fld>
+            <a:endParaRPr lang="de-DE"/>
+          </a:p>
+        </p:txBody>
+      </p:sp>
+      <p:sp>
+        <p:nvSpPr>
+          <p:cNvPr id="6" name="Footer Placeholder 5"/>
+          <p:cNvSpPr>
+            <a:spLocks noGrp="1"/>
+          </p:cNvSpPr>
+          <p:nvPr>
+            <p:ph type="ftr" sz="quarter" idx="11"/>
+          </p:nvPr>
+        </p:nvSpPr>
+        <p:spPr/>
+        <p:txBody>
+          <a:bodyPr/>
+          <a:lstStyle/>
+          <a:p>
+            <a:endParaRPr lang="de-DE"/>
+          </a:p>
+        </p:txBody>
+      </p:sp>
+      <p:sp>
+        <p:nvSpPr>
+          <p:cNvPr id="7" name="Slide Number Placeholder 6"/>
+          <p:cNvSpPr>
+            <a:spLocks noGrp="1"/>
+          </p:cNvSpPr>
+          <p:nvPr>
+            <p:ph type="sldNum" sz="quarter" idx="12"/>
+          </p:nvPr>
+        </p:nvSpPr>
+        <p:spPr>
+          <a:xfrm>
+            <a:off x="7856438" y="4709926"/>
+            <a:ext cx="1149836" cy="1090789"/>
+          </a:xfrm>
+        </p:spPr>
+        <p:txBody>
+          <a:bodyPr/>
+          <a:lstStyle/>
+          <a:p>
+            <a:fld id="{696D0DBA-6426-E344-AF92-7958926D7170}" type="slidenum">
+              <a:rPr lang="de-DE" smtClean="0"/>
+              <a:t>‹Nr.›</a:t>
+            </a:fld>
+            <a:endParaRPr lang="de-DE"/>
+          </a:p>
+        </p:txBody>
+      </p:sp>
+      <p:sp>
+        <p:nvSpPr>
+          <p:cNvPr id="27" name="TextBox 26"/>
+          <p:cNvSpPr txBox="1"/>
+          <p:nvPr/>
+        </p:nvSpPr>
+        <p:spPr>
+          <a:xfrm>
+            <a:off x="270932" y="748116"/>
+            <a:ext cx="533400" cy="584776"/>
+          </a:xfrm>
+          <a:prstGeom prst="rect">
+            <a:avLst/>
+          </a:prstGeom>
+        </p:spPr>
+        <p:txBody>
+          <a:bodyPr vert="horz" lIns="91440" tIns="45720" rIns="91440" bIns="45720" rtlCol="0" anchor="ctr">
+            <a:noAutofit/>
+          </a:bodyPr>
+          <a:lstStyle>
+            <a:lvl1pPr>
+              <a:spcBef>
+                <a:spcPct val="0"/>
+              </a:spcBef>
+              <a:buNone/>
+              <a:defRPr sz="3200" b="0" cap="all">
+                <a:ln w="3175" cmpd="sng">
+                  <a:noFill/>
+                </a:ln>
+                <a:effectLst>
+                  <a:glow rad="38100">
+                    <a:schemeClr val="bg1">
+                      <a:lumMod val="65000"/>
+                      <a:lumOff val="35000"/>
+                      <a:alpha val="40000"/>
+                    </a:schemeClr>
+                  </a:glow>
+                  <a:outerShdw blurRad="28575" dist="38100" dir="14040000" algn="tl" rotWithShape="0">
+                    <a:srgbClr val="000000">
+                      <a:alpha val="25000"/>
+                    </a:srgbClr>
+                  </a:outerShdw>
+                </a:effectLst>
+              </a:defRPr>
+            </a:lvl1pPr>
+            <a:lvl2pPr>
+              <a:defRPr>
+                <a:solidFill>
+                  <a:schemeClr val="tx2"/>
+                </a:solidFill>
+              </a:defRPr>
+            </a:lvl2pPr>
+            <a:lvl3pPr>
+              <a:defRPr>
+                <a:solidFill>
+                  <a:schemeClr val="tx2"/>
+                </a:solidFill>
+              </a:defRPr>
+            </a:lvl3pPr>
+            <a:lvl4pPr>
+              <a:defRPr>
+                <a:solidFill>
+                  <a:schemeClr val="tx2"/>
+                </a:solidFill>
+              </a:defRPr>
+            </a:lvl4pPr>
+            <a:lvl5pPr>
+              <a:defRPr>
+                <a:solidFill>
+                  <a:schemeClr val="tx2"/>
+                </a:solidFill>
+              </a:defRPr>
+            </a:lvl5pPr>
+            <a:lvl6pPr>
+              <a:defRPr>
+                <a:solidFill>
+                  <a:schemeClr val="tx2"/>
+                </a:solidFill>
+              </a:defRPr>
+            </a:lvl6pPr>
+            <a:lvl7pPr>
+              <a:defRPr>
+                <a:solidFill>
+                  <a:schemeClr val="tx2"/>
+                </a:solidFill>
+              </a:defRPr>
+            </a:lvl7pPr>
+            <a:lvl8pPr>
+              <a:defRPr>
+                <a:solidFill>
+                  <a:schemeClr val="tx2"/>
+                </a:solidFill>
+              </a:defRPr>
+            </a:lvl8pPr>
+            <a:lvl9pPr>
+              <a:defRPr>
+                <a:solidFill>
+                  <a:schemeClr val="tx2"/>
+                </a:solidFill>
+              </a:defRPr>
+            </a:lvl9pPr>
+          </a:lstStyle>
+          <a:p>
+            <a:pPr lvl="0"/>
+            <a:r>
+              <a:rPr lang="en-US" sz="7200" dirty="0">
+                <a:solidFill>
+                  <a:schemeClr val="tx1"/>
+                </a:solidFill>
+                <a:effectLst/>
+              </a:rPr>
+              <a:t>“</a:t>
+            </a:r>
+          </a:p>
+        </p:txBody>
+      </p:sp>
+      <p:sp>
+        <p:nvSpPr>
+          <p:cNvPr id="28" name="TextBox 27"/>
+          <p:cNvSpPr txBox="1"/>
+          <p:nvPr/>
+        </p:nvSpPr>
+        <p:spPr>
+          <a:xfrm>
+            <a:off x="6967191" y="2998573"/>
+            <a:ext cx="457200" cy="584777"/>
+          </a:xfrm>
+          <a:prstGeom prst="rect">
+            <a:avLst/>
+          </a:prstGeom>
+        </p:spPr>
+        <p:txBody>
+          <a:bodyPr vert="horz" lIns="91440" tIns="45720" rIns="91440" bIns="45720" rtlCol="0" anchor="ctr">
+            <a:noAutofit/>
+          </a:bodyPr>
+          <a:lstStyle>
+            <a:lvl1pPr>
+              <a:spcBef>
+                <a:spcPct val="0"/>
+              </a:spcBef>
+              <a:buNone/>
+              <a:defRPr sz="3200" b="0" cap="all">
+                <a:ln w="3175" cmpd="sng">
+                  <a:noFill/>
+                </a:ln>
+                <a:effectLst>
+                  <a:glow rad="38100">
+                    <a:schemeClr val="bg1">
+                      <a:lumMod val="65000"/>
+                      <a:lumOff val="35000"/>
+                      <a:alpha val="40000"/>
+                    </a:schemeClr>
+                  </a:glow>
+                  <a:outerShdw blurRad="28575" dist="38100" dir="14040000" algn="tl" rotWithShape="0">
+                    <a:srgbClr val="000000">
+                      <a:alpha val="25000"/>
+                    </a:srgbClr>
+                  </a:outerShdw>
+                </a:effectLst>
+              </a:defRPr>
+            </a:lvl1pPr>
+            <a:lvl2pPr>
+              <a:defRPr>
+                <a:solidFill>
+                  <a:schemeClr val="tx2"/>
+                </a:solidFill>
+              </a:defRPr>
+            </a:lvl2pPr>
+            <a:lvl3pPr>
+              <a:defRPr>
+                <a:solidFill>
+                  <a:schemeClr val="tx2"/>
+                </a:solidFill>
+              </a:defRPr>
+            </a:lvl3pPr>
+            <a:lvl4pPr>
+              <a:defRPr>
+                <a:solidFill>
+                  <a:schemeClr val="tx2"/>
+                </a:solidFill>
+              </a:defRPr>
+            </a:lvl4pPr>
+            <a:lvl5pPr>
+              <a:defRPr>
+                <a:solidFill>
+                  <a:schemeClr val="tx2"/>
+                </a:solidFill>
+              </a:defRPr>
+            </a:lvl5pPr>
+            <a:lvl6pPr>
+              <a:defRPr>
+                <a:solidFill>
+                  <a:schemeClr val="tx2"/>
+                </a:solidFill>
+              </a:defRPr>
+            </a:lvl6pPr>
+            <a:lvl7pPr>
+              <a:defRPr>
+                <a:solidFill>
+                  <a:schemeClr val="tx2"/>
+                </a:solidFill>
+              </a:defRPr>
+            </a:lvl7pPr>
+            <a:lvl8pPr>
+              <a:defRPr>
+                <a:solidFill>
+                  <a:schemeClr val="tx2"/>
+                </a:solidFill>
+              </a:defRPr>
+            </a:lvl8pPr>
+            <a:lvl9pPr>
+              <a:defRPr>
+                <a:solidFill>
+                  <a:schemeClr val="tx2"/>
+                </a:solidFill>
+              </a:defRPr>
+            </a:lvl9pPr>
+          </a:lstStyle>
+          <a:p>
+            <a:pPr lvl="0" algn="r"/>
+            <a:r>
+              <a:rPr lang="en-US" sz="7200" dirty="0">
+                <a:solidFill>
+                  <a:schemeClr val="tx1"/>
+                </a:solidFill>
+                <a:effectLst/>
+              </a:rPr>
+              <a:t>”</a:t>
+            </a:r>
+          </a:p>
+        </p:txBody>
+      </p:sp>
+    </p:spTree>
+    <p:extLst>
+      <p:ext uri="{BB962C8B-B14F-4D97-AF65-F5344CB8AC3E}">
+        <p14:creationId xmlns:p14="http://schemas.microsoft.com/office/powerpoint/2010/main" val="3025499236"/>
+      </p:ext>
+    </p:extLst>
+  </p:cSld>
+  <p:clrMapOvr>
+    <a:masterClrMapping/>
+  </p:clrMapOvr>
+</p:sldLayout>
+</file>
+
+<file path=ppt/slideLayouts/slideLayout13.xml><?xml version="1.0" encoding="utf-8"?>
+<p:sldLayout xmlns:a="http://schemas.openxmlformats.org/drawingml/2006/main" xmlns:r="http://schemas.openxmlformats.org/officeDocument/2006/relationships" xmlns:p="http://schemas.openxmlformats.org/presentationml/2006/main" preserve="1">
+  <p:cSld name="Namenskarte">
+    <p:spTree>
+      <p:nvGrpSpPr>
+        <p:cNvPr id="1" name=""/>
+        <p:cNvGrpSpPr/>
+        <p:nvPr/>
+      </p:nvGrpSpPr>
+      <p:grpSpPr>
+        <a:xfrm>
+          <a:off x="0" y="0"/>
+          <a:ext cx="0" cy="0"/>
+          <a:chOff x="0" y="0"/>
+          <a:chExt cx="0" cy="0"/>
+        </a:xfrm>
+      </p:grpSpPr>
+      <p:grpSp>
+        <p:nvGrpSpPr>
+          <p:cNvPr id="22" name="Group 21"/>
+          <p:cNvGrpSpPr/>
+          <p:nvPr/>
+        </p:nvGrpSpPr>
+        <p:grpSpPr>
+          <a:xfrm>
+            <a:off x="0" y="4572000"/>
+            <a:ext cx="9161969" cy="1677035"/>
+            <a:chOff x="0" y="2895600"/>
+            <a:chExt cx="9161969" cy="1677035"/>
+          </a:xfrm>
+        </p:grpSpPr>
+        <p:pic>
+          <p:nvPicPr>
+            <p:cNvPr id="23" name="Picture 22" descr="HD-ShadowLong.png"/>
+            <p:cNvPicPr>
+              <a:picLocks noChangeAspect="1"/>
+            </p:cNvPicPr>
+            <p:nvPr/>
+          </p:nvPicPr>
+          <p:blipFill rotWithShape="1">
+            <a:blip r:embed="rId2">
+              <a:extLst>
+                <a:ext uri="{28A0092B-C50C-407E-A947-70E740481C1C}">
+                  <a14:useLocalDpi xmlns:a14="http://schemas.microsoft.com/office/drawing/2010/main" val="0"/>
+                </a:ext>
+              </a:extLst>
+            </a:blip>
+            <a:srcRect l="26982" r="-217"/>
+            <a:stretch/>
+          </p:blipFill>
+          <p:spPr>
+            <a:xfrm>
+              <a:off x="0" y="4251471"/>
+              <a:ext cx="7644384" cy="321164"/>
+            </a:xfrm>
+            <a:prstGeom prst="rect">
+              <a:avLst/>
+            </a:prstGeom>
+          </p:spPr>
+        </p:pic>
+        <p:pic>
+          <p:nvPicPr>
+            <p:cNvPr id="24" name="Picture 23" descr="HD-ShadowShort.png"/>
+            <p:cNvPicPr>
+              <a:picLocks noChangeAspect="1"/>
+            </p:cNvPicPr>
+            <p:nvPr/>
+          </p:nvPicPr>
+          <p:blipFill rotWithShape="1">
+            <a:blip r:embed="rId3">
+              <a:extLst>
+                <a:ext uri="{28A0092B-C50C-407E-A947-70E740481C1C}">
+                  <a14:useLocalDpi xmlns:a14="http://schemas.microsoft.com/office/drawing/2010/main" val="0"/>
+                </a:ext>
+              </a:extLst>
+            </a:blip>
+            <a:srcRect r="9871"/>
+            <a:stretch/>
+          </p:blipFill>
+          <p:spPr>
+            <a:xfrm>
+              <a:off x="7717217" y="4259262"/>
+              <a:ext cx="1444752" cy="144270"/>
+            </a:xfrm>
+            <a:prstGeom prst="rect">
+              <a:avLst/>
+            </a:prstGeom>
+          </p:spPr>
+        </p:pic>
+        <p:sp>
+          <p:nvSpPr>
+            <p:cNvPr id="25" name="Rectangle 24"/>
+            <p:cNvSpPr/>
+            <p:nvPr/>
+          </p:nvSpPr>
+          <p:spPr>
+            <a:xfrm>
+              <a:off x="0" y="2895600"/>
+              <a:ext cx="7567140" cy="1368198"/>
+            </a:xfrm>
+            <a:prstGeom prst="rect">
+              <a:avLst/>
+            </a:prstGeom>
+            <a:solidFill>
+              <a:schemeClr val="bg1">
+                <a:lumMod val="85000"/>
+                <a:lumOff val="15000"/>
+              </a:schemeClr>
+            </a:solidFill>
+            <a:ln>
+              <a:noFill/>
+            </a:ln>
+          </p:spPr>
+          <p:style>
+            <a:lnRef idx="2">
+              <a:schemeClr val="accent1">
+                <a:shade val="50000"/>
+              </a:schemeClr>
+            </a:lnRef>
+            <a:fillRef idx="1">
+              <a:schemeClr val="accent1"/>
+            </a:fillRef>
+            <a:effectRef idx="0">
+              <a:schemeClr val="accent1"/>
+            </a:effectRef>
+            <a:fontRef idx="minor">
+              <a:schemeClr val="lt1"/>
+            </a:fontRef>
+          </p:style>
+        </p:sp>
+        <p:sp>
+          <p:nvSpPr>
+            <p:cNvPr id="26" name="Rectangle 25"/>
+            <p:cNvSpPr/>
+            <p:nvPr/>
+          </p:nvSpPr>
+          <p:spPr>
+            <a:xfrm>
+              <a:off x="7710769" y="2895600"/>
+              <a:ext cx="1433231" cy="1368198"/>
+            </a:xfrm>
+            <a:prstGeom prst="rect">
+              <a:avLst/>
+            </a:prstGeom>
+            <a:solidFill>
+              <a:schemeClr val="accent1"/>
+            </a:solidFill>
+            <a:ln>
+              <a:noFill/>
+            </a:ln>
+          </p:spPr>
+          <p:style>
+            <a:lnRef idx="2">
+              <a:schemeClr val="accent1">
+                <a:shade val="50000"/>
+              </a:schemeClr>
+            </a:lnRef>
+            <a:fillRef idx="1">
+              <a:schemeClr val="accent1"/>
+            </a:fillRef>
+            <a:effectRef idx="0">
+              <a:schemeClr val="accent1"/>
+            </a:effectRef>
+            <a:fontRef idx="minor">
+              <a:schemeClr val="lt1"/>
+            </a:fontRef>
+          </p:style>
+        </p:sp>
+      </p:grpSp>
+      <p:sp>
+        <p:nvSpPr>
+          <p:cNvPr id="2" name="Title 1"/>
+          <p:cNvSpPr>
+            <a:spLocks noGrp="1"/>
+          </p:cNvSpPr>
+          <p:nvPr>
+            <p:ph type="title"/>
+          </p:nvPr>
+        </p:nvSpPr>
+        <p:spPr>
+          <a:xfrm>
+            <a:off x="531638" y="4710340"/>
+            <a:ext cx="6896534" cy="589812"/>
+          </a:xfrm>
+        </p:spPr>
+        <p:txBody>
+          <a:bodyPr anchor="b"/>
+          <a:lstStyle>
+            <a:lvl1pPr>
+              <a:defRPr sz="3200"/>
+            </a:lvl1pPr>
+          </a:lstStyle>
+          <a:p>
+            <a:r>
+              <a:rPr lang="de-DE" smtClean="0"/>
+              <a:t>Titelmasterformat durch Klicken bearbeiten</a:t>
+            </a:r>
+            <a:endParaRPr lang="en-US" dirty="0"/>
+          </a:p>
+        </p:txBody>
+      </p:sp>
+      <p:sp>
+        <p:nvSpPr>
+          <p:cNvPr id="4" name="Text Placeholder 3"/>
+          <p:cNvSpPr>
+            <a:spLocks noGrp="1"/>
+          </p:cNvSpPr>
+          <p:nvPr>
+            <p:ph type="body" sz="half" idx="2"/>
+          </p:nvPr>
+        </p:nvSpPr>
+        <p:spPr>
+          <a:xfrm>
+            <a:off x="531639" y="5300150"/>
+            <a:ext cx="6896534" cy="511954"/>
+          </a:xfrm>
+        </p:spPr>
+        <p:txBody>
+          <a:bodyPr anchor="t"/>
+          <a:lstStyle>
+            <a:lvl1pPr marL="0" indent="0">
+              <a:buNone/>
+              <a:defRPr sz="1600"/>
+            </a:lvl1pPr>
+            <a:lvl2pPr marL="457200" indent="0">
+              <a:buNone/>
+              <a:defRPr sz="1400"/>
+            </a:lvl2pPr>
+            <a:lvl3pPr marL="914400" indent="0">
+              <a:buNone/>
+              <a:defRPr sz="1200"/>
+            </a:lvl3pPr>
+            <a:lvl4pPr marL="1371600" indent="0">
+              <a:buNone/>
+              <a:defRPr sz="1000"/>
+            </a:lvl4pPr>
+            <a:lvl5pPr marL="1828800" indent="0">
+              <a:buNone/>
+              <a:defRPr sz="1000"/>
+            </a:lvl5pPr>
+            <a:lvl6pPr marL="2286000" indent="0">
+              <a:buNone/>
+              <a:defRPr sz="1000"/>
+            </a:lvl6pPr>
+            <a:lvl7pPr marL="2743200" indent="0">
+              <a:buNone/>
+              <a:defRPr sz="1000"/>
+            </a:lvl7pPr>
+            <a:lvl8pPr marL="3200400" indent="0">
+              <a:buNone/>
+              <a:defRPr sz="1000"/>
+            </a:lvl8pPr>
+            <a:lvl9pPr marL="3657600" indent="0">
+              <a:buNone/>
+              <a:defRPr sz="1000"/>
+            </a:lvl9pPr>
+          </a:lstStyle>
+          <a:p>
+            <a:pPr lvl="0"/>
+            <a:r>
+              <a:rPr lang="de-DE" smtClean="0"/>
+              <a:t>Formatvorlagen des Textmasters bearbeiten</a:t>
+            </a:r>
+          </a:p>
+        </p:txBody>
+      </p:sp>
+      <p:sp>
+        <p:nvSpPr>
+          <p:cNvPr id="5" name="Date Placeholder 4"/>
+          <p:cNvSpPr>
+            <a:spLocks noGrp="1"/>
+          </p:cNvSpPr>
+          <p:nvPr>
+            <p:ph type="dt" sz="half" idx="10"/>
+          </p:nvPr>
+        </p:nvSpPr>
+        <p:spPr/>
+        <p:txBody>
+          <a:bodyPr/>
+          <a:lstStyle/>
+          <a:p>
+            <a:fld id="{08D9589F-252C-704B-9B79-8E17BF3570A5}" type="datetimeFigureOut">
+              <a:rPr lang="de-DE" smtClean="0"/>
+              <a:t>11.10.2016</a:t>
+            </a:fld>
+            <a:endParaRPr lang="de-DE"/>
+          </a:p>
+        </p:txBody>
+      </p:sp>
+      <p:sp>
+        <p:nvSpPr>
+          <p:cNvPr id="6" name="Footer Placeholder 5"/>
+          <p:cNvSpPr>
+            <a:spLocks noGrp="1"/>
+          </p:cNvSpPr>
+          <p:nvPr>
+            <p:ph type="ftr" sz="quarter" idx="11"/>
+          </p:nvPr>
+        </p:nvSpPr>
+        <p:spPr/>
+        <p:txBody>
+          <a:bodyPr/>
+          <a:lstStyle/>
+          <a:p>
+            <a:endParaRPr lang="de-DE"/>
+          </a:p>
+        </p:txBody>
+      </p:sp>
+      <p:sp>
+        <p:nvSpPr>
+          <p:cNvPr id="7" name="Slide Number Placeholder 6"/>
+          <p:cNvSpPr>
+            <a:spLocks noGrp="1"/>
+          </p:cNvSpPr>
+          <p:nvPr>
+            <p:ph type="sldNum" sz="quarter" idx="12"/>
+          </p:nvPr>
+        </p:nvSpPr>
+        <p:spPr>
+          <a:xfrm>
+            <a:off x="7856438" y="4709926"/>
+            <a:ext cx="1149836" cy="1090789"/>
+          </a:xfrm>
+        </p:spPr>
+        <p:txBody>
+          <a:bodyPr/>
+          <a:lstStyle/>
+          <a:p>
+            <a:fld id="{696D0DBA-6426-E344-AF92-7958926D7170}" type="slidenum">
+              <a:rPr lang="de-DE" smtClean="0"/>
+              <a:t>‹Nr.›</a:t>
+            </a:fld>
+            <a:endParaRPr lang="de-DE"/>
+          </a:p>
+        </p:txBody>
+      </p:sp>
+    </p:spTree>
+    <p:extLst>
+      <p:ext uri="{BB962C8B-B14F-4D97-AF65-F5344CB8AC3E}">
+        <p14:creationId xmlns:p14="http://schemas.microsoft.com/office/powerpoint/2010/main" val="3370942986"/>
+      </p:ext>
+    </p:extLst>
+  </p:cSld>
+  <p:clrMapOvr>
+    <a:masterClrMapping/>
+  </p:clrMapOvr>
+</p:sldLayout>
+</file>
+
+<file path=ppt/slideLayouts/slideLayout14.xml><?xml version="1.0" encoding="utf-8"?>
+<p:sldLayout xmlns:a="http://schemas.openxmlformats.org/drawingml/2006/main" xmlns:r="http://schemas.openxmlformats.org/officeDocument/2006/relationships" xmlns:p="http://schemas.openxmlformats.org/presentationml/2006/main" preserve="1">
+  <p:cSld name="3 Spalte">
+    <p:spTree>
+      <p:nvGrpSpPr>
+        <p:cNvPr id="1" name=""/>
+        <p:cNvGrpSpPr/>
+        <p:nvPr/>
+      </p:nvGrpSpPr>
+      <p:grpSpPr>
+        <a:xfrm>
+          <a:off x="0" y="0"/>
+          <a:ext cx="0" cy="0"/>
+          <a:chOff x="0" y="0"/>
+          <a:chExt cx="0" cy="0"/>
+        </a:xfrm>
+      </p:grpSpPr>
+      <p:grpSp>
+        <p:nvGrpSpPr>
+          <p:cNvPr id="23" name="Group 22"/>
+          <p:cNvGrpSpPr/>
+          <p:nvPr/>
+        </p:nvGrpSpPr>
+        <p:grpSpPr>
+          <a:xfrm>
+            <a:off x="0" y="609600"/>
+            <a:ext cx="9161969" cy="1677035"/>
+            <a:chOff x="0" y="2895600"/>
+            <a:chExt cx="9161969" cy="1677035"/>
+          </a:xfrm>
+        </p:grpSpPr>
+        <p:pic>
+          <p:nvPicPr>
+            <p:cNvPr id="24" name="Picture 23" descr="HD-ShadowLong.png"/>
+            <p:cNvPicPr>
+              <a:picLocks noChangeAspect="1"/>
+            </p:cNvPicPr>
+            <p:nvPr/>
+          </p:nvPicPr>
+          <p:blipFill rotWithShape="1">
+            <a:blip r:embed="rId2">
+              <a:extLst>
+                <a:ext uri="{28A0092B-C50C-407E-A947-70E740481C1C}">
+                  <a14:useLocalDpi xmlns:a14="http://schemas.microsoft.com/office/drawing/2010/main" val="0"/>
+                </a:ext>
+              </a:extLst>
+            </a:blip>
+            <a:srcRect l="26982" r="-217"/>
+            <a:stretch/>
+          </p:blipFill>
+          <p:spPr>
+            <a:xfrm>
+              <a:off x="0" y="4251471"/>
+              <a:ext cx="7644384" cy="321164"/>
+            </a:xfrm>
+            <a:prstGeom prst="rect">
+              <a:avLst/>
+            </a:prstGeom>
+          </p:spPr>
+        </p:pic>
+        <p:pic>
+          <p:nvPicPr>
+            <p:cNvPr id="25" name="Picture 24" descr="HD-ShadowShort.png"/>
+            <p:cNvPicPr>
+              <a:picLocks noChangeAspect="1"/>
+            </p:cNvPicPr>
+            <p:nvPr/>
+          </p:nvPicPr>
+          <p:blipFill rotWithShape="1">
+            <a:blip r:embed="rId3">
+              <a:extLst>
+                <a:ext uri="{28A0092B-C50C-407E-A947-70E740481C1C}">
+                  <a14:useLocalDpi xmlns:a14="http://schemas.microsoft.com/office/drawing/2010/main" val="0"/>
+                </a:ext>
+              </a:extLst>
+            </a:blip>
+            <a:srcRect r="9871"/>
+            <a:stretch/>
+          </p:blipFill>
+          <p:spPr>
+            <a:xfrm>
+              <a:off x="7717217" y="4259262"/>
+              <a:ext cx="1444752" cy="144270"/>
+            </a:xfrm>
+            <a:prstGeom prst="rect">
+              <a:avLst/>
+            </a:prstGeom>
+          </p:spPr>
+        </p:pic>
+        <p:sp>
+          <p:nvSpPr>
+            <p:cNvPr id="26" name="Rectangle 25"/>
+            <p:cNvSpPr/>
+            <p:nvPr/>
+          </p:nvSpPr>
+          <p:spPr>
+            <a:xfrm>
+              <a:off x="0" y="2895600"/>
+              <a:ext cx="7567140" cy="1368198"/>
+            </a:xfrm>
+            <a:prstGeom prst="rect">
+              <a:avLst/>
+            </a:prstGeom>
+            <a:solidFill>
+              <a:schemeClr val="bg1">
+                <a:lumMod val="85000"/>
+                <a:lumOff val="15000"/>
+              </a:schemeClr>
+            </a:solidFill>
+            <a:ln>
+              <a:noFill/>
+            </a:ln>
+          </p:spPr>
+          <p:style>
+            <a:lnRef idx="2">
+              <a:schemeClr val="accent1">
+                <a:shade val="50000"/>
+              </a:schemeClr>
+            </a:lnRef>
+            <a:fillRef idx="1">
+              <a:schemeClr val="accent1"/>
+            </a:fillRef>
+            <a:effectRef idx="0">
+              <a:schemeClr val="accent1"/>
+            </a:effectRef>
+            <a:fontRef idx="minor">
+              <a:schemeClr val="lt1"/>
+            </a:fontRef>
+          </p:style>
+        </p:sp>
+        <p:sp>
+          <p:nvSpPr>
+            <p:cNvPr id="27" name="Rectangle 26"/>
+            <p:cNvSpPr/>
+            <p:nvPr/>
+          </p:nvSpPr>
+          <p:spPr>
+            <a:xfrm>
+              <a:off x="7710769" y="2895600"/>
+              <a:ext cx="1433231" cy="1368198"/>
+            </a:xfrm>
+            <a:prstGeom prst="rect">
+              <a:avLst/>
+            </a:prstGeom>
+            <a:solidFill>
+              <a:schemeClr val="accent1"/>
+            </a:solidFill>
+            <a:ln>
+              <a:noFill/>
+            </a:ln>
+          </p:spPr>
+          <p:style>
+            <a:lnRef idx="2">
+              <a:schemeClr val="accent1">
+                <a:shade val="50000"/>
+              </a:schemeClr>
+            </a:lnRef>
+            <a:fillRef idx="1">
+              <a:schemeClr val="accent1"/>
+            </a:fillRef>
+            <a:effectRef idx="0">
+              <a:schemeClr val="accent1"/>
+            </a:effectRef>
+            <a:fontRef idx="minor">
+              <a:schemeClr val="lt1"/>
+            </a:fontRef>
+          </p:style>
+        </p:sp>
+      </p:grpSp>
+      <p:sp>
+        <p:nvSpPr>
+          <p:cNvPr id="15" name="Title 1"/>
+          <p:cNvSpPr>
+            <a:spLocks noGrp="1"/>
+          </p:cNvSpPr>
+          <p:nvPr>
+            <p:ph type="title"/>
+          </p:nvPr>
+        </p:nvSpPr>
+        <p:spPr>
+          <a:xfrm>
+            <a:off x="531639" y="753228"/>
+            <a:ext cx="6896534" cy="1080938"/>
+          </a:xfrm>
+        </p:spPr>
+        <p:txBody>
+          <a:bodyPr/>
+          <a:lstStyle/>
+          <a:p>
+            <a:r>
+              <a:rPr lang="de-DE" smtClean="0"/>
+              <a:t>Titelmasterformat durch Klicken bearbeiten</a:t>
+            </a:r>
+            <a:endParaRPr lang="en-US" dirty="0"/>
+          </a:p>
+        </p:txBody>
+      </p:sp>
+      <p:sp>
+        <p:nvSpPr>
+          <p:cNvPr id="7" name="Text Placeholder 2"/>
+          <p:cNvSpPr>
+            <a:spLocks noGrp="1"/>
+          </p:cNvSpPr>
+          <p:nvPr>
+            <p:ph type="body" idx="1"/>
+          </p:nvPr>
+        </p:nvSpPr>
+        <p:spPr>
+          <a:xfrm>
+            <a:off x="532629" y="2329489"/>
+            <a:ext cx="2194560" cy="576262"/>
+          </a:xfrm>
+        </p:spPr>
+        <p:txBody>
+          <a:bodyPr anchor="b">
+            <a:noAutofit/>
+          </a:bodyPr>
+          <a:lstStyle>
+            <a:lvl1pPr marL="0" indent="0">
+              <a:buNone/>
+              <a:defRPr sz="2400" b="0">
+                <a:solidFill>
+                  <a:schemeClr val="tx1"/>
+                </a:solidFill>
+              </a:defRPr>
+            </a:lvl1pPr>
+            <a:lvl2pPr marL="457200" indent="0">
+              <a:buNone/>
+              <a:defRPr sz="2000" b="1"/>
+            </a:lvl2pPr>
+            <a:lvl3pPr marL="914400" indent="0">
+              <a:buNone/>
+              <a:defRPr sz="1800" b="1"/>
+            </a:lvl3pPr>
+            <a:lvl4pPr marL="1371600" indent="0">
+              <a:buNone/>
+              <a:defRPr sz="1600" b="1"/>
+            </a:lvl4pPr>
+            <a:lvl5pPr marL="1828800" indent="0">
+              <a:buNone/>
+              <a:defRPr sz="1600" b="1"/>
+            </a:lvl5pPr>
+            <a:lvl6pPr marL="2286000" indent="0">
+              <a:buNone/>
+              <a:defRPr sz="1600" b="1"/>
+            </a:lvl6pPr>
+            <a:lvl7pPr marL="2743200" indent="0">
+              <a:buNone/>
+              <a:defRPr sz="1600" b="1"/>
+            </a:lvl7pPr>
+            <a:lvl8pPr marL="3200400" indent="0">
+              <a:buNone/>
+              <a:defRPr sz="1600" b="1"/>
+            </a:lvl8pPr>
+            <a:lvl9pPr marL="3657600" indent="0">
+              <a:buNone/>
+              <a:defRPr sz="1600" b="1"/>
+            </a:lvl9pPr>
+          </a:lstStyle>
+          <a:p>
+            <a:pPr lvl="0"/>
+            <a:r>
+              <a:rPr lang="de-DE" smtClean="0"/>
+              <a:t>Formatvorlagen des Textmasters bearbeiten</a:t>
+            </a:r>
+          </a:p>
+        </p:txBody>
+      </p:sp>
+      <p:sp>
+        <p:nvSpPr>
+          <p:cNvPr id="8" name="Text Placeholder 3"/>
+          <p:cNvSpPr>
+            <a:spLocks noGrp="1"/>
+          </p:cNvSpPr>
+          <p:nvPr>
+            <p:ph type="body" sz="half" idx="15"/>
+          </p:nvPr>
+        </p:nvSpPr>
+        <p:spPr>
+          <a:xfrm>
+            <a:off x="539777" y="3015290"/>
+            <a:ext cx="2194560" cy="2913513"/>
+          </a:xfrm>
+        </p:spPr>
+        <p:txBody>
+          <a:bodyPr anchor="t">
+            <a:normAutofit/>
+          </a:bodyPr>
+          <a:lstStyle>
+            <a:lvl1pPr marL="0" indent="0">
+              <a:buNone/>
+              <a:defRPr sz="1400"/>
+            </a:lvl1pPr>
+            <a:lvl2pPr marL="457200" indent="0">
+              <a:buNone/>
+              <a:defRPr sz="1200"/>
+            </a:lvl2pPr>
+            <a:lvl3pPr marL="914400" indent="0">
+              <a:buNone/>
+              <a:defRPr sz="1000"/>
+            </a:lvl3pPr>
+            <a:lvl4pPr marL="1371600" indent="0">
+              <a:buNone/>
+              <a:defRPr sz="900"/>
+            </a:lvl4pPr>
+            <a:lvl5pPr marL="1828800" indent="0">
+              <a:buNone/>
+              <a:defRPr sz="900"/>
+            </a:lvl5pPr>
+            <a:lvl6pPr marL="2286000" indent="0">
+              <a:buNone/>
+              <a:defRPr sz="900"/>
+            </a:lvl6pPr>
+            <a:lvl7pPr marL="2743200" indent="0">
+              <a:buNone/>
+              <a:defRPr sz="900"/>
+            </a:lvl7pPr>
+            <a:lvl8pPr marL="3200400" indent="0">
+              <a:buNone/>
+              <a:defRPr sz="900"/>
+            </a:lvl8pPr>
+            <a:lvl9pPr marL="3657600" indent="0">
+              <a:buNone/>
+              <a:defRPr sz="900"/>
+            </a:lvl9pPr>
+          </a:lstStyle>
+          <a:p>
+            <a:pPr lvl="0"/>
+            <a:r>
+              <a:rPr lang="de-DE" smtClean="0"/>
+              <a:t>Formatvorlagen des Textmasters bearbeiten</a:t>
+            </a:r>
+          </a:p>
+        </p:txBody>
+      </p:sp>
+      <p:sp>
+        <p:nvSpPr>
+          <p:cNvPr id="9" name="Text Placeholder 4"/>
+          <p:cNvSpPr>
+            <a:spLocks noGrp="1"/>
+          </p:cNvSpPr>
+          <p:nvPr>
+            <p:ph type="body" sz="quarter" idx="3"/>
+          </p:nvPr>
+        </p:nvSpPr>
+        <p:spPr>
+          <a:xfrm>
+            <a:off x="2878413" y="2336873"/>
+            <a:ext cx="2194560" cy="576262"/>
+          </a:xfrm>
+        </p:spPr>
+        <p:txBody>
+          <a:bodyPr anchor="b">
+            <a:noAutofit/>
+          </a:bodyPr>
+          <a:lstStyle>
+            <a:lvl1pPr marL="0" indent="0">
+              <a:buNone/>
+              <a:defRPr sz="2400" b="0">
+                <a:solidFill>
+                  <a:schemeClr val="tx1"/>
+                </a:solidFill>
+              </a:defRPr>
+            </a:lvl1pPr>
+            <a:lvl2pPr marL="457200" indent="0">
+              <a:buNone/>
+              <a:defRPr sz="2000" b="1"/>
+            </a:lvl2pPr>
+            <a:lvl3pPr marL="914400" indent="0">
+              <a:buNone/>
+              <a:defRPr sz="1800" b="1"/>
+            </a:lvl3pPr>
+            <a:lvl4pPr marL="1371600" indent="0">
+              <a:buNone/>
+              <a:defRPr sz="1600" b="1"/>
+            </a:lvl4pPr>
+            <a:lvl5pPr marL="1828800" indent="0">
+              <a:buNone/>
+              <a:defRPr sz="1600" b="1"/>
+            </a:lvl5pPr>
+            <a:lvl6pPr marL="2286000" indent="0">
+              <a:buNone/>
+              <a:defRPr sz="1600" b="1"/>
+            </a:lvl6pPr>
+            <a:lvl7pPr marL="2743200" indent="0">
+              <a:buNone/>
+              <a:defRPr sz="1600" b="1"/>
+            </a:lvl7pPr>
+            <a:lvl8pPr marL="3200400" indent="0">
+              <a:buNone/>
+              <a:defRPr sz="1600" b="1"/>
+            </a:lvl8pPr>
+            <a:lvl9pPr marL="3657600" indent="0">
+              <a:buNone/>
+              <a:defRPr sz="1600" b="1"/>
+            </a:lvl9pPr>
+          </a:lstStyle>
+          <a:p>
+            <a:pPr lvl="0"/>
+            <a:r>
+              <a:rPr lang="de-DE" smtClean="0"/>
+              <a:t>Formatvorlagen des Textmasters bearbeiten</a:t>
+            </a:r>
+          </a:p>
+        </p:txBody>
+      </p:sp>
+      <p:sp>
+        <p:nvSpPr>
+          <p:cNvPr id="10" name="Text Placeholder 3"/>
+          <p:cNvSpPr>
+            <a:spLocks noGrp="1"/>
+          </p:cNvSpPr>
+          <p:nvPr>
+            <p:ph type="body" sz="half" idx="16"/>
+          </p:nvPr>
+        </p:nvSpPr>
+        <p:spPr>
+          <a:xfrm>
+            <a:off x="2879710" y="3007906"/>
+            <a:ext cx="2194560" cy="2913513"/>
+          </a:xfrm>
+        </p:spPr>
+        <p:txBody>
+          <a:bodyPr anchor="t">
+            <a:normAutofit/>
+          </a:bodyPr>
+          <a:lstStyle>
+            <a:lvl1pPr marL="0" indent="0">
+              <a:buNone/>
+              <a:defRPr sz="1400"/>
+            </a:lvl1pPr>
+            <a:lvl2pPr marL="457200" indent="0">
+              <a:buNone/>
+              <a:defRPr sz="1200"/>
+            </a:lvl2pPr>
+            <a:lvl3pPr marL="914400" indent="0">
+              <a:buNone/>
+              <a:defRPr sz="1000"/>
+            </a:lvl3pPr>
+            <a:lvl4pPr marL="1371600" indent="0">
+              <a:buNone/>
+              <a:defRPr sz="900"/>
+            </a:lvl4pPr>
+            <a:lvl5pPr marL="1828800" indent="0">
+              <a:buNone/>
+              <a:defRPr sz="900"/>
+            </a:lvl5pPr>
+            <a:lvl6pPr marL="2286000" indent="0">
+              <a:buNone/>
+              <a:defRPr sz="900"/>
+            </a:lvl6pPr>
+            <a:lvl7pPr marL="2743200" indent="0">
+              <a:buNone/>
+              <a:defRPr sz="900"/>
+            </a:lvl7pPr>
+            <a:lvl8pPr marL="3200400" indent="0">
+              <a:buNone/>
+              <a:defRPr sz="900"/>
+            </a:lvl8pPr>
+            <a:lvl9pPr marL="3657600" indent="0">
+              <a:buNone/>
+              <a:defRPr sz="900"/>
+            </a:lvl9pPr>
+          </a:lstStyle>
+          <a:p>
+            <a:pPr lvl="0"/>
+            <a:r>
+              <a:rPr lang="de-DE" smtClean="0"/>
+              <a:t>Formatvorlagen des Textmasters bearbeiten</a:t>
+            </a:r>
+          </a:p>
+        </p:txBody>
+      </p:sp>
+      <p:sp>
+        <p:nvSpPr>
+          <p:cNvPr id="11" name="Text Placeholder 4"/>
+          <p:cNvSpPr>
+            <a:spLocks noGrp="1"/>
+          </p:cNvSpPr>
+          <p:nvPr>
+            <p:ph type="body" sz="quarter" idx="13"/>
+          </p:nvPr>
+        </p:nvSpPr>
+        <p:spPr>
+          <a:xfrm>
+            <a:off x="5226136" y="2336873"/>
+            <a:ext cx="2194560" cy="576262"/>
+          </a:xfrm>
+        </p:spPr>
+        <p:txBody>
+          <a:bodyPr anchor="b">
+            <a:noAutofit/>
+          </a:bodyPr>
+          <a:lstStyle>
+            <a:lvl1pPr marL="0" indent="0">
+              <a:buNone/>
+              <a:defRPr sz="2400" b="0">
+                <a:solidFill>
+                  <a:schemeClr val="tx1"/>
+                </a:solidFill>
+              </a:defRPr>
+            </a:lvl1pPr>
+            <a:lvl2pPr marL="457200" indent="0">
+              <a:buNone/>
+              <a:defRPr sz="2000" b="1"/>
+            </a:lvl2pPr>
+            <a:lvl3pPr marL="914400" indent="0">
+              <a:buNone/>
+              <a:defRPr sz="1800" b="1"/>
+            </a:lvl3pPr>
+            <a:lvl4pPr marL="1371600" indent="0">
+              <a:buNone/>
+              <a:defRPr sz="1600" b="1"/>
+            </a:lvl4pPr>
+            <a:lvl5pPr marL="1828800" indent="0">
+              <a:buNone/>
+              <a:defRPr sz="1600" b="1"/>
+            </a:lvl5pPr>
+            <a:lvl6pPr marL="2286000" indent="0">
+              <a:buNone/>
+              <a:defRPr sz="1600" b="1"/>
+            </a:lvl6pPr>
+            <a:lvl7pPr marL="2743200" indent="0">
+              <a:buNone/>
+              <a:defRPr sz="1600" b="1"/>
+            </a:lvl7pPr>
+            <a:lvl8pPr marL="3200400" indent="0">
+              <a:buNone/>
+              <a:defRPr sz="1600" b="1"/>
+            </a:lvl8pPr>
+            <a:lvl9pPr marL="3657600" indent="0">
+              <a:buNone/>
+              <a:defRPr sz="1600" b="1"/>
+            </a:lvl9pPr>
+          </a:lstStyle>
+          <a:p>
+            <a:pPr lvl="0"/>
+            <a:r>
+              <a:rPr lang="de-DE" smtClean="0"/>
+              <a:t>Formatvorlagen des Textmasters bearbeiten</a:t>
+            </a:r>
+          </a:p>
+        </p:txBody>
+      </p:sp>
+      <p:sp>
+        <p:nvSpPr>
+          <p:cNvPr id="12" name="Text Placeholder 3"/>
+          <p:cNvSpPr>
+            <a:spLocks noGrp="1"/>
+          </p:cNvSpPr>
+          <p:nvPr>
+            <p:ph type="body" sz="half" idx="17"/>
+          </p:nvPr>
+        </p:nvSpPr>
+        <p:spPr>
+          <a:xfrm>
+            <a:off x="5233520" y="3007905"/>
+            <a:ext cx="2194560" cy="2913513"/>
+          </a:xfrm>
+        </p:spPr>
+        <p:txBody>
+          <a:bodyPr anchor="t">
+            <a:normAutofit/>
+          </a:bodyPr>
+          <a:lstStyle>
+            <a:lvl1pPr marL="0" indent="0">
+              <a:buNone/>
+              <a:defRPr sz="1400"/>
+            </a:lvl1pPr>
+            <a:lvl2pPr marL="457200" indent="0">
+              <a:buNone/>
+              <a:defRPr sz="1200"/>
+            </a:lvl2pPr>
+            <a:lvl3pPr marL="914400" indent="0">
+              <a:buNone/>
+              <a:defRPr sz="1000"/>
+            </a:lvl3pPr>
+            <a:lvl4pPr marL="1371600" indent="0">
+              <a:buNone/>
+              <a:defRPr sz="900"/>
+            </a:lvl4pPr>
+            <a:lvl5pPr marL="1828800" indent="0">
+              <a:buNone/>
+              <a:defRPr sz="900"/>
+            </a:lvl5pPr>
+            <a:lvl6pPr marL="2286000" indent="0">
+              <a:buNone/>
+              <a:defRPr sz="900"/>
+            </a:lvl6pPr>
+            <a:lvl7pPr marL="2743200" indent="0">
+              <a:buNone/>
+              <a:defRPr sz="900"/>
+            </a:lvl7pPr>
+            <a:lvl8pPr marL="3200400" indent="0">
+              <a:buNone/>
+              <a:defRPr sz="900"/>
+            </a:lvl8pPr>
+            <a:lvl9pPr marL="3657600" indent="0">
+              <a:buNone/>
+              <a:defRPr sz="900"/>
+            </a:lvl9pPr>
+          </a:lstStyle>
+          <a:p>
+            <a:pPr lvl="0"/>
+            <a:r>
+              <a:rPr lang="de-DE" smtClean="0"/>
+              <a:t>Formatvorlagen des Textmasters bearbeiten</a:t>
+            </a:r>
+          </a:p>
+        </p:txBody>
+      </p:sp>
+      <p:sp>
+        <p:nvSpPr>
+          <p:cNvPr id="3" name="Date Placeholder 2"/>
+          <p:cNvSpPr>
+            <a:spLocks noGrp="1"/>
+          </p:cNvSpPr>
+          <p:nvPr>
+            <p:ph type="dt" sz="half" idx="10"/>
+          </p:nvPr>
+        </p:nvSpPr>
+        <p:spPr/>
+        <p:txBody>
+          <a:bodyPr/>
+          <a:lstStyle/>
+          <a:p>
+            <a:fld id="{08D9589F-252C-704B-9B79-8E17BF3570A5}" type="datetimeFigureOut">
+              <a:rPr lang="de-DE" smtClean="0"/>
+              <a:t>11.10.2016</a:t>
+            </a:fld>
+            <a:endParaRPr lang="de-DE"/>
+          </a:p>
+        </p:txBody>
+      </p:sp>
+      <p:sp>
+        <p:nvSpPr>
+          <p:cNvPr id="4" name="Footer Placeholder 3"/>
+          <p:cNvSpPr>
+            <a:spLocks noGrp="1"/>
+          </p:cNvSpPr>
+          <p:nvPr>
+            <p:ph type="ftr" sz="quarter" idx="11"/>
+          </p:nvPr>
+        </p:nvSpPr>
+        <p:spPr/>
+        <p:txBody>
+          <a:bodyPr/>
+          <a:lstStyle/>
+          <a:p>
+            <a:endParaRPr lang="de-DE"/>
+          </a:p>
+        </p:txBody>
+      </p:sp>
+      <p:sp>
+        <p:nvSpPr>
+          <p:cNvPr id="5" name="Slide Number Placeholder 4"/>
+          <p:cNvSpPr>
+            <a:spLocks noGrp="1"/>
+          </p:cNvSpPr>
+          <p:nvPr>
+            <p:ph type="sldNum" sz="quarter" idx="12"/>
+          </p:nvPr>
+        </p:nvSpPr>
+        <p:spPr/>
+        <p:txBody>
+          <a:bodyPr/>
+          <a:lstStyle/>
+          <a:p>
+            <a:fld id="{696D0DBA-6426-E344-AF92-7958926D7170}" type="slidenum">
+              <a:rPr lang="de-DE" smtClean="0"/>
+              <a:t>‹Nr.›</a:t>
+            </a:fld>
+            <a:endParaRPr lang="de-DE"/>
+          </a:p>
+        </p:txBody>
+      </p:sp>
+    </p:spTree>
+    <p:extLst>
+      <p:ext uri="{BB962C8B-B14F-4D97-AF65-F5344CB8AC3E}">
+        <p14:creationId xmlns:p14="http://schemas.microsoft.com/office/powerpoint/2010/main" val="1109906582"/>
+      </p:ext>
+    </p:extLst>
+  </p:cSld>
+  <p:clrMapOvr>
+    <a:masterClrMapping/>
+  </p:clrMapOvr>
+</p:sldLayout>
+</file>
+
+<file path=ppt/slideLayouts/slideLayout15.xml><?xml version="1.0" encoding="utf-8"?>
+<p:sldLayout xmlns:a="http://schemas.openxmlformats.org/drawingml/2006/main" xmlns:r="http://schemas.openxmlformats.org/officeDocument/2006/relationships" xmlns:p="http://schemas.openxmlformats.org/presentationml/2006/main" preserve="1">
+  <p:cSld name="3 Bildspalte">
+    <p:spTree>
+      <p:nvGrpSpPr>
+        <p:cNvPr id="1" name=""/>
+        <p:cNvGrpSpPr/>
+        <p:nvPr/>
+      </p:nvGrpSpPr>
+      <p:grpSpPr>
+        <a:xfrm>
+          <a:off x="0" y="0"/>
+          <a:ext cx="0" cy="0"/>
+          <a:chOff x="0" y="0"/>
+          <a:chExt cx="0" cy="0"/>
+        </a:xfrm>
+      </p:grpSpPr>
+      <p:grpSp>
+        <p:nvGrpSpPr>
+          <p:cNvPr id="34" name="Group 33"/>
+          <p:cNvGrpSpPr/>
+          <p:nvPr/>
+        </p:nvGrpSpPr>
+        <p:grpSpPr>
+          <a:xfrm>
+            <a:off x="0" y="609600"/>
+            <a:ext cx="9161969" cy="1677035"/>
+            <a:chOff x="0" y="2895600"/>
+            <a:chExt cx="9161969" cy="1677035"/>
+          </a:xfrm>
+        </p:grpSpPr>
+        <p:pic>
+          <p:nvPicPr>
+            <p:cNvPr id="35" name="Picture 34" descr="HD-ShadowLong.png"/>
+            <p:cNvPicPr>
+              <a:picLocks noChangeAspect="1"/>
+            </p:cNvPicPr>
+            <p:nvPr/>
+          </p:nvPicPr>
+          <p:blipFill rotWithShape="1">
+            <a:blip r:embed="rId2">
+              <a:extLst>
+                <a:ext uri="{28A0092B-C50C-407E-A947-70E740481C1C}">
+                  <a14:useLocalDpi xmlns:a14="http://schemas.microsoft.com/office/drawing/2010/main" val="0"/>
+                </a:ext>
+              </a:extLst>
+            </a:blip>
+            <a:srcRect l="26982" r="-217"/>
+            <a:stretch/>
+          </p:blipFill>
+          <p:spPr>
+            <a:xfrm>
+              <a:off x="0" y="4251471"/>
+              <a:ext cx="7644384" cy="321164"/>
+            </a:xfrm>
+            <a:prstGeom prst="rect">
+              <a:avLst/>
+            </a:prstGeom>
+          </p:spPr>
+        </p:pic>
+        <p:pic>
+          <p:nvPicPr>
+            <p:cNvPr id="36" name="Picture 35" descr="HD-ShadowShort.png"/>
+            <p:cNvPicPr>
+              <a:picLocks noChangeAspect="1"/>
+            </p:cNvPicPr>
+            <p:nvPr/>
+          </p:nvPicPr>
+          <p:blipFill rotWithShape="1">
+            <a:blip r:embed="rId3">
+              <a:extLst>
+                <a:ext uri="{28A0092B-C50C-407E-A947-70E740481C1C}">
+                  <a14:useLocalDpi xmlns:a14="http://schemas.microsoft.com/office/drawing/2010/main" val="0"/>
+                </a:ext>
+              </a:extLst>
+            </a:blip>
+            <a:srcRect r="9871"/>
+            <a:stretch/>
+          </p:blipFill>
+          <p:spPr>
+            <a:xfrm>
+              <a:off x="7717217" y="4259262"/>
+              <a:ext cx="1444752" cy="144270"/>
+            </a:xfrm>
+            <a:prstGeom prst="rect">
+              <a:avLst/>
+            </a:prstGeom>
+          </p:spPr>
+        </p:pic>
+        <p:sp>
+          <p:nvSpPr>
+            <p:cNvPr id="37" name="Rectangle 36"/>
+            <p:cNvSpPr/>
+            <p:nvPr/>
+          </p:nvSpPr>
+          <p:spPr>
+            <a:xfrm>
+              <a:off x="0" y="2895600"/>
+              <a:ext cx="7567140" cy="1368198"/>
+            </a:xfrm>
+            <a:prstGeom prst="rect">
+              <a:avLst/>
+            </a:prstGeom>
+            <a:solidFill>
+              <a:schemeClr val="bg1">
+                <a:lumMod val="85000"/>
+                <a:lumOff val="15000"/>
+              </a:schemeClr>
+            </a:solidFill>
+            <a:ln>
+              <a:noFill/>
+            </a:ln>
+          </p:spPr>
+          <p:style>
+            <a:lnRef idx="2">
+              <a:schemeClr val="accent1">
+                <a:shade val="50000"/>
+              </a:schemeClr>
+            </a:lnRef>
+            <a:fillRef idx="1">
+              <a:schemeClr val="accent1"/>
+            </a:fillRef>
+            <a:effectRef idx="0">
+              <a:schemeClr val="accent1"/>
+            </a:effectRef>
+            <a:fontRef idx="minor">
+              <a:schemeClr val="lt1"/>
+            </a:fontRef>
+          </p:style>
+        </p:sp>
+        <p:sp>
+          <p:nvSpPr>
+            <p:cNvPr id="38" name="Rectangle 37"/>
+            <p:cNvSpPr/>
+            <p:nvPr/>
+          </p:nvSpPr>
+          <p:spPr>
+            <a:xfrm>
+              <a:off x="7710769" y="2895600"/>
+              <a:ext cx="1433231" cy="1368198"/>
+            </a:xfrm>
+            <a:prstGeom prst="rect">
+              <a:avLst/>
+            </a:prstGeom>
+            <a:solidFill>
+              <a:schemeClr val="accent1"/>
+            </a:solidFill>
+            <a:ln>
+              <a:noFill/>
+            </a:ln>
+          </p:spPr>
+          <p:style>
+            <a:lnRef idx="2">
+              <a:schemeClr val="accent1">
+                <a:shade val="50000"/>
+              </a:schemeClr>
+            </a:lnRef>
+            <a:fillRef idx="1">
+              <a:schemeClr val="accent1"/>
+            </a:fillRef>
+            <a:effectRef idx="0">
+              <a:schemeClr val="accent1"/>
+            </a:effectRef>
+            <a:fontRef idx="minor">
+              <a:schemeClr val="lt1"/>
+            </a:fontRef>
+          </p:style>
+        </p:sp>
+      </p:grpSp>
+      <p:sp>
+        <p:nvSpPr>
+          <p:cNvPr id="30" name="Title 1"/>
+          <p:cNvSpPr>
+            <a:spLocks noGrp="1"/>
+          </p:cNvSpPr>
+          <p:nvPr>
+            <p:ph type="title"/>
+          </p:nvPr>
+        </p:nvSpPr>
+        <p:spPr>
+          <a:xfrm>
+            <a:off x="531639" y="753228"/>
+            <a:ext cx="6896534" cy="1080938"/>
+          </a:xfrm>
+        </p:spPr>
+        <p:txBody>
+          <a:bodyPr/>
+          <a:lstStyle/>
+          <a:p>
+            <a:r>
+              <a:rPr lang="de-DE" smtClean="0"/>
+              <a:t>Titelmasterformat durch Klicken bearbeiten</a:t>
+            </a:r>
+            <a:endParaRPr lang="en-US" dirty="0"/>
+          </a:p>
+        </p:txBody>
+      </p:sp>
+      <p:sp>
+        <p:nvSpPr>
+          <p:cNvPr id="19" name="Text Placeholder 2"/>
+          <p:cNvSpPr>
+            <a:spLocks noGrp="1"/>
+          </p:cNvSpPr>
+          <p:nvPr>
+            <p:ph type="body" idx="1"/>
+          </p:nvPr>
+        </p:nvSpPr>
+        <p:spPr>
+          <a:xfrm>
+            <a:off x="532391" y="4297503"/>
+            <a:ext cx="2192257" cy="576262"/>
+          </a:xfrm>
+        </p:spPr>
+        <p:txBody>
+          <a:bodyPr anchor="b">
+            <a:noAutofit/>
+          </a:bodyPr>
+          <a:lstStyle>
+            <a:lvl1pPr marL="0" indent="0">
+              <a:buNone/>
+              <a:defRPr sz="2400" b="0">
+                <a:solidFill>
+                  <a:schemeClr val="tx1"/>
+                </a:solidFill>
+              </a:defRPr>
+            </a:lvl1pPr>
+            <a:lvl2pPr marL="457200" indent="0">
+              <a:buNone/>
+              <a:defRPr sz="2000" b="1"/>
+            </a:lvl2pPr>
+            <a:lvl3pPr marL="914400" indent="0">
+              <a:buNone/>
+              <a:defRPr sz="1800" b="1"/>
+            </a:lvl3pPr>
+            <a:lvl4pPr marL="1371600" indent="0">
+              <a:buNone/>
+              <a:defRPr sz="1600" b="1"/>
+            </a:lvl4pPr>
+            <a:lvl5pPr marL="1828800" indent="0">
+              <a:buNone/>
+              <a:defRPr sz="1600" b="1"/>
+            </a:lvl5pPr>
+            <a:lvl6pPr marL="2286000" indent="0">
+              <a:buNone/>
+              <a:defRPr sz="1600" b="1"/>
+            </a:lvl6pPr>
+            <a:lvl7pPr marL="2743200" indent="0">
+              <a:buNone/>
+              <a:defRPr sz="1600" b="1"/>
+            </a:lvl7pPr>
+            <a:lvl8pPr marL="3200400" indent="0">
+              <a:buNone/>
+              <a:defRPr sz="1600" b="1"/>
+            </a:lvl8pPr>
+            <a:lvl9pPr marL="3657600" indent="0">
+              <a:buNone/>
+              <a:defRPr sz="1600" b="1"/>
+            </a:lvl9pPr>
+          </a:lstStyle>
+          <a:p>
+            <a:pPr lvl="0"/>
+            <a:r>
+              <a:rPr lang="de-DE" smtClean="0"/>
+              <a:t>Formatvorlagen des Textmasters bearbeiten</a:t>
+            </a:r>
+          </a:p>
+        </p:txBody>
+      </p:sp>
+      <p:sp>
+        <p:nvSpPr>
+          <p:cNvPr id="20" name="Picture Placeholder 2"/>
+          <p:cNvSpPr>
+            <a:spLocks noGrp="1" noChangeAspect="1"/>
+          </p:cNvSpPr>
+          <p:nvPr>
+            <p:ph type="pic" idx="15"/>
+          </p:nvPr>
+        </p:nvSpPr>
+        <p:spPr>
+          <a:xfrm>
+            <a:off x="532391" y="2336873"/>
+            <a:ext cx="2192257" cy="1524000"/>
+          </a:xfrm>
+          <a:prstGeom prst="roundRect">
+            <a:avLst>
+              <a:gd name="adj" fmla="val 0"/>
+            </a:avLst>
+          </a:prstGeom>
+          <a:effectLst>
+            <a:outerShdw blurRad="50800" dist="50800" dir="5400000" algn="tl" rotWithShape="0">
+              <a:srgbClr val="000000">
+                <a:alpha val="43000"/>
+              </a:srgbClr>
+            </a:outerShdw>
+          </a:effectLst>
+        </p:spPr>
+        <p:txBody>
+          <a:bodyPr anchor="t">
+            <a:normAutofit/>
+          </a:bodyPr>
+          <a:lstStyle>
+            <a:lvl1pPr marL="0" indent="0" algn="ctr">
+              <a:buNone/>
+              <a:defRPr sz="1600"/>
+            </a:lvl1pPr>
+            <a:lvl2pPr marL="457200" indent="0">
+              <a:buNone/>
+              <a:defRPr sz="1600"/>
+            </a:lvl2pPr>
+            <a:lvl3pPr marL="914400" indent="0">
+              <a:buNone/>
+              <a:defRPr sz="1600"/>
+            </a:lvl3pPr>
+            <a:lvl4pPr marL="1371600" indent="0">
+              <a:buNone/>
+              <a:defRPr sz="1600"/>
+            </a:lvl4pPr>
+            <a:lvl5pPr marL="1828800" indent="0">
+              <a:buNone/>
+              <a:defRPr sz="1600"/>
+            </a:lvl5pPr>
+            <a:lvl6pPr marL="2286000" indent="0">
+              <a:buNone/>
+              <a:defRPr sz="1600"/>
+            </a:lvl6pPr>
+            <a:lvl7pPr marL="2743200" indent="0">
+              <a:buNone/>
+              <a:defRPr sz="1600"/>
+            </a:lvl7pPr>
+            <a:lvl8pPr marL="3200400" indent="0">
+              <a:buNone/>
+              <a:defRPr sz="1600"/>
+            </a:lvl8pPr>
+            <a:lvl9pPr marL="3657600" indent="0">
+              <a:buNone/>
+              <a:defRPr sz="1600"/>
+            </a:lvl9pPr>
+          </a:lstStyle>
+          <a:p>
+            <a:r>
+              <a:rPr lang="de-DE" smtClean="0"/>
+              <a:t>Bild durch Klicken auf Symbol hinzufügen</a:t>
+            </a:r>
+            <a:endParaRPr lang="en-US" dirty="0"/>
+          </a:p>
+        </p:txBody>
+      </p:sp>
+      <p:sp>
+        <p:nvSpPr>
+          <p:cNvPr id="21" name="Text Placeholder 3"/>
+          <p:cNvSpPr>
+            <a:spLocks noGrp="1"/>
+          </p:cNvSpPr>
+          <p:nvPr>
+            <p:ph type="body" sz="half" idx="18"/>
+          </p:nvPr>
+        </p:nvSpPr>
+        <p:spPr>
+          <a:xfrm>
+            <a:off x="532391" y="4873765"/>
+            <a:ext cx="2192257" cy="1062422"/>
+          </a:xfrm>
+        </p:spPr>
+        <p:txBody>
+          <a:bodyPr anchor="t">
+            <a:normAutofit/>
+          </a:bodyPr>
+          <a:lstStyle>
+            <a:lvl1pPr marL="0" indent="0">
+              <a:buNone/>
+              <a:defRPr sz="1400"/>
+            </a:lvl1pPr>
+            <a:lvl2pPr marL="457200" indent="0">
+              <a:buNone/>
+              <a:defRPr sz="1200"/>
+            </a:lvl2pPr>
+            <a:lvl3pPr marL="914400" indent="0">
+              <a:buNone/>
+              <a:defRPr sz="1000"/>
+            </a:lvl3pPr>
+            <a:lvl4pPr marL="1371600" indent="0">
+              <a:buNone/>
+              <a:defRPr sz="900"/>
+            </a:lvl4pPr>
+            <a:lvl5pPr marL="1828800" indent="0">
+              <a:buNone/>
+              <a:defRPr sz="900"/>
+            </a:lvl5pPr>
+            <a:lvl6pPr marL="2286000" indent="0">
+              <a:buNone/>
+              <a:defRPr sz="900"/>
+            </a:lvl6pPr>
+            <a:lvl7pPr marL="2743200" indent="0">
+              <a:buNone/>
+              <a:defRPr sz="900"/>
+            </a:lvl7pPr>
+            <a:lvl8pPr marL="3200400" indent="0">
+              <a:buNone/>
+              <a:defRPr sz="900"/>
+            </a:lvl8pPr>
+            <a:lvl9pPr marL="3657600" indent="0">
+              <a:buNone/>
+              <a:defRPr sz="900"/>
+            </a:lvl9pPr>
+          </a:lstStyle>
+          <a:p>
+            <a:pPr lvl="0"/>
+            <a:r>
+              <a:rPr lang="de-DE" smtClean="0"/>
+              <a:t>Formatvorlagen des Textmasters bearbeiten</a:t>
+            </a:r>
+          </a:p>
+        </p:txBody>
+      </p:sp>
+      <p:sp>
+        <p:nvSpPr>
+          <p:cNvPr id="22" name="Text Placeholder 4"/>
+          <p:cNvSpPr>
+            <a:spLocks noGrp="1"/>
+          </p:cNvSpPr>
+          <p:nvPr>
+            <p:ph type="body" sz="quarter" idx="3"/>
+          </p:nvPr>
+        </p:nvSpPr>
+        <p:spPr>
+          <a:xfrm>
+            <a:off x="2870497" y="4297503"/>
+            <a:ext cx="2215070" cy="576262"/>
+          </a:xfrm>
+        </p:spPr>
+        <p:txBody>
+          <a:bodyPr anchor="b">
+            <a:noAutofit/>
+          </a:bodyPr>
+          <a:lstStyle>
+            <a:lvl1pPr marL="0" indent="0">
+              <a:buNone/>
+              <a:defRPr sz="2400" b="0">
+                <a:solidFill>
+                  <a:schemeClr val="tx1"/>
+                </a:solidFill>
+              </a:defRPr>
+            </a:lvl1pPr>
+            <a:lvl2pPr marL="457200" indent="0">
+              <a:buNone/>
+              <a:defRPr sz="2000" b="1"/>
+            </a:lvl2pPr>
+            <a:lvl3pPr marL="914400" indent="0">
+              <a:buNone/>
+              <a:defRPr sz="1800" b="1"/>
+            </a:lvl3pPr>
+            <a:lvl4pPr marL="1371600" indent="0">
+              <a:buNone/>
+              <a:defRPr sz="1600" b="1"/>
+            </a:lvl4pPr>
+            <a:lvl5pPr marL="1828800" indent="0">
+              <a:buNone/>
+              <a:defRPr sz="1600" b="1"/>
+            </a:lvl5pPr>
+            <a:lvl6pPr marL="2286000" indent="0">
+              <a:buNone/>
+              <a:defRPr sz="1600" b="1"/>
+            </a:lvl6pPr>
+            <a:lvl7pPr marL="2743200" indent="0">
+              <a:buNone/>
+              <a:defRPr sz="1600" b="1"/>
+            </a:lvl7pPr>
+            <a:lvl8pPr marL="3200400" indent="0">
+              <a:buNone/>
+              <a:defRPr sz="1600" b="1"/>
+            </a:lvl8pPr>
+            <a:lvl9pPr marL="3657600" indent="0">
+              <a:buNone/>
+              <a:defRPr sz="1600" b="1"/>
+            </a:lvl9pPr>
+          </a:lstStyle>
+          <a:p>
+            <a:pPr lvl="0"/>
+            <a:r>
+              <a:rPr lang="de-DE" smtClean="0"/>
+              <a:t>Formatvorlagen des Textmasters bearbeiten</a:t>
+            </a:r>
+          </a:p>
+        </p:txBody>
+      </p:sp>
+      <p:sp>
+        <p:nvSpPr>
+          <p:cNvPr id="23" name="Picture Placeholder 2"/>
+          <p:cNvSpPr>
+            <a:spLocks noGrp="1" noChangeAspect="1"/>
+          </p:cNvSpPr>
+          <p:nvPr>
+            <p:ph type="pic" idx="21"/>
+          </p:nvPr>
+        </p:nvSpPr>
+        <p:spPr>
+          <a:xfrm>
+            <a:off x="2870497" y="2336873"/>
+            <a:ext cx="2215070" cy="1524000"/>
+          </a:xfrm>
+          <a:prstGeom prst="roundRect">
+            <a:avLst>
+              <a:gd name="adj" fmla="val 0"/>
+            </a:avLst>
+          </a:prstGeom>
+          <a:effectLst>
+            <a:outerShdw blurRad="50800" dist="50800" dir="5400000" algn="tl" rotWithShape="0">
+              <a:srgbClr val="000000">
+                <a:alpha val="43000"/>
+              </a:srgbClr>
+            </a:outerShdw>
+          </a:effectLst>
+        </p:spPr>
+        <p:txBody>
+          <a:bodyPr anchor="t">
+            <a:normAutofit/>
+          </a:bodyPr>
+          <a:lstStyle>
+            <a:lvl1pPr marL="0" indent="0" algn="ctr">
+              <a:buNone/>
+              <a:defRPr sz="1600"/>
+            </a:lvl1pPr>
+            <a:lvl2pPr marL="457200" indent="0">
+              <a:buNone/>
+              <a:defRPr sz="1600"/>
+            </a:lvl2pPr>
+            <a:lvl3pPr marL="914400" indent="0">
+              <a:buNone/>
+              <a:defRPr sz="1600"/>
+            </a:lvl3pPr>
+            <a:lvl4pPr marL="1371600" indent="0">
+              <a:buNone/>
+              <a:defRPr sz="1600"/>
+            </a:lvl4pPr>
+            <a:lvl5pPr marL="1828800" indent="0">
+              <a:buNone/>
+              <a:defRPr sz="1600"/>
+            </a:lvl5pPr>
+            <a:lvl6pPr marL="2286000" indent="0">
+              <a:buNone/>
+              <a:defRPr sz="1600"/>
+            </a:lvl6pPr>
+            <a:lvl7pPr marL="2743200" indent="0">
+              <a:buNone/>
+              <a:defRPr sz="1600"/>
+            </a:lvl7pPr>
+            <a:lvl8pPr marL="3200400" indent="0">
+              <a:buNone/>
+              <a:defRPr sz="1600"/>
+            </a:lvl8pPr>
+            <a:lvl9pPr marL="3657600" indent="0">
+              <a:buNone/>
+              <a:defRPr sz="1600"/>
+            </a:lvl9pPr>
+          </a:lstStyle>
+          <a:p>
+            <a:r>
+              <a:rPr lang="de-DE" smtClean="0"/>
+              <a:t>Bild durch Klicken auf Symbol hinzufügen</a:t>
+            </a:r>
+            <a:endParaRPr lang="en-US" dirty="0"/>
+          </a:p>
+        </p:txBody>
+      </p:sp>
+      <p:sp>
+        <p:nvSpPr>
+          <p:cNvPr id="24" name="Text Placeholder 3"/>
+          <p:cNvSpPr>
+            <a:spLocks noGrp="1"/>
+          </p:cNvSpPr>
+          <p:nvPr>
+            <p:ph type="body" sz="half" idx="19"/>
+          </p:nvPr>
+        </p:nvSpPr>
+        <p:spPr>
+          <a:xfrm>
+            <a:off x="2869483" y="4873764"/>
+            <a:ext cx="2218004" cy="1062422"/>
+          </a:xfrm>
+        </p:spPr>
+        <p:txBody>
+          <a:bodyPr anchor="t">
+            <a:normAutofit/>
+          </a:bodyPr>
+          <a:lstStyle>
+            <a:lvl1pPr marL="0" indent="0">
+              <a:buNone/>
+              <a:defRPr sz="1400"/>
+            </a:lvl1pPr>
+            <a:lvl2pPr marL="457200" indent="0">
+              <a:buNone/>
+              <a:defRPr sz="1200"/>
+            </a:lvl2pPr>
+            <a:lvl3pPr marL="914400" indent="0">
+              <a:buNone/>
+              <a:defRPr sz="1000"/>
+            </a:lvl3pPr>
+            <a:lvl4pPr marL="1371600" indent="0">
+              <a:buNone/>
+              <a:defRPr sz="900"/>
+            </a:lvl4pPr>
+            <a:lvl5pPr marL="1828800" indent="0">
+              <a:buNone/>
+              <a:defRPr sz="900"/>
+            </a:lvl5pPr>
+            <a:lvl6pPr marL="2286000" indent="0">
+              <a:buNone/>
+              <a:defRPr sz="900"/>
+            </a:lvl6pPr>
+            <a:lvl7pPr marL="2743200" indent="0">
+              <a:buNone/>
+              <a:defRPr sz="900"/>
+            </a:lvl7pPr>
+            <a:lvl8pPr marL="3200400" indent="0">
+              <a:buNone/>
+              <a:defRPr sz="900"/>
+            </a:lvl8pPr>
+            <a:lvl9pPr marL="3657600" indent="0">
+              <a:buNone/>
+              <a:defRPr sz="900"/>
+            </a:lvl9pPr>
+          </a:lstStyle>
+          <a:p>
+            <a:pPr lvl="0"/>
+            <a:r>
+              <a:rPr lang="de-DE" smtClean="0"/>
+              <a:t>Formatvorlagen des Textmasters bearbeiten</a:t>
+            </a:r>
+          </a:p>
+        </p:txBody>
+      </p:sp>
+      <p:sp>
+        <p:nvSpPr>
+          <p:cNvPr id="25" name="Text Placeholder 4"/>
+          <p:cNvSpPr>
+            <a:spLocks noGrp="1"/>
+          </p:cNvSpPr>
+          <p:nvPr>
+            <p:ph type="body" sz="quarter" idx="13"/>
+          </p:nvPr>
+        </p:nvSpPr>
+        <p:spPr>
+          <a:xfrm>
+            <a:off x="5231028" y="4297503"/>
+            <a:ext cx="2194333" cy="576262"/>
+          </a:xfrm>
+        </p:spPr>
+        <p:txBody>
+          <a:bodyPr anchor="b">
+            <a:noAutofit/>
+          </a:bodyPr>
+          <a:lstStyle>
+            <a:lvl1pPr marL="0" indent="0">
+              <a:buNone/>
+              <a:defRPr sz="2400" b="0">
+                <a:solidFill>
+                  <a:schemeClr val="tx1"/>
+                </a:solidFill>
+              </a:defRPr>
+            </a:lvl1pPr>
+            <a:lvl2pPr marL="457200" indent="0">
+              <a:buNone/>
+              <a:defRPr sz="2000" b="1"/>
+            </a:lvl2pPr>
+            <a:lvl3pPr marL="914400" indent="0">
+              <a:buNone/>
+              <a:defRPr sz="1800" b="1"/>
+            </a:lvl3pPr>
+            <a:lvl4pPr marL="1371600" indent="0">
+              <a:buNone/>
+              <a:defRPr sz="1600" b="1"/>
+            </a:lvl4pPr>
+            <a:lvl5pPr marL="1828800" indent="0">
+              <a:buNone/>
+              <a:defRPr sz="1600" b="1"/>
+            </a:lvl5pPr>
+            <a:lvl6pPr marL="2286000" indent="0">
+              <a:buNone/>
+              <a:defRPr sz="1600" b="1"/>
+            </a:lvl6pPr>
+            <a:lvl7pPr marL="2743200" indent="0">
+              <a:buNone/>
+              <a:defRPr sz="1600" b="1"/>
+            </a:lvl7pPr>
+            <a:lvl8pPr marL="3200400" indent="0">
+              <a:buNone/>
+              <a:defRPr sz="1600" b="1"/>
+            </a:lvl8pPr>
+            <a:lvl9pPr marL="3657600" indent="0">
+              <a:buNone/>
+              <a:defRPr sz="1600" b="1"/>
+            </a:lvl9pPr>
+          </a:lstStyle>
+          <a:p>
+            <a:pPr lvl="0"/>
+            <a:r>
+              <a:rPr lang="de-DE" smtClean="0"/>
+              <a:t>Formatvorlagen des Textmasters bearbeiten</a:t>
+            </a:r>
+          </a:p>
+        </p:txBody>
+      </p:sp>
+      <p:sp>
+        <p:nvSpPr>
+          <p:cNvPr id="26" name="Picture Placeholder 2"/>
+          <p:cNvSpPr>
+            <a:spLocks noGrp="1" noChangeAspect="1"/>
+          </p:cNvSpPr>
+          <p:nvPr>
+            <p:ph type="pic" idx="22"/>
+          </p:nvPr>
+        </p:nvSpPr>
+        <p:spPr>
+          <a:xfrm>
+            <a:off x="5231027" y="2336873"/>
+            <a:ext cx="2194333" cy="1524000"/>
+          </a:xfrm>
+          <a:prstGeom prst="roundRect">
+            <a:avLst>
+              <a:gd name="adj" fmla="val 0"/>
+            </a:avLst>
+          </a:prstGeom>
+          <a:effectLst>
+            <a:outerShdw blurRad="50800" dist="50800" dir="5400000" algn="tl" rotWithShape="0">
+              <a:srgbClr val="000000">
+                <a:alpha val="43000"/>
+              </a:srgbClr>
+            </a:outerShdw>
+          </a:effectLst>
+        </p:spPr>
+        <p:txBody>
+          <a:bodyPr anchor="t">
+            <a:normAutofit/>
+          </a:bodyPr>
+          <a:lstStyle>
+            <a:lvl1pPr marL="0" indent="0" algn="ctr">
+              <a:buNone/>
+              <a:defRPr sz="1600"/>
+            </a:lvl1pPr>
+            <a:lvl2pPr marL="457200" indent="0">
+              <a:buNone/>
+              <a:defRPr sz="1600"/>
+            </a:lvl2pPr>
+            <a:lvl3pPr marL="914400" indent="0">
+              <a:buNone/>
+              <a:defRPr sz="1600"/>
+            </a:lvl3pPr>
+            <a:lvl4pPr marL="1371600" indent="0">
+              <a:buNone/>
+              <a:defRPr sz="1600"/>
+            </a:lvl4pPr>
+            <a:lvl5pPr marL="1828800" indent="0">
+              <a:buNone/>
+              <a:defRPr sz="1600"/>
+            </a:lvl5pPr>
+            <a:lvl6pPr marL="2286000" indent="0">
+              <a:buNone/>
+              <a:defRPr sz="1600"/>
+            </a:lvl6pPr>
+            <a:lvl7pPr marL="2743200" indent="0">
+              <a:buNone/>
+              <a:defRPr sz="1600"/>
+            </a:lvl7pPr>
+            <a:lvl8pPr marL="3200400" indent="0">
+              <a:buNone/>
+              <a:defRPr sz="1600"/>
+            </a:lvl8pPr>
+            <a:lvl9pPr marL="3657600" indent="0">
+              <a:buNone/>
+              <a:defRPr sz="1600"/>
+            </a:lvl9pPr>
+          </a:lstStyle>
+          <a:p>
+            <a:r>
+              <a:rPr lang="de-DE" smtClean="0"/>
+              <a:t>Bild durch Klicken auf Symbol hinzufügen</a:t>
+            </a:r>
+            <a:endParaRPr lang="en-US" dirty="0"/>
+          </a:p>
+        </p:txBody>
+      </p:sp>
+      <p:sp>
+        <p:nvSpPr>
+          <p:cNvPr id="27" name="Text Placeholder 3"/>
+          <p:cNvSpPr>
+            <a:spLocks noGrp="1"/>
+          </p:cNvSpPr>
+          <p:nvPr>
+            <p:ph type="body" sz="half" idx="20"/>
+          </p:nvPr>
+        </p:nvSpPr>
+        <p:spPr>
+          <a:xfrm>
+            <a:off x="5230934" y="4873762"/>
+            <a:ext cx="2197239" cy="1062422"/>
+          </a:xfrm>
+        </p:spPr>
+        <p:txBody>
+          <a:bodyPr anchor="t">
+            <a:normAutofit/>
+          </a:bodyPr>
+          <a:lstStyle>
+            <a:lvl1pPr marL="0" indent="0">
+              <a:buNone/>
+              <a:defRPr sz="1400"/>
+            </a:lvl1pPr>
+            <a:lvl2pPr marL="457200" indent="0">
+              <a:buNone/>
+              <a:defRPr sz="1200"/>
+            </a:lvl2pPr>
+            <a:lvl3pPr marL="914400" indent="0">
+              <a:buNone/>
+              <a:defRPr sz="1000"/>
+            </a:lvl3pPr>
+            <a:lvl4pPr marL="1371600" indent="0">
+              <a:buNone/>
+              <a:defRPr sz="900"/>
+            </a:lvl4pPr>
+            <a:lvl5pPr marL="1828800" indent="0">
+              <a:buNone/>
+              <a:defRPr sz="900"/>
+            </a:lvl5pPr>
+            <a:lvl6pPr marL="2286000" indent="0">
+              <a:buNone/>
+              <a:defRPr sz="900"/>
+            </a:lvl6pPr>
+            <a:lvl7pPr marL="2743200" indent="0">
+              <a:buNone/>
+              <a:defRPr sz="900"/>
+            </a:lvl7pPr>
+            <a:lvl8pPr marL="3200400" indent="0">
+              <a:buNone/>
+              <a:defRPr sz="900"/>
+            </a:lvl8pPr>
+            <a:lvl9pPr marL="3657600" indent="0">
+              <a:buNone/>
+              <a:defRPr sz="900"/>
+            </a:lvl9pPr>
+          </a:lstStyle>
+          <a:p>
+            <a:pPr lvl="0"/>
+            <a:r>
+              <a:rPr lang="de-DE" smtClean="0"/>
+              <a:t>Formatvorlagen des Textmasters bearbeiten</a:t>
+            </a:r>
+          </a:p>
+        </p:txBody>
+      </p:sp>
+      <p:sp>
+        <p:nvSpPr>
+          <p:cNvPr id="3" name="Date Placeholder 2"/>
+          <p:cNvSpPr>
+            <a:spLocks noGrp="1"/>
+          </p:cNvSpPr>
+          <p:nvPr>
+            <p:ph type="dt" sz="half" idx="10"/>
+          </p:nvPr>
+        </p:nvSpPr>
+        <p:spPr/>
+        <p:txBody>
+          <a:bodyPr/>
+          <a:lstStyle/>
+          <a:p>
+            <a:fld id="{08D9589F-252C-704B-9B79-8E17BF3570A5}" type="datetimeFigureOut">
+              <a:rPr lang="de-DE" smtClean="0"/>
+              <a:t>11.10.2016</a:t>
+            </a:fld>
+            <a:endParaRPr lang="de-DE"/>
+          </a:p>
+        </p:txBody>
+      </p:sp>
+      <p:sp>
+        <p:nvSpPr>
+          <p:cNvPr id="4" name="Footer Placeholder 3"/>
+          <p:cNvSpPr>
+            <a:spLocks noGrp="1"/>
+          </p:cNvSpPr>
+          <p:nvPr>
+            <p:ph type="ftr" sz="quarter" idx="11"/>
+          </p:nvPr>
+        </p:nvSpPr>
+        <p:spPr/>
+        <p:txBody>
+          <a:bodyPr/>
+          <a:lstStyle/>
+          <a:p>
+            <a:endParaRPr lang="de-DE"/>
+          </a:p>
+        </p:txBody>
+      </p:sp>
+      <p:sp>
+        <p:nvSpPr>
+          <p:cNvPr id="5" name="Slide Number Placeholder 4"/>
+          <p:cNvSpPr>
+            <a:spLocks noGrp="1"/>
+          </p:cNvSpPr>
+          <p:nvPr>
+            <p:ph type="sldNum" sz="quarter" idx="12"/>
+          </p:nvPr>
+        </p:nvSpPr>
+        <p:spPr/>
+        <p:txBody>
+          <a:bodyPr/>
+          <a:lstStyle/>
+          <a:p>
+            <a:fld id="{696D0DBA-6426-E344-AF92-7958926D7170}" type="slidenum">
+              <a:rPr lang="de-DE" smtClean="0"/>
+              <a:t>‹Nr.›</a:t>
+            </a:fld>
+            <a:endParaRPr lang="de-DE"/>
+          </a:p>
+        </p:txBody>
+      </p:sp>
+    </p:spTree>
+    <p:extLst>
+      <p:ext uri="{BB962C8B-B14F-4D97-AF65-F5344CB8AC3E}">
+        <p14:creationId xmlns:p14="http://schemas.microsoft.com/office/powerpoint/2010/main" val="1622228396"/>
+      </p:ext>
+    </p:extLst>
+  </p:cSld>
+  <p:clrMapOvr>
+    <a:masterClrMapping/>
+  </p:clrMapOvr>
+</p:sldLayout>
+</file>
+
+<file path=ppt/slideLayouts/slideLayout16.xml><?xml version="1.0" encoding="utf-8"?>
 <p:sldLayout xmlns:a="http://schemas.openxmlformats.org/drawingml/2006/main" xmlns:r="http://schemas.openxmlformats.org/officeDocument/2006/relationships" xmlns:p="http://schemas.openxmlformats.org/presentationml/2006/main" type="vertTx" preserve="1">
   <p:cSld name="Titel und vertikaler Text">
     <p:spTree>
@@ -391,14 +3889,250 @@
           <a:chExt cx="0" cy="0"/>
         </a:xfrm>
       </p:grpSpPr>
-      <p:sp>
-        <p:nvSpPr>
-          <p:cNvPr id="2" name="Titel 1"/>
+      <p:grpSp>
+        <p:nvGrpSpPr>
+          <p:cNvPr id="16" name="Group 15"/>
+          <p:cNvGrpSpPr/>
+          <p:nvPr/>
+        </p:nvGrpSpPr>
+        <p:grpSpPr>
+          <a:xfrm>
+            <a:off x="0" y="609600"/>
+            <a:ext cx="9161969" cy="1677035"/>
+            <a:chOff x="0" y="2895600"/>
+            <a:chExt cx="9161969" cy="1677035"/>
+          </a:xfrm>
+        </p:grpSpPr>
+        <p:pic>
+          <p:nvPicPr>
+            <p:cNvPr id="17" name="Picture 16" descr="HD-ShadowLong.png"/>
+            <p:cNvPicPr>
+              <a:picLocks noChangeAspect="1"/>
+            </p:cNvPicPr>
+            <p:nvPr/>
+          </p:nvPicPr>
+          <p:blipFill rotWithShape="1">
+            <a:blip r:embed="rId2">
+              <a:extLst>
+                <a:ext uri="{28A0092B-C50C-407E-A947-70E740481C1C}">
+                  <a14:useLocalDpi xmlns:a14="http://schemas.microsoft.com/office/drawing/2010/main" val="0"/>
+                </a:ext>
+              </a:extLst>
+            </a:blip>
+            <a:srcRect l="26982" r="-217"/>
+            <a:stretch/>
+          </p:blipFill>
+          <p:spPr>
+            <a:xfrm>
+              <a:off x="0" y="4251471"/>
+              <a:ext cx="7644384" cy="321164"/>
+            </a:xfrm>
+            <a:prstGeom prst="rect">
+              <a:avLst/>
+            </a:prstGeom>
+          </p:spPr>
+        </p:pic>
+        <p:pic>
+          <p:nvPicPr>
+            <p:cNvPr id="18" name="Picture 17" descr="HD-ShadowShort.png"/>
+            <p:cNvPicPr>
+              <a:picLocks noChangeAspect="1"/>
+            </p:cNvPicPr>
+            <p:nvPr/>
+          </p:nvPicPr>
+          <p:blipFill rotWithShape="1">
+            <a:blip r:embed="rId3">
+              <a:extLst>
+                <a:ext uri="{28A0092B-C50C-407E-A947-70E740481C1C}">
+                  <a14:useLocalDpi xmlns:a14="http://schemas.microsoft.com/office/drawing/2010/main" val="0"/>
+                </a:ext>
+              </a:extLst>
+            </a:blip>
+            <a:srcRect r="9871"/>
+            <a:stretch/>
+          </p:blipFill>
+          <p:spPr>
+            <a:xfrm>
+              <a:off x="7717217" y="4259262"/>
+              <a:ext cx="1444752" cy="144270"/>
+            </a:xfrm>
+            <a:prstGeom prst="rect">
+              <a:avLst/>
+            </a:prstGeom>
+          </p:spPr>
+        </p:pic>
+        <p:sp>
+          <p:nvSpPr>
+            <p:cNvPr id="19" name="Rectangle 18"/>
+            <p:cNvSpPr/>
+            <p:nvPr/>
+          </p:nvSpPr>
+          <p:spPr>
+            <a:xfrm>
+              <a:off x="0" y="2895600"/>
+              <a:ext cx="7567140" cy="1368198"/>
+            </a:xfrm>
+            <a:prstGeom prst="rect">
+              <a:avLst/>
+            </a:prstGeom>
+            <a:solidFill>
+              <a:schemeClr val="bg1">
+                <a:lumMod val="85000"/>
+                <a:lumOff val="15000"/>
+              </a:schemeClr>
+            </a:solidFill>
+            <a:ln>
+              <a:noFill/>
+            </a:ln>
+          </p:spPr>
+          <p:style>
+            <a:lnRef idx="2">
+              <a:schemeClr val="accent1">
+                <a:shade val="50000"/>
+              </a:schemeClr>
+            </a:lnRef>
+            <a:fillRef idx="1">
+              <a:schemeClr val="accent1"/>
+            </a:fillRef>
+            <a:effectRef idx="0">
+              <a:schemeClr val="accent1"/>
+            </a:effectRef>
+            <a:fontRef idx="minor">
+              <a:schemeClr val="lt1"/>
+            </a:fontRef>
+          </p:style>
+        </p:sp>
+        <p:sp>
+          <p:nvSpPr>
+            <p:cNvPr id="20" name="Rectangle 19"/>
+            <p:cNvSpPr/>
+            <p:nvPr/>
+          </p:nvSpPr>
+          <p:spPr>
+            <a:xfrm>
+              <a:off x="7710769" y="2895600"/>
+              <a:ext cx="1433231" cy="1368198"/>
+            </a:xfrm>
+            <a:prstGeom prst="rect">
+              <a:avLst/>
+            </a:prstGeom>
+            <a:solidFill>
+              <a:schemeClr val="accent1"/>
+            </a:solidFill>
+            <a:ln>
+              <a:noFill/>
+            </a:ln>
+          </p:spPr>
+          <p:style>
+            <a:lnRef idx="2">
+              <a:schemeClr val="accent1">
+                <a:shade val="50000"/>
+              </a:schemeClr>
+            </a:lnRef>
+            <a:fillRef idx="1">
+              <a:schemeClr val="accent1"/>
+            </a:fillRef>
+            <a:effectRef idx="0">
+              <a:schemeClr val="accent1"/>
+            </a:effectRef>
+            <a:fontRef idx="minor">
+              <a:schemeClr val="lt1"/>
+            </a:fontRef>
+          </p:style>
+        </p:sp>
+      </p:grpSp>
+      <p:sp>
+        <p:nvSpPr>
+          <p:cNvPr id="2" name="Title 1"/>
           <p:cNvSpPr>
             <a:spLocks noGrp="1"/>
           </p:cNvSpPr>
           <p:nvPr>
             <p:ph type="title"/>
+          </p:nvPr>
+        </p:nvSpPr>
+        <p:spPr>
+          <a:xfrm>
+            <a:off x="531639" y="753228"/>
+            <a:ext cx="6896534" cy="1080938"/>
+          </a:xfrm>
+        </p:spPr>
+        <p:txBody>
+          <a:bodyPr/>
+          <a:lstStyle>
+            <a:lvl1pPr algn="r">
+              <a:defRPr/>
+            </a:lvl1pPr>
+          </a:lstStyle>
+          <a:p>
+            <a:r>
+              <a:rPr lang="de-DE" smtClean="0"/>
+              <a:t>Titelmasterformat durch Klicken bearbeiten</a:t>
+            </a:r>
+            <a:endParaRPr lang="en-US" dirty="0"/>
+          </a:p>
+        </p:txBody>
+      </p:sp>
+      <p:sp>
+        <p:nvSpPr>
+          <p:cNvPr id="3" name="Vertical Text Placeholder 2"/>
+          <p:cNvSpPr>
+            <a:spLocks noGrp="1"/>
+          </p:cNvSpPr>
+          <p:nvPr>
+            <p:ph type="body" orient="vert" idx="1"/>
+          </p:nvPr>
+        </p:nvSpPr>
+        <p:spPr/>
+        <p:txBody>
+          <a:bodyPr vert="eaVert"/>
+          <a:lstStyle/>
+          <a:p>
+            <a:pPr lvl="0"/>
+            <a:r>
+              <a:rPr lang="de-DE" smtClean="0"/>
+              <a:t>Formatvorlagen des Textmasters bearbeiten</a:t>
+            </a:r>
+          </a:p>
+          <a:p>
+            <a:pPr lvl="1"/>
+            <a:r>
+              <a:rPr lang="de-DE" smtClean="0"/>
+              <a:t>Zweite Ebene</a:t>
+            </a:r>
+          </a:p>
+          <a:p>
+            <a:pPr lvl="2"/>
+            <a:r>
+              <a:rPr lang="de-DE" smtClean="0"/>
+              <a:t>Dritte Ebene</a:t>
+            </a:r>
+          </a:p>
+          <a:p>
+            <a:pPr lvl="3"/>
+            <a:r>
+              <a:rPr lang="de-DE" smtClean="0"/>
+              <a:t>Vierte Ebene</a:t>
+            </a:r>
+          </a:p>
+          <a:p>
+            <a:pPr lvl="4"/>
+            <a:r>
+              <a:rPr lang="de-DE" smtClean="0"/>
+              <a:t>Fünfte Ebene</a:t>
+            </a:r>
+            <a:endParaRPr lang="en-US" dirty="0"/>
+          </a:p>
+        </p:txBody>
+      </p:sp>
+      <p:sp>
+        <p:nvSpPr>
+          <p:cNvPr id="4" name="Date Placeholder 3"/>
+          <p:cNvSpPr>
+            <a:spLocks noGrp="1"/>
+          </p:cNvSpPr>
+          <p:nvPr>
+            <p:ph type="dt" sz="half" idx="10"/>
           </p:nvPr>
         </p:nvSpPr>
         <p:spPr/>
@@ -406,74 +4140,22 @@
           <a:bodyPr/>
           <a:lstStyle/>
           <a:p>
-            <a:r>
-              <a:rPr lang="de-CH" smtClean="0"/>
-              <a:t>Mastertitelformat bearbeiten</a:t>
-            </a:r>
+            <a:fld id="{08D9589F-252C-704B-9B79-8E17BF3570A5}" type="datetimeFigureOut">
+              <a:rPr lang="de-DE" smtClean="0"/>
+              <a:t>11.10.2016</a:t>
+            </a:fld>
             <a:endParaRPr lang="de-DE"/>
           </a:p>
         </p:txBody>
       </p:sp>
       <p:sp>
         <p:nvSpPr>
-          <p:cNvPr id="3" name="Vertikaler Textplatzhalter 2"/>
-          <p:cNvSpPr>
-            <a:spLocks noGrp="1"/>
-          </p:cNvSpPr>
-          <p:nvPr>
-            <p:ph type="body" orient="vert" idx="1"/>
-          </p:nvPr>
-        </p:nvSpPr>
-        <p:spPr/>
-        <p:txBody>
-          <a:bodyPr vert="eaVert"/>
-          <a:lstStyle/>
-          <a:p>
-            <a:pPr lvl="0"/>
-            <a:r>
-              <a:rPr lang="de-CH" smtClean="0"/>
-              <a:t>Mastertextformat bearbeiten</a:t>
-            </a:r>
-          </a:p>
-          <a:p>
-            <a:pPr lvl="1"/>
-            <a:r>
-              <a:rPr lang="de-CH" smtClean="0"/>
-              <a:t>Zweite Ebene</a:t>
-            </a:r>
-          </a:p>
-          <a:p>
-            <a:pPr lvl="2"/>
-            <a:r>
-              <a:rPr lang="de-CH" smtClean="0"/>
-              <a:t>Dritte Ebene</a:t>
-            </a:r>
-          </a:p>
-          <a:p>
-            <a:pPr lvl="3"/>
-            <a:r>
-              <a:rPr lang="de-CH" smtClean="0"/>
-              <a:t>Vierte Ebene</a:t>
-            </a:r>
-          </a:p>
-          <a:p>
-            <a:pPr lvl="4"/>
-            <a:r>
-              <a:rPr lang="de-CH" smtClean="0"/>
-              <a:t>Fünfte Ebene</a:t>
-            </a:r>
-            <a:endParaRPr lang="de-DE"/>
-          </a:p>
-        </p:txBody>
-      </p:sp>
-      <p:sp>
-        <p:nvSpPr>
-          <p:cNvPr id="4" name="Datumsplatzhalter 3"/>
-          <p:cNvSpPr>
-            <a:spLocks noGrp="1"/>
-          </p:cNvSpPr>
-          <p:nvPr>
-            <p:ph type="dt" sz="half" idx="10"/>
+          <p:cNvPr id="5" name="Footer Placeholder 4"/>
+          <p:cNvSpPr>
+            <a:spLocks noGrp="1"/>
+          </p:cNvSpPr>
+          <p:nvPr>
+            <p:ph type="ftr" sz="quarter" idx="11"/>
           </p:nvPr>
         </p:nvSpPr>
         <p:spPr/>
@@ -481,22 +4163,18 @@
           <a:bodyPr/>
           <a:lstStyle/>
           <a:p>
-            <a:fld id="{08D9589F-252C-704B-9B79-8E17BF3570A5}" type="datetimeFigureOut">
-              <a:rPr lang="de-DE" smtClean="0"/>
-              <a:t>07.10.16</a:t>
-            </a:fld>
             <a:endParaRPr lang="de-DE"/>
           </a:p>
         </p:txBody>
       </p:sp>
       <p:sp>
         <p:nvSpPr>
-          <p:cNvPr id="5" name="Fußzeilenplatzhalter 4"/>
-          <p:cNvSpPr>
-            <a:spLocks noGrp="1"/>
-          </p:cNvSpPr>
-          <p:nvPr>
-            <p:ph type="ftr" sz="quarter" idx="11"/>
+          <p:cNvPr id="6" name="Slide Number Placeholder 5"/>
+          <p:cNvSpPr>
+            <a:spLocks noGrp="1"/>
+          </p:cNvSpPr>
+          <p:nvPr>
+            <p:ph type="sldNum" sz="quarter" idx="12"/>
           </p:nvPr>
         </p:nvSpPr>
         <p:spPr/>
@@ -504,28 +4182,9 @@
           <a:bodyPr/>
           <a:lstStyle/>
           <a:p>
-            <a:endParaRPr lang="de-DE"/>
-          </a:p>
-        </p:txBody>
-      </p:sp>
-      <p:sp>
-        <p:nvSpPr>
-          <p:cNvPr id="6" name="Foliennummernplatzhalter 5"/>
-          <p:cNvSpPr>
-            <a:spLocks noGrp="1"/>
-          </p:cNvSpPr>
-          <p:nvPr>
-            <p:ph type="sldNum" sz="quarter" idx="12"/>
-          </p:nvPr>
-        </p:nvSpPr>
-        <p:spPr/>
-        <p:txBody>
-          <a:bodyPr/>
-          <a:lstStyle/>
-          <a:p>
             <a:fld id="{696D0DBA-6426-E344-AF92-7958926D7170}" type="slidenum">
               <a:rPr lang="de-DE" smtClean="0"/>
-              <a:t>‹#›</a:t>
+              <a:t>‹Nr.›</a:t>
             </a:fld>
             <a:endParaRPr lang="de-DE"/>
           </a:p>
@@ -534,7 +4193,7 @@
     </p:spTree>
     <p:extLst>
       <p:ext uri="{BB962C8B-B14F-4D97-AF65-F5344CB8AC3E}">
-        <p14:creationId xmlns:p14="http://schemas.microsoft.com/office/powerpoint/2010/main" val="3685331090"/>
+        <p14:creationId xmlns:p14="http://schemas.microsoft.com/office/powerpoint/2010/main" val="2150476285"/>
       </p:ext>
     </p:extLst>
   </p:cSld>
@@ -544,7 +4203,7 @@
 </p:sldLayout>
 </file>
 
-<file path=ppt/slideLayouts/slideLayout11.xml><?xml version="1.0" encoding="utf-8"?>
+<file path=ppt/slideLayouts/slideLayout17.xml><?xml version="1.0" encoding="utf-8"?>
 <p:sldLayout xmlns:a="http://schemas.openxmlformats.org/drawingml/2006/main" xmlns:r="http://schemas.openxmlformats.org/officeDocument/2006/relationships" xmlns:p="http://schemas.openxmlformats.org/presentationml/2006/main" type="vertTitleAndTx" preserve="1">
   <p:cSld name="Vertikaler Titel und Text">
     <p:spTree>
@@ -561,9 +4220,103 @@
           <a:chExt cx="0" cy="0"/>
         </a:xfrm>
       </p:grpSpPr>
-      <p:sp>
-        <p:nvSpPr>
-          <p:cNvPr id="2" name="Vertikaler Titel 1"/>
+      <p:grpSp>
+        <p:nvGrpSpPr>
+          <p:cNvPr id="14" name="Group 13"/>
+          <p:cNvGrpSpPr/>
+          <p:nvPr/>
+        </p:nvGrpSpPr>
+        <p:grpSpPr>
+          <a:xfrm rot="5400000">
+            <a:off x="4575305" y="2747178"/>
+            <a:ext cx="6862555" cy="1368199"/>
+            <a:chOff x="2281445" y="609600"/>
+            <a:chExt cx="6862555" cy="1368199"/>
+          </a:xfrm>
+        </p:grpSpPr>
+        <p:sp>
+          <p:nvSpPr>
+            <p:cNvPr id="12" name="Rectangle 11"/>
+            <p:cNvSpPr/>
+            <p:nvPr/>
+          </p:nvSpPr>
+          <p:spPr>
+            <a:xfrm>
+              <a:off x="2281445" y="609601"/>
+              <a:ext cx="5285695" cy="1368198"/>
+            </a:xfrm>
+            <a:prstGeom prst="rect">
+              <a:avLst/>
+            </a:prstGeom>
+            <a:solidFill>
+              <a:schemeClr val="bg1">
+                <a:lumMod val="85000"/>
+                <a:lumOff val="15000"/>
+              </a:schemeClr>
+            </a:solidFill>
+            <a:ln>
+              <a:noFill/>
+            </a:ln>
+          </p:spPr>
+          <p:style>
+            <a:lnRef idx="2">
+              <a:schemeClr val="accent1">
+                <a:shade val="50000"/>
+              </a:schemeClr>
+            </a:lnRef>
+            <a:fillRef idx="1">
+              <a:schemeClr val="accent1"/>
+            </a:fillRef>
+            <a:effectRef idx="0">
+              <a:schemeClr val="accent1"/>
+            </a:effectRef>
+            <a:fontRef idx="minor">
+              <a:schemeClr val="lt1"/>
+            </a:fontRef>
+          </p:style>
+        </p:sp>
+        <p:sp>
+          <p:nvSpPr>
+            <p:cNvPr id="13" name="Rectangle 12"/>
+            <p:cNvSpPr/>
+            <p:nvPr/>
+          </p:nvSpPr>
+          <p:spPr>
+            <a:xfrm>
+              <a:off x="7710769" y="609600"/>
+              <a:ext cx="1433231" cy="1368198"/>
+            </a:xfrm>
+            <a:prstGeom prst="rect">
+              <a:avLst/>
+            </a:prstGeom>
+            <a:solidFill>
+              <a:schemeClr val="accent1"/>
+            </a:solidFill>
+            <a:ln>
+              <a:noFill/>
+            </a:ln>
+          </p:spPr>
+          <p:style>
+            <a:lnRef idx="2">
+              <a:schemeClr val="accent1">
+                <a:shade val="50000"/>
+              </a:schemeClr>
+            </a:lnRef>
+            <a:fillRef idx="1">
+              <a:schemeClr val="accent1"/>
+            </a:fillRef>
+            <a:effectRef idx="0">
+              <a:schemeClr val="accent1"/>
+            </a:effectRef>
+            <a:fontRef idx="minor">
+              <a:schemeClr val="lt1"/>
+            </a:fontRef>
+          </p:style>
+        </p:sp>
+      </p:grpSp>
+      <p:sp>
+        <p:nvSpPr>
+          <p:cNvPr id="2" name="Vertical Title 1"/>
           <p:cNvSpPr>
             <a:spLocks noGrp="1"/>
           </p:cNvSpPr>
@@ -573,8 +4326,8 @@
         </p:nvSpPr>
         <p:spPr>
           <a:xfrm>
-            <a:off x="6629400" y="274638"/>
-            <a:ext cx="2057400" cy="5851525"/>
+            <a:off x="7464798" y="609597"/>
+            <a:ext cx="1069602" cy="4461936"/>
           </a:xfrm>
         </p:spPr>
         <p:txBody>
@@ -582,16 +4335,16 @@
           <a:lstStyle/>
           <a:p>
             <a:r>
-              <a:rPr lang="de-CH" smtClean="0"/>
-              <a:t>Mastertitelformat bearbeiten</a:t>
-            </a:r>
-            <a:endParaRPr lang="de-DE"/>
-          </a:p>
-        </p:txBody>
-      </p:sp>
-      <p:sp>
-        <p:nvSpPr>
-          <p:cNvPr id="3" name="Vertikaler Textplatzhalter 2"/>
+              <a:rPr lang="de-DE" smtClean="0"/>
+              <a:t>Titelmasterformat durch Klicken bearbeiten</a:t>
+            </a:r>
+            <a:endParaRPr lang="en-US" dirty="0"/>
+          </a:p>
+        </p:txBody>
+      </p:sp>
+      <p:sp>
+        <p:nvSpPr>
+          <p:cNvPr id="3" name="Vertical Text Placeholder 2"/>
           <p:cNvSpPr>
             <a:spLocks noGrp="1"/>
           </p:cNvSpPr>
@@ -601,8 +4354,8 @@
         </p:nvSpPr>
         <p:spPr>
           <a:xfrm>
-            <a:off x="457200" y="274638"/>
-            <a:ext cx="6019800" cy="5851525"/>
+            <a:off x="510241" y="609598"/>
+            <a:ext cx="6576359" cy="5326589"/>
           </a:xfrm>
         </p:spPr>
         <p:txBody>
@@ -611,44 +4364,44 @@
           <a:p>
             <a:pPr lvl="0"/>
             <a:r>
-              <a:rPr lang="de-CH" smtClean="0"/>
-              <a:t>Mastertextformat bearbeiten</a:t>
+              <a:rPr lang="de-DE" smtClean="0"/>
+              <a:t>Formatvorlagen des Textmasters bearbeiten</a:t>
             </a:r>
           </a:p>
           <a:p>
             <a:pPr lvl="1"/>
             <a:r>
-              <a:rPr lang="de-CH" smtClean="0"/>
+              <a:rPr lang="de-DE" smtClean="0"/>
               <a:t>Zweite Ebene</a:t>
             </a:r>
           </a:p>
           <a:p>
             <a:pPr lvl="2"/>
             <a:r>
-              <a:rPr lang="de-CH" smtClean="0"/>
+              <a:rPr lang="de-DE" smtClean="0"/>
               <a:t>Dritte Ebene</a:t>
             </a:r>
           </a:p>
           <a:p>
             <a:pPr lvl="3"/>
             <a:r>
-              <a:rPr lang="de-CH" smtClean="0"/>
+              <a:rPr lang="de-DE" smtClean="0"/>
               <a:t>Vierte Ebene</a:t>
             </a:r>
           </a:p>
           <a:p>
             <a:pPr lvl="4"/>
             <a:r>
-              <a:rPr lang="de-CH" smtClean="0"/>
+              <a:rPr lang="de-DE" smtClean="0"/>
               <a:t>Fünfte Ebene</a:t>
             </a:r>
-            <a:endParaRPr lang="de-DE"/>
-          </a:p>
-        </p:txBody>
-      </p:sp>
-      <p:sp>
-        <p:nvSpPr>
-          <p:cNvPr id="4" name="Datumsplatzhalter 3"/>
+            <a:endParaRPr lang="en-US" dirty="0"/>
+          </a:p>
+        </p:txBody>
+      </p:sp>
+      <p:sp>
+        <p:nvSpPr>
+          <p:cNvPr id="4" name="Date Placeholder 3"/>
           <p:cNvSpPr>
             <a:spLocks noGrp="1"/>
           </p:cNvSpPr>
@@ -656,14 +4409,19 @@
             <p:ph type="dt" sz="half" idx="10"/>
           </p:nvPr>
         </p:nvSpPr>
-        <p:spPr/>
+        <p:spPr>
+          <a:xfrm>
+            <a:off x="5029144" y="5936188"/>
+            <a:ext cx="2057400" cy="365125"/>
+          </a:xfrm>
+        </p:spPr>
         <p:txBody>
           <a:bodyPr/>
           <a:lstStyle/>
           <a:p>
             <a:fld id="{08D9589F-252C-704B-9B79-8E17BF3570A5}" type="datetimeFigureOut">
               <a:rPr lang="de-DE" smtClean="0"/>
-              <a:t>07.10.16</a:t>
+              <a:t>11.10.2016</a:t>
             </a:fld>
             <a:endParaRPr lang="de-DE"/>
           </a:p>
@@ -671,7 +4429,7 @@
       </p:sp>
       <p:sp>
         <p:nvSpPr>
-          <p:cNvPr id="5" name="Fußzeilenplatzhalter 4"/>
+          <p:cNvPr id="5" name="Footer Placeholder 4"/>
           <p:cNvSpPr>
             <a:spLocks noGrp="1"/>
           </p:cNvSpPr>
@@ -679,7 +4437,12 @@
             <p:ph type="ftr" sz="quarter" idx="11"/>
           </p:nvPr>
         </p:nvSpPr>
-        <p:spPr/>
+        <p:spPr>
+          <a:xfrm>
+            <a:off x="510241" y="5936189"/>
+            <a:ext cx="4518959" cy="365125"/>
+          </a:xfrm>
+        </p:spPr>
         <p:txBody>
           <a:bodyPr/>
           <a:lstStyle/>
@@ -690,7 +4453,7 @@
       </p:sp>
       <p:sp>
         <p:nvSpPr>
-          <p:cNvPr id="6" name="Foliennummernplatzhalter 5"/>
+          <p:cNvPr id="6" name="Slide Number Placeholder 5"/>
           <p:cNvSpPr>
             <a:spLocks noGrp="1"/>
           </p:cNvSpPr>
@@ -698,14 +4461,23 @@
             <p:ph type="sldNum" sz="quarter" idx="12"/>
           </p:nvPr>
         </p:nvSpPr>
-        <p:spPr/>
-        <p:txBody>
-          <a:bodyPr/>
-          <a:lstStyle/>
+        <p:spPr>
+          <a:xfrm>
+            <a:off x="7431152" y="5432500"/>
+            <a:ext cx="1149636" cy="1273100"/>
+          </a:xfrm>
+        </p:spPr>
+        <p:txBody>
+          <a:bodyPr anchor="t"/>
+          <a:lstStyle>
+            <a:lvl1pPr algn="ctr">
+              <a:defRPr/>
+            </a:lvl1pPr>
+          </a:lstStyle>
           <a:p>
             <a:fld id="{696D0DBA-6426-E344-AF92-7958926D7170}" type="slidenum">
               <a:rPr lang="de-DE" smtClean="0"/>
-              <a:t>‹#›</a:t>
+              <a:t>‹Nr.›</a:t>
             </a:fld>
             <a:endParaRPr lang="de-DE"/>
           </a:p>
@@ -714,7 +4486,7 @@
     </p:spTree>
     <p:extLst>
       <p:ext uri="{BB962C8B-B14F-4D97-AF65-F5344CB8AC3E}">
-        <p14:creationId xmlns:p14="http://schemas.microsoft.com/office/powerpoint/2010/main" val="553319185"/>
+        <p14:creationId xmlns:p14="http://schemas.microsoft.com/office/powerpoint/2010/main" val="1581491655"/>
       </p:ext>
     </p:extLst>
   </p:cSld>
@@ -741,9 +4513,161 @@
           <a:chExt cx="0" cy="0"/>
         </a:xfrm>
       </p:grpSpPr>
-      <p:sp>
-        <p:nvSpPr>
-          <p:cNvPr id="2" name="Titel 1"/>
+      <p:grpSp>
+        <p:nvGrpSpPr>
+          <p:cNvPr id="27" name="Group 26"/>
+          <p:cNvGrpSpPr/>
+          <p:nvPr/>
+        </p:nvGrpSpPr>
+        <p:grpSpPr>
+          <a:xfrm>
+            <a:off x="0" y="609600"/>
+            <a:ext cx="9161969" cy="1677035"/>
+            <a:chOff x="0" y="2895600"/>
+            <a:chExt cx="9161969" cy="1677035"/>
+          </a:xfrm>
+        </p:grpSpPr>
+        <p:pic>
+          <p:nvPicPr>
+            <p:cNvPr id="28" name="Picture 27" descr="HD-ShadowLong.png"/>
+            <p:cNvPicPr>
+              <a:picLocks noChangeAspect="1"/>
+            </p:cNvPicPr>
+            <p:nvPr/>
+          </p:nvPicPr>
+          <p:blipFill rotWithShape="1">
+            <a:blip r:embed="rId2">
+              <a:extLst>
+                <a:ext uri="{28A0092B-C50C-407E-A947-70E740481C1C}">
+                  <a14:useLocalDpi xmlns:a14="http://schemas.microsoft.com/office/drawing/2010/main" val="0"/>
+                </a:ext>
+              </a:extLst>
+            </a:blip>
+            <a:srcRect l="26982" r="-217"/>
+            <a:stretch/>
+          </p:blipFill>
+          <p:spPr>
+            <a:xfrm>
+              <a:off x="0" y="4251471"/>
+              <a:ext cx="7644384" cy="321164"/>
+            </a:xfrm>
+            <a:prstGeom prst="rect">
+              <a:avLst/>
+            </a:prstGeom>
+          </p:spPr>
+        </p:pic>
+        <p:pic>
+          <p:nvPicPr>
+            <p:cNvPr id="29" name="Picture 28" descr="HD-ShadowShort.png"/>
+            <p:cNvPicPr>
+              <a:picLocks noChangeAspect="1"/>
+            </p:cNvPicPr>
+            <p:nvPr/>
+          </p:nvPicPr>
+          <p:blipFill rotWithShape="1">
+            <a:blip r:embed="rId3">
+              <a:extLst>
+                <a:ext uri="{28A0092B-C50C-407E-A947-70E740481C1C}">
+                  <a14:useLocalDpi xmlns:a14="http://schemas.microsoft.com/office/drawing/2010/main" val="0"/>
+                </a:ext>
+              </a:extLst>
+            </a:blip>
+            <a:srcRect r="9871"/>
+            <a:stretch/>
+          </p:blipFill>
+          <p:spPr>
+            <a:xfrm>
+              <a:off x="7717217" y="4259262"/>
+              <a:ext cx="1444752" cy="144270"/>
+            </a:xfrm>
+            <a:prstGeom prst="rect">
+              <a:avLst/>
+            </a:prstGeom>
+          </p:spPr>
+        </p:pic>
+        <p:sp>
+          <p:nvSpPr>
+            <p:cNvPr id="30" name="Rectangle 29"/>
+            <p:cNvSpPr/>
+            <p:nvPr/>
+          </p:nvSpPr>
+          <p:spPr>
+            <a:xfrm>
+              <a:off x="0" y="2895600"/>
+              <a:ext cx="7567140" cy="1368198"/>
+            </a:xfrm>
+            <a:prstGeom prst="rect">
+              <a:avLst/>
+            </a:prstGeom>
+            <a:solidFill>
+              <a:schemeClr val="bg1">
+                <a:lumMod val="85000"/>
+                <a:lumOff val="15000"/>
+              </a:schemeClr>
+            </a:solidFill>
+            <a:ln>
+              <a:noFill/>
+            </a:ln>
+          </p:spPr>
+          <p:style>
+            <a:lnRef idx="2">
+              <a:schemeClr val="accent1">
+                <a:shade val="50000"/>
+              </a:schemeClr>
+            </a:lnRef>
+            <a:fillRef idx="1">
+              <a:schemeClr val="accent1"/>
+            </a:fillRef>
+            <a:effectRef idx="0">
+              <a:schemeClr val="accent1"/>
+            </a:effectRef>
+            <a:fontRef idx="minor">
+              <a:schemeClr val="lt1"/>
+            </a:fontRef>
+          </p:style>
+        </p:sp>
+        <p:sp>
+          <p:nvSpPr>
+            <p:cNvPr id="31" name="Rectangle 30"/>
+            <p:cNvSpPr/>
+            <p:nvPr/>
+          </p:nvSpPr>
+          <p:spPr>
+            <a:xfrm>
+              <a:off x="7710769" y="2895600"/>
+              <a:ext cx="1433231" cy="1368198"/>
+            </a:xfrm>
+            <a:prstGeom prst="rect">
+              <a:avLst/>
+            </a:prstGeom>
+            <a:solidFill>
+              <a:schemeClr val="accent1"/>
+            </a:solidFill>
+            <a:ln>
+              <a:noFill/>
+            </a:ln>
+          </p:spPr>
+          <p:style>
+            <a:lnRef idx="2">
+              <a:schemeClr val="accent1">
+                <a:shade val="50000"/>
+              </a:schemeClr>
+            </a:lnRef>
+            <a:fillRef idx="1">
+              <a:schemeClr val="accent1"/>
+            </a:fillRef>
+            <a:effectRef idx="0">
+              <a:schemeClr val="accent1"/>
+            </a:effectRef>
+            <a:fontRef idx="minor">
+              <a:schemeClr val="lt1"/>
+            </a:fontRef>
+          </p:style>
+        </p:sp>
+      </p:grpSp>
+      <p:sp>
+        <p:nvSpPr>
+          <p:cNvPr id="2" name="Title 1"/>
           <p:cNvSpPr>
             <a:spLocks noGrp="1"/>
           </p:cNvSpPr>
@@ -757,16 +4681,16 @@
           <a:lstStyle/>
           <a:p>
             <a:r>
-              <a:rPr lang="de-CH" smtClean="0"/>
-              <a:t>Mastertitelformat bearbeiten</a:t>
-            </a:r>
-            <a:endParaRPr lang="de-DE"/>
-          </a:p>
-        </p:txBody>
-      </p:sp>
-      <p:sp>
-        <p:nvSpPr>
-          <p:cNvPr id="3" name="Inhaltsplatzhalter 2"/>
+              <a:rPr lang="de-DE" smtClean="0"/>
+              <a:t>Titelmasterformat durch Klicken bearbeiten</a:t>
+            </a:r>
+            <a:endParaRPr lang="en-US" dirty="0"/>
+          </a:p>
+        </p:txBody>
+      </p:sp>
+      <p:sp>
+        <p:nvSpPr>
+          <p:cNvPr id="3" name="Content Placeholder 2"/>
           <p:cNvSpPr>
             <a:spLocks noGrp="1"/>
           </p:cNvSpPr>
@@ -781,44 +4705,44 @@
           <a:p>
             <a:pPr lvl="0"/>
             <a:r>
-              <a:rPr lang="de-CH" smtClean="0"/>
-              <a:t>Mastertextformat bearbeiten</a:t>
+              <a:rPr lang="de-DE" smtClean="0"/>
+              <a:t>Formatvorlagen des Textmasters bearbeiten</a:t>
             </a:r>
           </a:p>
           <a:p>
             <a:pPr lvl="1"/>
             <a:r>
-              <a:rPr lang="de-CH" smtClean="0"/>
+              <a:rPr lang="de-DE" smtClean="0"/>
               <a:t>Zweite Ebene</a:t>
             </a:r>
           </a:p>
           <a:p>
             <a:pPr lvl="2"/>
             <a:r>
-              <a:rPr lang="de-CH" smtClean="0"/>
+              <a:rPr lang="de-DE" smtClean="0"/>
               <a:t>Dritte Ebene</a:t>
             </a:r>
           </a:p>
           <a:p>
             <a:pPr lvl="3"/>
             <a:r>
-              <a:rPr lang="de-CH" smtClean="0"/>
+              <a:rPr lang="de-DE" smtClean="0"/>
               <a:t>Vierte Ebene</a:t>
             </a:r>
           </a:p>
           <a:p>
             <a:pPr lvl="4"/>
             <a:r>
-              <a:rPr lang="de-CH" smtClean="0"/>
+              <a:rPr lang="de-DE" smtClean="0"/>
               <a:t>Fünfte Ebene</a:t>
             </a:r>
-            <a:endParaRPr lang="de-DE"/>
-          </a:p>
-        </p:txBody>
-      </p:sp>
-      <p:sp>
-        <p:nvSpPr>
-          <p:cNvPr id="4" name="Datumsplatzhalter 3"/>
+            <a:endParaRPr lang="en-US" dirty="0"/>
+          </a:p>
+        </p:txBody>
+      </p:sp>
+      <p:sp>
+        <p:nvSpPr>
+          <p:cNvPr id="4" name="Date Placeholder 3"/>
           <p:cNvSpPr>
             <a:spLocks noGrp="1"/>
           </p:cNvSpPr>
@@ -833,7 +4757,7 @@
           <a:p>
             <a:fld id="{08D9589F-252C-704B-9B79-8E17BF3570A5}" type="datetimeFigureOut">
               <a:rPr lang="de-DE" smtClean="0"/>
-              <a:t>07.10.16</a:t>
+              <a:t>11.10.2016</a:t>
             </a:fld>
             <a:endParaRPr lang="de-DE"/>
           </a:p>
@@ -841,7 +4765,7 @@
       </p:sp>
       <p:sp>
         <p:nvSpPr>
-          <p:cNvPr id="5" name="Fußzeilenplatzhalter 4"/>
+          <p:cNvPr id="5" name="Footer Placeholder 4"/>
           <p:cNvSpPr>
             <a:spLocks noGrp="1"/>
           </p:cNvSpPr>
@@ -860,7 +4784,7 @@
       </p:sp>
       <p:sp>
         <p:nvSpPr>
-          <p:cNvPr id="6" name="Foliennummernplatzhalter 5"/>
+          <p:cNvPr id="6" name="Slide Number Placeholder 5"/>
           <p:cNvSpPr>
             <a:spLocks noGrp="1"/>
           </p:cNvSpPr>
@@ -875,7 +4799,7 @@
           <a:p>
             <a:fld id="{696D0DBA-6426-E344-AF92-7958926D7170}" type="slidenum">
               <a:rPr lang="de-DE" smtClean="0"/>
-              <a:t>‹#›</a:t>
+              <a:t>‹Nr.›</a:t>
             </a:fld>
             <a:endParaRPr lang="de-DE"/>
           </a:p>
@@ -884,7 +4808,7 @@
     </p:spTree>
     <p:extLst>
       <p:ext uri="{BB962C8B-B14F-4D97-AF65-F5344CB8AC3E}">
-        <p14:creationId xmlns:p14="http://schemas.microsoft.com/office/powerpoint/2010/main" val="766772296"/>
+        <p14:creationId xmlns:p14="http://schemas.microsoft.com/office/powerpoint/2010/main" val="1240232698"/>
       </p:ext>
     </p:extLst>
   </p:cSld>
@@ -896,7 +4820,7 @@
 
 <file path=ppt/slideLayouts/slideLayout3.xml><?xml version="1.0" encoding="utf-8"?>
 <p:sldLayout xmlns:a="http://schemas.openxmlformats.org/drawingml/2006/main" xmlns:r="http://schemas.openxmlformats.org/officeDocument/2006/relationships" xmlns:p="http://schemas.openxmlformats.org/presentationml/2006/main" type="secHead" preserve="1">
-  <p:cSld name="Abschnittsüberschrift">
+  <p:cSld name="Abschnitts-&#10;überschrift">
     <p:spTree>
       <p:nvGrpSpPr>
         <p:cNvPr id="1" name=""/>
@@ -911,9 +4835,161 @@
           <a:chExt cx="0" cy="0"/>
         </a:xfrm>
       </p:grpSpPr>
-      <p:sp>
-        <p:nvSpPr>
-          <p:cNvPr id="2" name="Titel 1"/>
+      <p:grpSp>
+        <p:nvGrpSpPr>
+          <p:cNvPr id="18" name="Group 17"/>
+          <p:cNvGrpSpPr/>
+          <p:nvPr/>
+        </p:nvGrpSpPr>
+        <p:grpSpPr>
+          <a:xfrm>
+            <a:off x="0" y="2728432"/>
+            <a:ext cx="9161969" cy="1677035"/>
+            <a:chOff x="0" y="2895600"/>
+            <a:chExt cx="9161969" cy="1677035"/>
+          </a:xfrm>
+        </p:grpSpPr>
+        <p:pic>
+          <p:nvPicPr>
+            <p:cNvPr id="19" name="Picture 18" descr="HD-ShadowLong.png"/>
+            <p:cNvPicPr>
+              <a:picLocks noChangeAspect="1"/>
+            </p:cNvPicPr>
+            <p:nvPr/>
+          </p:nvPicPr>
+          <p:blipFill rotWithShape="1">
+            <a:blip r:embed="rId2">
+              <a:extLst>
+                <a:ext uri="{28A0092B-C50C-407E-A947-70E740481C1C}">
+                  <a14:useLocalDpi xmlns:a14="http://schemas.microsoft.com/office/drawing/2010/main" val="0"/>
+                </a:ext>
+              </a:extLst>
+            </a:blip>
+            <a:srcRect l="26982" r="-217"/>
+            <a:stretch/>
+          </p:blipFill>
+          <p:spPr>
+            <a:xfrm>
+              <a:off x="0" y="4251471"/>
+              <a:ext cx="7644384" cy="321164"/>
+            </a:xfrm>
+            <a:prstGeom prst="rect">
+              <a:avLst/>
+            </a:prstGeom>
+          </p:spPr>
+        </p:pic>
+        <p:pic>
+          <p:nvPicPr>
+            <p:cNvPr id="20" name="Picture 19" descr="HD-ShadowShort.png"/>
+            <p:cNvPicPr>
+              <a:picLocks noChangeAspect="1"/>
+            </p:cNvPicPr>
+            <p:nvPr/>
+          </p:nvPicPr>
+          <p:blipFill rotWithShape="1">
+            <a:blip r:embed="rId3">
+              <a:extLst>
+                <a:ext uri="{28A0092B-C50C-407E-A947-70E740481C1C}">
+                  <a14:useLocalDpi xmlns:a14="http://schemas.microsoft.com/office/drawing/2010/main" val="0"/>
+                </a:ext>
+              </a:extLst>
+            </a:blip>
+            <a:srcRect r="9871"/>
+            <a:stretch/>
+          </p:blipFill>
+          <p:spPr>
+            <a:xfrm>
+              <a:off x="7717217" y="4259262"/>
+              <a:ext cx="1444752" cy="144270"/>
+            </a:xfrm>
+            <a:prstGeom prst="rect">
+              <a:avLst/>
+            </a:prstGeom>
+          </p:spPr>
+        </p:pic>
+        <p:sp>
+          <p:nvSpPr>
+            <p:cNvPr id="21" name="Rectangle 20"/>
+            <p:cNvSpPr/>
+            <p:nvPr/>
+          </p:nvSpPr>
+          <p:spPr>
+            <a:xfrm>
+              <a:off x="0" y="2895600"/>
+              <a:ext cx="7567140" cy="1368198"/>
+            </a:xfrm>
+            <a:prstGeom prst="rect">
+              <a:avLst/>
+            </a:prstGeom>
+            <a:solidFill>
+              <a:schemeClr val="bg1">
+                <a:lumMod val="85000"/>
+                <a:lumOff val="15000"/>
+              </a:schemeClr>
+            </a:solidFill>
+            <a:ln>
+              <a:noFill/>
+            </a:ln>
+          </p:spPr>
+          <p:style>
+            <a:lnRef idx="2">
+              <a:schemeClr val="accent1">
+                <a:shade val="50000"/>
+              </a:schemeClr>
+            </a:lnRef>
+            <a:fillRef idx="1">
+              <a:schemeClr val="accent1"/>
+            </a:fillRef>
+            <a:effectRef idx="0">
+              <a:schemeClr val="accent1"/>
+            </a:effectRef>
+            <a:fontRef idx="minor">
+              <a:schemeClr val="lt1"/>
+            </a:fontRef>
+          </p:style>
+        </p:sp>
+        <p:sp>
+          <p:nvSpPr>
+            <p:cNvPr id="22" name="Rectangle 21"/>
+            <p:cNvSpPr/>
+            <p:nvPr/>
+          </p:nvSpPr>
+          <p:spPr>
+            <a:xfrm>
+              <a:off x="7710769" y="2895600"/>
+              <a:ext cx="1433231" cy="1368198"/>
+            </a:xfrm>
+            <a:prstGeom prst="rect">
+              <a:avLst/>
+            </a:prstGeom>
+            <a:solidFill>
+              <a:schemeClr val="accent1"/>
+            </a:solidFill>
+            <a:ln>
+              <a:noFill/>
+            </a:ln>
+          </p:spPr>
+          <p:style>
+            <a:lnRef idx="2">
+              <a:schemeClr val="accent1">
+                <a:shade val="50000"/>
+              </a:schemeClr>
+            </a:lnRef>
+            <a:fillRef idx="1">
+              <a:schemeClr val="accent1"/>
+            </a:fillRef>
+            <a:effectRef idx="0">
+              <a:schemeClr val="accent1"/>
+            </a:effectRef>
+            <a:fontRef idx="minor">
+              <a:schemeClr val="lt1"/>
+            </a:fontRef>
+          </p:style>
+        </p:sp>
+      </p:grpSp>
+      <p:sp>
+        <p:nvSpPr>
+          <p:cNvPr id="2" name="Title 1"/>
           <p:cNvSpPr>
             <a:spLocks noGrp="1"/>
           </p:cNvSpPr>
@@ -923,29 +4999,31 @@
         </p:nvSpPr>
         <p:spPr>
           <a:xfrm>
-            <a:off x="722313" y="4406900"/>
-            <a:ext cx="7772400" cy="1362075"/>
+            <a:off x="531639" y="2869895"/>
+            <a:ext cx="6889150" cy="1090788"/>
           </a:xfrm>
         </p:spPr>
         <p:txBody>
-          <a:bodyPr anchor="t"/>
+          <a:bodyPr anchor="ctr">
+            <a:normAutofit/>
+          </a:bodyPr>
           <a:lstStyle>
-            <a:lvl1pPr algn="l">
-              <a:defRPr sz="4000" b="1" cap="all"/>
+            <a:lvl1pPr algn="r">
+              <a:defRPr sz="3600"/>
             </a:lvl1pPr>
           </a:lstStyle>
           <a:p>
             <a:r>
-              <a:rPr lang="de-CH" smtClean="0"/>
-              <a:t>Mastertitelformat bearbeiten</a:t>
-            </a:r>
-            <a:endParaRPr lang="de-DE"/>
-          </a:p>
-        </p:txBody>
-      </p:sp>
-      <p:sp>
-        <p:nvSpPr>
-          <p:cNvPr id="3" name="Textplatzhalter 2"/>
+              <a:rPr lang="de-DE" smtClean="0"/>
+              <a:t>Titelmasterformat durch Klicken bearbeiten</a:t>
+            </a:r>
+            <a:endParaRPr lang="en-US" dirty="0"/>
+          </a:p>
+        </p:txBody>
+      </p:sp>
+      <p:sp>
+        <p:nvSpPr>
+          <p:cNvPr id="3" name="Text Placeholder 2"/>
           <p:cNvSpPr>
             <a:spLocks noGrp="1"/>
           </p:cNvSpPr>
@@ -955,14 +5033,16 @@
         </p:nvSpPr>
         <p:spPr>
           <a:xfrm>
-            <a:off x="722313" y="2906713"/>
-            <a:ext cx="7772400" cy="1500187"/>
+            <a:off x="531639" y="4232172"/>
+            <a:ext cx="6889150" cy="1704017"/>
           </a:xfrm>
         </p:spPr>
         <p:txBody>
-          <a:bodyPr anchor="b"/>
+          <a:bodyPr>
+            <a:normAutofit/>
+          </a:bodyPr>
           <a:lstStyle>
-            <a:lvl1pPr marL="0" indent="0">
+            <a:lvl1pPr marL="0" indent="0" algn="r">
               <a:buNone/>
               <a:defRPr sz="2000">
                 <a:solidFill>
@@ -974,7 +5054,7 @@
             </a:lvl1pPr>
             <a:lvl2pPr marL="457200" indent="0">
               <a:buNone/>
-              <a:defRPr sz="1800">
+              <a:defRPr sz="2000">
                 <a:solidFill>
                   <a:schemeClr val="tx1">
                     <a:tint val="75000"/>
@@ -984,7 +5064,7 @@
             </a:lvl2pPr>
             <a:lvl3pPr marL="914400" indent="0">
               <a:buNone/>
-              <a:defRPr sz="1600">
+              <a:defRPr sz="1800">
                 <a:solidFill>
                   <a:schemeClr val="tx1">
                     <a:tint val="75000"/>
@@ -994,7 +5074,7 @@
             </a:lvl3pPr>
             <a:lvl4pPr marL="1371600" indent="0">
               <a:buNone/>
-              <a:defRPr sz="1400">
+              <a:defRPr sz="1600">
                 <a:solidFill>
                   <a:schemeClr val="tx1">
                     <a:tint val="75000"/>
@@ -1004,7 +5084,7 @@
             </a:lvl4pPr>
             <a:lvl5pPr marL="1828800" indent="0">
               <a:buNone/>
-              <a:defRPr sz="1400">
+              <a:defRPr sz="1600">
                 <a:solidFill>
                   <a:schemeClr val="tx1">
                     <a:tint val="75000"/>
@@ -1014,7 +5094,7 @@
             </a:lvl5pPr>
             <a:lvl6pPr marL="2286000" indent="0">
               <a:buNone/>
-              <a:defRPr sz="1400">
+              <a:defRPr sz="1600">
                 <a:solidFill>
                   <a:schemeClr val="tx1">
                     <a:tint val="75000"/>
@@ -1024,7 +5104,7 @@
             </a:lvl6pPr>
             <a:lvl7pPr marL="2743200" indent="0">
               <a:buNone/>
-              <a:defRPr sz="1400">
+              <a:defRPr sz="1600">
                 <a:solidFill>
                   <a:schemeClr val="tx1">
                     <a:tint val="75000"/>
@@ -1034,7 +5114,7 @@
             </a:lvl7pPr>
             <a:lvl8pPr marL="3200400" indent="0">
               <a:buNone/>
-              <a:defRPr sz="1400">
+              <a:defRPr sz="1600">
                 <a:solidFill>
                   <a:schemeClr val="tx1">
                     <a:tint val="75000"/>
@@ -1044,7 +5124,7 @@
             </a:lvl8pPr>
             <a:lvl9pPr marL="3657600" indent="0">
               <a:buNone/>
-              <a:defRPr sz="1400">
+              <a:defRPr sz="1600">
                 <a:solidFill>
                   <a:schemeClr val="tx1">
                     <a:tint val="75000"/>
@@ -1056,15 +5136,15 @@
           <a:p>
             <a:pPr lvl="0"/>
             <a:r>
-              <a:rPr lang="de-CH" smtClean="0"/>
-              <a:t>Mastertextformat bearbeiten</a:t>
-            </a:r>
-          </a:p>
-        </p:txBody>
-      </p:sp>
-      <p:sp>
-        <p:nvSpPr>
-          <p:cNvPr id="4" name="Datumsplatzhalter 3"/>
+              <a:rPr lang="de-DE" smtClean="0"/>
+              <a:t>Formatvorlagen des Textmasters bearbeiten</a:t>
+            </a:r>
+          </a:p>
+        </p:txBody>
+      </p:sp>
+      <p:sp>
+        <p:nvSpPr>
+          <p:cNvPr id="4" name="Date Placeholder 3"/>
           <p:cNvSpPr>
             <a:spLocks noGrp="1"/>
           </p:cNvSpPr>
@@ -1072,14 +5152,19 @@
             <p:ph type="dt" sz="half" idx="10"/>
           </p:nvPr>
         </p:nvSpPr>
-        <p:spPr/>
+        <p:spPr>
+          <a:xfrm>
+            <a:off x="5365810" y="5936188"/>
+            <a:ext cx="2057400" cy="365125"/>
+          </a:xfrm>
+        </p:spPr>
         <p:txBody>
           <a:bodyPr/>
           <a:lstStyle/>
           <a:p>
             <a:fld id="{08D9589F-252C-704B-9B79-8E17BF3570A5}" type="datetimeFigureOut">
               <a:rPr lang="de-DE" smtClean="0"/>
-              <a:t>07.10.16</a:t>
+              <a:t>11.10.2016</a:t>
             </a:fld>
             <a:endParaRPr lang="de-DE"/>
           </a:p>
@@ -1087,7 +5172,7 @@
       </p:sp>
       <p:sp>
         <p:nvSpPr>
-          <p:cNvPr id="5" name="Fußzeilenplatzhalter 4"/>
+          <p:cNvPr id="5" name="Footer Placeholder 4"/>
           <p:cNvSpPr>
             <a:spLocks noGrp="1"/>
           </p:cNvSpPr>
@@ -1095,7 +5180,12 @@
             <p:ph type="ftr" sz="quarter" idx="11"/>
           </p:nvPr>
         </p:nvSpPr>
-        <p:spPr/>
+        <p:spPr>
+          <a:xfrm>
+            <a:off x="533400" y="5936189"/>
+            <a:ext cx="4834673" cy="365125"/>
+          </a:xfrm>
+        </p:spPr>
         <p:txBody>
           <a:bodyPr/>
           <a:lstStyle/>
@@ -1106,7 +5196,7 @@
       </p:sp>
       <p:sp>
         <p:nvSpPr>
-          <p:cNvPr id="6" name="Foliennummernplatzhalter 5"/>
+          <p:cNvPr id="6" name="Slide Number Placeholder 5"/>
           <p:cNvSpPr>
             <a:spLocks noGrp="1"/>
           </p:cNvSpPr>
@@ -1114,14 +5204,19 @@
             <p:ph type="sldNum" sz="quarter" idx="12"/>
           </p:nvPr>
         </p:nvSpPr>
-        <p:spPr/>
+        <p:spPr>
+          <a:xfrm>
+            <a:off x="7856438" y="2869896"/>
+            <a:ext cx="1149836" cy="1090789"/>
+          </a:xfrm>
+        </p:spPr>
         <p:txBody>
           <a:bodyPr/>
           <a:lstStyle/>
           <a:p>
             <a:fld id="{696D0DBA-6426-E344-AF92-7958926D7170}" type="slidenum">
               <a:rPr lang="de-DE" smtClean="0"/>
-              <a:t>‹#›</a:t>
+              <a:t>‹Nr.›</a:t>
             </a:fld>
             <a:endParaRPr lang="de-DE"/>
           </a:p>
@@ -1130,7 +5225,7 @@
     </p:spTree>
     <p:extLst>
       <p:ext uri="{BB962C8B-B14F-4D97-AF65-F5344CB8AC3E}">
-        <p14:creationId xmlns:p14="http://schemas.microsoft.com/office/powerpoint/2010/main" val="548119388"/>
+        <p14:creationId xmlns:p14="http://schemas.microsoft.com/office/powerpoint/2010/main" val="3891393066"/>
       </p:ext>
     </p:extLst>
   </p:cSld>
@@ -1157,9 +5252,161 @@
           <a:chExt cx="0" cy="0"/>
         </a:xfrm>
       </p:grpSpPr>
-      <p:sp>
-        <p:nvSpPr>
-          <p:cNvPr id="2" name="Titel 1"/>
+      <p:grpSp>
+        <p:nvGrpSpPr>
+          <p:cNvPr id="17" name="Group 16"/>
+          <p:cNvGrpSpPr/>
+          <p:nvPr/>
+        </p:nvGrpSpPr>
+        <p:grpSpPr>
+          <a:xfrm>
+            <a:off x="0" y="609600"/>
+            <a:ext cx="9161969" cy="1677035"/>
+            <a:chOff x="0" y="2895600"/>
+            <a:chExt cx="9161969" cy="1677035"/>
+          </a:xfrm>
+        </p:grpSpPr>
+        <p:pic>
+          <p:nvPicPr>
+            <p:cNvPr id="18" name="Picture 17" descr="HD-ShadowLong.png"/>
+            <p:cNvPicPr>
+              <a:picLocks noChangeAspect="1"/>
+            </p:cNvPicPr>
+            <p:nvPr/>
+          </p:nvPicPr>
+          <p:blipFill rotWithShape="1">
+            <a:blip r:embed="rId2">
+              <a:extLst>
+                <a:ext uri="{28A0092B-C50C-407E-A947-70E740481C1C}">
+                  <a14:useLocalDpi xmlns:a14="http://schemas.microsoft.com/office/drawing/2010/main" val="0"/>
+                </a:ext>
+              </a:extLst>
+            </a:blip>
+            <a:srcRect l="26982" r="-217"/>
+            <a:stretch/>
+          </p:blipFill>
+          <p:spPr>
+            <a:xfrm>
+              <a:off x="0" y="4251471"/>
+              <a:ext cx="7644384" cy="321164"/>
+            </a:xfrm>
+            <a:prstGeom prst="rect">
+              <a:avLst/>
+            </a:prstGeom>
+          </p:spPr>
+        </p:pic>
+        <p:pic>
+          <p:nvPicPr>
+            <p:cNvPr id="19" name="Picture 18" descr="HD-ShadowShort.png"/>
+            <p:cNvPicPr>
+              <a:picLocks noChangeAspect="1"/>
+            </p:cNvPicPr>
+            <p:nvPr/>
+          </p:nvPicPr>
+          <p:blipFill rotWithShape="1">
+            <a:blip r:embed="rId3">
+              <a:extLst>
+                <a:ext uri="{28A0092B-C50C-407E-A947-70E740481C1C}">
+                  <a14:useLocalDpi xmlns:a14="http://schemas.microsoft.com/office/drawing/2010/main" val="0"/>
+                </a:ext>
+              </a:extLst>
+            </a:blip>
+            <a:srcRect r="9871"/>
+            <a:stretch/>
+          </p:blipFill>
+          <p:spPr>
+            <a:xfrm>
+              <a:off x="7717217" y="4259262"/>
+              <a:ext cx="1444752" cy="144270"/>
+            </a:xfrm>
+            <a:prstGeom prst="rect">
+              <a:avLst/>
+            </a:prstGeom>
+          </p:spPr>
+        </p:pic>
+        <p:sp>
+          <p:nvSpPr>
+            <p:cNvPr id="20" name="Rectangle 19"/>
+            <p:cNvSpPr/>
+            <p:nvPr/>
+          </p:nvSpPr>
+          <p:spPr>
+            <a:xfrm>
+              <a:off x="0" y="2895600"/>
+              <a:ext cx="7567140" cy="1368198"/>
+            </a:xfrm>
+            <a:prstGeom prst="rect">
+              <a:avLst/>
+            </a:prstGeom>
+            <a:solidFill>
+              <a:schemeClr val="bg1">
+                <a:lumMod val="85000"/>
+                <a:lumOff val="15000"/>
+              </a:schemeClr>
+            </a:solidFill>
+            <a:ln>
+              <a:noFill/>
+            </a:ln>
+          </p:spPr>
+          <p:style>
+            <a:lnRef idx="2">
+              <a:schemeClr val="accent1">
+                <a:shade val="50000"/>
+              </a:schemeClr>
+            </a:lnRef>
+            <a:fillRef idx="1">
+              <a:schemeClr val="accent1"/>
+            </a:fillRef>
+            <a:effectRef idx="0">
+              <a:schemeClr val="accent1"/>
+            </a:effectRef>
+            <a:fontRef idx="minor">
+              <a:schemeClr val="lt1"/>
+            </a:fontRef>
+          </p:style>
+        </p:sp>
+        <p:sp>
+          <p:nvSpPr>
+            <p:cNvPr id="21" name="Rectangle 20"/>
+            <p:cNvSpPr/>
+            <p:nvPr/>
+          </p:nvSpPr>
+          <p:spPr>
+            <a:xfrm>
+              <a:off x="7710769" y="2895600"/>
+              <a:ext cx="1433231" cy="1368198"/>
+            </a:xfrm>
+            <a:prstGeom prst="rect">
+              <a:avLst/>
+            </a:prstGeom>
+            <a:solidFill>
+              <a:schemeClr val="accent1"/>
+            </a:solidFill>
+            <a:ln>
+              <a:noFill/>
+            </a:ln>
+          </p:spPr>
+          <p:style>
+            <a:lnRef idx="2">
+              <a:schemeClr val="accent1">
+                <a:shade val="50000"/>
+              </a:schemeClr>
+            </a:lnRef>
+            <a:fillRef idx="1">
+              <a:schemeClr val="accent1"/>
+            </a:fillRef>
+            <a:effectRef idx="0">
+              <a:schemeClr val="accent1"/>
+            </a:effectRef>
+            <a:fontRef idx="minor">
+              <a:schemeClr val="lt1"/>
+            </a:fontRef>
+          </p:style>
+        </p:sp>
+      </p:grpSp>
+      <p:sp>
+        <p:nvSpPr>
+          <p:cNvPr id="2" name="Title 1"/>
           <p:cNvSpPr>
             <a:spLocks noGrp="1"/>
           </p:cNvSpPr>
@@ -1167,22 +5414,27 @@
             <p:ph type="title"/>
           </p:nvPr>
         </p:nvSpPr>
-        <p:spPr/>
+        <p:spPr>
+          <a:xfrm>
+            <a:off x="533400" y="753228"/>
+            <a:ext cx="6887390" cy="1080938"/>
+          </a:xfrm>
+        </p:spPr>
         <p:txBody>
           <a:bodyPr/>
           <a:lstStyle/>
           <a:p>
             <a:r>
-              <a:rPr lang="de-CH" smtClean="0"/>
-              <a:t>Mastertitelformat bearbeiten</a:t>
-            </a:r>
-            <a:endParaRPr lang="de-DE"/>
-          </a:p>
-        </p:txBody>
-      </p:sp>
-      <p:sp>
-        <p:nvSpPr>
-          <p:cNvPr id="3" name="Inhaltsplatzhalter 2"/>
+              <a:rPr lang="de-DE" smtClean="0"/>
+              <a:t>Titelmasterformat durch Klicken bearbeiten</a:t>
+            </a:r>
+            <a:endParaRPr lang="en-US" dirty="0"/>
+          </a:p>
+        </p:txBody>
+      </p:sp>
+      <p:sp>
+        <p:nvSpPr>
+          <p:cNvPr id="3" name="Content Placeholder 2"/>
           <p:cNvSpPr>
             <a:spLocks noGrp="1"/>
           </p:cNvSpPr>
@@ -1192,82 +5444,54 @@
         </p:nvSpPr>
         <p:spPr>
           <a:xfrm>
-            <a:off x="457200" y="1600200"/>
-            <a:ext cx="4038600" cy="4525963"/>
+            <a:off x="533400" y="2336873"/>
+            <a:ext cx="3357899" cy="3599316"/>
           </a:xfrm>
         </p:spPr>
         <p:txBody>
           <a:bodyPr/>
-          <a:lstStyle>
-            <a:lvl1pPr>
-              <a:defRPr sz="2800"/>
-            </a:lvl1pPr>
-            <a:lvl2pPr>
-              <a:defRPr sz="2400"/>
-            </a:lvl2pPr>
-            <a:lvl3pPr>
-              <a:defRPr sz="2000"/>
-            </a:lvl3pPr>
-            <a:lvl4pPr>
-              <a:defRPr sz="1800"/>
-            </a:lvl4pPr>
-            <a:lvl5pPr>
-              <a:defRPr sz="1800"/>
-            </a:lvl5pPr>
-            <a:lvl6pPr>
-              <a:defRPr sz="1800"/>
-            </a:lvl6pPr>
-            <a:lvl7pPr>
-              <a:defRPr sz="1800"/>
-            </a:lvl7pPr>
-            <a:lvl8pPr>
-              <a:defRPr sz="1800"/>
-            </a:lvl8pPr>
-            <a:lvl9pPr>
-              <a:defRPr sz="1800"/>
-            </a:lvl9pPr>
-          </a:lstStyle>
+          <a:lstStyle/>
           <a:p>
             <a:pPr lvl="0"/>
             <a:r>
-              <a:rPr lang="de-CH" smtClean="0"/>
-              <a:t>Mastertextformat bearbeiten</a:t>
+              <a:rPr lang="de-DE" smtClean="0"/>
+              <a:t>Formatvorlagen des Textmasters bearbeiten</a:t>
             </a:r>
           </a:p>
           <a:p>
             <a:pPr lvl="1"/>
             <a:r>
-              <a:rPr lang="de-CH" smtClean="0"/>
+              <a:rPr lang="de-DE" smtClean="0"/>
               <a:t>Zweite Ebene</a:t>
             </a:r>
           </a:p>
           <a:p>
             <a:pPr lvl="2"/>
             <a:r>
-              <a:rPr lang="de-CH" smtClean="0"/>
+              <a:rPr lang="de-DE" smtClean="0"/>
               <a:t>Dritte Ebene</a:t>
             </a:r>
           </a:p>
           <a:p>
             <a:pPr lvl="3"/>
             <a:r>
-              <a:rPr lang="de-CH" smtClean="0"/>
+              <a:rPr lang="de-DE" smtClean="0"/>
               <a:t>Vierte Ebene</a:t>
             </a:r>
           </a:p>
           <a:p>
             <a:pPr lvl="4"/>
             <a:r>
-              <a:rPr lang="de-CH" smtClean="0"/>
+              <a:rPr lang="de-DE" smtClean="0"/>
               <a:t>Fünfte Ebene</a:t>
             </a:r>
-            <a:endParaRPr lang="de-DE"/>
-          </a:p>
-        </p:txBody>
-      </p:sp>
-      <p:sp>
-        <p:nvSpPr>
-          <p:cNvPr id="4" name="Inhaltsplatzhalter 3"/>
+            <a:endParaRPr lang="en-US" dirty="0"/>
+          </a:p>
+        </p:txBody>
+      </p:sp>
+      <p:sp>
+        <p:nvSpPr>
+          <p:cNvPr id="4" name="Content Placeholder 3"/>
           <p:cNvSpPr>
             <a:spLocks noGrp="1"/>
           </p:cNvSpPr>
@@ -1277,82 +5501,54 @@
         </p:nvSpPr>
         <p:spPr>
           <a:xfrm>
-            <a:off x="4648200" y="1600200"/>
-            <a:ext cx="4038600" cy="4525963"/>
+            <a:off x="4061128" y="2336873"/>
+            <a:ext cx="3359661" cy="3599316"/>
           </a:xfrm>
         </p:spPr>
         <p:txBody>
           <a:bodyPr/>
-          <a:lstStyle>
-            <a:lvl1pPr>
-              <a:defRPr sz="2800"/>
-            </a:lvl1pPr>
-            <a:lvl2pPr>
-              <a:defRPr sz="2400"/>
-            </a:lvl2pPr>
-            <a:lvl3pPr>
-              <a:defRPr sz="2000"/>
-            </a:lvl3pPr>
-            <a:lvl4pPr>
-              <a:defRPr sz="1800"/>
-            </a:lvl4pPr>
-            <a:lvl5pPr>
-              <a:defRPr sz="1800"/>
-            </a:lvl5pPr>
-            <a:lvl6pPr>
-              <a:defRPr sz="1800"/>
-            </a:lvl6pPr>
-            <a:lvl7pPr>
-              <a:defRPr sz="1800"/>
-            </a:lvl7pPr>
-            <a:lvl8pPr>
-              <a:defRPr sz="1800"/>
-            </a:lvl8pPr>
-            <a:lvl9pPr>
-              <a:defRPr sz="1800"/>
-            </a:lvl9pPr>
-          </a:lstStyle>
+          <a:lstStyle/>
           <a:p>
             <a:pPr lvl="0"/>
             <a:r>
-              <a:rPr lang="de-CH" smtClean="0"/>
-              <a:t>Mastertextformat bearbeiten</a:t>
+              <a:rPr lang="de-DE" smtClean="0"/>
+              <a:t>Formatvorlagen des Textmasters bearbeiten</a:t>
             </a:r>
           </a:p>
           <a:p>
             <a:pPr lvl="1"/>
             <a:r>
-              <a:rPr lang="de-CH" smtClean="0"/>
+              <a:rPr lang="de-DE" smtClean="0"/>
               <a:t>Zweite Ebene</a:t>
             </a:r>
           </a:p>
           <a:p>
             <a:pPr lvl="2"/>
             <a:r>
-              <a:rPr lang="de-CH" smtClean="0"/>
+              <a:rPr lang="de-DE" smtClean="0"/>
               <a:t>Dritte Ebene</a:t>
             </a:r>
           </a:p>
           <a:p>
             <a:pPr lvl="3"/>
             <a:r>
-              <a:rPr lang="de-CH" smtClean="0"/>
+              <a:rPr lang="de-DE" smtClean="0"/>
               <a:t>Vierte Ebene</a:t>
             </a:r>
           </a:p>
           <a:p>
             <a:pPr lvl="4"/>
             <a:r>
-              <a:rPr lang="de-CH" smtClean="0"/>
+              <a:rPr lang="de-DE" smtClean="0"/>
               <a:t>Fünfte Ebene</a:t>
             </a:r>
-            <a:endParaRPr lang="de-DE"/>
-          </a:p>
-        </p:txBody>
-      </p:sp>
-      <p:sp>
-        <p:nvSpPr>
-          <p:cNvPr id="5" name="Datumsplatzhalter 4"/>
+            <a:endParaRPr lang="en-US" dirty="0"/>
+          </a:p>
+        </p:txBody>
+      </p:sp>
+      <p:sp>
+        <p:nvSpPr>
+          <p:cNvPr id="5" name="Date Placeholder 4"/>
           <p:cNvSpPr>
             <a:spLocks noGrp="1"/>
           </p:cNvSpPr>
@@ -1367,7 +5563,7 @@
           <a:p>
             <a:fld id="{08D9589F-252C-704B-9B79-8E17BF3570A5}" type="datetimeFigureOut">
               <a:rPr lang="de-DE" smtClean="0"/>
-              <a:t>07.10.16</a:t>
+              <a:t>11.10.2016</a:t>
             </a:fld>
             <a:endParaRPr lang="de-DE"/>
           </a:p>
@@ -1375,7 +5571,7 @@
       </p:sp>
       <p:sp>
         <p:nvSpPr>
-          <p:cNvPr id="6" name="Fußzeilenplatzhalter 5"/>
+          <p:cNvPr id="6" name="Footer Placeholder 5"/>
           <p:cNvSpPr>
             <a:spLocks noGrp="1"/>
           </p:cNvSpPr>
@@ -1394,7 +5590,7 @@
       </p:sp>
       <p:sp>
         <p:nvSpPr>
-          <p:cNvPr id="7" name="Foliennummernplatzhalter 6"/>
+          <p:cNvPr id="7" name="Slide Number Placeholder 6"/>
           <p:cNvSpPr>
             <a:spLocks noGrp="1"/>
           </p:cNvSpPr>
@@ -1409,7 +5605,7 @@
           <a:p>
             <a:fld id="{696D0DBA-6426-E344-AF92-7958926D7170}" type="slidenum">
               <a:rPr lang="de-DE" smtClean="0"/>
-              <a:t>‹#›</a:t>
+              <a:t>‹Nr.›</a:t>
             </a:fld>
             <a:endParaRPr lang="de-DE"/>
           </a:p>
@@ -1418,7 +5614,7 @@
     </p:spTree>
     <p:extLst>
       <p:ext uri="{BB962C8B-B14F-4D97-AF65-F5344CB8AC3E}">
-        <p14:creationId xmlns:p14="http://schemas.microsoft.com/office/powerpoint/2010/main" val="2860207884"/>
+        <p14:creationId xmlns:p14="http://schemas.microsoft.com/office/powerpoint/2010/main" val="598748022"/>
       </p:ext>
     </p:extLst>
   </p:cSld>
@@ -1445,47 +5641,200 @@
           <a:chExt cx="0" cy="0"/>
         </a:xfrm>
       </p:grpSpPr>
-      <p:sp>
-        <p:nvSpPr>
-          <p:cNvPr id="2" name="Titel 1"/>
+      <p:grpSp>
+        <p:nvGrpSpPr>
+          <p:cNvPr id="28" name="Group 27"/>
+          <p:cNvGrpSpPr/>
+          <p:nvPr/>
+        </p:nvGrpSpPr>
+        <p:grpSpPr>
+          <a:xfrm>
+            <a:off x="0" y="609600"/>
+            <a:ext cx="9161969" cy="1677035"/>
+            <a:chOff x="0" y="2895600"/>
+            <a:chExt cx="9161969" cy="1677035"/>
+          </a:xfrm>
+        </p:grpSpPr>
+        <p:pic>
+          <p:nvPicPr>
+            <p:cNvPr id="29" name="Picture 28" descr="HD-ShadowLong.png"/>
+            <p:cNvPicPr>
+              <a:picLocks noChangeAspect="1"/>
+            </p:cNvPicPr>
+            <p:nvPr/>
+          </p:nvPicPr>
+          <p:blipFill rotWithShape="1">
+            <a:blip r:embed="rId2">
+              <a:extLst>
+                <a:ext uri="{28A0092B-C50C-407E-A947-70E740481C1C}">
+                  <a14:useLocalDpi xmlns:a14="http://schemas.microsoft.com/office/drawing/2010/main" val="0"/>
+                </a:ext>
+              </a:extLst>
+            </a:blip>
+            <a:srcRect l="26982" r="-217"/>
+            <a:stretch/>
+          </p:blipFill>
+          <p:spPr>
+            <a:xfrm>
+              <a:off x="0" y="4251471"/>
+              <a:ext cx="7644384" cy="321164"/>
+            </a:xfrm>
+            <a:prstGeom prst="rect">
+              <a:avLst/>
+            </a:prstGeom>
+          </p:spPr>
+        </p:pic>
+        <p:pic>
+          <p:nvPicPr>
+            <p:cNvPr id="30" name="Picture 29" descr="HD-ShadowShort.png"/>
+            <p:cNvPicPr>
+              <a:picLocks noChangeAspect="1"/>
+            </p:cNvPicPr>
+            <p:nvPr/>
+          </p:nvPicPr>
+          <p:blipFill rotWithShape="1">
+            <a:blip r:embed="rId3">
+              <a:extLst>
+                <a:ext uri="{28A0092B-C50C-407E-A947-70E740481C1C}">
+                  <a14:useLocalDpi xmlns:a14="http://schemas.microsoft.com/office/drawing/2010/main" val="0"/>
+                </a:ext>
+              </a:extLst>
+            </a:blip>
+            <a:srcRect r="9871"/>
+            <a:stretch/>
+          </p:blipFill>
+          <p:spPr>
+            <a:xfrm>
+              <a:off x="7717217" y="4259262"/>
+              <a:ext cx="1444752" cy="144270"/>
+            </a:xfrm>
+            <a:prstGeom prst="rect">
+              <a:avLst/>
+            </a:prstGeom>
+          </p:spPr>
+        </p:pic>
+        <p:sp>
+          <p:nvSpPr>
+            <p:cNvPr id="31" name="Rectangle 30"/>
+            <p:cNvSpPr/>
+            <p:nvPr/>
+          </p:nvSpPr>
+          <p:spPr>
+            <a:xfrm>
+              <a:off x="0" y="2895600"/>
+              <a:ext cx="7567140" cy="1368198"/>
+            </a:xfrm>
+            <a:prstGeom prst="rect">
+              <a:avLst/>
+            </a:prstGeom>
+            <a:solidFill>
+              <a:schemeClr val="bg1">
+                <a:lumMod val="85000"/>
+                <a:lumOff val="15000"/>
+              </a:schemeClr>
+            </a:solidFill>
+            <a:ln>
+              <a:noFill/>
+            </a:ln>
+          </p:spPr>
+          <p:style>
+            <a:lnRef idx="2">
+              <a:schemeClr val="accent1">
+                <a:shade val="50000"/>
+              </a:schemeClr>
+            </a:lnRef>
+            <a:fillRef idx="1">
+              <a:schemeClr val="accent1"/>
+            </a:fillRef>
+            <a:effectRef idx="0">
+              <a:schemeClr val="accent1"/>
+            </a:effectRef>
+            <a:fontRef idx="minor">
+              <a:schemeClr val="lt1"/>
+            </a:fontRef>
+          </p:style>
+        </p:sp>
+        <p:sp>
+          <p:nvSpPr>
+            <p:cNvPr id="32" name="Rectangle 31"/>
+            <p:cNvSpPr/>
+            <p:nvPr/>
+          </p:nvSpPr>
+          <p:spPr>
+            <a:xfrm>
+              <a:off x="7710769" y="2895600"/>
+              <a:ext cx="1433231" cy="1368198"/>
+            </a:xfrm>
+            <a:prstGeom prst="rect">
+              <a:avLst/>
+            </a:prstGeom>
+            <a:solidFill>
+              <a:schemeClr val="accent1"/>
+            </a:solidFill>
+            <a:ln>
+              <a:noFill/>
+            </a:ln>
+          </p:spPr>
+          <p:style>
+            <a:lnRef idx="2">
+              <a:schemeClr val="accent1">
+                <a:shade val="50000"/>
+              </a:schemeClr>
+            </a:lnRef>
+            <a:fillRef idx="1">
+              <a:schemeClr val="accent1"/>
+            </a:fillRef>
+            <a:effectRef idx="0">
+              <a:schemeClr val="accent1"/>
+            </a:effectRef>
+            <a:fontRef idx="minor">
+              <a:schemeClr val="lt1"/>
+            </a:fontRef>
+          </p:style>
+        </p:sp>
+      </p:grpSp>
+      <p:sp>
+        <p:nvSpPr>
+          <p:cNvPr id="2" name="Title 1"/>
           <p:cNvSpPr>
             <a:spLocks noGrp="1"/>
           </p:cNvSpPr>
           <p:nvPr>
             <p:ph type="title"/>
-          </p:nvPr>
-        </p:nvSpPr>
-        <p:spPr/>
-        <p:txBody>
-          <a:bodyPr/>
-          <a:lstStyle>
-            <a:lvl1pPr>
-              <a:defRPr/>
-            </a:lvl1pPr>
-          </a:lstStyle>
-          <a:p>
-            <a:r>
-              <a:rPr lang="de-CH" smtClean="0"/>
-              <a:t>Mastertitelformat bearbeiten</a:t>
-            </a:r>
-            <a:endParaRPr lang="de-DE"/>
-          </a:p>
-        </p:txBody>
-      </p:sp>
-      <p:sp>
-        <p:nvSpPr>
-          <p:cNvPr id="3" name="Textplatzhalter 2"/>
-          <p:cNvSpPr>
-            <a:spLocks noGrp="1"/>
-          </p:cNvSpPr>
-          <p:nvPr>
-            <p:ph type="body" idx="1"/>
           </p:nvPr>
         </p:nvSpPr>
         <p:spPr>
           <a:xfrm>
-            <a:off x="457200" y="1535113"/>
-            <a:ext cx="4040188" cy="639762"/>
+            <a:off x="531639" y="753230"/>
+            <a:ext cx="6896534" cy="1080937"/>
+          </a:xfrm>
+        </p:spPr>
+        <p:txBody>
+          <a:bodyPr/>
+          <a:lstStyle/>
+          <a:p>
+            <a:r>
+              <a:rPr lang="de-DE" smtClean="0"/>
+              <a:t>Titelmasterformat durch Klicken bearbeiten</a:t>
+            </a:r>
+            <a:endParaRPr lang="en-US" dirty="0"/>
+          </a:p>
+        </p:txBody>
+      </p:sp>
+      <p:sp>
+        <p:nvSpPr>
+          <p:cNvPr id="3" name="Text Placeholder 2"/>
+          <p:cNvSpPr>
+            <a:spLocks noGrp="1"/>
+          </p:cNvSpPr>
+          <p:nvPr>
+            <p:ph type="body" idx="1"/>
+          </p:nvPr>
+        </p:nvSpPr>
+        <p:spPr>
+          <a:xfrm>
+            <a:off x="760988" y="2336874"/>
+            <a:ext cx="3145080" cy="693135"/>
           </a:xfrm>
         </p:spPr>
         <p:txBody>
@@ -1531,15 +5880,15 @@
           <a:p>
             <a:pPr lvl="0"/>
             <a:r>
-              <a:rPr lang="de-CH" smtClean="0"/>
-              <a:t>Mastertextformat bearbeiten</a:t>
-            </a:r>
-          </a:p>
-        </p:txBody>
-      </p:sp>
-      <p:sp>
-        <p:nvSpPr>
-          <p:cNvPr id="4" name="Inhaltsplatzhalter 3"/>
+              <a:rPr lang="de-DE" smtClean="0"/>
+              <a:t>Formatvorlagen des Textmasters bearbeiten</a:t>
+            </a:r>
+          </a:p>
+        </p:txBody>
+      </p:sp>
+      <p:sp>
+        <p:nvSpPr>
+          <p:cNvPr id="4" name="Content Placeholder 3"/>
           <p:cNvSpPr>
             <a:spLocks noGrp="1"/>
           </p:cNvSpPr>
@@ -1549,82 +5898,54 @@
         </p:nvSpPr>
         <p:spPr>
           <a:xfrm>
-            <a:off x="457200" y="2174875"/>
-            <a:ext cx="4040188" cy="3951288"/>
+            <a:off x="531638" y="3030009"/>
+            <a:ext cx="3367045" cy="2906179"/>
           </a:xfrm>
         </p:spPr>
         <p:txBody>
           <a:bodyPr/>
-          <a:lstStyle>
-            <a:lvl1pPr>
-              <a:defRPr sz="2400"/>
-            </a:lvl1pPr>
-            <a:lvl2pPr>
-              <a:defRPr sz="2000"/>
-            </a:lvl2pPr>
-            <a:lvl3pPr>
-              <a:defRPr sz="1800"/>
-            </a:lvl3pPr>
-            <a:lvl4pPr>
-              <a:defRPr sz="1600"/>
-            </a:lvl4pPr>
-            <a:lvl5pPr>
-              <a:defRPr sz="1600"/>
-            </a:lvl5pPr>
-            <a:lvl6pPr>
-              <a:defRPr sz="1600"/>
-            </a:lvl6pPr>
-            <a:lvl7pPr>
-              <a:defRPr sz="1600"/>
-            </a:lvl7pPr>
-            <a:lvl8pPr>
-              <a:defRPr sz="1600"/>
-            </a:lvl8pPr>
-            <a:lvl9pPr>
-              <a:defRPr sz="1600"/>
-            </a:lvl9pPr>
-          </a:lstStyle>
+          <a:lstStyle/>
           <a:p>
             <a:pPr lvl="0"/>
             <a:r>
-              <a:rPr lang="de-CH" smtClean="0"/>
-              <a:t>Mastertextformat bearbeiten</a:t>
+              <a:rPr lang="de-DE" smtClean="0"/>
+              <a:t>Formatvorlagen des Textmasters bearbeiten</a:t>
             </a:r>
           </a:p>
           <a:p>
             <a:pPr lvl="1"/>
             <a:r>
-              <a:rPr lang="de-CH" smtClean="0"/>
+              <a:rPr lang="de-DE" smtClean="0"/>
               <a:t>Zweite Ebene</a:t>
             </a:r>
           </a:p>
           <a:p>
             <a:pPr lvl="2"/>
             <a:r>
-              <a:rPr lang="de-CH" smtClean="0"/>
+              <a:rPr lang="de-DE" smtClean="0"/>
               <a:t>Dritte Ebene</a:t>
             </a:r>
           </a:p>
           <a:p>
             <a:pPr lvl="3"/>
             <a:r>
-              <a:rPr lang="de-CH" smtClean="0"/>
+              <a:rPr lang="de-DE" smtClean="0"/>
               <a:t>Vierte Ebene</a:t>
             </a:r>
           </a:p>
           <a:p>
             <a:pPr lvl="4"/>
             <a:r>
-              <a:rPr lang="de-CH" smtClean="0"/>
+              <a:rPr lang="de-DE" smtClean="0"/>
               <a:t>Fünfte Ebene</a:t>
             </a:r>
-            <a:endParaRPr lang="de-DE"/>
-          </a:p>
-        </p:txBody>
-      </p:sp>
-      <p:sp>
-        <p:nvSpPr>
-          <p:cNvPr id="5" name="Textplatzhalter 4"/>
+            <a:endParaRPr lang="en-US" dirty="0"/>
+          </a:p>
+        </p:txBody>
+      </p:sp>
+      <p:sp>
+        <p:nvSpPr>
+          <p:cNvPr id="5" name="Text Placeholder 4"/>
           <p:cNvSpPr>
             <a:spLocks noGrp="1"/>
           </p:cNvSpPr>
@@ -1634,8 +5955,8 @@
         </p:nvSpPr>
         <p:spPr>
           <a:xfrm>
-            <a:off x="4645025" y="1535113"/>
-            <a:ext cx="4041775" cy="639762"/>
+            <a:off x="4282646" y="2336873"/>
+            <a:ext cx="3145527" cy="692076"/>
           </a:xfrm>
         </p:spPr>
         <p:txBody>
@@ -1681,15 +6002,15 @@
           <a:p>
             <a:pPr lvl="0"/>
             <a:r>
-              <a:rPr lang="de-CH" smtClean="0"/>
-              <a:t>Mastertextformat bearbeiten</a:t>
-            </a:r>
-          </a:p>
-        </p:txBody>
-      </p:sp>
-      <p:sp>
-        <p:nvSpPr>
-          <p:cNvPr id="6" name="Inhaltsplatzhalter 5"/>
+              <a:rPr lang="de-DE" smtClean="0"/>
+              <a:t>Formatvorlagen des Textmasters bearbeiten</a:t>
+            </a:r>
+          </a:p>
+        </p:txBody>
+      </p:sp>
+      <p:sp>
+        <p:nvSpPr>
+          <p:cNvPr id="6" name="Content Placeholder 5"/>
           <p:cNvSpPr>
             <a:spLocks noGrp="1"/>
           </p:cNvSpPr>
@@ -1699,82 +6020,54 @@
         </p:nvSpPr>
         <p:spPr>
           <a:xfrm>
-            <a:off x="4645025" y="2174875"/>
-            <a:ext cx="4041775" cy="3951288"/>
+            <a:off x="4061129" y="3030009"/>
+            <a:ext cx="3367044" cy="2906179"/>
           </a:xfrm>
         </p:spPr>
         <p:txBody>
           <a:bodyPr/>
-          <a:lstStyle>
-            <a:lvl1pPr>
-              <a:defRPr sz="2400"/>
-            </a:lvl1pPr>
-            <a:lvl2pPr>
-              <a:defRPr sz="2000"/>
-            </a:lvl2pPr>
-            <a:lvl3pPr>
-              <a:defRPr sz="1800"/>
-            </a:lvl3pPr>
-            <a:lvl4pPr>
-              <a:defRPr sz="1600"/>
-            </a:lvl4pPr>
-            <a:lvl5pPr>
-              <a:defRPr sz="1600"/>
-            </a:lvl5pPr>
-            <a:lvl6pPr>
-              <a:defRPr sz="1600"/>
-            </a:lvl6pPr>
-            <a:lvl7pPr>
-              <a:defRPr sz="1600"/>
-            </a:lvl7pPr>
-            <a:lvl8pPr>
-              <a:defRPr sz="1600"/>
-            </a:lvl8pPr>
-            <a:lvl9pPr>
-              <a:defRPr sz="1600"/>
-            </a:lvl9pPr>
-          </a:lstStyle>
+          <a:lstStyle/>
           <a:p>
             <a:pPr lvl="0"/>
             <a:r>
-              <a:rPr lang="de-CH" smtClean="0"/>
-              <a:t>Mastertextformat bearbeiten</a:t>
+              <a:rPr lang="de-DE" smtClean="0"/>
+              <a:t>Formatvorlagen des Textmasters bearbeiten</a:t>
             </a:r>
           </a:p>
           <a:p>
             <a:pPr lvl="1"/>
             <a:r>
-              <a:rPr lang="de-CH" smtClean="0"/>
+              <a:rPr lang="de-DE" smtClean="0"/>
               <a:t>Zweite Ebene</a:t>
             </a:r>
           </a:p>
           <a:p>
             <a:pPr lvl="2"/>
             <a:r>
-              <a:rPr lang="de-CH" smtClean="0"/>
+              <a:rPr lang="de-DE" smtClean="0"/>
               <a:t>Dritte Ebene</a:t>
             </a:r>
           </a:p>
           <a:p>
             <a:pPr lvl="3"/>
             <a:r>
-              <a:rPr lang="de-CH" smtClean="0"/>
+              <a:rPr lang="de-DE" smtClean="0"/>
               <a:t>Vierte Ebene</a:t>
             </a:r>
           </a:p>
           <a:p>
             <a:pPr lvl="4"/>
             <a:r>
-              <a:rPr lang="de-CH" smtClean="0"/>
+              <a:rPr lang="de-DE" smtClean="0"/>
               <a:t>Fünfte Ebene</a:t>
             </a:r>
-            <a:endParaRPr lang="de-DE"/>
-          </a:p>
-        </p:txBody>
-      </p:sp>
-      <p:sp>
-        <p:nvSpPr>
-          <p:cNvPr id="7" name="Datumsplatzhalter 6"/>
+            <a:endParaRPr lang="en-US" dirty="0"/>
+          </a:p>
+        </p:txBody>
+      </p:sp>
+      <p:sp>
+        <p:nvSpPr>
+          <p:cNvPr id="7" name="Date Placeholder 6"/>
           <p:cNvSpPr>
             <a:spLocks noGrp="1"/>
           </p:cNvSpPr>
@@ -1789,7 +6082,7 @@
           <a:p>
             <a:fld id="{08D9589F-252C-704B-9B79-8E17BF3570A5}" type="datetimeFigureOut">
               <a:rPr lang="de-DE" smtClean="0"/>
-              <a:t>07.10.16</a:t>
+              <a:t>11.10.2016</a:t>
             </a:fld>
             <a:endParaRPr lang="de-DE"/>
           </a:p>
@@ -1797,7 +6090,7 @@
       </p:sp>
       <p:sp>
         <p:nvSpPr>
-          <p:cNvPr id="8" name="Fußzeilenplatzhalter 7"/>
+          <p:cNvPr id="8" name="Footer Placeholder 7"/>
           <p:cNvSpPr>
             <a:spLocks noGrp="1"/>
           </p:cNvSpPr>
@@ -1816,7 +6109,7 @@
       </p:sp>
       <p:sp>
         <p:nvSpPr>
-          <p:cNvPr id="9" name="Foliennummernplatzhalter 8"/>
+          <p:cNvPr id="9" name="Slide Number Placeholder 8"/>
           <p:cNvSpPr>
             <a:spLocks noGrp="1"/>
           </p:cNvSpPr>
@@ -1831,7 +6124,7 @@
           <a:p>
             <a:fld id="{696D0DBA-6426-E344-AF92-7958926D7170}" type="slidenum">
               <a:rPr lang="de-DE" smtClean="0"/>
-              <a:t>‹#›</a:t>
+              <a:t>‹Nr.›</a:t>
             </a:fld>
             <a:endParaRPr lang="de-DE"/>
           </a:p>
@@ -1840,7 +6133,7 @@
     </p:spTree>
     <p:extLst>
       <p:ext uri="{BB962C8B-B14F-4D97-AF65-F5344CB8AC3E}">
-        <p14:creationId xmlns:p14="http://schemas.microsoft.com/office/powerpoint/2010/main" val="401021275"/>
+        <p14:creationId xmlns:p14="http://schemas.microsoft.com/office/powerpoint/2010/main" val="3329558988"/>
       </p:ext>
     </p:extLst>
   </p:cSld>
@@ -1867,9 +6160,161 @@
           <a:chExt cx="0" cy="0"/>
         </a:xfrm>
       </p:grpSpPr>
-      <p:sp>
-        <p:nvSpPr>
-          <p:cNvPr id="2" name="Titel 1"/>
+      <p:grpSp>
+        <p:nvGrpSpPr>
+          <p:cNvPr id="15" name="Group 14"/>
+          <p:cNvGrpSpPr/>
+          <p:nvPr/>
+        </p:nvGrpSpPr>
+        <p:grpSpPr>
+          <a:xfrm>
+            <a:off x="0" y="609600"/>
+            <a:ext cx="9161969" cy="1677035"/>
+            <a:chOff x="0" y="2895600"/>
+            <a:chExt cx="9161969" cy="1677035"/>
+          </a:xfrm>
+        </p:grpSpPr>
+        <p:pic>
+          <p:nvPicPr>
+            <p:cNvPr id="16" name="Picture 15" descr="HD-ShadowLong.png"/>
+            <p:cNvPicPr>
+              <a:picLocks noChangeAspect="1"/>
+            </p:cNvPicPr>
+            <p:nvPr/>
+          </p:nvPicPr>
+          <p:blipFill rotWithShape="1">
+            <a:blip r:embed="rId2">
+              <a:extLst>
+                <a:ext uri="{28A0092B-C50C-407E-A947-70E740481C1C}">
+                  <a14:useLocalDpi xmlns:a14="http://schemas.microsoft.com/office/drawing/2010/main" val="0"/>
+                </a:ext>
+              </a:extLst>
+            </a:blip>
+            <a:srcRect l="26982" r="-217"/>
+            <a:stretch/>
+          </p:blipFill>
+          <p:spPr>
+            <a:xfrm>
+              <a:off x="0" y="4251471"/>
+              <a:ext cx="7644384" cy="321164"/>
+            </a:xfrm>
+            <a:prstGeom prst="rect">
+              <a:avLst/>
+            </a:prstGeom>
+          </p:spPr>
+        </p:pic>
+        <p:pic>
+          <p:nvPicPr>
+            <p:cNvPr id="17" name="Picture 16" descr="HD-ShadowShort.png"/>
+            <p:cNvPicPr>
+              <a:picLocks noChangeAspect="1"/>
+            </p:cNvPicPr>
+            <p:nvPr/>
+          </p:nvPicPr>
+          <p:blipFill rotWithShape="1">
+            <a:blip r:embed="rId3">
+              <a:extLst>
+                <a:ext uri="{28A0092B-C50C-407E-A947-70E740481C1C}">
+                  <a14:useLocalDpi xmlns:a14="http://schemas.microsoft.com/office/drawing/2010/main" val="0"/>
+                </a:ext>
+              </a:extLst>
+            </a:blip>
+            <a:srcRect r="9871"/>
+            <a:stretch/>
+          </p:blipFill>
+          <p:spPr>
+            <a:xfrm>
+              <a:off x="7717217" y="4259262"/>
+              <a:ext cx="1444752" cy="144270"/>
+            </a:xfrm>
+            <a:prstGeom prst="rect">
+              <a:avLst/>
+            </a:prstGeom>
+          </p:spPr>
+        </p:pic>
+        <p:sp>
+          <p:nvSpPr>
+            <p:cNvPr id="18" name="Rectangle 17"/>
+            <p:cNvSpPr/>
+            <p:nvPr/>
+          </p:nvSpPr>
+          <p:spPr>
+            <a:xfrm>
+              <a:off x="0" y="2895600"/>
+              <a:ext cx="7567140" cy="1368198"/>
+            </a:xfrm>
+            <a:prstGeom prst="rect">
+              <a:avLst/>
+            </a:prstGeom>
+            <a:solidFill>
+              <a:schemeClr val="bg1">
+                <a:lumMod val="85000"/>
+                <a:lumOff val="15000"/>
+              </a:schemeClr>
+            </a:solidFill>
+            <a:ln>
+              <a:noFill/>
+            </a:ln>
+          </p:spPr>
+          <p:style>
+            <a:lnRef idx="2">
+              <a:schemeClr val="accent1">
+                <a:shade val="50000"/>
+              </a:schemeClr>
+            </a:lnRef>
+            <a:fillRef idx="1">
+              <a:schemeClr val="accent1"/>
+            </a:fillRef>
+            <a:effectRef idx="0">
+              <a:schemeClr val="accent1"/>
+            </a:effectRef>
+            <a:fontRef idx="minor">
+              <a:schemeClr val="lt1"/>
+            </a:fontRef>
+          </p:style>
+        </p:sp>
+        <p:sp>
+          <p:nvSpPr>
+            <p:cNvPr id="19" name="Rectangle 18"/>
+            <p:cNvSpPr/>
+            <p:nvPr/>
+          </p:nvSpPr>
+          <p:spPr>
+            <a:xfrm>
+              <a:off x="7710769" y="2895600"/>
+              <a:ext cx="1433231" cy="1368198"/>
+            </a:xfrm>
+            <a:prstGeom prst="rect">
+              <a:avLst/>
+            </a:prstGeom>
+            <a:solidFill>
+              <a:schemeClr val="accent1"/>
+            </a:solidFill>
+            <a:ln>
+              <a:noFill/>
+            </a:ln>
+          </p:spPr>
+          <p:style>
+            <a:lnRef idx="2">
+              <a:schemeClr val="accent1">
+                <a:shade val="50000"/>
+              </a:schemeClr>
+            </a:lnRef>
+            <a:fillRef idx="1">
+              <a:schemeClr val="accent1"/>
+            </a:fillRef>
+            <a:effectRef idx="0">
+              <a:schemeClr val="accent1"/>
+            </a:effectRef>
+            <a:fontRef idx="minor">
+              <a:schemeClr val="lt1"/>
+            </a:fontRef>
+          </p:style>
+        </p:sp>
+      </p:grpSp>
+      <p:sp>
+        <p:nvSpPr>
+          <p:cNvPr id="2" name="Title 1"/>
           <p:cNvSpPr>
             <a:spLocks noGrp="1"/>
           </p:cNvSpPr>
@@ -1883,16 +6328,16 @@
           <a:lstStyle/>
           <a:p>
             <a:r>
-              <a:rPr lang="de-CH" smtClean="0"/>
-              <a:t>Mastertitelformat bearbeiten</a:t>
-            </a:r>
-            <a:endParaRPr lang="de-DE"/>
-          </a:p>
-        </p:txBody>
-      </p:sp>
-      <p:sp>
-        <p:nvSpPr>
-          <p:cNvPr id="3" name="Datumsplatzhalter 2"/>
+              <a:rPr lang="de-DE" smtClean="0"/>
+              <a:t>Titelmasterformat durch Klicken bearbeiten</a:t>
+            </a:r>
+            <a:endParaRPr lang="en-US" dirty="0"/>
+          </a:p>
+        </p:txBody>
+      </p:sp>
+      <p:sp>
+        <p:nvSpPr>
+          <p:cNvPr id="3" name="Date Placeholder 2"/>
           <p:cNvSpPr>
             <a:spLocks noGrp="1"/>
           </p:cNvSpPr>
@@ -1907,7 +6352,7 @@
           <a:p>
             <a:fld id="{08D9589F-252C-704B-9B79-8E17BF3570A5}" type="datetimeFigureOut">
               <a:rPr lang="de-DE" smtClean="0"/>
-              <a:t>07.10.16</a:t>
+              <a:t>11.10.2016</a:t>
             </a:fld>
             <a:endParaRPr lang="de-DE"/>
           </a:p>
@@ -1915,7 +6360,7 @@
       </p:sp>
       <p:sp>
         <p:nvSpPr>
-          <p:cNvPr id="4" name="Fußzeilenplatzhalter 3"/>
+          <p:cNvPr id="4" name="Footer Placeholder 3"/>
           <p:cNvSpPr>
             <a:spLocks noGrp="1"/>
           </p:cNvSpPr>
@@ -1934,7 +6379,7 @@
       </p:sp>
       <p:sp>
         <p:nvSpPr>
-          <p:cNvPr id="5" name="Foliennummernplatzhalter 4"/>
+          <p:cNvPr id="5" name="Slide Number Placeholder 4"/>
           <p:cNvSpPr>
             <a:spLocks noGrp="1"/>
           </p:cNvSpPr>
@@ -1949,7 +6394,7 @@
           <a:p>
             <a:fld id="{696D0DBA-6426-E344-AF92-7958926D7170}" type="slidenum">
               <a:rPr lang="de-DE" smtClean="0"/>
-              <a:t>‹#›</a:t>
+              <a:t>‹Nr.›</a:t>
             </a:fld>
             <a:endParaRPr lang="de-DE"/>
           </a:p>
@@ -1958,7 +6403,7 @@
     </p:spTree>
     <p:extLst>
       <p:ext uri="{BB962C8B-B14F-4D97-AF65-F5344CB8AC3E}">
-        <p14:creationId xmlns:p14="http://schemas.microsoft.com/office/powerpoint/2010/main" val="2791025646"/>
+        <p14:creationId xmlns:p14="http://schemas.microsoft.com/office/powerpoint/2010/main" val="3911679724"/>
       </p:ext>
     </p:extLst>
   </p:cSld>
@@ -1985,9 +6430,76 @@
           <a:chExt cx="0" cy="0"/>
         </a:xfrm>
       </p:grpSpPr>
-      <p:sp>
-        <p:nvSpPr>
-          <p:cNvPr id="2" name="Datumsplatzhalter 1"/>
+      <p:pic>
+        <p:nvPicPr>
+          <p:cNvPr id="12" name="Picture 11" descr="HD-ShadowShort.png"/>
+          <p:cNvPicPr>
+            <a:picLocks noChangeAspect="1"/>
+          </p:cNvPicPr>
+          <p:nvPr/>
+        </p:nvPicPr>
+        <p:blipFill rotWithShape="1">
+          <a:blip r:embed="rId2">
+            <a:extLst>
+              <a:ext uri="{28A0092B-C50C-407E-A947-70E740481C1C}">
+                <a14:useLocalDpi xmlns:a14="http://schemas.microsoft.com/office/drawing/2010/main" val="0"/>
+              </a:ext>
+            </a:extLst>
+          </a:blip>
+          <a:srcRect r="9871"/>
+          <a:stretch/>
+        </p:blipFill>
+        <p:spPr>
+          <a:xfrm>
+            <a:off x="7717217" y="1973262"/>
+            <a:ext cx="1444752" cy="144270"/>
+          </a:xfrm>
+          <a:prstGeom prst="rect">
+            <a:avLst/>
+          </a:prstGeom>
+        </p:spPr>
+      </p:pic>
+      <p:sp>
+        <p:nvSpPr>
+          <p:cNvPr id="14" name="Rectangle 13"/>
+          <p:cNvSpPr/>
+          <p:nvPr/>
+        </p:nvSpPr>
+        <p:spPr>
+          <a:xfrm>
+            <a:off x="7710769" y="609600"/>
+            <a:ext cx="1433231" cy="1368198"/>
+          </a:xfrm>
+          <a:prstGeom prst="rect">
+            <a:avLst/>
+          </a:prstGeom>
+          <a:solidFill>
+            <a:schemeClr val="accent1"/>
+          </a:solidFill>
+          <a:ln>
+            <a:noFill/>
+          </a:ln>
+        </p:spPr>
+        <p:style>
+          <a:lnRef idx="2">
+            <a:schemeClr val="accent1">
+              <a:shade val="50000"/>
+            </a:schemeClr>
+          </a:lnRef>
+          <a:fillRef idx="1">
+            <a:schemeClr val="accent1"/>
+          </a:fillRef>
+          <a:effectRef idx="0">
+            <a:schemeClr val="accent1"/>
+          </a:effectRef>
+          <a:fontRef idx="minor">
+            <a:schemeClr val="lt1"/>
+          </a:fontRef>
+        </p:style>
+      </p:sp>
+      <p:sp>
+        <p:nvSpPr>
+          <p:cNvPr id="2" name="Date Placeholder 1"/>
           <p:cNvSpPr>
             <a:spLocks noGrp="1"/>
           </p:cNvSpPr>
@@ -2002,7 +6514,7 @@
           <a:p>
             <a:fld id="{08D9589F-252C-704B-9B79-8E17BF3570A5}" type="datetimeFigureOut">
               <a:rPr lang="de-DE" smtClean="0"/>
-              <a:t>07.10.16</a:t>
+              <a:t>11.10.2016</a:t>
             </a:fld>
             <a:endParaRPr lang="de-DE"/>
           </a:p>
@@ -2010,7 +6522,7 @@
       </p:sp>
       <p:sp>
         <p:nvSpPr>
-          <p:cNvPr id="3" name="Fußzeilenplatzhalter 2"/>
+          <p:cNvPr id="3" name="Footer Placeholder 2"/>
           <p:cNvSpPr>
             <a:spLocks noGrp="1"/>
           </p:cNvSpPr>
@@ -2029,7 +6541,7 @@
       </p:sp>
       <p:sp>
         <p:nvSpPr>
-          <p:cNvPr id="4" name="Foliennummernplatzhalter 3"/>
+          <p:cNvPr id="4" name="Slide Number Placeholder 3"/>
           <p:cNvSpPr>
             <a:spLocks noGrp="1"/>
           </p:cNvSpPr>
@@ -2044,7 +6556,7 @@
           <a:p>
             <a:fld id="{696D0DBA-6426-E344-AF92-7958926D7170}" type="slidenum">
               <a:rPr lang="de-DE" smtClean="0"/>
-              <a:t>‹#›</a:t>
+              <a:t>‹Nr.›</a:t>
             </a:fld>
             <a:endParaRPr lang="de-DE"/>
           </a:p>
@@ -2053,7 +6565,7 @@
     </p:spTree>
     <p:extLst>
       <p:ext uri="{BB962C8B-B14F-4D97-AF65-F5344CB8AC3E}">
-        <p14:creationId xmlns:p14="http://schemas.microsoft.com/office/powerpoint/2010/main" val="1308963002"/>
+        <p14:creationId xmlns:p14="http://schemas.microsoft.com/office/powerpoint/2010/main" val="3620690907"/>
       </p:ext>
     </p:extLst>
   </p:cSld>
@@ -2065,7 +6577,7 @@
 
 <file path=ppt/slideLayouts/slideLayout8.xml><?xml version="1.0" encoding="utf-8"?>
 <p:sldLayout xmlns:a="http://schemas.openxmlformats.org/drawingml/2006/main" xmlns:r="http://schemas.openxmlformats.org/officeDocument/2006/relationships" xmlns:p="http://schemas.openxmlformats.org/presentationml/2006/main" type="objTx" preserve="1">
-  <p:cSld name="Inhalt mit Beschriftung">
+  <p:cSld name="Inhalt mit Überschrift">
     <p:spTree>
       <p:nvGrpSpPr>
         <p:cNvPr id="1" name=""/>
@@ -2080,9 +6592,161 @@
           <a:chExt cx="0" cy="0"/>
         </a:xfrm>
       </p:grpSpPr>
-      <p:sp>
-        <p:nvSpPr>
-          <p:cNvPr id="2" name="Titel 1"/>
+      <p:grpSp>
+        <p:nvGrpSpPr>
+          <p:cNvPr id="17" name="Group 16"/>
+          <p:cNvGrpSpPr/>
+          <p:nvPr/>
+        </p:nvGrpSpPr>
+        <p:grpSpPr>
+          <a:xfrm>
+            <a:off x="0" y="609600"/>
+            <a:ext cx="9161969" cy="1677035"/>
+            <a:chOff x="0" y="2895600"/>
+            <a:chExt cx="9161969" cy="1677035"/>
+          </a:xfrm>
+        </p:grpSpPr>
+        <p:pic>
+          <p:nvPicPr>
+            <p:cNvPr id="18" name="Picture 17" descr="HD-ShadowLong.png"/>
+            <p:cNvPicPr>
+              <a:picLocks noChangeAspect="1"/>
+            </p:cNvPicPr>
+            <p:nvPr/>
+          </p:nvPicPr>
+          <p:blipFill rotWithShape="1">
+            <a:blip r:embed="rId2">
+              <a:extLst>
+                <a:ext uri="{28A0092B-C50C-407E-A947-70E740481C1C}">
+                  <a14:useLocalDpi xmlns:a14="http://schemas.microsoft.com/office/drawing/2010/main" val="0"/>
+                </a:ext>
+              </a:extLst>
+            </a:blip>
+            <a:srcRect l="26982" r="-217"/>
+            <a:stretch/>
+          </p:blipFill>
+          <p:spPr>
+            <a:xfrm>
+              <a:off x="0" y="4251471"/>
+              <a:ext cx="7644384" cy="321164"/>
+            </a:xfrm>
+            <a:prstGeom prst="rect">
+              <a:avLst/>
+            </a:prstGeom>
+          </p:spPr>
+        </p:pic>
+        <p:pic>
+          <p:nvPicPr>
+            <p:cNvPr id="19" name="Picture 18" descr="HD-ShadowShort.png"/>
+            <p:cNvPicPr>
+              <a:picLocks noChangeAspect="1"/>
+            </p:cNvPicPr>
+            <p:nvPr/>
+          </p:nvPicPr>
+          <p:blipFill rotWithShape="1">
+            <a:blip r:embed="rId3">
+              <a:extLst>
+                <a:ext uri="{28A0092B-C50C-407E-A947-70E740481C1C}">
+                  <a14:useLocalDpi xmlns:a14="http://schemas.microsoft.com/office/drawing/2010/main" val="0"/>
+                </a:ext>
+              </a:extLst>
+            </a:blip>
+            <a:srcRect r="9871"/>
+            <a:stretch/>
+          </p:blipFill>
+          <p:spPr>
+            <a:xfrm>
+              <a:off x="7717217" y="4259262"/>
+              <a:ext cx="1444752" cy="144270"/>
+            </a:xfrm>
+            <a:prstGeom prst="rect">
+              <a:avLst/>
+            </a:prstGeom>
+          </p:spPr>
+        </p:pic>
+        <p:sp>
+          <p:nvSpPr>
+            <p:cNvPr id="20" name="Rectangle 19"/>
+            <p:cNvSpPr/>
+            <p:nvPr/>
+          </p:nvSpPr>
+          <p:spPr>
+            <a:xfrm>
+              <a:off x="0" y="2895600"/>
+              <a:ext cx="7567140" cy="1368198"/>
+            </a:xfrm>
+            <a:prstGeom prst="rect">
+              <a:avLst/>
+            </a:prstGeom>
+            <a:solidFill>
+              <a:schemeClr val="bg1">
+                <a:lumMod val="85000"/>
+                <a:lumOff val="15000"/>
+              </a:schemeClr>
+            </a:solidFill>
+            <a:ln>
+              <a:noFill/>
+            </a:ln>
+          </p:spPr>
+          <p:style>
+            <a:lnRef idx="2">
+              <a:schemeClr val="accent1">
+                <a:shade val="50000"/>
+              </a:schemeClr>
+            </a:lnRef>
+            <a:fillRef idx="1">
+              <a:schemeClr val="accent1"/>
+            </a:fillRef>
+            <a:effectRef idx="0">
+              <a:schemeClr val="accent1"/>
+            </a:effectRef>
+            <a:fontRef idx="minor">
+              <a:schemeClr val="lt1"/>
+            </a:fontRef>
+          </p:style>
+        </p:sp>
+        <p:sp>
+          <p:nvSpPr>
+            <p:cNvPr id="21" name="Rectangle 20"/>
+            <p:cNvSpPr/>
+            <p:nvPr/>
+          </p:nvSpPr>
+          <p:spPr>
+            <a:xfrm>
+              <a:off x="7710769" y="2895600"/>
+              <a:ext cx="1433231" cy="1368198"/>
+            </a:xfrm>
+            <a:prstGeom prst="rect">
+              <a:avLst/>
+            </a:prstGeom>
+            <a:solidFill>
+              <a:schemeClr val="accent1"/>
+            </a:solidFill>
+            <a:ln>
+              <a:noFill/>
+            </a:ln>
+          </p:spPr>
+          <p:style>
+            <a:lnRef idx="2">
+              <a:schemeClr val="accent1">
+                <a:shade val="50000"/>
+              </a:schemeClr>
+            </a:lnRef>
+            <a:fillRef idx="1">
+              <a:schemeClr val="accent1"/>
+            </a:fillRef>
+            <a:effectRef idx="0">
+              <a:schemeClr val="accent1"/>
+            </a:effectRef>
+            <a:fontRef idx="minor">
+              <a:schemeClr val="lt1"/>
+            </a:fontRef>
+          </p:style>
+        </p:sp>
+      </p:grpSp>
+      <p:sp>
+        <p:nvSpPr>
+          <p:cNvPr id="2" name="Title 1"/>
           <p:cNvSpPr>
             <a:spLocks noGrp="1"/>
           </p:cNvSpPr>
@@ -2092,29 +6756,31 @@
         </p:nvSpPr>
         <p:spPr>
           <a:xfrm>
-            <a:off x="457200" y="273050"/>
-            <a:ext cx="3008313" cy="1162050"/>
+            <a:off x="531639" y="753227"/>
+            <a:ext cx="6896534" cy="1080940"/>
           </a:xfrm>
         </p:spPr>
         <p:txBody>
-          <a:bodyPr anchor="b"/>
+          <a:bodyPr anchor="ctr">
+            <a:normAutofit/>
+          </a:bodyPr>
           <a:lstStyle>
-            <a:lvl1pPr algn="l">
-              <a:defRPr sz="2000" b="1"/>
+            <a:lvl1pPr>
+              <a:defRPr sz="3600"/>
             </a:lvl1pPr>
           </a:lstStyle>
           <a:p>
             <a:r>
-              <a:rPr lang="de-CH" smtClean="0"/>
-              <a:t>Mastertitelformat bearbeiten</a:t>
-            </a:r>
-            <a:endParaRPr lang="de-DE"/>
-          </a:p>
-        </p:txBody>
-      </p:sp>
-      <p:sp>
-        <p:nvSpPr>
-          <p:cNvPr id="3" name="Inhaltsplatzhalter 2"/>
+              <a:rPr lang="de-DE" smtClean="0"/>
+              <a:t>Titelmasterformat durch Klicken bearbeiten</a:t>
+            </a:r>
+            <a:endParaRPr lang="en-US" dirty="0"/>
+          </a:p>
+        </p:txBody>
+      </p:sp>
+      <p:sp>
+        <p:nvSpPr>
+          <p:cNvPr id="3" name="Content Placeholder 2"/>
           <p:cNvSpPr>
             <a:spLocks noGrp="1"/>
           </p:cNvSpPr>
@@ -2124,147 +6790,119 @@
         </p:nvSpPr>
         <p:spPr>
           <a:xfrm>
-            <a:off x="3575050" y="273050"/>
-            <a:ext cx="5111750" cy="5853113"/>
+            <a:off x="3514385" y="2336874"/>
+            <a:ext cx="3913788" cy="3599313"/>
           </a:xfrm>
         </p:spPr>
         <p:txBody>
           <a:bodyPr/>
+          <a:lstStyle/>
+          <a:p>
+            <a:pPr lvl="0"/>
+            <a:r>
+              <a:rPr lang="de-DE" smtClean="0"/>
+              <a:t>Formatvorlagen des Textmasters bearbeiten</a:t>
+            </a:r>
+          </a:p>
+          <a:p>
+            <a:pPr lvl="1"/>
+            <a:r>
+              <a:rPr lang="de-DE" smtClean="0"/>
+              <a:t>Zweite Ebene</a:t>
+            </a:r>
+          </a:p>
+          <a:p>
+            <a:pPr lvl="2"/>
+            <a:r>
+              <a:rPr lang="de-DE" smtClean="0"/>
+              <a:t>Dritte Ebene</a:t>
+            </a:r>
+          </a:p>
+          <a:p>
+            <a:pPr lvl="3"/>
+            <a:r>
+              <a:rPr lang="de-DE" smtClean="0"/>
+              <a:t>Vierte Ebene</a:t>
+            </a:r>
+          </a:p>
+          <a:p>
+            <a:pPr lvl="4"/>
+            <a:r>
+              <a:rPr lang="de-DE" smtClean="0"/>
+              <a:t>Fünfte Ebene</a:t>
+            </a:r>
+            <a:endParaRPr lang="en-US" dirty="0"/>
+          </a:p>
+        </p:txBody>
+      </p:sp>
+      <p:sp>
+        <p:nvSpPr>
+          <p:cNvPr id="4" name="Text Placeholder 3"/>
+          <p:cNvSpPr>
+            <a:spLocks noGrp="1"/>
+          </p:cNvSpPr>
+          <p:nvPr>
+            <p:ph type="body" sz="half" idx="2"/>
+          </p:nvPr>
+        </p:nvSpPr>
+        <p:spPr>
+          <a:xfrm>
+            <a:off x="533401" y="2336873"/>
+            <a:ext cx="2796240" cy="3599317"/>
+          </a:xfrm>
+        </p:spPr>
+        <p:txBody>
+          <a:bodyPr anchor="ctr"/>
           <a:lstStyle>
-            <a:lvl1pPr>
-              <a:defRPr sz="3200"/>
+            <a:lvl1pPr marL="0" indent="0">
+              <a:buNone/>
+              <a:defRPr sz="1600"/>
             </a:lvl1pPr>
-            <a:lvl2pPr>
-              <a:defRPr sz="2800"/>
+            <a:lvl2pPr marL="457200" indent="0">
+              <a:buNone/>
+              <a:defRPr sz="1400"/>
             </a:lvl2pPr>
-            <a:lvl3pPr>
-              <a:defRPr sz="2400"/>
+            <a:lvl3pPr marL="914400" indent="0">
+              <a:buNone/>
+              <a:defRPr sz="1200"/>
             </a:lvl3pPr>
-            <a:lvl4pPr>
-              <a:defRPr sz="2000"/>
+            <a:lvl4pPr marL="1371600" indent="0">
+              <a:buNone/>
+              <a:defRPr sz="1000"/>
             </a:lvl4pPr>
-            <a:lvl5pPr>
-              <a:defRPr sz="2000"/>
+            <a:lvl5pPr marL="1828800" indent="0">
+              <a:buNone/>
+              <a:defRPr sz="1000"/>
             </a:lvl5pPr>
-            <a:lvl6pPr>
-              <a:defRPr sz="2000"/>
+            <a:lvl6pPr marL="2286000" indent="0">
+              <a:buNone/>
+              <a:defRPr sz="1000"/>
             </a:lvl6pPr>
-            <a:lvl7pPr>
-              <a:defRPr sz="2000"/>
+            <a:lvl7pPr marL="2743200" indent="0">
+              <a:buNone/>
+              <a:defRPr sz="1000"/>
             </a:lvl7pPr>
-            <a:lvl8pPr>
-              <a:defRPr sz="2000"/>
+            <a:lvl8pPr marL="3200400" indent="0">
+              <a:buNone/>
+              <a:defRPr sz="1000"/>
             </a:lvl8pPr>
-            <a:lvl9pPr>
-              <a:defRPr sz="2000"/>
+            <a:lvl9pPr marL="3657600" indent="0">
+              <a:buNone/>
+              <a:defRPr sz="1000"/>
             </a:lvl9pPr>
           </a:lstStyle>
           <a:p>
             <a:pPr lvl="0"/>
             <a:r>
-              <a:rPr lang="de-CH" smtClean="0"/>
-              <a:t>Mastertextformat bearbeiten</a:t>
-            </a:r>
-          </a:p>
-          <a:p>
-            <a:pPr lvl="1"/>
-            <a:r>
-              <a:rPr lang="de-CH" smtClean="0"/>
-              <a:t>Zweite Ebene</a:t>
-            </a:r>
-          </a:p>
-          <a:p>
-            <a:pPr lvl="2"/>
-            <a:r>
-              <a:rPr lang="de-CH" smtClean="0"/>
-              <a:t>Dritte Ebene</a:t>
-            </a:r>
-          </a:p>
-          <a:p>
-            <a:pPr lvl="3"/>
-            <a:r>
-              <a:rPr lang="de-CH" smtClean="0"/>
-              <a:t>Vierte Ebene</a:t>
-            </a:r>
-          </a:p>
-          <a:p>
-            <a:pPr lvl="4"/>
-            <a:r>
-              <a:rPr lang="de-CH" smtClean="0"/>
-              <a:t>Fünfte Ebene</a:t>
-            </a:r>
-            <a:endParaRPr lang="de-DE"/>
-          </a:p>
-        </p:txBody>
-      </p:sp>
-      <p:sp>
-        <p:nvSpPr>
-          <p:cNvPr id="4" name="Textplatzhalter 3"/>
-          <p:cNvSpPr>
-            <a:spLocks noGrp="1"/>
-          </p:cNvSpPr>
-          <p:nvPr>
-            <p:ph type="body" sz="half" idx="2"/>
-          </p:nvPr>
-        </p:nvSpPr>
-        <p:spPr>
-          <a:xfrm>
-            <a:off x="457200" y="1435100"/>
-            <a:ext cx="3008313" cy="4691063"/>
-          </a:xfrm>
-        </p:spPr>
-        <p:txBody>
-          <a:bodyPr/>
-          <a:lstStyle>
-            <a:lvl1pPr marL="0" indent="0">
-              <a:buNone/>
-              <a:defRPr sz="1400"/>
-            </a:lvl1pPr>
-            <a:lvl2pPr marL="457200" indent="0">
-              <a:buNone/>
-              <a:defRPr sz="1200"/>
-            </a:lvl2pPr>
-            <a:lvl3pPr marL="914400" indent="0">
-              <a:buNone/>
-              <a:defRPr sz="1000"/>
-            </a:lvl3pPr>
-            <a:lvl4pPr marL="1371600" indent="0">
-              <a:buNone/>
-              <a:defRPr sz="900"/>
-            </a:lvl4pPr>
-            <a:lvl5pPr marL="1828800" indent="0">
-              <a:buNone/>
-              <a:defRPr sz="900"/>
-            </a:lvl5pPr>
-            <a:lvl6pPr marL="2286000" indent="0">
-              <a:buNone/>
-              <a:defRPr sz="900"/>
-            </a:lvl6pPr>
-            <a:lvl7pPr marL="2743200" indent="0">
-              <a:buNone/>
-              <a:defRPr sz="900"/>
-            </a:lvl7pPr>
-            <a:lvl8pPr marL="3200400" indent="0">
-              <a:buNone/>
-              <a:defRPr sz="900"/>
-            </a:lvl8pPr>
-            <a:lvl9pPr marL="3657600" indent="0">
-              <a:buNone/>
-              <a:defRPr sz="900"/>
-            </a:lvl9pPr>
-          </a:lstStyle>
-          <a:p>
-            <a:pPr lvl="0"/>
-            <a:r>
-              <a:rPr lang="de-CH" smtClean="0"/>
-              <a:t>Mastertextformat bearbeiten</a:t>
-            </a:r>
-          </a:p>
-        </p:txBody>
-      </p:sp>
-      <p:sp>
-        <p:nvSpPr>
-          <p:cNvPr id="5" name="Datumsplatzhalter 4"/>
+              <a:rPr lang="de-DE" smtClean="0"/>
+              <a:t>Formatvorlagen des Textmasters bearbeiten</a:t>
+            </a:r>
+          </a:p>
+        </p:txBody>
+      </p:sp>
+      <p:sp>
+        <p:nvSpPr>
+          <p:cNvPr id="5" name="Date Placeholder 4"/>
           <p:cNvSpPr>
             <a:spLocks noGrp="1"/>
           </p:cNvSpPr>
@@ -2279,7 +6917,7 @@
           <a:p>
             <a:fld id="{08D9589F-252C-704B-9B79-8E17BF3570A5}" type="datetimeFigureOut">
               <a:rPr lang="de-DE" smtClean="0"/>
-              <a:t>07.10.16</a:t>
+              <a:t>11.10.2016</a:t>
             </a:fld>
             <a:endParaRPr lang="de-DE"/>
           </a:p>
@@ -2287,7 +6925,7 @@
       </p:sp>
       <p:sp>
         <p:nvSpPr>
-          <p:cNvPr id="6" name="Fußzeilenplatzhalter 5"/>
+          <p:cNvPr id="6" name="Footer Placeholder 5"/>
           <p:cNvSpPr>
             <a:spLocks noGrp="1"/>
           </p:cNvSpPr>
@@ -2306,7 +6944,7 @@
       </p:sp>
       <p:sp>
         <p:nvSpPr>
-          <p:cNvPr id="7" name="Foliennummernplatzhalter 6"/>
+          <p:cNvPr id="7" name="Slide Number Placeholder 6"/>
           <p:cNvSpPr>
             <a:spLocks noGrp="1"/>
           </p:cNvSpPr>
@@ -2321,7 +6959,7 @@
           <a:p>
             <a:fld id="{696D0DBA-6426-E344-AF92-7958926D7170}" type="slidenum">
               <a:rPr lang="de-DE" smtClean="0"/>
-              <a:t>‹#›</a:t>
+              <a:t>‹Nr.›</a:t>
             </a:fld>
             <a:endParaRPr lang="de-DE"/>
           </a:p>
@@ -2330,7 +6968,7 @@
     </p:spTree>
     <p:extLst>
       <p:ext uri="{BB962C8B-B14F-4D97-AF65-F5344CB8AC3E}">
-        <p14:creationId xmlns:p14="http://schemas.microsoft.com/office/powerpoint/2010/main" val="1642968930"/>
+        <p14:creationId xmlns:p14="http://schemas.microsoft.com/office/powerpoint/2010/main" val="368496532"/>
       </p:ext>
     </p:extLst>
   </p:cSld>
@@ -2342,7 +6980,7 @@
 
 <file path=ppt/slideLayouts/slideLayout9.xml><?xml version="1.0" encoding="utf-8"?>
 <p:sldLayout xmlns:a="http://schemas.openxmlformats.org/drawingml/2006/main" xmlns:r="http://schemas.openxmlformats.org/officeDocument/2006/relationships" xmlns:p="http://schemas.openxmlformats.org/presentationml/2006/main" type="picTx" preserve="1">
-  <p:cSld name="Bild mit Beschriftung">
+  <p:cSld name="Bild mit Überschrift">
     <p:spTree>
       <p:nvGrpSpPr>
         <p:cNvPr id="1" name=""/>
@@ -2357,9 +6995,161 @@
           <a:chExt cx="0" cy="0"/>
         </a:xfrm>
       </p:grpSpPr>
-      <p:sp>
-        <p:nvSpPr>
-          <p:cNvPr id="2" name="Titel 1"/>
+      <p:grpSp>
+        <p:nvGrpSpPr>
+          <p:cNvPr id="17" name="Group 16"/>
+          <p:cNvGrpSpPr/>
+          <p:nvPr/>
+        </p:nvGrpSpPr>
+        <p:grpSpPr>
+          <a:xfrm>
+            <a:off x="0" y="609600"/>
+            <a:ext cx="9161969" cy="1677035"/>
+            <a:chOff x="0" y="2895600"/>
+            <a:chExt cx="9161969" cy="1677035"/>
+          </a:xfrm>
+        </p:grpSpPr>
+        <p:pic>
+          <p:nvPicPr>
+            <p:cNvPr id="18" name="Picture 17" descr="HD-ShadowLong.png"/>
+            <p:cNvPicPr>
+              <a:picLocks noChangeAspect="1"/>
+            </p:cNvPicPr>
+            <p:nvPr/>
+          </p:nvPicPr>
+          <p:blipFill rotWithShape="1">
+            <a:blip r:embed="rId2">
+              <a:extLst>
+                <a:ext uri="{28A0092B-C50C-407E-A947-70E740481C1C}">
+                  <a14:useLocalDpi xmlns:a14="http://schemas.microsoft.com/office/drawing/2010/main" val="0"/>
+                </a:ext>
+              </a:extLst>
+            </a:blip>
+            <a:srcRect l="26982" r="-217"/>
+            <a:stretch/>
+          </p:blipFill>
+          <p:spPr>
+            <a:xfrm>
+              <a:off x="0" y="4251471"/>
+              <a:ext cx="7644384" cy="321164"/>
+            </a:xfrm>
+            <a:prstGeom prst="rect">
+              <a:avLst/>
+            </a:prstGeom>
+          </p:spPr>
+        </p:pic>
+        <p:pic>
+          <p:nvPicPr>
+            <p:cNvPr id="19" name="Picture 18" descr="HD-ShadowShort.png"/>
+            <p:cNvPicPr>
+              <a:picLocks noChangeAspect="1"/>
+            </p:cNvPicPr>
+            <p:nvPr/>
+          </p:nvPicPr>
+          <p:blipFill rotWithShape="1">
+            <a:blip r:embed="rId3">
+              <a:extLst>
+                <a:ext uri="{28A0092B-C50C-407E-A947-70E740481C1C}">
+                  <a14:useLocalDpi xmlns:a14="http://schemas.microsoft.com/office/drawing/2010/main" val="0"/>
+                </a:ext>
+              </a:extLst>
+            </a:blip>
+            <a:srcRect r="9871"/>
+            <a:stretch/>
+          </p:blipFill>
+          <p:spPr>
+            <a:xfrm>
+              <a:off x="7717217" y="4259262"/>
+              <a:ext cx="1444752" cy="144270"/>
+            </a:xfrm>
+            <a:prstGeom prst="rect">
+              <a:avLst/>
+            </a:prstGeom>
+          </p:spPr>
+        </p:pic>
+        <p:sp>
+          <p:nvSpPr>
+            <p:cNvPr id="20" name="Rectangle 19"/>
+            <p:cNvSpPr/>
+            <p:nvPr/>
+          </p:nvSpPr>
+          <p:spPr>
+            <a:xfrm>
+              <a:off x="0" y="2895600"/>
+              <a:ext cx="7567140" cy="1368198"/>
+            </a:xfrm>
+            <a:prstGeom prst="rect">
+              <a:avLst/>
+            </a:prstGeom>
+            <a:solidFill>
+              <a:schemeClr val="bg1">
+                <a:lumMod val="85000"/>
+                <a:lumOff val="15000"/>
+              </a:schemeClr>
+            </a:solidFill>
+            <a:ln>
+              <a:noFill/>
+            </a:ln>
+          </p:spPr>
+          <p:style>
+            <a:lnRef idx="2">
+              <a:schemeClr val="accent1">
+                <a:shade val="50000"/>
+              </a:schemeClr>
+            </a:lnRef>
+            <a:fillRef idx="1">
+              <a:schemeClr val="accent1"/>
+            </a:fillRef>
+            <a:effectRef idx="0">
+              <a:schemeClr val="accent1"/>
+            </a:effectRef>
+            <a:fontRef idx="minor">
+              <a:schemeClr val="lt1"/>
+            </a:fontRef>
+          </p:style>
+        </p:sp>
+        <p:sp>
+          <p:nvSpPr>
+            <p:cNvPr id="21" name="Rectangle 20"/>
+            <p:cNvSpPr/>
+            <p:nvPr/>
+          </p:nvSpPr>
+          <p:spPr>
+            <a:xfrm>
+              <a:off x="7710769" y="2895600"/>
+              <a:ext cx="1433231" cy="1368198"/>
+            </a:xfrm>
+            <a:prstGeom prst="rect">
+              <a:avLst/>
+            </a:prstGeom>
+            <a:solidFill>
+              <a:schemeClr val="accent1"/>
+            </a:solidFill>
+            <a:ln>
+              <a:noFill/>
+            </a:ln>
+          </p:spPr>
+          <p:style>
+            <a:lnRef idx="2">
+              <a:schemeClr val="accent1">
+                <a:shade val="50000"/>
+              </a:schemeClr>
+            </a:lnRef>
+            <a:fillRef idx="1">
+              <a:schemeClr val="accent1"/>
+            </a:fillRef>
+            <a:effectRef idx="0">
+              <a:schemeClr val="accent1"/>
+            </a:effectRef>
+            <a:fontRef idx="minor">
+              <a:schemeClr val="lt1"/>
+            </a:fontRef>
+          </p:style>
+        </p:sp>
+      </p:grpSp>
+      <p:sp>
+        <p:nvSpPr>
+          <p:cNvPr id="2" name="Title 1"/>
           <p:cNvSpPr>
             <a:spLocks noGrp="1"/>
           </p:cNvSpPr>
@@ -2369,31 +7159,33 @@
         </p:nvSpPr>
         <p:spPr>
           <a:xfrm>
-            <a:off x="1792288" y="4800600"/>
-            <a:ext cx="5486400" cy="566738"/>
+            <a:off x="531639" y="753228"/>
+            <a:ext cx="6896534" cy="1080938"/>
           </a:xfrm>
         </p:spPr>
         <p:txBody>
-          <a:bodyPr anchor="b"/>
+          <a:bodyPr anchor="ctr">
+            <a:normAutofit/>
+          </a:bodyPr>
           <a:lstStyle>
-            <a:lvl1pPr algn="l">
-              <a:defRPr sz="2000" b="1"/>
+            <a:lvl1pPr>
+              <a:defRPr sz="3600"/>
             </a:lvl1pPr>
           </a:lstStyle>
           <a:p>
             <a:r>
-              <a:rPr lang="de-CH" smtClean="0"/>
-              <a:t>Mastertitelformat bearbeiten</a:t>
-            </a:r>
-            <a:endParaRPr lang="de-DE"/>
-          </a:p>
-        </p:txBody>
-      </p:sp>
-      <p:sp>
-        <p:nvSpPr>
-          <p:cNvPr id="3" name="Bildplatzhalter 2"/>
-          <p:cNvSpPr>
-            <a:spLocks noGrp="1"/>
+              <a:rPr lang="de-DE" smtClean="0"/>
+              <a:t>Titelmasterformat durch Klicken bearbeiten</a:t>
+            </a:r>
+            <a:endParaRPr lang="en-US" dirty="0"/>
+          </a:p>
+        </p:txBody>
+      </p:sp>
+      <p:sp>
+        <p:nvSpPr>
+          <p:cNvPr id="3" name="Picture Placeholder 2"/>
+          <p:cNvSpPr>
+            <a:spLocks noGrp="1" noChangeAspect="1"/>
           </p:cNvSpPr>
           <p:nvPr>
             <p:ph type="pic" idx="1"/>
@@ -2401,12 +7193,23 @@
         </p:nvSpPr>
         <p:spPr>
           <a:xfrm>
-            <a:off x="1792288" y="612775"/>
-            <a:ext cx="5486400" cy="4114800"/>
+            <a:off x="3510956" y="2336874"/>
+            <a:ext cx="3917217" cy="3599312"/>
           </a:xfrm>
+          <a:noFill/>
+          <a:ln>
+            <a:noFill/>
+          </a:ln>
+          <a:effectLst>
+            <a:outerShdw blurRad="76200" dist="63500" dir="5040000" algn="tl" rotWithShape="0">
+              <a:srgbClr val="000000">
+                <a:alpha val="41000"/>
+              </a:srgbClr>
+            </a:outerShdw>
+          </a:effectLst>
         </p:spPr>
         <p:txBody>
-          <a:bodyPr/>
+          <a:bodyPr anchor="t"/>
           <a:lstStyle>
             <a:lvl1pPr marL="0" indent="0">
               <a:buNone/>
@@ -2446,13 +7249,17 @@
             </a:lvl9pPr>
           </a:lstStyle>
           <a:p>
-            <a:endParaRPr lang="de-DE"/>
-          </a:p>
-        </p:txBody>
-      </p:sp>
-      <p:sp>
-        <p:nvSpPr>
-          <p:cNvPr id="4" name="Textplatzhalter 3"/>
+            <a:r>
+              <a:rPr lang="de-DE" smtClean="0"/>
+              <a:t>Bild durch Klicken auf Symbol hinzufügen</a:t>
+            </a:r>
+            <a:endParaRPr lang="en-US" dirty="0"/>
+          </a:p>
+        </p:txBody>
+      </p:sp>
+      <p:sp>
+        <p:nvSpPr>
+          <p:cNvPr id="4" name="Text Placeholder 3"/>
           <p:cNvSpPr>
             <a:spLocks noGrp="1"/>
           </p:cNvSpPr>
@@ -2462,62 +7269,62 @@
         </p:nvSpPr>
         <p:spPr>
           <a:xfrm>
-            <a:off x="1792288" y="5367338"/>
-            <a:ext cx="5486400" cy="804862"/>
+            <a:off x="531638" y="2336874"/>
+            <a:ext cx="2798487" cy="3599315"/>
           </a:xfrm>
         </p:spPr>
         <p:txBody>
-          <a:bodyPr/>
+          <a:bodyPr anchor="ctr"/>
           <a:lstStyle>
             <a:lvl1pPr marL="0" indent="0">
               <a:buNone/>
-              <a:defRPr sz="1400"/>
+              <a:defRPr sz="1600"/>
             </a:lvl1pPr>
             <a:lvl2pPr marL="457200" indent="0">
               <a:buNone/>
-              <a:defRPr sz="1200"/>
+              <a:defRPr sz="1400"/>
             </a:lvl2pPr>
             <a:lvl3pPr marL="914400" indent="0">
               <a:buNone/>
-              <a:defRPr sz="1000"/>
+              <a:defRPr sz="1200"/>
             </a:lvl3pPr>
             <a:lvl4pPr marL="1371600" indent="0">
               <a:buNone/>
-              <a:defRPr sz="900"/>
+              <a:defRPr sz="1000"/>
             </a:lvl4pPr>
             <a:lvl5pPr marL="1828800" indent="0">
               <a:buNone/>
-              <a:defRPr sz="900"/>
+              <a:defRPr sz="1000"/>
             </a:lvl5pPr>
             <a:lvl6pPr marL="2286000" indent="0">
               <a:buNone/>
-              <a:defRPr sz="900"/>
+              <a:defRPr sz="1000"/>
             </a:lvl6pPr>
             <a:lvl7pPr marL="2743200" indent="0">
               <a:buNone/>
-              <a:defRPr sz="900"/>
+              <a:defRPr sz="1000"/>
             </a:lvl7pPr>
             <a:lvl8pPr marL="3200400" indent="0">
               <a:buNone/>
-              <a:defRPr sz="900"/>
+              <a:defRPr sz="1000"/>
             </a:lvl8pPr>
             <a:lvl9pPr marL="3657600" indent="0">
               <a:buNone/>
-              <a:defRPr sz="900"/>
+              <a:defRPr sz="1000"/>
             </a:lvl9pPr>
           </a:lstStyle>
           <a:p>
             <a:pPr lvl="0"/>
             <a:r>
-              <a:rPr lang="de-CH" smtClean="0"/>
-              <a:t>Mastertextformat bearbeiten</a:t>
-            </a:r>
-          </a:p>
-        </p:txBody>
-      </p:sp>
-      <p:sp>
-        <p:nvSpPr>
-          <p:cNvPr id="5" name="Datumsplatzhalter 4"/>
+              <a:rPr lang="de-DE" smtClean="0"/>
+              <a:t>Formatvorlagen des Textmasters bearbeiten</a:t>
+            </a:r>
+          </a:p>
+        </p:txBody>
+      </p:sp>
+      <p:sp>
+        <p:nvSpPr>
+          <p:cNvPr id="5" name="Date Placeholder 4"/>
           <p:cNvSpPr>
             <a:spLocks noGrp="1"/>
           </p:cNvSpPr>
@@ -2532,7 +7339,7 @@
           <a:p>
             <a:fld id="{08D9589F-252C-704B-9B79-8E17BF3570A5}" type="datetimeFigureOut">
               <a:rPr lang="de-DE" smtClean="0"/>
-              <a:t>07.10.16</a:t>
+              <a:t>11.10.2016</a:t>
             </a:fld>
             <a:endParaRPr lang="de-DE"/>
           </a:p>
@@ -2540,7 +7347,7 @@
       </p:sp>
       <p:sp>
         <p:nvSpPr>
-          <p:cNvPr id="6" name="Fußzeilenplatzhalter 5"/>
+          <p:cNvPr id="6" name="Footer Placeholder 5"/>
           <p:cNvSpPr>
             <a:spLocks noGrp="1"/>
           </p:cNvSpPr>
@@ -2559,7 +7366,7 @@
       </p:sp>
       <p:sp>
         <p:nvSpPr>
-          <p:cNvPr id="7" name="Foliennummernplatzhalter 6"/>
+          <p:cNvPr id="7" name="Slide Number Placeholder 6"/>
           <p:cNvSpPr>
             <a:spLocks noGrp="1"/>
           </p:cNvSpPr>
@@ -2574,7 +7381,7 @@
           <a:p>
             <a:fld id="{696D0DBA-6426-E344-AF92-7958926D7170}" type="slidenum">
               <a:rPr lang="de-DE" smtClean="0"/>
-              <a:t>‹#›</a:t>
+              <a:t>‹Nr.›</a:t>
             </a:fld>
             <a:endParaRPr lang="de-DE"/>
           </a:p>
@@ -2583,7 +7390,7 @@
     </p:spTree>
     <p:extLst>
       <p:ext uri="{BB962C8B-B14F-4D97-AF65-F5344CB8AC3E}">
-        <p14:creationId xmlns:p14="http://schemas.microsoft.com/office/powerpoint/2010/main" val="2705860717"/>
+        <p14:creationId xmlns:p14="http://schemas.microsoft.com/office/powerpoint/2010/main" val="1841751292"/>
       </p:ext>
     </p:extLst>
   </p:cSld>
@@ -2597,8 +7404,8 @@
 <p:sldMaster xmlns:a="http://schemas.openxmlformats.org/drawingml/2006/main" xmlns:r="http://schemas.openxmlformats.org/officeDocument/2006/relationships" xmlns:p="http://schemas.openxmlformats.org/presentationml/2006/main">
   <p:cSld>
     <p:bg>
-      <p:bgRef idx="1001">
-        <a:schemeClr val="bg1"/>
+      <p:bgRef idx="1003">
+        <a:schemeClr val="bg2"/>
       </p:bgRef>
     </p:bg>
     <p:spTree>
@@ -2615,9 +7422,50 @@
           <a:chExt cx="0" cy="0"/>
         </a:xfrm>
       </p:grpSpPr>
-      <p:sp>
-        <p:nvSpPr>
-          <p:cNvPr id="2" name="Titelplatzhalter 1"/>
+      <p:pic>
+        <p:nvPicPr>
+          <p:cNvPr id="1027" name="Picture 3" descr="C:\Users\James\Desktop\msft\Berlin\build Assets\hashOverlaySD-FullResolve.png"/>
+          <p:cNvPicPr>
+            <a:picLocks noChangeAspect="1" noChangeArrowheads="1"/>
+          </p:cNvPicPr>
+          <p:nvPr/>
+        </p:nvPicPr>
+        <p:blipFill>
+          <a:blip r:embed="rId19">
+            <a:alphaModFix amt="10000"/>
+            <a:extLst>
+              <a:ext uri="{28A0092B-C50C-407E-A947-70E740481C1C}">
+                <a14:useLocalDpi xmlns:a14="http://schemas.microsoft.com/office/drawing/2010/main" val="0"/>
+              </a:ext>
+            </a:extLst>
+          </a:blip>
+          <a:srcRect/>
+          <a:stretch>
+            <a:fillRect/>
+          </a:stretch>
+        </p:blipFill>
+        <p:spPr bwMode="auto">
+          <a:xfrm>
+            <a:off x="0" y="1"/>
+            <a:ext cx="9144000" cy="6858000"/>
+          </a:xfrm>
+          <a:prstGeom prst="rect">
+            <a:avLst/>
+          </a:prstGeom>
+          <a:extLst>
+            <a:ext uri="{909E8E84-426E-40dd-AFC4-6F175D3DCCD1}">
+              <a14:hiddenFill xmlns:a14="http://schemas.microsoft.com/office/drawing/2010/main" xmlns="">
+                <a:solidFill>
+                  <a:srgbClr val="FFFFFF"/>
+                </a:solidFill>
+              </a14:hiddenFill>
+            </a:ext>
+          </a:extLst>
+        </p:spPr>
+      </p:pic>
+      <p:sp>
+        <p:nvSpPr>
+          <p:cNvPr id="2" name="Title Placeholder 1"/>
           <p:cNvSpPr>
             <a:spLocks noGrp="1"/>
           </p:cNvSpPr>
@@ -2627,8 +7475,8 @@
         </p:nvSpPr>
         <p:spPr>
           <a:xfrm>
-            <a:off x="457200" y="274638"/>
-            <a:ext cx="8229600" cy="1143000"/>
+            <a:off x="531639" y="753228"/>
+            <a:ext cx="6896534" cy="1080938"/>
           </a:xfrm>
           <a:prstGeom prst="rect">
             <a:avLst/>
@@ -2641,16 +7489,16 @@
           <a:lstStyle/>
           <a:p>
             <a:r>
-              <a:rPr lang="de-CH" smtClean="0"/>
-              <a:t>Mastertitelformat bearbeiten</a:t>
-            </a:r>
-            <a:endParaRPr lang="de-DE"/>
-          </a:p>
-        </p:txBody>
-      </p:sp>
-      <p:sp>
-        <p:nvSpPr>
-          <p:cNvPr id="3" name="Textplatzhalter 2"/>
+              <a:rPr lang="de-DE" smtClean="0"/>
+              <a:t>Titelmasterformat durch Klicken bearbeiten</a:t>
+            </a:r>
+            <a:endParaRPr lang="en-US" dirty="0"/>
+          </a:p>
+        </p:txBody>
+      </p:sp>
+      <p:sp>
+        <p:nvSpPr>
+          <p:cNvPr id="3" name="Text Placeholder 2"/>
           <p:cNvSpPr>
             <a:spLocks noGrp="1"/>
           </p:cNvSpPr>
@@ -2660,8 +7508,8 @@
         </p:nvSpPr>
         <p:spPr>
           <a:xfrm>
-            <a:off x="457200" y="1600200"/>
-            <a:ext cx="8229600" cy="4525963"/>
+            <a:off x="533400" y="2336873"/>
+            <a:ext cx="6887389" cy="3599316"/>
           </a:xfrm>
           <a:prstGeom prst="rect">
             <a:avLst/>
@@ -2675,44 +7523,44 @@
           <a:p>
             <a:pPr lvl="0"/>
             <a:r>
-              <a:rPr lang="de-CH" smtClean="0"/>
-              <a:t>Mastertextformat bearbeiten</a:t>
+              <a:rPr lang="de-DE" smtClean="0"/>
+              <a:t>Formatvorlagen des Textmasters bearbeiten</a:t>
             </a:r>
           </a:p>
           <a:p>
             <a:pPr lvl="1"/>
             <a:r>
-              <a:rPr lang="de-CH" smtClean="0"/>
+              <a:rPr lang="de-DE" smtClean="0"/>
               <a:t>Zweite Ebene</a:t>
             </a:r>
           </a:p>
           <a:p>
             <a:pPr lvl="2"/>
             <a:r>
-              <a:rPr lang="de-CH" smtClean="0"/>
+              <a:rPr lang="de-DE" smtClean="0"/>
               <a:t>Dritte Ebene</a:t>
             </a:r>
           </a:p>
           <a:p>
             <a:pPr lvl="3"/>
             <a:r>
-              <a:rPr lang="de-CH" smtClean="0"/>
+              <a:rPr lang="de-DE" smtClean="0"/>
               <a:t>Vierte Ebene</a:t>
             </a:r>
           </a:p>
           <a:p>
             <a:pPr lvl="4"/>
             <a:r>
-              <a:rPr lang="de-CH" smtClean="0"/>
+              <a:rPr lang="de-DE" smtClean="0"/>
               <a:t>Fünfte Ebene</a:t>
             </a:r>
-            <a:endParaRPr lang="de-DE"/>
-          </a:p>
-        </p:txBody>
-      </p:sp>
-      <p:sp>
-        <p:nvSpPr>
-          <p:cNvPr id="4" name="Datumsplatzhalter 3"/>
+            <a:endParaRPr lang="en-US" dirty="0"/>
+          </a:p>
+        </p:txBody>
+      </p:sp>
+      <p:sp>
+        <p:nvSpPr>
+          <p:cNvPr id="4" name="Date Placeholder 3"/>
           <p:cNvSpPr>
             <a:spLocks noGrp="1"/>
           </p:cNvSpPr>
@@ -2722,8 +7570,8 @@
         </p:nvSpPr>
         <p:spPr>
           <a:xfrm>
-            <a:off x="457200" y="6356350"/>
-            <a:ext cx="2133600" cy="365125"/>
+            <a:off x="5367881" y="5936188"/>
+            <a:ext cx="2057400" cy="365125"/>
           </a:xfrm>
           <a:prstGeom prst="rect">
             <a:avLst/>
@@ -2732,8 +7580,8 @@
         <p:txBody>
           <a:bodyPr vert="horz" lIns="91440" tIns="45720" rIns="91440" bIns="45720" rtlCol="0" anchor="ctr"/>
           <a:lstStyle>
-            <a:lvl1pPr algn="l">
-              <a:defRPr sz="1200">
+            <a:lvl1pPr algn="r">
+              <a:defRPr sz="1050">
                 <a:solidFill>
                   <a:schemeClr val="tx1">
                     <a:tint val="75000"/>
@@ -2745,7 +7593,7 @@
           <a:p>
             <a:fld id="{08D9589F-252C-704B-9B79-8E17BF3570A5}" type="datetimeFigureOut">
               <a:rPr lang="de-DE" smtClean="0"/>
-              <a:t>07.10.16</a:t>
+              <a:t>11.10.2016</a:t>
             </a:fld>
             <a:endParaRPr lang="de-DE"/>
           </a:p>
@@ -2753,7 +7601,7 @@
       </p:sp>
       <p:sp>
         <p:nvSpPr>
-          <p:cNvPr id="5" name="Fußzeilenplatzhalter 4"/>
+          <p:cNvPr id="5" name="Footer Placeholder 4"/>
           <p:cNvSpPr>
             <a:spLocks noGrp="1"/>
           </p:cNvSpPr>
@@ -2763,8 +7611,8 @@
         </p:nvSpPr>
         <p:spPr>
           <a:xfrm>
-            <a:off x="3124200" y="6356350"/>
-            <a:ext cx="2895600" cy="365125"/>
+            <a:off x="533400" y="5936189"/>
+            <a:ext cx="4834673" cy="365125"/>
           </a:xfrm>
           <a:prstGeom prst="rect">
             <a:avLst/>
@@ -2773,8 +7621,8 @@
         <p:txBody>
           <a:bodyPr vert="horz" lIns="91440" tIns="45720" rIns="91440" bIns="45720" rtlCol="0" anchor="ctr"/>
           <a:lstStyle>
-            <a:lvl1pPr algn="ctr">
-              <a:defRPr sz="1200">
+            <a:lvl1pPr algn="l">
+              <a:defRPr sz="1050">
                 <a:solidFill>
                   <a:schemeClr val="tx1">
                     <a:tint val="75000"/>
@@ -2790,7 +7638,7 @@
       </p:sp>
       <p:sp>
         <p:nvSpPr>
-          <p:cNvPr id="6" name="Foliennummernplatzhalter 5"/>
+          <p:cNvPr id="6" name="Slide Number Placeholder 5"/>
           <p:cNvSpPr>
             <a:spLocks noGrp="1"/>
           </p:cNvSpPr>
@@ -2800,8 +7648,8 @@
         </p:nvSpPr>
         <p:spPr>
           <a:xfrm>
-            <a:off x="6553200" y="6356350"/>
-            <a:ext cx="2133600" cy="365125"/>
+            <a:off x="7848600" y="753228"/>
+            <a:ext cx="1157674" cy="1090789"/>
           </a:xfrm>
           <a:prstGeom prst="rect">
             <a:avLst/>
@@ -2810,8 +7658,8 @@
         <p:txBody>
           <a:bodyPr vert="horz" lIns="91440" tIns="45720" rIns="91440" bIns="45720" rtlCol="0" anchor="ctr"/>
           <a:lstStyle>
-            <a:lvl1pPr algn="r">
-              <a:defRPr sz="1200">
+            <a:lvl1pPr algn="l">
+              <a:defRPr sz="3600">
                 <a:solidFill>
                   <a:schemeClr val="tx1">
                     <a:tint val="75000"/>
@@ -2823,7 +7671,7 @@
           <a:p>
             <a:fld id="{696D0DBA-6426-E344-AF92-7958926D7170}" type="slidenum">
               <a:rPr lang="de-DE" smtClean="0"/>
-              <a:t>‹#›</a:t>
+              <a:t>‹Nr.›</a:t>
             </a:fld>
             <a:endParaRPr lang="de-DE"/>
           </a:p>
@@ -2832,32 +7680,41 @@
     </p:spTree>
     <p:extLst>
       <p:ext uri="{BB962C8B-B14F-4D97-AF65-F5344CB8AC3E}">
-        <p14:creationId xmlns:p14="http://schemas.microsoft.com/office/powerpoint/2010/main" val="1012405272"/>
+        <p14:creationId xmlns:p14="http://schemas.microsoft.com/office/powerpoint/2010/main" val="3786503550"/>
       </p:ext>
     </p:extLst>
   </p:cSld>
-  <p:clrMap bg1="lt1" tx1="dk1" bg2="lt2" tx2="dk2" accent1="accent1" accent2="accent2" accent3="accent3" accent4="accent4" accent5="accent5" accent6="accent6" hlink="hlink" folHlink="folHlink"/>
+  <p:clrMap bg1="dk1" tx1="lt1" bg2="dk2" tx2="lt2" accent1="accent1" accent2="accent2" accent3="accent3" accent4="accent4" accent5="accent5" accent6="accent6" hlink="hlink" folHlink="folHlink"/>
   <p:sldLayoutIdLst>
-    <p:sldLayoutId id="2147483649" r:id="rId1"/>
-    <p:sldLayoutId id="2147483650" r:id="rId2"/>
-    <p:sldLayoutId id="2147483651" r:id="rId3"/>
-    <p:sldLayoutId id="2147483652" r:id="rId4"/>
-    <p:sldLayoutId id="2147483653" r:id="rId5"/>
-    <p:sldLayoutId id="2147483654" r:id="rId6"/>
-    <p:sldLayoutId id="2147483655" r:id="rId7"/>
-    <p:sldLayoutId id="2147483656" r:id="rId8"/>
-    <p:sldLayoutId id="2147483657" r:id="rId9"/>
-    <p:sldLayoutId id="2147483658" r:id="rId10"/>
-    <p:sldLayoutId id="2147483659" r:id="rId11"/>
+    <p:sldLayoutId id="2147483661" r:id="rId1"/>
+    <p:sldLayoutId id="2147483662" r:id="rId2"/>
+    <p:sldLayoutId id="2147483663" r:id="rId3"/>
+    <p:sldLayoutId id="2147483664" r:id="rId4"/>
+    <p:sldLayoutId id="2147483665" r:id="rId5"/>
+    <p:sldLayoutId id="2147483666" r:id="rId6"/>
+    <p:sldLayoutId id="2147483667" r:id="rId7"/>
+    <p:sldLayoutId id="2147483668" r:id="rId8"/>
+    <p:sldLayoutId id="2147483669" r:id="rId9"/>
+    <p:sldLayoutId id="2147483670" r:id="rId10"/>
+    <p:sldLayoutId id="2147483671" r:id="rId11"/>
+    <p:sldLayoutId id="2147483672" r:id="rId12"/>
+    <p:sldLayoutId id="2147483673" r:id="rId13"/>
+    <p:sldLayoutId id="2147483674" r:id="rId14"/>
+    <p:sldLayoutId id="2147483675" r:id="rId15"/>
+    <p:sldLayoutId id="2147483676" r:id="rId16"/>
+    <p:sldLayoutId id="2147483677" r:id="rId17"/>
   </p:sldLayoutIdLst>
   <p:txStyles>
     <p:titleStyle>
-      <a:lvl1pPr algn="ctr" defTabSz="457200" rtl="0" eaLnBrk="1" latinLnBrk="0" hangingPunct="1">
+      <a:lvl1pPr algn="l" defTabSz="914400" rtl="0" eaLnBrk="1" latinLnBrk="0" hangingPunct="1">
+        <a:lnSpc>
+          <a:spcPct val="90000"/>
+        </a:lnSpc>
         <a:spcBef>
           <a:spcPct val="0"/>
         </a:spcBef>
         <a:buNone/>
-        <a:defRPr sz="4400" kern="1200">
+        <a:defRPr sz="3600" kern="1200">
           <a:solidFill>
             <a:schemeClr val="tx1"/>
           </a:solidFill>
@@ -2868,41 +7725,14 @@
       </a:lvl1pPr>
     </p:titleStyle>
     <p:bodyStyle>
-      <a:lvl1pPr marL="342900" indent="-342900" algn="l" defTabSz="457200" rtl="0" eaLnBrk="1" latinLnBrk="0" hangingPunct="1">
+      <a:lvl1pPr marL="228600" indent="-228600" algn="l" defTabSz="914400" rtl="0" eaLnBrk="1" latinLnBrk="0" hangingPunct="1">
+        <a:lnSpc>
+          <a:spcPct val="90000"/>
+        </a:lnSpc>
         <a:spcBef>
-          <a:spcPct val="20000"/>
+          <a:spcPts val="1000"/>
         </a:spcBef>
-        <a:buFont typeface="Arial"/>
-        <a:buChar char="•"/>
-        <a:defRPr sz="3200" kern="1200">
-          <a:solidFill>
-            <a:schemeClr val="tx1"/>
-          </a:solidFill>
-          <a:latin typeface="+mn-lt"/>
-          <a:ea typeface="+mn-ea"/>
-          <a:cs typeface="+mn-cs"/>
-        </a:defRPr>
-      </a:lvl1pPr>
-      <a:lvl2pPr marL="742950" indent="-285750" algn="l" defTabSz="457200" rtl="0" eaLnBrk="1" latinLnBrk="0" hangingPunct="1">
-        <a:spcBef>
-          <a:spcPct val="20000"/>
-        </a:spcBef>
-        <a:buFont typeface="Arial"/>
-        <a:buChar char="–"/>
-        <a:defRPr sz="2800" kern="1200">
-          <a:solidFill>
-            <a:schemeClr val="tx1"/>
-          </a:solidFill>
-          <a:latin typeface="+mn-lt"/>
-          <a:ea typeface="+mn-ea"/>
-          <a:cs typeface="+mn-cs"/>
-        </a:defRPr>
-      </a:lvl2pPr>
-      <a:lvl3pPr marL="1143000" indent="-228600" algn="l" defTabSz="457200" rtl="0" eaLnBrk="1" latinLnBrk="0" hangingPunct="1">
-        <a:spcBef>
-          <a:spcPct val="20000"/>
-        </a:spcBef>
-        <a:buFont typeface="Arial"/>
+        <a:buFont typeface="Arial" panose="020B0604020202020204" pitchFamily="34" charset="0"/>
         <a:buChar char="•"/>
         <a:defRPr sz="2400" kern="1200">
           <a:solidFill>
@@ -2912,42 +7742,15 @@
           <a:ea typeface="+mn-ea"/>
           <a:cs typeface="+mn-cs"/>
         </a:defRPr>
-      </a:lvl3pPr>
-      <a:lvl4pPr marL="1600200" indent="-228600" algn="l" defTabSz="457200" rtl="0" eaLnBrk="1" latinLnBrk="0" hangingPunct="1">
+      </a:lvl1pPr>
+      <a:lvl2pPr marL="685800" indent="-228600" algn="l" defTabSz="914400" rtl="0" eaLnBrk="1" latinLnBrk="0" hangingPunct="1">
+        <a:lnSpc>
+          <a:spcPct val="90000"/>
+        </a:lnSpc>
         <a:spcBef>
-          <a:spcPct val="20000"/>
+          <a:spcPts val="500"/>
         </a:spcBef>
-        <a:buFont typeface="Arial"/>
-        <a:buChar char="–"/>
-        <a:defRPr sz="2000" kern="1200">
-          <a:solidFill>
-            <a:schemeClr val="tx1"/>
-          </a:solidFill>
-          <a:latin typeface="+mn-lt"/>
-          <a:ea typeface="+mn-ea"/>
-          <a:cs typeface="+mn-cs"/>
-        </a:defRPr>
-      </a:lvl4pPr>
-      <a:lvl5pPr marL="2057400" indent="-228600" algn="l" defTabSz="457200" rtl="0" eaLnBrk="1" latinLnBrk="0" hangingPunct="1">
-        <a:spcBef>
-          <a:spcPct val="20000"/>
-        </a:spcBef>
-        <a:buFont typeface="Arial"/>
-        <a:buChar char="»"/>
-        <a:defRPr sz="2000" kern="1200">
-          <a:solidFill>
-            <a:schemeClr val="tx1"/>
-          </a:solidFill>
-          <a:latin typeface="+mn-lt"/>
-          <a:ea typeface="+mn-ea"/>
-          <a:cs typeface="+mn-cs"/>
-        </a:defRPr>
-      </a:lvl5pPr>
-      <a:lvl6pPr marL="2514600" indent="-228600" algn="l" defTabSz="457200" rtl="0" eaLnBrk="1" latinLnBrk="0" hangingPunct="1">
-        <a:spcBef>
-          <a:spcPct val="20000"/>
-        </a:spcBef>
-        <a:buFont typeface="Arial"/>
+        <a:buFont typeface="Arial" panose="020B0604020202020204" pitchFamily="34" charset="0"/>
         <a:buChar char="•"/>
         <a:defRPr sz="2000" kern="1200">
           <a:solidFill>
@@ -2957,14 +7760,89 @@
           <a:ea typeface="+mn-ea"/>
           <a:cs typeface="+mn-cs"/>
         </a:defRPr>
+      </a:lvl2pPr>
+      <a:lvl3pPr marL="1143000" indent="-228600" algn="l" defTabSz="914400" rtl="0" eaLnBrk="1" latinLnBrk="0" hangingPunct="1">
+        <a:lnSpc>
+          <a:spcPct val="90000"/>
+        </a:lnSpc>
+        <a:spcBef>
+          <a:spcPts val="500"/>
+        </a:spcBef>
+        <a:buFont typeface="Arial" panose="020B0604020202020204" pitchFamily="34" charset="0"/>
+        <a:buChar char="•"/>
+        <a:defRPr sz="1800" kern="1200">
+          <a:solidFill>
+            <a:schemeClr val="tx1"/>
+          </a:solidFill>
+          <a:latin typeface="+mn-lt"/>
+          <a:ea typeface="+mn-ea"/>
+          <a:cs typeface="+mn-cs"/>
+        </a:defRPr>
+      </a:lvl3pPr>
+      <a:lvl4pPr marL="1600200" indent="-228600" algn="l" defTabSz="914400" rtl="0" eaLnBrk="1" latinLnBrk="0" hangingPunct="1">
+        <a:lnSpc>
+          <a:spcPct val="90000"/>
+        </a:lnSpc>
+        <a:spcBef>
+          <a:spcPts val="500"/>
+        </a:spcBef>
+        <a:buFont typeface="Arial" panose="020B0604020202020204" pitchFamily="34" charset="0"/>
+        <a:buChar char="•"/>
+        <a:defRPr sz="1600" kern="1200">
+          <a:solidFill>
+            <a:schemeClr val="tx1"/>
+          </a:solidFill>
+          <a:latin typeface="+mn-lt"/>
+          <a:ea typeface="+mn-ea"/>
+          <a:cs typeface="+mn-cs"/>
+        </a:defRPr>
+      </a:lvl4pPr>
+      <a:lvl5pPr marL="2057400" indent="-228600" algn="l" defTabSz="914400" rtl="0" eaLnBrk="1" latinLnBrk="0" hangingPunct="1">
+        <a:lnSpc>
+          <a:spcPct val="90000"/>
+        </a:lnSpc>
+        <a:spcBef>
+          <a:spcPts val="500"/>
+        </a:spcBef>
+        <a:buFont typeface="Arial" panose="020B0604020202020204" pitchFamily="34" charset="0"/>
+        <a:buChar char="•"/>
+        <a:defRPr sz="1600" kern="1200">
+          <a:solidFill>
+            <a:schemeClr val="tx1"/>
+          </a:solidFill>
+          <a:latin typeface="+mn-lt"/>
+          <a:ea typeface="+mn-ea"/>
+          <a:cs typeface="+mn-cs"/>
+        </a:defRPr>
+      </a:lvl5pPr>
+      <a:lvl6pPr marL="2514600" indent="-228600" algn="l" defTabSz="914400" rtl="0" eaLnBrk="1" latinLnBrk="0" hangingPunct="1">
+        <a:lnSpc>
+          <a:spcPct val="90000"/>
+        </a:lnSpc>
+        <a:spcBef>
+          <a:spcPts val="500"/>
+        </a:spcBef>
+        <a:buFont typeface="Arial" panose="020B0604020202020204" pitchFamily="34" charset="0"/>
+        <a:buChar char="•"/>
+        <a:defRPr sz="1400" kern="1200">
+          <a:solidFill>
+            <a:schemeClr val="tx1"/>
+          </a:solidFill>
+          <a:latin typeface="+mn-lt"/>
+          <a:ea typeface="+mn-ea"/>
+          <a:cs typeface="+mn-cs"/>
+        </a:defRPr>
       </a:lvl6pPr>
-      <a:lvl7pPr marL="2971800" indent="-228600" algn="l" defTabSz="457200" rtl="0" eaLnBrk="1" latinLnBrk="0" hangingPunct="1">
+      <a:lvl7pPr marL="2971800" indent="-228600" algn="l" defTabSz="914400" rtl="0" eaLnBrk="1" latinLnBrk="0" hangingPunct="1">
+        <a:lnSpc>
+          <a:spcPct val="90000"/>
+        </a:lnSpc>
         <a:spcBef>
-          <a:spcPct val="20000"/>
+          <a:spcPts val="500"/>
         </a:spcBef>
-        <a:buFont typeface="Arial"/>
+        <a:buFont typeface="Arial" panose="020B0604020202020204" pitchFamily="34" charset="0"/>
         <a:buChar char="•"/>
-        <a:defRPr sz="2000" kern="1200">
+        <a:defRPr sz="1400" kern="1200">
           <a:solidFill>
             <a:schemeClr val="tx1"/>
           </a:solidFill>
@@ -2973,13 +7851,16 @@
           <a:cs typeface="+mn-cs"/>
         </a:defRPr>
       </a:lvl7pPr>
-      <a:lvl8pPr marL="3429000" indent="-228600" algn="l" defTabSz="457200" rtl="0" eaLnBrk="1" latinLnBrk="0" hangingPunct="1">
+      <a:lvl8pPr marL="3429000" indent="-228600" algn="l" defTabSz="914400" rtl="0" eaLnBrk="1" latinLnBrk="0" hangingPunct="1">
+        <a:lnSpc>
+          <a:spcPct val="90000"/>
+        </a:lnSpc>
         <a:spcBef>
-          <a:spcPct val="20000"/>
+          <a:spcPts val="500"/>
         </a:spcBef>
-        <a:buFont typeface="Arial"/>
+        <a:buFont typeface="Arial" panose="020B0604020202020204" pitchFamily="34" charset="0"/>
         <a:buChar char="•"/>
-        <a:defRPr sz="2000" kern="1200">
+        <a:defRPr sz="1400" kern="1200">
           <a:solidFill>
             <a:schemeClr val="tx1"/>
           </a:solidFill>
@@ -2988,13 +7869,16 @@
           <a:cs typeface="+mn-cs"/>
         </a:defRPr>
       </a:lvl8pPr>
-      <a:lvl9pPr marL="3886200" indent="-228600" algn="l" defTabSz="457200" rtl="0" eaLnBrk="1" latinLnBrk="0" hangingPunct="1">
+      <a:lvl9pPr marL="3886200" indent="-228600" algn="l" defTabSz="914400" rtl="0" eaLnBrk="1" latinLnBrk="0" hangingPunct="1">
+        <a:lnSpc>
+          <a:spcPct val="90000"/>
+        </a:lnSpc>
         <a:spcBef>
-          <a:spcPct val="20000"/>
+          <a:spcPts val="500"/>
         </a:spcBef>
-        <a:buFont typeface="Arial"/>
+        <a:buFont typeface="Arial" panose="020B0604020202020204" pitchFamily="34" charset="0"/>
         <a:buChar char="•"/>
-        <a:defRPr sz="2000" kern="1200">
+        <a:defRPr sz="1400" kern="1200">
           <a:solidFill>
             <a:schemeClr val="tx1"/>
           </a:solidFill>
@@ -3006,9 +7890,9 @@
     </p:bodyStyle>
     <p:otherStyle>
       <a:defPPr>
-        <a:defRPr lang="de-DE"/>
+        <a:defRPr lang="en-US"/>
       </a:defPPr>
-      <a:lvl1pPr marL="0" algn="l" defTabSz="457200" rtl="0" eaLnBrk="1" latinLnBrk="0" hangingPunct="1">
+      <a:lvl1pPr marL="0" algn="l" defTabSz="914400" rtl="0" eaLnBrk="1" latinLnBrk="0" hangingPunct="1">
         <a:defRPr sz="1800" kern="1200">
           <a:solidFill>
             <a:schemeClr val="tx1"/>
@@ -3018,7 +7902,7 @@
           <a:cs typeface="+mn-cs"/>
         </a:defRPr>
       </a:lvl1pPr>
-      <a:lvl2pPr marL="457200" algn="l" defTabSz="457200" rtl="0" eaLnBrk="1" latinLnBrk="0" hangingPunct="1">
+      <a:lvl2pPr marL="457200" algn="l" defTabSz="914400" rtl="0" eaLnBrk="1" latinLnBrk="0" hangingPunct="1">
         <a:defRPr sz="1800" kern="1200">
           <a:solidFill>
             <a:schemeClr val="tx1"/>
@@ -3028,7 +7912,7 @@
           <a:cs typeface="+mn-cs"/>
         </a:defRPr>
       </a:lvl2pPr>
-      <a:lvl3pPr marL="914400" algn="l" defTabSz="457200" rtl="0" eaLnBrk="1" latinLnBrk="0" hangingPunct="1">
+      <a:lvl3pPr marL="914400" algn="l" defTabSz="914400" rtl="0" eaLnBrk="1" latinLnBrk="0" hangingPunct="1">
         <a:defRPr sz="1800" kern="1200">
           <a:solidFill>
             <a:schemeClr val="tx1"/>
@@ -3038,7 +7922,7 @@
           <a:cs typeface="+mn-cs"/>
         </a:defRPr>
       </a:lvl3pPr>
-      <a:lvl4pPr marL="1371600" algn="l" defTabSz="457200" rtl="0" eaLnBrk="1" latinLnBrk="0" hangingPunct="1">
+      <a:lvl4pPr marL="1371600" algn="l" defTabSz="914400" rtl="0" eaLnBrk="1" latinLnBrk="0" hangingPunct="1">
         <a:defRPr sz="1800" kern="1200">
           <a:solidFill>
             <a:schemeClr val="tx1"/>
@@ -3048,7 +7932,7 @@
           <a:cs typeface="+mn-cs"/>
         </a:defRPr>
       </a:lvl4pPr>
-      <a:lvl5pPr marL="1828800" algn="l" defTabSz="457200" rtl="0" eaLnBrk="1" latinLnBrk="0" hangingPunct="1">
+      <a:lvl5pPr marL="1828800" algn="l" defTabSz="914400" rtl="0" eaLnBrk="1" latinLnBrk="0" hangingPunct="1">
         <a:defRPr sz="1800" kern="1200">
           <a:solidFill>
             <a:schemeClr val="tx1"/>
@@ -3058,7 +7942,7 @@
           <a:cs typeface="+mn-cs"/>
         </a:defRPr>
       </a:lvl5pPr>
-      <a:lvl6pPr marL="2286000" algn="l" defTabSz="457200" rtl="0" eaLnBrk="1" latinLnBrk="0" hangingPunct="1">
+      <a:lvl6pPr marL="2286000" algn="l" defTabSz="914400" rtl="0" eaLnBrk="1" latinLnBrk="0" hangingPunct="1">
         <a:defRPr sz="1800" kern="1200">
           <a:solidFill>
             <a:schemeClr val="tx1"/>
@@ -3068,7 +7952,7 @@
           <a:cs typeface="+mn-cs"/>
         </a:defRPr>
       </a:lvl6pPr>
-      <a:lvl7pPr marL="2743200" algn="l" defTabSz="457200" rtl="0" eaLnBrk="1" latinLnBrk="0" hangingPunct="1">
+      <a:lvl7pPr marL="2743200" algn="l" defTabSz="914400" rtl="0" eaLnBrk="1" latinLnBrk="0" hangingPunct="1">
         <a:defRPr sz="1800" kern="1200">
           <a:solidFill>
             <a:schemeClr val="tx1"/>
@@ -3078,7 +7962,7 @@
           <a:cs typeface="+mn-cs"/>
         </a:defRPr>
       </a:lvl7pPr>
-      <a:lvl8pPr marL="3200400" algn="l" defTabSz="457200" rtl="0" eaLnBrk="1" latinLnBrk="0" hangingPunct="1">
+      <a:lvl8pPr marL="3200400" algn="l" defTabSz="914400" rtl="0" eaLnBrk="1" latinLnBrk="0" hangingPunct="1">
         <a:defRPr sz="1800" kern="1200">
           <a:solidFill>
             <a:schemeClr val="tx1"/>
@@ -3088,7 +7972,7 @@
           <a:cs typeface="+mn-cs"/>
         </a:defRPr>
       </a:lvl8pPr>
-      <a:lvl9pPr marL="3657600" algn="l" defTabSz="457200" rtl="0" eaLnBrk="1" latinLnBrk="0" hangingPunct="1">
+      <a:lvl9pPr marL="3657600" algn="l" defTabSz="914400" rtl="0" eaLnBrk="1" latinLnBrk="0" hangingPunct="1">
         <a:defRPr sz="1800" kern="1200">
           <a:solidFill>
             <a:schemeClr val="tx1"/>
@@ -3225,14 +8109,14 @@
             <p:ph idx="1"/>
             <p:extLst>
               <p:ext uri="{D42A27DB-BD31-4B8C-83A1-F6EECF244321}">
-                <p14:modId xmlns:p14="http://schemas.microsoft.com/office/powerpoint/2010/main" val="961451102"/>
+                <p14:modId xmlns:p14="http://schemas.microsoft.com/office/powerpoint/2010/main" val="4117846006"/>
               </p:ext>
             </p:extLst>
           </p:nvPr>
         </p:nvGraphicFramePr>
         <p:xfrm>
-          <a:off x="457200" y="1600200"/>
-          <a:ext cx="8229600" cy="2296160"/>
+          <a:off x="533400" y="2336800"/>
+          <a:ext cx="6888162" cy="2296160"/>
         </p:xfrm>
         <a:graphic>
           <a:graphicData uri="http://schemas.openxmlformats.org/drawingml/2006/table">
@@ -3241,8 +8125,20 @@
                 <a:tableStyleId>{9D7B26C5-4107-4FEC-AEDC-1716B250A1EF}</a:tableStyleId>
               </a:tblPr>
               <a:tblGrid>
-                <a:gridCol w="4114800"/>
-                <a:gridCol w="4114800"/>
+                <a:gridCol w="3156005">
+                  <a:extLst>
+                    <a:ext uri="{9D8B030D-6E8A-4147-A177-3AD203B41FA5}">
+                      <a16:colId xmlns:a16="http://schemas.microsoft.com/office/drawing/2014/main" val="20000"/>
+                    </a:ext>
+                  </a:extLst>
+                </a:gridCol>
+                <a:gridCol w="3732157">
+                  <a:extLst>
+                    <a:ext uri="{9D8B030D-6E8A-4147-A177-3AD203B41FA5}">
+                      <a16:colId xmlns:a16="http://schemas.microsoft.com/office/drawing/2014/main" val="20001"/>
+                    </a:ext>
+                  </a:extLst>
+                </a:gridCol>
               </a:tblGrid>
               <a:tr h="370840">
                 <a:tc>
@@ -3257,7 +8153,7 @@
                       <a:endParaRPr lang="en-US" dirty="0"/>
                     </a:p>
                   </a:txBody>
-                  <a:tcPr/>
+                  <a:tcPr marL="76535" marR="76535"/>
                 </a:tc>
                 <a:tc>
                   <a:txBody>
@@ -3271,8 +8167,13 @@
                       <a:endParaRPr lang="en-US" dirty="0"/>
                     </a:p>
                   </a:txBody>
-                  <a:tcPr/>
+                  <a:tcPr marL="76535" marR="76535"/>
                 </a:tc>
+                <a:extLst>
+                  <a:ext uri="{0D108BD9-81ED-4DB2-BD59-A6C34878D82A}">
+                    <a16:rowId xmlns:a16="http://schemas.microsoft.com/office/drawing/2014/main" val="10000"/>
+                  </a:ext>
+                </a:extLst>
               </a:tr>
               <a:tr h="370840">
                 <a:tc>
@@ -3286,16 +8187,12 @@
                       </a:r>
                       <a:r>
                         <a:rPr lang="en-US" dirty="0" smtClean="0"/>
-                        <a:t> der </a:t>
-                      </a:r>
-                      <a:r>
-                        <a:rPr lang="en-US" dirty="0" smtClean="0"/>
-                        <a:t>Software/App</a:t>
+                        <a:t> der Software/App</a:t>
                       </a:r>
                       <a:endParaRPr lang="en-US" dirty="0"/>
                     </a:p>
                   </a:txBody>
-                  <a:tcPr/>
+                  <a:tcPr marL="76535" marR="76535"/>
                 </a:tc>
                 <a:tc>
                   <a:txBody>
@@ -3311,11 +8208,7 @@
                       <a:pPr lvl="1"/>
                       <a:r>
                         <a:rPr lang="de-DE" dirty="0" smtClean="0"/>
-                        <a:t>Nach Anzahl </a:t>
-                      </a:r>
-                      <a:r>
-                        <a:rPr lang="de-DE" dirty="0" smtClean="0"/>
-                        <a:t>Mitglieder</a:t>
+                        <a:t>Nach Anzahl Mitglieder</a:t>
                       </a:r>
                       <a:r>
                         <a:rPr lang="de-DE" baseline="0" dirty="0" smtClean="0"/>
@@ -3334,17 +8227,18 @@
                       </a:r>
                       <a:r>
                         <a:rPr lang="de-DE" dirty="0" smtClean="0"/>
-                        <a:t> </a:t>
-                      </a:r>
-                      <a:r>
-                        <a:rPr lang="de-DE" dirty="0" smtClean="0"/>
-                        <a:t>Fitnesscenter</a:t>
+                        <a:t> Fitnesscenter</a:t>
                       </a:r>
                       <a:endParaRPr lang="en-US" dirty="0"/>
                     </a:p>
                   </a:txBody>
-                  <a:tcPr/>
+                  <a:tcPr marL="76535" marR="76535"/>
                 </a:tc>
+                <a:extLst>
+                  <a:ext uri="{0D108BD9-81ED-4DB2-BD59-A6C34878D82A}">
+                    <a16:rowId xmlns:a16="http://schemas.microsoft.com/office/drawing/2014/main" val="10001"/>
+                  </a:ext>
+                </a:extLst>
               </a:tr>
               <a:tr h="370840">
                 <a:tc>
@@ -3359,7 +8253,7 @@
                       <a:endParaRPr lang="en-US" dirty="0"/>
                     </a:p>
                   </a:txBody>
-                  <a:tcPr/>
+                  <a:tcPr marL="76535" marR="76535"/>
                 </a:tc>
                 <a:tc>
                   <a:txBody>
@@ -3389,8 +8283,13 @@
                       </a:r>
                     </a:p>
                   </a:txBody>
-                  <a:tcPr/>
+                  <a:tcPr marL="76535" marR="76535"/>
                 </a:tc>
+                <a:extLst>
+                  <a:ext uri="{0D108BD9-81ED-4DB2-BD59-A6C34878D82A}">
+                    <a16:rowId xmlns:a16="http://schemas.microsoft.com/office/drawing/2014/main" val="10002"/>
+                  </a:ext>
+                </a:extLst>
               </a:tr>
               <a:tr h="370840">
                 <a:tc>
@@ -3405,7 +8304,7 @@
                       <a:endParaRPr lang="en-US" dirty="0"/>
                     </a:p>
                   </a:txBody>
-                  <a:tcPr/>
+                  <a:tcPr marL="76535" marR="76535"/>
                 </a:tc>
                 <a:tc>
                   <a:txBody>
@@ -3429,8 +8328,13 @@
                       </a:r>
                     </a:p>
                   </a:txBody>
-                  <a:tcPr/>
+                  <a:tcPr marL="76535" marR="76535"/>
                 </a:tc>
+                <a:extLst>
+                  <a:ext uri="{0D108BD9-81ED-4DB2-BD59-A6C34878D82A}">
+                    <a16:rowId xmlns:a16="http://schemas.microsoft.com/office/drawing/2014/main" val="10003"/>
+                  </a:ext>
+                </a:extLst>
               </a:tr>
             </a:tbl>
           </a:graphicData>
@@ -3479,7 +8383,7 @@
         <p:spPr/>
         <p:txBody>
           <a:bodyPr>
-            <a:normAutofit fontScale="90000"/>
+            <a:normAutofit/>
           </a:bodyPr>
           <a:lstStyle/>
           <a:p>
@@ -3633,7 +8537,7 @@
         <p:spPr/>
         <p:txBody>
           <a:bodyPr>
-            <a:normAutofit lnSpcReduction="10000"/>
+            <a:normAutofit/>
           </a:bodyPr>
           <a:lstStyle/>
           <a:p>
@@ -3870,14 +8774,14 @@
             <p:ph idx="1"/>
             <p:extLst>
               <p:ext uri="{D42A27DB-BD31-4B8C-83A1-F6EECF244321}">
-                <p14:modId xmlns:p14="http://schemas.microsoft.com/office/powerpoint/2010/main" val="1549849223"/>
+                <p14:modId xmlns:p14="http://schemas.microsoft.com/office/powerpoint/2010/main" val="2641221185"/>
               </p:ext>
             </p:extLst>
           </p:nvPr>
         </p:nvGraphicFramePr>
         <p:xfrm>
-          <a:off x="457200" y="1600200"/>
-          <a:ext cx="8229600" cy="3708400"/>
+          <a:off x="533400" y="2336800"/>
+          <a:ext cx="6888163" cy="3708400"/>
         </p:xfrm>
         <a:graphic>
           <a:graphicData uri="http://schemas.openxmlformats.org/drawingml/2006/table">
@@ -3886,17 +8790,17 @@
                 <a:tableStyleId>{9D7B26C5-4107-4FEC-AEDC-1716B250A1EF}</a:tableStyleId>
               </a:tblPr>
               <a:tblGrid>
-                <a:gridCol w="2262717">
+                <a:gridCol w="2162092">
                   <a:extLst>
                     <a:ext uri="{9D8B030D-6E8A-4147-A177-3AD203B41FA5}">
-                      <a16:colId xmlns:a16="http://schemas.microsoft.com/office/drawing/2014/main" xmlns="" val="20000"/>
+                      <a16:colId xmlns:a16="http://schemas.microsoft.com/office/drawing/2014/main" val="20000"/>
                     </a:ext>
                   </a:extLst>
                 </a:gridCol>
-                <a:gridCol w="5966883">
+                <a:gridCol w="4726071">
                   <a:extLst>
                     <a:ext uri="{9D8B030D-6E8A-4147-A177-3AD203B41FA5}">
-                      <a16:colId xmlns:a16="http://schemas.microsoft.com/office/drawing/2014/main" xmlns="" val="20001"/>
+                      <a16:colId xmlns:a16="http://schemas.microsoft.com/office/drawing/2014/main" val="20001"/>
                     </a:ext>
                   </a:extLst>
                 </a:gridCol>
@@ -3914,7 +8818,7 @@
                       <a:endParaRPr lang="de-DE" dirty="0"/>
                     </a:p>
                   </a:txBody>
-                  <a:tcPr/>
+                  <a:tcPr marL="76535" marR="76535"/>
                 </a:tc>
                 <a:tc>
                   <a:txBody>
@@ -3928,11 +8832,11 @@
                       <a:endParaRPr lang="de-DE" dirty="0"/>
                     </a:p>
                   </a:txBody>
-                  <a:tcPr/>
+                  <a:tcPr marL="76535" marR="76535"/>
                 </a:tc>
                 <a:extLst>
                   <a:ext uri="{0D108BD9-81ED-4DB2-BD59-A6C34878D82A}">
-                    <a16:rowId xmlns:a16="http://schemas.microsoft.com/office/drawing/2014/main" xmlns="" val="10000"/>
+                    <a16:rowId xmlns:a16="http://schemas.microsoft.com/office/drawing/2014/main" val="10000"/>
                   </a:ext>
                 </a:extLst>
               </a:tr>
@@ -3949,7 +8853,7 @@
                       <a:endParaRPr lang="de-DE" dirty="0"/>
                     </a:p>
                   </a:txBody>
-                  <a:tcPr/>
+                  <a:tcPr marL="76535" marR="76535"/>
                 </a:tc>
                 <a:tc>
                   <a:txBody>
@@ -3963,11 +8867,11 @@
                       <a:endParaRPr lang="de-DE" dirty="0"/>
                     </a:p>
                   </a:txBody>
-                  <a:tcPr/>
+                  <a:tcPr marL="76535" marR="76535"/>
                 </a:tc>
                 <a:extLst>
                   <a:ext uri="{0D108BD9-81ED-4DB2-BD59-A6C34878D82A}">
-                    <a16:rowId xmlns:a16="http://schemas.microsoft.com/office/drawing/2014/main" xmlns="" val="10001"/>
+                    <a16:rowId xmlns:a16="http://schemas.microsoft.com/office/drawing/2014/main" val="10001"/>
                   </a:ext>
                 </a:extLst>
               </a:tr>
@@ -3984,7 +8888,7 @@
                       <a:endParaRPr lang="de-DE" dirty="0"/>
                     </a:p>
                   </a:txBody>
-                  <a:tcPr/>
+                  <a:tcPr marL="76535" marR="76535"/>
                 </a:tc>
                 <a:tc>
                   <a:txBody>
@@ -3998,11 +8902,11 @@
                       <a:endParaRPr lang="de-DE" dirty="0"/>
                     </a:p>
                   </a:txBody>
-                  <a:tcPr/>
+                  <a:tcPr marL="76535" marR="76535"/>
                 </a:tc>
                 <a:extLst>
                   <a:ext uri="{0D108BD9-81ED-4DB2-BD59-A6C34878D82A}">
-                    <a16:rowId xmlns:a16="http://schemas.microsoft.com/office/drawing/2014/main" xmlns="" val="10002"/>
+                    <a16:rowId xmlns:a16="http://schemas.microsoft.com/office/drawing/2014/main" val="10002"/>
                   </a:ext>
                 </a:extLst>
               </a:tr>
@@ -4019,7 +8923,7 @@
                       <a:endParaRPr lang="de-DE" dirty="0"/>
                     </a:p>
                   </a:txBody>
-                  <a:tcPr/>
+                  <a:tcPr marL="76535" marR="76535"/>
                 </a:tc>
                 <a:tc>
                   <a:txBody>
@@ -4057,11 +8961,11 @@
                       </a:r>
                     </a:p>
                   </a:txBody>
-                  <a:tcPr/>
+                  <a:tcPr marL="76535" marR="76535"/>
                 </a:tc>
                 <a:extLst>
                   <a:ext uri="{0D108BD9-81ED-4DB2-BD59-A6C34878D82A}">
-                    <a16:rowId xmlns:a16="http://schemas.microsoft.com/office/drawing/2014/main" xmlns="" val="10003"/>
+                    <a16:rowId xmlns:a16="http://schemas.microsoft.com/office/drawing/2014/main" val="10003"/>
                   </a:ext>
                 </a:extLst>
               </a:tr>
@@ -4078,7 +8982,7 @@
                       <a:endParaRPr lang="de-DE" dirty="0"/>
                     </a:p>
                   </a:txBody>
-                  <a:tcPr/>
+                  <a:tcPr marL="76535" marR="76535"/>
                 </a:tc>
                 <a:tc>
                   <a:txBody>
@@ -4092,11 +8996,11 @@
                       <a:endParaRPr lang="de-DE" dirty="0"/>
                     </a:p>
                   </a:txBody>
-                  <a:tcPr/>
+                  <a:tcPr marL="76535" marR="76535"/>
                 </a:tc>
                 <a:extLst>
                   <a:ext uri="{0D108BD9-81ED-4DB2-BD59-A6C34878D82A}">
-                    <a16:rowId xmlns:a16="http://schemas.microsoft.com/office/drawing/2014/main" xmlns="" val="10004"/>
+                    <a16:rowId xmlns:a16="http://schemas.microsoft.com/office/drawing/2014/main" val="10004"/>
                   </a:ext>
                 </a:extLst>
               </a:tr>
@@ -4113,7 +9017,7 @@
                       <a:endParaRPr lang="de-DE" dirty="0"/>
                     </a:p>
                   </a:txBody>
-                  <a:tcPr/>
+                  <a:tcPr marL="76535" marR="76535"/>
                 </a:tc>
                 <a:tc>
                   <a:txBody>
@@ -4131,11 +9035,11 @@
                       <a:endParaRPr lang="de-DE" dirty="0"/>
                     </a:p>
                   </a:txBody>
-                  <a:tcPr/>
+                  <a:tcPr marL="76535" marR="76535"/>
                 </a:tc>
                 <a:extLst>
                   <a:ext uri="{0D108BD9-81ED-4DB2-BD59-A6C34878D82A}">
-                    <a16:rowId xmlns:a16="http://schemas.microsoft.com/office/drawing/2014/main" xmlns="" val="10005"/>
+                    <a16:rowId xmlns:a16="http://schemas.microsoft.com/office/drawing/2014/main" val="10005"/>
                   </a:ext>
                 </a:extLst>
               </a:tr>
@@ -4152,7 +9056,7 @@
                       <a:endParaRPr lang="de-DE" dirty="0"/>
                     </a:p>
                   </a:txBody>
-                  <a:tcPr/>
+                  <a:tcPr marL="76535" marR="76535"/>
                 </a:tc>
                 <a:tc>
                   <a:txBody>
@@ -4174,11 +9078,11 @@
                       <a:endParaRPr lang="de-DE" dirty="0"/>
                     </a:p>
                   </a:txBody>
-                  <a:tcPr/>
+                  <a:tcPr marL="76535" marR="76535"/>
                 </a:tc>
                 <a:extLst>
                   <a:ext uri="{0D108BD9-81ED-4DB2-BD59-A6C34878D82A}">
-                    <a16:rowId xmlns:a16="http://schemas.microsoft.com/office/drawing/2014/main" xmlns="" val="10006"/>
+                    <a16:rowId xmlns:a16="http://schemas.microsoft.com/office/drawing/2014/main" val="10006"/>
                   </a:ext>
                 </a:extLst>
               </a:tr>
@@ -4195,7 +9099,7 @@
                       <a:endParaRPr lang="de-DE" dirty="0"/>
                     </a:p>
                   </a:txBody>
-                  <a:tcPr/>
+                  <a:tcPr marL="76535" marR="76535"/>
                 </a:tc>
                 <a:tc>
                   <a:txBody>
@@ -4209,11 +9113,11 @@
                       <a:endParaRPr lang="de-DE" dirty="0"/>
                     </a:p>
                   </a:txBody>
-                  <a:tcPr/>
+                  <a:tcPr marL="76535" marR="76535"/>
                 </a:tc>
                 <a:extLst>
                   <a:ext uri="{0D108BD9-81ED-4DB2-BD59-A6C34878D82A}">
-                    <a16:rowId xmlns:a16="http://schemas.microsoft.com/office/drawing/2014/main" xmlns="" val="10007"/>
+                    <a16:rowId xmlns:a16="http://schemas.microsoft.com/office/drawing/2014/main" val="10007"/>
                   </a:ext>
                 </a:extLst>
               </a:tr>
@@ -4230,7 +9134,7 @@
                       <a:endParaRPr lang="de-DE" dirty="0"/>
                     </a:p>
                   </a:txBody>
-                  <a:tcPr/>
+                  <a:tcPr marL="76535" marR="76535"/>
                 </a:tc>
                 <a:tc>
                   <a:txBody>
@@ -4248,11 +9152,11 @@
                       <a:endParaRPr lang="de-DE" dirty="0"/>
                     </a:p>
                   </a:txBody>
-                  <a:tcPr/>
+                  <a:tcPr marL="76535" marR="76535"/>
                 </a:tc>
                 <a:extLst>
                   <a:ext uri="{0D108BD9-81ED-4DB2-BD59-A6C34878D82A}">
-                    <a16:rowId xmlns:a16="http://schemas.microsoft.com/office/drawing/2014/main" xmlns="" val="10008"/>
+                    <a16:rowId xmlns:a16="http://schemas.microsoft.com/office/drawing/2014/main" val="10008"/>
                   </a:ext>
                 </a:extLst>
               </a:tr>
@@ -4269,7 +9173,7 @@
                       <a:endParaRPr lang="de-DE" dirty="0"/>
                     </a:p>
                   </a:txBody>
-                  <a:tcPr/>
+                  <a:tcPr marL="76535" marR="76535"/>
                 </a:tc>
                 <a:tc>
                   <a:txBody>
@@ -4283,11 +9187,11 @@
                       <a:endParaRPr lang="de-DE" dirty="0"/>
                     </a:p>
                   </a:txBody>
-                  <a:tcPr/>
+                  <a:tcPr marL="76535" marR="76535"/>
                 </a:tc>
                 <a:extLst>
                   <a:ext uri="{0D108BD9-81ED-4DB2-BD59-A6C34878D82A}">
-                    <a16:rowId xmlns:a16="http://schemas.microsoft.com/office/drawing/2014/main" xmlns="" val="10009"/>
+                    <a16:rowId xmlns:a16="http://schemas.microsoft.com/office/drawing/2014/main" val="10009"/>
                   </a:ext>
                 </a:extLst>
               </a:tr>
@@ -4357,7 +9261,7 @@
       </p:sp>
       <p:pic>
         <p:nvPicPr>
-          <p:cNvPr id="8" name="Inhaltsplatzhalter 7" descr="GitFit_concept.png"/>
+          <p:cNvPr id="4" name="Inhaltsplatzhalter 3"/>
           <p:cNvPicPr>
             <a:picLocks noGrp="1" noChangeAspect="1"/>
           </p:cNvPicPr>
@@ -4373,12 +9277,16 @@
               </a:ext>
             </a:extLst>
           </a:blip>
-          <a:srcRect l="-12257" r="-12257"/>
           <a:stretch>
             <a:fillRect/>
           </a:stretch>
         </p:blipFill>
-        <p:spPr/>
+        <p:spPr>
+          <a:xfrm>
+            <a:off x="910107" y="2120335"/>
+            <a:ext cx="6134750" cy="4174912"/>
+          </a:xfrm>
+        </p:spPr>
       </p:pic>
     </p:spTree>
     <p:extLst>
@@ -4442,13 +9350,11 @@
       </p:sp>
       <p:pic>
         <p:nvPicPr>
-          <p:cNvPr id="6" name="Inhaltsplatzhalter 5"/>
+          <p:cNvPr id="3" name="Grafik 2"/>
           <p:cNvPicPr>
-            <a:picLocks noGrp="1" noChangeAspect="1"/>
+            <a:picLocks noChangeAspect="1"/>
           </p:cNvPicPr>
-          <p:nvPr>
-            <p:ph idx="1"/>
-          </p:nvPr>
+          <p:nvPr/>
         </p:nvPicPr>
         <p:blipFill>
           <a:blip r:embed="rId2">
@@ -4464,11 +9370,33 @@
         </p:blipFill>
         <p:spPr>
           <a:xfrm>
-            <a:off x="457200" y="1933729"/>
-            <a:ext cx="8229600" cy="3858904"/>
+            <a:off x="326004" y="2387906"/>
+            <a:ext cx="7458324" cy="3497250"/>
           </a:xfrm>
+          <a:prstGeom prst="rect">
+            <a:avLst/>
+          </a:prstGeom>
         </p:spPr>
       </p:pic>
+      <p:sp>
+        <p:nvSpPr>
+          <p:cNvPr id="4" name="Inhaltsplatzhalter 3"/>
+          <p:cNvSpPr>
+            <a:spLocks noGrp="1"/>
+          </p:cNvSpPr>
+          <p:nvPr>
+            <p:ph idx="1"/>
+          </p:nvPr>
+        </p:nvSpPr>
+        <p:spPr/>
+        <p:txBody>
+          <a:bodyPr/>
+          <a:lstStyle/>
+          <a:p>
+            <a:endParaRPr lang="de-CH" dirty="0"/>
+          </a:p>
+        </p:txBody>
+      </p:sp>
     </p:spTree>
     <p:extLst>
       <p:ext uri="{BB962C8B-B14F-4D97-AF65-F5344CB8AC3E}">
@@ -4641,9 +9569,9 @@
 </file>
 
 <file path=ppt/theme/theme1.xml><?xml version="1.0" encoding="utf-8"?>
-<a:theme xmlns:a="http://schemas.openxmlformats.org/drawingml/2006/main" name="Office-Design">
+<a:theme xmlns:a="http://schemas.openxmlformats.org/drawingml/2006/main" name="Berlin">
   <a:themeElements>
-    <a:clrScheme name="Office">
+    <a:clrScheme name="Berlin">
       <a:dk1>
         <a:sysClr val="windowText" lastClr="000000"/>
       </a:dk1>
@@ -4651,39 +9579,39 @@
         <a:sysClr val="window" lastClr="FFFFFF"/>
       </a:lt1>
       <a:dk2>
-        <a:srgbClr val="1F497D"/>
+        <a:srgbClr val="9D360E"/>
       </a:dk2>
       <a:lt2>
-        <a:srgbClr val="EEECE1"/>
+        <a:srgbClr val="E7E6E6"/>
       </a:lt2>
       <a:accent1>
-        <a:srgbClr val="4F81BD"/>
+        <a:srgbClr val="F09415"/>
       </a:accent1>
       <a:accent2>
-        <a:srgbClr val="C0504D"/>
+        <a:srgbClr val="C1B56B"/>
       </a:accent2>
       <a:accent3>
-        <a:srgbClr val="9BBB59"/>
+        <a:srgbClr val="4BAF73"/>
       </a:accent3>
       <a:accent4>
-        <a:srgbClr val="8064A2"/>
+        <a:srgbClr val="5AA6C0"/>
       </a:accent4>
       <a:accent5>
-        <a:srgbClr val="4BACC6"/>
+        <a:srgbClr val="D17DF9"/>
       </a:accent5>
       <a:accent6>
-        <a:srgbClr val="F79646"/>
+        <a:srgbClr val="FA7E5C"/>
       </a:accent6>
       <a:hlink>
-        <a:srgbClr val="0000FF"/>
+        <a:srgbClr val="FFAE3E"/>
       </a:hlink>
       <a:folHlink>
-        <a:srgbClr val="800080"/>
+        <a:srgbClr val="FCC77E"/>
       </a:folHlink>
     </a:clrScheme>
-    <a:fontScheme name="Office">
+    <a:fontScheme name="Berlin">
       <a:majorFont>
-        <a:latin typeface="Calibri"/>
+        <a:latin typeface="Trebuchet MS" panose="020B0603020202020204"/>
         <a:ea typeface=""/>
         <a:cs typeface=""/>
         <a:font script="Jpan" typeface="ＭＳ Ｐゴシック"/>
@@ -4718,7 +9646,7 @@
         <a:font script="Geor" typeface="Sylfaen"/>
       </a:majorFont>
       <a:minorFont>
-        <a:latin typeface="Calibri"/>
+        <a:latin typeface="Trebuchet MS" panose="020B0603020202020204"/>
         <a:ea typeface=""/>
         <a:cs typeface=""/>
         <a:font script="Jpan" typeface="ＭＳ Ｐゴシック"/>
@@ -4753,7 +9681,7 @@
         <a:font script="Geor" typeface="Sylfaen"/>
       </a:minorFont>
     </a:fontScheme>
-    <a:fmtScheme name="Office">
+    <a:fmtScheme name="Berlin">
       <a:fillStyleLst>
         <a:solidFill>
           <a:schemeClr val="phClr"/>
@@ -4762,62 +9690,62 @@
           <a:gsLst>
             <a:gs pos="0">
               <a:schemeClr val="phClr">
-                <a:tint val="50000"/>
-                <a:satMod val="300000"/>
-              </a:schemeClr>
-            </a:gs>
-            <a:gs pos="35000">
-              <a:schemeClr val="phClr">
-                <a:tint val="37000"/>
-                <a:satMod val="300000"/>
+                <a:tint val="60000"/>
+                <a:satMod val="100000"/>
+                <a:lumMod val="110000"/>
               </a:schemeClr>
             </a:gs>
             <a:gs pos="100000">
               <a:schemeClr val="phClr">
-                <a:tint val="15000"/>
-                <a:satMod val="350000"/>
+                <a:tint val="70000"/>
+                <a:satMod val="100000"/>
+                <a:lumMod val="100000"/>
               </a:schemeClr>
             </a:gs>
           </a:gsLst>
-          <a:lin ang="16200000" scaled="1"/>
+          <a:lin ang="5400000" scaled="0"/>
         </a:gradFill>
         <a:gradFill rotWithShape="1">
           <a:gsLst>
             <a:gs pos="0">
               <a:schemeClr val="phClr">
-                <a:tint val="100000"/>
+                <a:tint val="94000"/>
+                <a:satMod val="103000"/>
+                <a:lumMod val="102000"/>
+              </a:schemeClr>
+            </a:gs>
+            <a:gs pos="50000">
+              <a:schemeClr val="phClr">
                 <a:shade val="100000"/>
-                <a:satMod val="130000"/>
+                <a:satMod val="110000"/>
+                <a:lumMod val="100000"/>
               </a:schemeClr>
             </a:gs>
             <a:gs pos="100000">
               <a:schemeClr val="phClr">
-                <a:tint val="50000"/>
-                <a:shade val="100000"/>
-                <a:satMod val="350000"/>
+                <a:shade val="78000"/>
+                <a:satMod val="120000"/>
+                <a:lumMod val="99000"/>
               </a:schemeClr>
             </a:gs>
           </a:gsLst>
-          <a:lin ang="16200000" scaled="0"/>
+          <a:lin ang="5400000" scaled="0"/>
         </a:gradFill>
       </a:fillStyleLst>
       <a:lnStyleLst>
         <a:ln w="9525" cap="flat" cmpd="sng" algn="ctr">
           <a:solidFill>
-            <a:schemeClr val="phClr">
-              <a:shade val="95000"/>
-              <a:satMod val="105000"/>
-            </a:schemeClr>
+            <a:schemeClr val="phClr"/>
           </a:solidFill>
           <a:prstDash val="solid"/>
         </a:ln>
-        <a:ln w="25400" cap="flat" cmpd="sng" algn="ctr">
+        <a:ln w="12700" cap="flat" cmpd="sng" algn="ctr">
           <a:solidFill>
             <a:schemeClr val="phClr"/>
           </a:solidFill>
           <a:prstDash val="solid"/>
         </a:ln>
-        <a:ln w="38100" cap="flat" cmpd="sng" algn="ctr">
+        <a:ln w="19050" cap="flat" cmpd="sng" algn="ctr">
           <a:solidFill>
             <a:schemeClr val="phClr"/>
           </a:solidFill>
@@ -4826,136 +9754,70 @@
       </a:lnStyleLst>
       <a:effectStyleLst>
         <a:effectStyle>
+          <a:effectLst/>
+        </a:effectStyle>
+        <a:effectStyle>
+          <a:effectLst/>
+        </a:effectStyle>
+        <a:effectStyle>
           <a:effectLst>
-            <a:outerShdw blurRad="40000" dist="20000" dir="5400000" rotWithShape="0">
+            <a:outerShdw blurRad="57150" dist="19050" dir="5400000" algn="ctr" rotWithShape="0">
               <a:srgbClr val="000000">
-                <a:alpha val="38000"/>
+                <a:alpha val="63000"/>
               </a:srgbClr>
             </a:outerShdw>
           </a:effectLst>
-        </a:effectStyle>
-        <a:effectStyle>
-          <a:effectLst>
-            <a:outerShdw blurRad="40000" dist="23000" dir="5400000" rotWithShape="0">
-              <a:srgbClr val="000000">
-                <a:alpha val="35000"/>
-              </a:srgbClr>
-            </a:outerShdw>
-          </a:effectLst>
-        </a:effectStyle>
-        <a:effectStyle>
-          <a:effectLst>
-            <a:outerShdw blurRad="40000" dist="23000" dir="5400000" rotWithShape="0">
-              <a:srgbClr val="000000">
-                <a:alpha val="35000"/>
-              </a:srgbClr>
-            </a:outerShdw>
-          </a:effectLst>
-          <a:scene3d>
-            <a:camera prst="orthographicFront">
-              <a:rot lat="0" lon="0" rev="0"/>
-            </a:camera>
-            <a:lightRig rig="threePt" dir="t">
-              <a:rot lat="0" lon="0" rev="1200000"/>
-            </a:lightRig>
-          </a:scene3d>
-          <a:sp3d>
-            <a:bevelT w="63500" h="25400"/>
-          </a:sp3d>
         </a:effectStyle>
       </a:effectStyleLst>
       <a:bgFillStyleLst>
         <a:solidFill>
           <a:schemeClr val="phClr"/>
         </a:solidFill>
+        <a:solidFill>
+          <a:schemeClr val="phClr">
+            <a:tint val="95000"/>
+            <a:satMod val="170000"/>
+          </a:schemeClr>
+        </a:solidFill>
         <a:gradFill rotWithShape="1">
           <a:gsLst>
             <a:gs pos="0">
               <a:schemeClr val="phClr">
-                <a:tint val="40000"/>
-                <a:satMod val="350000"/>
+                <a:tint val="96000"/>
+                <a:shade val="100000"/>
+                <a:hueMod val="270000"/>
+                <a:satMod val="200000"/>
+                <a:lumMod val="128000"/>
               </a:schemeClr>
             </a:gs>
-            <a:gs pos="40000">
+            <a:gs pos="50000">
               <a:schemeClr val="phClr">
-                <a:tint val="45000"/>
-                <a:shade val="99000"/>
-                <a:satMod val="350000"/>
+                <a:shade val="100000"/>
+                <a:hueMod val="100000"/>
+                <a:satMod val="110000"/>
+                <a:lumMod val="130000"/>
               </a:schemeClr>
             </a:gs>
             <a:gs pos="100000">
               <a:schemeClr val="phClr">
-                <a:shade val="20000"/>
-                <a:satMod val="255000"/>
+                <a:shade val="78000"/>
+                <a:hueMod val="44000"/>
+                <a:satMod val="200000"/>
+                <a:lumMod val="69000"/>
               </a:schemeClr>
             </a:gs>
           </a:gsLst>
-          <a:path path="circle">
-            <a:fillToRect l="50000" t="-80000" r="50000" b="180000"/>
-          </a:path>
-        </a:gradFill>
-        <a:gradFill rotWithShape="1">
-          <a:gsLst>
-            <a:gs pos="0">
-              <a:schemeClr val="phClr">
-                <a:tint val="80000"/>
-                <a:satMod val="300000"/>
-              </a:schemeClr>
-            </a:gs>
-            <a:gs pos="100000">
-              <a:schemeClr val="phClr">
-                <a:shade val="30000"/>
-                <a:satMod val="200000"/>
-              </a:schemeClr>
-            </a:gs>
-          </a:gsLst>
-          <a:path path="circle">
-            <a:fillToRect l="50000" t="50000" r="50000" b="50000"/>
-          </a:path>
+          <a:lin ang="2520000" scaled="0"/>
         </a:gradFill>
       </a:bgFillStyleLst>
     </a:fmtScheme>
   </a:themeElements>
-  <a:objectDefaults>
-    <a:spDef>
-      <a:spPr/>
-      <a:bodyPr/>
-      <a:lstStyle/>
-      <a:style>
-        <a:lnRef idx="1">
-          <a:schemeClr val="accent1"/>
-        </a:lnRef>
-        <a:fillRef idx="3">
-          <a:schemeClr val="accent1"/>
-        </a:fillRef>
-        <a:effectRef idx="2">
-          <a:schemeClr val="accent1"/>
-        </a:effectRef>
-        <a:fontRef idx="minor">
-          <a:schemeClr val="lt1"/>
-        </a:fontRef>
-      </a:style>
-    </a:spDef>
-    <a:lnDef>
-      <a:spPr/>
-      <a:bodyPr/>
-      <a:lstStyle/>
-      <a:style>
-        <a:lnRef idx="2">
-          <a:schemeClr val="accent1"/>
-        </a:lnRef>
-        <a:fillRef idx="0">
-          <a:schemeClr val="accent1"/>
-        </a:fillRef>
-        <a:effectRef idx="1">
-          <a:schemeClr val="accent1"/>
-        </a:effectRef>
-        <a:fontRef idx="minor">
-          <a:schemeClr val="tx1"/>
-        </a:fontRef>
-      </a:style>
-    </a:lnDef>
-  </a:objectDefaults>
+  <a:objectDefaults/>
   <a:extraClrSchemeLst/>
+  <a:extLst>
+    <a:ext uri="{05A4C25C-085E-4340-85A3-A5531E510DB2}">
+      <thm15:themeFamily xmlns:thm15="http://schemas.microsoft.com/office/thememl/2012/main" name="Berlin" id="{7B5DBA9E-B069-418E-9360-A61BDD0615A4}" vid="{C0CBE056-4EF4-4D92-969E-947779DA7AAA}"/>
+    </a:ext>
+  </a:extLst>
 </a:theme>
 </file>
--- a/presentation/BuPl_concept-presentation-GitFit.pptx
+++ b/presentation/BuPl_concept-presentation-GitFit.pptx
@@ -13,8 +13,7 @@
     <p:sldId id="262" r:id="rId7"/>
     <p:sldId id="263" r:id="rId8"/>
     <p:sldId id="260" r:id="rId9"/>
-    <p:sldId id="264" r:id="rId10"/>
-    <p:sldId id="261" r:id="rId11"/>
+    <p:sldId id="261" r:id="rId10"/>
   </p:sldIdLst>
   <p:sldSz cx="9144000" cy="6858000" type="screen4x3"/>
   <p:notesSz cx="6858000" cy="9144000"/>
@@ -411,7 +410,7 @@
           <a:p>
             <a:fld id="{08D9589F-252C-704B-9B79-8E17BF3570A5}" type="datetimeFigureOut">
               <a:rPr lang="de-DE" smtClean="0"/>
-              <a:t>11.10.2016</a:t>
+              <a:t>11.10.16</a:t>
             </a:fld>
             <a:endParaRPr lang="de-DE"/>
           </a:p>
@@ -463,7 +462,7 @@
           <a:p>
             <a:fld id="{696D0DBA-6426-E344-AF92-7958926D7170}" type="slidenum">
               <a:rPr lang="de-DE" smtClean="0"/>
-              <a:t>‹Nr.›</a:t>
+              <a:t>‹#›</a:t>
             </a:fld>
             <a:endParaRPr lang="de-DE"/>
           </a:p>
@@ -843,7 +842,7 @@
           <a:p>
             <a:fld id="{08D9589F-252C-704B-9B79-8E17BF3570A5}" type="datetimeFigureOut">
               <a:rPr lang="de-DE" smtClean="0"/>
-              <a:t>11.10.2016</a:t>
+              <a:t>11.10.16</a:t>
             </a:fld>
             <a:endParaRPr lang="de-DE"/>
           </a:p>
@@ -890,7 +889,7 @@
           <a:p>
             <a:fld id="{696D0DBA-6426-E344-AF92-7958926D7170}" type="slidenum">
               <a:rPr lang="de-DE" smtClean="0"/>
-              <a:t>‹Nr.›</a:t>
+              <a:t>‹#›</a:t>
             </a:fld>
             <a:endParaRPr lang="de-DE"/>
           </a:p>
@@ -1192,7 +1191,7 @@
           <a:p>
             <a:fld id="{08D9589F-252C-704B-9B79-8E17BF3570A5}" type="datetimeFigureOut">
               <a:rPr lang="de-DE" smtClean="0"/>
-              <a:t>11.10.2016</a:t>
+              <a:t>11.10.16</a:t>
             </a:fld>
             <a:endParaRPr lang="de-DE"/>
           </a:p>
@@ -1239,7 +1238,7 @@
           <a:p>
             <a:fld id="{696D0DBA-6426-E344-AF92-7958926D7170}" type="slidenum">
               <a:rPr lang="de-DE" smtClean="0"/>
-              <a:t>‹Nr.›</a:t>
+              <a:t>‹#›</a:t>
             </a:fld>
             <a:endParaRPr lang="de-DE"/>
           </a:p>
@@ -1610,7 +1609,7 @@
           <a:p>
             <a:fld id="{08D9589F-252C-704B-9B79-8E17BF3570A5}" type="datetimeFigureOut">
               <a:rPr lang="de-DE" smtClean="0"/>
-              <a:t>11.10.2016</a:t>
+              <a:t>11.10.16</a:t>
             </a:fld>
             <a:endParaRPr lang="de-DE"/>
           </a:p>
@@ -1657,7 +1656,7 @@
           <a:p>
             <a:fld id="{696D0DBA-6426-E344-AF92-7958926D7170}" type="slidenum">
               <a:rPr lang="de-DE" smtClean="0"/>
-              <a:t>‹Nr.›</a:t>
+              <a:t>‹#›</a:t>
             </a:fld>
             <a:endParaRPr lang="de-DE"/>
           </a:p>
@@ -2191,7 +2190,7 @@
           <a:p>
             <a:fld id="{08D9589F-252C-704B-9B79-8E17BF3570A5}" type="datetimeFigureOut">
               <a:rPr lang="de-DE" smtClean="0"/>
-              <a:t>11.10.2016</a:t>
+              <a:t>11.10.16</a:t>
             </a:fld>
             <a:endParaRPr lang="de-DE"/>
           </a:p>
@@ -2238,7 +2237,7 @@
           <a:p>
             <a:fld id="{696D0DBA-6426-E344-AF92-7958926D7170}" type="slidenum">
               <a:rPr lang="de-DE" smtClean="0"/>
-              <a:t>‹Nr.›</a:t>
+              <a:t>‹#›</a:t>
             </a:fld>
             <a:endParaRPr lang="de-DE"/>
           </a:p>
@@ -2885,7 +2884,7 @@
           <a:p>
             <a:fld id="{08D9589F-252C-704B-9B79-8E17BF3570A5}" type="datetimeFigureOut">
               <a:rPr lang="de-DE" smtClean="0"/>
-              <a:t>11.10.2016</a:t>
+              <a:t>11.10.16</a:t>
             </a:fld>
             <a:endParaRPr lang="de-DE"/>
           </a:p>
@@ -2927,7 +2926,7 @@
           <a:p>
             <a:fld id="{696D0DBA-6426-E344-AF92-7958926D7170}" type="slidenum">
               <a:rPr lang="de-DE" smtClean="0"/>
-              <a:t>‹Nr.›</a:t>
+              <a:t>‹#›</a:t>
             </a:fld>
             <a:endParaRPr lang="de-DE"/>
           </a:p>
@@ -3811,7 +3810,7 @@
           <a:p>
             <a:fld id="{08D9589F-252C-704B-9B79-8E17BF3570A5}" type="datetimeFigureOut">
               <a:rPr lang="de-DE" smtClean="0"/>
-              <a:t>11.10.2016</a:t>
+              <a:t>11.10.16</a:t>
             </a:fld>
             <a:endParaRPr lang="de-DE"/>
           </a:p>
@@ -3853,7 +3852,7 @@
           <a:p>
             <a:fld id="{696D0DBA-6426-E344-AF92-7958926D7170}" type="slidenum">
               <a:rPr lang="de-DE" smtClean="0"/>
-              <a:t>‹Nr.›</a:t>
+              <a:t>‹#›</a:t>
             </a:fld>
             <a:endParaRPr lang="de-DE"/>
           </a:p>
@@ -4142,7 +4141,7 @@
           <a:p>
             <a:fld id="{08D9589F-252C-704B-9B79-8E17BF3570A5}" type="datetimeFigureOut">
               <a:rPr lang="de-DE" smtClean="0"/>
-              <a:t>11.10.2016</a:t>
+              <a:t>11.10.16</a:t>
             </a:fld>
             <a:endParaRPr lang="de-DE"/>
           </a:p>
@@ -4184,7 +4183,7 @@
           <a:p>
             <a:fld id="{696D0DBA-6426-E344-AF92-7958926D7170}" type="slidenum">
               <a:rPr lang="de-DE" smtClean="0"/>
-              <a:t>‹Nr.›</a:t>
+              <a:t>‹#›</a:t>
             </a:fld>
             <a:endParaRPr lang="de-DE"/>
           </a:p>
@@ -4421,7 +4420,7 @@
           <a:p>
             <a:fld id="{08D9589F-252C-704B-9B79-8E17BF3570A5}" type="datetimeFigureOut">
               <a:rPr lang="de-DE" smtClean="0"/>
-              <a:t>11.10.2016</a:t>
+              <a:t>11.10.16</a:t>
             </a:fld>
             <a:endParaRPr lang="de-DE"/>
           </a:p>
@@ -4477,7 +4476,7 @@
           <a:p>
             <a:fld id="{696D0DBA-6426-E344-AF92-7958926D7170}" type="slidenum">
               <a:rPr lang="de-DE" smtClean="0"/>
-              <a:t>‹Nr.›</a:t>
+              <a:t>‹#›</a:t>
             </a:fld>
             <a:endParaRPr lang="de-DE"/>
           </a:p>
@@ -4757,7 +4756,7 @@
           <a:p>
             <a:fld id="{08D9589F-252C-704B-9B79-8E17BF3570A5}" type="datetimeFigureOut">
               <a:rPr lang="de-DE" smtClean="0"/>
-              <a:t>11.10.2016</a:t>
+              <a:t>11.10.16</a:t>
             </a:fld>
             <a:endParaRPr lang="de-DE"/>
           </a:p>
@@ -4799,7 +4798,7 @@
           <a:p>
             <a:fld id="{696D0DBA-6426-E344-AF92-7958926D7170}" type="slidenum">
               <a:rPr lang="de-DE" smtClean="0"/>
-              <a:t>‹Nr.›</a:t>
+              <a:t>‹#›</a:t>
             </a:fld>
             <a:endParaRPr lang="de-DE"/>
           </a:p>
@@ -5164,7 +5163,7 @@
           <a:p>
             <a:fld id="{08D9589F-252C-704B-9B79-8E17BF3570A5}" type="datetimeFigureOut">
               <a:rPr lang="de-DE" smtClean="0"/>
-              <a:t>11.10.2016</a:t>
+              <a:t>11.10.16</a:t>
             </a:fld>
             <a:endParaRPr lang="de-DE"/>
           </a:p>
@@ -5216,7 +5215,7 @@
           <a:p>
             <a:fld id="{696D0DBA-6426-E344-AF92-7958926D7170}" type="slidenum">
               <a:rPr lang="de-DE" smtClean="0"/>
-              <a:t>‹Nr.›</a:t>
+              <a:t>‹#›</a:t>
             </a:fld>
             <a:endParaRPr lang="de-DE"/>
           </a:p>
@@ -5563,7 +5562,7 @@
           <a:p>
             <a:fld id="{08D9589F-252C-704B-9B79-8E17BF3570A5}" type="datetimeFigureOut">
               <a:rPr lang="de-DE" smtClean="0"/>
-              <a:t>11.10.2016</a:t>
+              <a:t>11.10.16</a:t>
             </a:fld>
             <a:endParaRPr lang="de-DE"/>
           </a:p>
@@ -5605,7 +5604,7 @@
           <a:p>
             <a:fld id="{696D0DBA-6426-E344-AF92-7958926D7170}" type="slidenum">
               <a:rPr lang="de-DE" smtClean="0"/>
-              <a:t>‹Nr.›</a:t>
+              <a:t>‹#›</a:t>
             </a:fld>
             <a:endParaRPr lang="de-DE"/>
           </a:p>
@@ -6082,7 +6081,7 @@
           <a:p>
             <a:fld id="{08D9589F-252C-704B-9B79-8E17BF3570A5}" type="datetimeFigureOut">
               <a:rPr lang="de-DE" smtClean="0"/>
-              <a:t>11.10.2016</a:t>
+              <a:t>11.10.16</a:t>
             </a:fld>
             <a:endParaRPr lang="de-DE"/>
           </a:p>
@@ -6124,7 +6123,7 @@
           <a:p>
             <a:fld id="{696D0DBA-6426-E344-AF92-7958926D7170}" type="slidenum">
               <a:rPr lang="de-DE" smtClean="0"/>
-              <a:t>‹Nr.›</a:t>
+              <a:t>‹#›</a:t>
             </a:fld>
             <a:endParaRPr lang="de-DE"/>
           </a:p>
@@ -6352,7 +6351,7 @@
           <a:p>
             <a:fld id="{08D9589F-252C-704B-9B79-8E17BF3570A5}" type="datetimeFigureOut">
               <a:rPr lang="de-DE" smtClean="0"/>
-              <a:t>11.10.2016</a:t>
+              <a:t>11.10.16</a:t>
             </a:fld>
             <a:endParaRPr lang="de-DE"/>
           </a:p>
@@ -6394,7 +6393,7 @@
           <a:p>
             <a:fld id="{696D0DBA-6426-E344-AF92-7958926D7170}" type="slidenum">
               <a:rPr lang="de-DE" smtClean="0"/>
-              <a:t>‹Nr.›</a:t>
+              <a:t>‹#›</a:t>
             </a:fld>
             <a:endParaRPr lang="de-DE"/>
           </a:p>
@@ -6514,7 +6513,7 @@
           <a:p>
             <a:fld id="{08D9589F-252C-704B-9B79-8E17BF3570A5}" type="datetimeFigureOut">
               <a:rPr lang="de-DE" smtClean="0"/>
-              <a:t>11.10.2016</a:t>
+              <a:t>11.10.16</a:t>
             </a:fld>
             <a:endParaRPr lang="de-DE"/>
           </a:p>
@@ -6556,7 +6555,7 @@
           <a:p>
             <a:fld id="{696D0DBA-6426-E344-AF92-7958926D7170}" type="slidenum">
               <a:rPr lang="de-DE" smtClean="0"/>
-              <a:t>‹Nr.›</a:t>
+              <a:t>‹#›</a:t>
             </a:fld>
             <a:endParaRPr lang="de-DE"/>
           </a:p>
@@ -6917,7 +6916,7 @@
           <a:p>
             <a:fld id="{08D9589F-252C-704B-9B79-8E17BF3570A5}" type="datetimeFigureOut">
               <a:rPr lang="de-DE" smtClean="0"/>
-              <a:t>11.10.2016</a:t>
+              <a:t>11.10.16</a:t>
             </a:fld>
             <a:endParaRPr lang="de-DE"/>
           </a:p>
@@ -6959,7 +6958,7 @@
           <a:p>
             <a:fld id="{696D0DBA-6426-E344-AF92-7958926D7170}" type="slidenum">
               <a:rPr lang="de-DE" smtClean="0"/>
-              <a:t>‹Nr.›</a:t>
+              <a:t>‹#›</a:t>
             </a:fld>
             <a:endParaRPr lang="de-DE"/>
           </a:p>
@@ -7339,7 +7338,7 @@
           <a:p>
             <a:fld id="{08D9589F-252C-704B-9B79-8E17BF3570A5}" type="datetimeFigureOut">
               <a:rPr lang="de-DE" smtClean="0"/>
-              <a:t>11.10.2016</a:t>
+              <a:t>11.10.16</a:t>
             </a:fld>
             <a:endParaRPr lang="de-DE"/>
           </a:p>
@@ -7381,7 +7380,7 @@
           <a:p>
             <a:fld id="{696D0DBA-6426-E344-AF92-7958926D7170}" type="slidenum">
               <a:rPr lang="de-DE" smtClean="0"/>
-              <a:t>‹Nr.›</a:t>
+              <a:t>‹#›</a:t>
             </a:fld>
             <a:endParaRPr lang="de-DE"/>
           </a:p>
@@ -7454,7 +7453,7 @@
           </a:prstGeom>
           <a:extLst>
             <a:ext uri="{909E8E84-426E-40dd-AFC4-6F175D3DCCD1}">
-              <a14:hiddenFill xmlns:a14="http://schemas.microsoft.com/office/drawing/2010/main" xmlns="">
+              <a14:hiddenFill xmlns="" xmlns:a14="http://schemas.microsoft.com/office/drawing/2010/main">
                 <a:solidFill>
                   <a:srgbClr val="FFFFFF"/>
                 </a:solidFill>
@@ -7593,7 +7592,7 @@
           <a:p>
             <a:fld id="{08D9589F-252C-704B-9B79-8E17BF3570A5}" type="datetimeFigureOut">
               <a:rPr lang="de-DE" smtClean="0"/>
-              <a:t>11.10.2016</a:t>
+              <a:t>11.10.16</a:t>
             </a:fld>
             <a:endParaRPr lang="de-DE"/>
           </a:p>
@@ -7671,7 +7670,7 @@
           <a:p>
             <a:fld id="{696D0DBA-6426-E344-AF92-7958926D7170}" type="slidenum">
               <a:rPr lang="de-DE" smtClean="0"/>
-              <a:t>‹Nr.›</a:t>
+              <a:t>‹#›</a:t>
             </a:fld>
             <a:endParaRPr lang="de-DE"/>
           </a:p>
@@ -8059,7 +8058,7 @@
 </p:sld>
 </file>
 
-<file path=ppt/slides/slide10.xml><?xml version="1.0" encoding="utf-8"?>
+<file path=ppt/slides/slide2.xml><?xml version="1.0" encoding="utf-8"?>
 <p:sld xmlns:a="http://schemas.openxmlformats.org/drawingml/2006/main" xmlns:r="http://schemas.openxmlformats.org/officeDocument/2006/relationships" xmlns:p="http://schemas.openxmlformats.org/presentationml/2006/main">
   <p:cSld>
     <p:spTree>
@@ -8088,6 +8087,1237 @@
         </p:nvSpPr>
         <p:spPr/>
         <p:txBody>
+          <a:bodyPr>
+            <a:normAutofit/>
+          </a:bodyPr>
+          <a:lstStyle/>
+          <a:p>
+            <a:r>
+              <a:rPr lang="de-DE" dirty="0" smtClean="0"/>
+              <a:t>Aktuelle Situation / Kundenprobleme</a:t>
+            </a:r>
+            <a:endParaRPr lang="de-DE" dirty="0"/>
+          </a:p>
+        </p:txBody>
+      </p:sp>
+      <p:sp>
+        <p:nvSpPr>
+          <p:cNvPr id="3" name="Inhaltsplatzhalter 2"/>
+          <p:cNvSpPr>
+            <a:spLocks noGrp="1"/>
+          </p:cNvSpPr>
+          <p:nvPr>
+            <p:ph idx="1"/>
+          </p:nvPr>
+        </p:nvSpPr>
+        <p:spPr/>
+        <p:txBody>
+          <a:bodyPr/>
+          <a:lstStyle/>
+          <a:p>
+            <a:r>
+              <a:rPr lang="de-DE" dirty="0" smtClean="0"/>
+              <a:t>Alles von Hand, auf Papier: </a:t>
+            </a:r>
+          </a:p>
+          <a:p>
+            <a:pPr lvl="1"/>
+            <a:r>
+              <a:rPr lang="de-DE" dirty="0" smtClean="0"/>
+              <a:t>Aufwändige Erstellung des Trainingsplans</a:t>
+            </a:r>
+          </a:p>
+          <a:p>
+            <a:pPr lvl="1"/>
+            <a:r>
+              <a:rPr lang="de-DE" dirty="0" smtClean="0"/>
+              <a:t>Auswertung und Analyse schwierig</a:t>
+            </a:r>
+          </a:p>
+          <a:p>
+            <a:r>
+              <a:rPr lang="de-DE" dirty="0" smtClean="0"/>
+              <a:t>Kundenbindung schwach</a:t>
+            </a:r>
+          </a:p>
+          <a:p>
+            <a:pPr lvl="1"/>
+            <a:r>
+              <a:rPr lang="de-DE" dirty="0" smtClean="0"/>
+              <a:t>Motivation / Bestätigung fehlt den Sportlern</a:t>
+            </a:r>
+          </a:p>
+          <a:p>
+            <a:r>
+              <a:rPr lang="de-DE" dirty="0" smtClean="0"/>
+              <a:t>Fitnessindustrie boomt!</a:t>
+            </a:r>
+          </a:p>
+          <a:p>
+            <a:pPr lvl="1"/>
+            <a:r>
+              <a:rPr lang="de-DE" dirty="0" smtClean="0"/>
+              <a:t>Unterscheidung von Konkurrenz schwierig</a:t>
+            </a:r>
+          </a:p>
+          <a:p>
+            <a:pPr lvl="1"/>
+            <a:endParaRPr lang="de-DE" dirty="0" smtClean="0"/>
+          </a:p>
+          <a:p>
+            <a:endParaRPr lang="de-DE" dirty="0"/>
+          </a:p>
+        </p:txBody>
+      </p:sp>
+    </p:spTree>
+    <p:extLst>
+      <p:ext uri="{BB962C8B-B14F-4D97-AF65-F5344CB8AC3E}">
+        <p14:creationId xmlns:p14="http://schemas.microsoft.com/office/powerpoint/2010/main" val="1457874008"/>
+      </p:ext>
+    </p:extLst>
+  </p:cSld>
+  <p:clrMapOvr>
+    <a:masterClrMapping/>
+  </p:clrMapOvr>
+  <p:timing>
+    <p:tnLst>
+      <p:par>
+        <p:cTn id="1" dur="indefinite" restart="never" nodeType="tmRoot"/>
+      </p:par>
+    </p:tnLst>
+  </p:timing>
+</p:sld>
+</file>
+
+<file path=ppt/slides/slide3.xml><?xml version="1.0" encoding="utf-8"?>
+<p:sld xmlns:a="http://schemas.openxmlformats.org/drawingml/2006/main" xmlns:r="http://schemas.openxmlformats.org/officeDocument/2006/relationships" xmlns:p="http://schemas.openxmlformats.org/presentationml/2006/main">
+  <p:cSld>
+    <p:spTree>
+      <p:nvGrpSpPr>
+        <p:cNvPr id="1" name=""/>
+        <p:cNvGrpSpPr/>
+        <p:nvPr/>
+      </p:nvGrpSpPr>
+      <p:grpSpPr>
+        <a:xfrm>
+          <a:off x="0" y="0"/>
+          <a:ext cx="0" cy="0"/>
+          <a:chOff x="0" y="0"/>
+          <a:chExt cx="0" cy="0"/>
+        </a:xfrm>
+      </p:grpSpPr>
+      <p:sp>
+        <p:nvSpPr>
+          <p:cNvPr id="2" name="Titel 1"/>
+          <p:cNvSpPr>
+            <a:spLocks noGrp="1"/>
+          </p:cNvSpPr>
+          <p:nvPr>
+            <p:ph type="title"/>
+          </p:nvPr>
+        </p:nvSpPr>
+        <p:spPr/>
+        <p:txBody>
+          <a:bodyPr/>
+          <a:lstStyle/>
+          <a:p>
+            <a:r>
+              <a:rPr lang="de-DE" dirty="0" smtClean="0"/>
+              <a:t>Die Lösung</a:t>
+            </a:r>
+            <a:endParaRPr lang="de-DE" dirty="0"/>
+          </a:p>
+        </p:txBody>
+      </p:sp>
+      <p:sp>
+        <p:nvSpPr>
+          <p:cNvPr id="3" name="Inhaltsplatzhalter 2"/>
+          <p:cNvSpPr>
+            <a:spLocks noGrp="1"/>
+          </p:cNvSpPr>
+          <p:nvPr>
+            <p:ph idx="1"/>
+          </p:nvPr>
+        </p:nvSpPr>
+        <p:spPr/>
+        <p:txBody>
+          <a:bodyPr>
+            <a:normAutofit/>
+          </a:bodyPr>
+          <a:lstStyle/>
+          <a:p>
+            <a:r>
+              <a:rPr lang="de-DE" dirty="0" smtClean="0"/>
+              <a:t>Digitale Gesamtlösung: </a:t>
+            </a:r>
+          </a:p>
+          <a:p>
+            <a:pPr lvl="1"/>
+            <a:r>
+              <a:rPr lang="de-DE" dirty="0" smtClean="0"/>
+              <a:t>Trainingsplan in der </a:t>
+            </a:r>
+            <a:r>
+              <a:rPr lang="de-DE" dirty="0" err="1" smtClean="0"/>
+              <a:t>Cloud</a:t>
+            </a:r>
+            <a:endParaRPr lang="de-DE" dirty="0" smtClean="0"/>
+          </a:p>
+          <a:p>
+            <a:pPr lvl="1"/>
+            <a:r>
+              <a:rPr lang="de-DE" dirty="0" smtClean="0"/>
+              <a:t>Instant Feedback</a:t>
+            </a:r>
+          </a:p>
+          <a:p>
+            <a:pPr lvl="1"/>
+            <a:r>
+              <a:rPr lang="de-DE" dirty="0" smtClean="0"/>
+              <a:t>Umfassende Statistik</a:t>
+            </a:r>
+          </a:p>
+          <a:p>
+            <a:r>
+              <a:rPr lang="de-DE" dirty="0" smtClean="0"/>
+              <a:t>Kundenbindung</a:t>
+            </a:r>
+          </a:p>
+          <a:p>
+            <a:pPr lvl="1"/>
+            <a:r>
+              <a:rPr lang="de-DE" dirty="0" smtClean="0"/>
+              <a:t>Feedback und Analyse durch App</a:t>
+            </a:r>
+          </a:p>
+          <a:p>
+            <a:pPr lvl="1"/>
+            <a:r>
+              <a:rPr lang="de-DE" dirty="0" smtClean="0"/>
+              <a:t>Fitness Gesamtbetreuung</a:t>
+            </a:r>
+          </a:p>
+          <a:p>
+            <a:r>
+              <a:rPr lang="de-DE" dirty="0" smtClean="0"/>
+              <a:t>Fitnessindustrie boomt!</a:t>
+            </a:r>
+          </a:p>
+          <a:p>
+            <a:pPr lvl="1"/>
+            <a:r>
+              <a:rPr lang="de-DE" dirty="0" smtClean="0"/>
+              <a:t>Zertifizierung / Empfehlung</a:t>
+            </a:r>
+            <a:endParaRPr lang="de-DE" dirty="0"/>
+          </a:p>
+        </p:txBody>
+      </p:sp>
+    </p:spTree>
+    <p:extLst>
+      <p:ext uri="{BB962C8B-B14F-4D97-AF65-F5344CB8AC3E}">
+        <p14:creationId xmlns:p14="http://schemas.microsoft.com/office/powerpoint/2010/main" val="2602128835"/>
+      </p:ext>
+    </p:extLst>
+  </p:cSld>
+  <p:clrMapOvr>
+    <a:masterClrMapping/>
+  </p:clrMapOvr>
+  <p:timing>
+    <p:tnLst>
+      <p:par>
+        <p:cTn id="1" dur="indefinite" restart="never" nodeType="tmRoot"/>
+      </p:par>
+    </p:tnLst>
+  </p:timing>
+</p:sld>
+</file>
+
+<file path=ppt/slides/slide4.xml><?xml version="1.0" encoding="utf-8"?>
+<p:sld xmlns:a="http://schemas.openxmlformats.org/drawingml/2006/main" xmlns:r="http://schemas.openxmlformats.org/officeDocument/2006/relationships" xmlns:p="http://schemas.openxmlformats.org/presentationml/2006/main">
+  <p:cSld>
+    <p:spTree>
+      <p:nvGrpSpPr>
+        <p:cNvPr id="1" name=""/>
+        <p:cNvGrpSpPr/>
+        <p:nvPr/>
+      </p:nvGrpSpPr>
+      <p:grpSpPr>
+        <a:xfrm>
+          <a:off x="0" y="0"/>
+          <a:ext cx="0" cy="0"/>
+          <a:chOff x="0" y="0"/>
+          <a:chExt cx="0" cy="0"/>
+        </a:xfrm>
+      </p:grpSpPr>
+      <p:sp>
+        <p:nvSpPr>
+          <p:cNvPr id="2" name="Titel 1"/>
+          <p:cNvSpPr>
+            <a:spLocks noGrp="1"/>
+          </p:cNvSpPr>
+          <p:nvPr>
+            <p:ph type="title"/>
+          </p:nvPr>
+        </p:nvSpPr>
+        <p:spPr/>
+        <p:txBody>
+          <a:bodyPr/>
+          <a:lstStyle/>
+          <a:p>
+            <a:r>
+              <a:rPr lang="de-CH" dirty="0" smtClean="0"/>
+              <a:t>Der Kunde</a:t>
+            </a:r>
+            <a:endParaRPr lang="de-CH" dirty="0"/>
+          </a:p>
+        </p:txBody>
+      </p:sp>
+      <p:sp>
+        <p:nvSpPr>
+          <p:cNvPr id="3" name="Inhaltsplatzhalter 2"/>
+          <p:cNvSpPr>
+            <a:spLocks noGrp="1"/>
+          </p:cNvSpPr>
+          <p:nvPr>
+            <p:ph idx="1"/>
+          </p:nvPr>
+        </p:nvSpPr>
+        <p:spPr/>
+        <p:txBody>
+          <a:bodyPr/>
+          <a:lstStyle/>
+          <a:p>
+            <a:r>
+              <a:rPr lang="de-CH" dirty="0" smtClean="0"/>
+              <a:t>Fitnesscenter als primärer Kunde</a:t>
+            </a:r>
+          </a:p>
+          <a:p>
+            <a:endParaRPr lang="de-CH" dirty="0" smtClean="0"/>
+          </a:p>
+          <a:p>
+            <a:r>
+              <a:rPr lang="de-CH" dirty="0" smtClean="0"/>
+              <a:t>Mitglieder profitieren vom Angebot</a:t>
+            </a:r>
+          </a:p>
+          <a:p>
+            <a:r>
+              <a:rPr lang="de-CH" dirty="0" smtClean="0"/>
+              <a:t>Fitnesscenter profitiert von zufrieden Kunden</a:t>
+            </a:r>
+          </a:p>
+          <a:p>
+            <a:endParaRPr lang="de-CH" dirty="0" smtClean="0"/>
+          </a:p>
+          <a:p>
+            <a:endParaRPr lang="de-CH" dirty="0"/>
+          </a:p>
+        </p:txBody>
+      </p:sp>
+    </p:spTree>
+    <p:extLst>
+      <p:ext uri="{BB962C8B-B14F-4D97-AF65-F5344CB8AC3E}">
+        <p14:creationId xmlns:p14="http://schemas.microsoft.com/office/powerpoint/2010/main" val="2545300365"/>
+      </p:ext>
+    </p:extLst>
+  </p:cSld>
+  <p:clrMapOvr>
+    <a:masterClrMapping/>
+  </p:clrMapOvr>
+</p:sld>
+</file>
+
+<file path=ppt/slides/slide5.xml><?xml version="1.0" encoding="utf-8"?>
+<p:sld xmlns:a="http://schemas.openxmlformats.org/drawingml/2006/main" xmlns:r="http://schemas.openxmlformats.org/officeDocument/2006/relationships" xmlns:p="http://schemas.openxmlformats.org/presentationml/2006/main">
+  <p:cSld>
+    <p:spTree>
+      <p:nvGrpSpPr>
+        <p:cNvPr id="1" name=""/>
+        <p:cNvGrpSpPr/>
+        <p:nvPr/>
+      </p:nvGrpSpPr>
+      <p:grpSpPr>
+        <a:xfrm>
+          <a:off x="0" y="0"/>
+          <a:ext cx="0" cy="0"/>
+          <a:chOff x="0" y="0"/>
+          <a:chExt cx="0" cy="0"/>
+        </a:xfrm>
+      </p:grpSpPr>
+      <p:sp>
+        <p:nvSpPr>
+          <p:cNvPr id="2" name="Titel 1"/>
+          <p:cNvSpPr>
+            <a:spLocks noGrp="1"/>
+          </p:cNvSpPr>
+          <p:nvPr>
+            <p:ph type="title"/>
+          </p:nvPr>
+        </p:nvSpPr>
+        <p:spPr/>
+        <p:txBody>
+          <a:bodyPr/>
+          <a:lstStyle/>
+          <a:p>
+            <a:r>
+              <a:rPr lang="de-DE" dirty="0" smtClean="0"/>
+              <a:t>KANSROOSA</a:t>
+            </a:r>
+            <a:endParaRPr lang="de-DE" dirty="0"/>
+          </a:p>
+        </p:txBody>
+      </p:sp>
+      <p:graphicFrame>
+        <p:nvGraphicFramePr>
+          <p:cNvPr id="4" name="Inhaltsplatzhalter 3"/>
+          <p:cNvGraphicFramePr>
+            <a:graphicFrameLocks noGrp="1"/>
+          </p:cNvGraphicFramePr>
+          <p:nvPr>
+            <p:ph idx="1"/>
+            <p:extLst>
+              <p:ext uri="{D42A27DB-BD31-4B8C-83A1-F6EECF244321}">
+                <p14:modId xmlns:p14="http://schemas.microsoft.com/office/powerpoint/2010/main" val="2641221185"/>
+              </p:ext>
+            </p:extLst>
+          </p:nvPr>
+        </p:nvGraphicFramePr>
+        <p:xfrm>
+          <a:off x="533400" y="2336800"/>
+          <a:ext cx="6888163" cy="3708400"/>
+        </p:xfrm>
+        <a:graphic>
+          <a:graphicData uri="http://schemas.openxmlformats.org/drawingml/2006/table">
+            <a:tbl>
+              <a:tblPr firstRow="1" bandRow="1">
+                <a:tableStyleId>{9D7B26C5-4107-4FEC-AEDC-1716B250A1EF}</a:tableStyleId>
+              </a:tblPr>
+              <a:tblGrid>
+                <a:gridCol w="2162092">
+                  <a:extLst>
+                    <a:ext uri="{9D8B030D-6E8A-4147-A177-3AD203B41FA5}">
+                      <a16:colId xmlns:a16="http://schemas.microsoft.com/office/drawing/2014/main" xmlns="" val="20000"/>
+                    </a:ext>
+                  </a:extLst>
+                </a:gridCol>
+                <a:gridCol w="4726071">
+                  <a:extLst>
+                    <a:ext uri="{9D8B030D-6E8A-4147-A177-3AD203B41FA5}">
+                      <a16:colId xmlns:a16="http://schemas.microsoft.com/office/drawing/2014/main" xmlns="" val="20001"/>
+                    </a:ext>
+                  </a:extLst>
+                </a:gridCol>
+              </a:tblGrid>
+              <a:tr h="370840">
+                <a:tc>
+                  <a:txBody>
+                    <a:bodyPr/>
+                    <a:lstStyle/>
+                    <a:p>
+                      <a:r>
+                        <a:rPr lang="de-DE" dirty="0" smtClean="0"/>
+                        <a:t>Bedürfnis</a:t>
+                      </a:r>
+                      <a:endParaRPr lang="de-DE" dirty="0"/>
+                    </a:p>
+                  </a:txBody>
+                  <a:tcPr marL="76535" marR="76535"/>
+                </a:tc>
+                <a:tc>
+                  <a:txBody>
+                    <a:bodyPr/>
+                    <a:lstStyle/>
+                    <a:p>
+                      <a:r>
+                        <a:rPr lang="de-DE" dirty="0" smtClean="0"/>
+                        <a:t>Fitnesscenter</a:t>
+                      </a:r>
+                      <a:endParaRPr lang="de-DE" dirty="0"/>
+                    </a:p>
+                  </a:txBody>
+                  <a:tcPr marL="76535" marR="76535"/>
+                </a:tc>
+                <a:extLst>
+                  <a:ext uri="{0D108BD9-81ED-4DB2-BD59-A6C34878D82A}">
+                    <a16:rowId xmlns:a16="http://schemas.microsoft.com/office/drawing/2014/main" xmlns="" val="10000"/>
+                  </a:ext>
+                </a:extLst>
+              </a:tr>
+              <a:tr h="370840">
+                <a:tc>
+                  <a:txBody>
+                    <a:bodyPr/>
+                    <a:lstStyle/>
+                    <a:p>
+                      <a:r>
+                        <a:rPr lang="de-DE" dirty="0" smtClean="0"/>
+                        <a:t>KOMFORT</a:t>
+                      </a:r>
+                      <a:endParaRPr lang="de-DE" dirty="0"/>
+                    </a:p>
+                  </a:txBody>
+                  <a:tcPr marL="76535" marR="76535"/>
+                </a:tc>
+                <a:tc>
+                  <a:txBody>
+                    <a:bodyPr/>
+                    <a:lstStyle/>
+                    <a:p>
+                      <a:r>
+                        <a:rPr lang="de-DE" dirty="0" smtClean="0"/>
+                        <a:t>Aufwand Kundenbetreuung senken</a:t>
+                      </a:r>
+                      <a:endParaRPr lang="de-DE" dirty="0"/>
+                    </a:p>
+                  </a:txBody>
+                  <a:tcPr marL="76535" marR="76535"/>
+                </a:tc>
+                <a:extLst>
+                  <a:ext uri="{0D108BD9-81ED-4DB2-BD59-A6C34878D82A}">
+                    <a16:rowId xmlns:a16="http://schemas.microsoft.com/office/drawing/2014/main" xmlns="" val="10001"/>
+                  </a:ext>
+                </a:extLst>
+              </a:tr>
+              <a:tr h="370840">
+                <a:tc>
+                  <a:txBody>
+                    <a:bodyPr/>
+                    <a:lstStyle/>
+                    <a:p>
+                      <a:r>
+                        <a:rPr lang="de-DE" dirty="0" smtClean="0"/>
+                        <a:t>ANSEHEN</a:t>
+                      </a:r>
+                      <a:endParaRPr lang="de-DE" dirty="0"/>
+                    </a:p>
+                  </a:txBody>
+                  <a:tcPr marL="76535" marR="76535"/>
+                </a:tc>
+                <a:tc>
+                  <a:txBody>
+                    <a:bodyPr/>
+                    <a:lstStyle/>
+                    <a:p>
+                      <a:r>
+                        <a:rPr lang="de-DE" dirty="0" smtClean="0"/>
+                        <a:t>Zertifizierung</a:t>
+                      </a:r>
+                      <a:endParaRPr lang="de-DE" dirty="0"/>
+                    </a:p>
+                  </a:txBody>
+                  <a:tcPr marL="76535" marR="76535"/>
+                </a:tc>
+                <a:extLst>
+                  <a:ext uri="{0D108BD9-81ED-4DB2-BD59-A6C34878D82A}">
+                    <a16:rowId xmlns:a16="http://schemas.microsoft.com/office/drawing/2014/main" xmlns="" val="10002"/>
+                  </a:ext>
+                </a:extLst>
+              </a:tr>
+              <a:tr h="370840">
+                <a:tc>
+                  <a:txBody>
+                    <a:bodyPr/>
+                    <a:lstStyle/>
+                    <a:p>
+                      <a:r>
+                        <a:rPr lang="de-DE" dirty="0" smtClean="0"/>
+                        <a:t>NEUHEIT</a:t>
+                      </a:r>
+                      <a:endParaRPr lang="de-DE" dirty="0"/>
+                    </a:p>
+                  </a:txBody>
+                  <a:tcPr marL="76535" marR="76535"/>
+                </a:tc>
+                <a:tc>
+                  <a:txBody>
+                    <a:bodyPr/>
+                    <a:lstStyle/>
+                    <a:p>
+                      <a:pPr marL="0" marR="0" indent="0" algn="l" defTabSz="457200" rtl="0" eaLnBrk="1" fontAlgn="auto" latinLnBrk="0" hangingPunct="1">
+                        <a:lnSpc>
+                          <a:spcPct val="100000"/>
+                        </a:lnSpc>
+                        <a:spcBef>
+                          <a:spcPts val="0"/>
+                        </a:spcBef>
+                        <a:spcAft>
+                          <a:spcPts val="0"/>
+                        </a:spcAft>
+                        <a:buClrTx/>
+                        <a:buSzTx/>
+                        <a:buFontTx/>
+                        <a:buNone/>
+                        <a:tabLst/>
+                        <a:defRPr/>
+                      </a:pPr>
+                      <a:r>
+                        <a:rPr lang="de-DE" dirty="0" smtClean="0"/>
+                        <a:t>Einsatz</a:t>
+                      </a:r>
+                      <a:r>
+                        <a:rPr lang="de-DE" baseline="0" dirty="0" smtClean="0"/>
+                        <a:t> modernster</a:t>
+                      </a:r>
+                      <a:r>
+                        <a:rPr lang="de-DE" dirty="0" smtClean="0"/>
+                        <a:t> Technologie</a:t>
+                      </a:r>
+                    </a:p>
+                  </a:txBody>
+                  <a:tcPr marL="76535" marR="76535"/>
+                </a:tc>
+                <a:extLst>
+                  <a:ext uri="{0D108BD9-81ED-4DB2-BD59-A6C34878D82A}">
+                    <a16:rowId xmlns:a16="http://schemas.microsoft.com/office/drawing/2014/main" xmlns="" val="10003"/>
+                  </a:ext>
+                </a:extLst>
+              </a:tr>
+              <a:tr h="370840">
+                <a:tc>
+                  <a:txBody>
+                    <a:bodyPr/>
+                    <a:lstStyle/>
+                    <a:p>
+                      <a:r>
+                        <a:rPr lang="de-DE" dirty="0" smtClean="0"/>
+                        <a:t>SELBSTERHALTUNG</a:t>
+                      </a:r>
+                      <a:endParaRPr lang="de-DE" dirty="0"/>
+                    </a:p>
+                  </a:txBody>
+                  <a:tcPr marL="76535" marR="76535"/>
+                </a:tc>
+                <a:tc>
+                  <a:txBody>
+                    <a:bodyPr/>
+                    <a:lstStyle/>
+                    <a:p>
+                      <a:r>
+                        <a:rPr lang="de-DE" dirty="0" smtClean="0"/>
+                        <a:t>Konkurrenzfähig bleiben</a:t>
+                      </a:r>
+                      <a:endParaRPr lang="de-DE" dirty="0"/>
+                    </a:p>
+                  </a:txBody>
+                  <a:tcPr marL="76535" marR="76535"/>
+                </a:tc>
+                <a:extLst>
+                  <a:ext uri="{0D108BD9-81ED-4DB2-BD59-A6C34878D82A}">
+                    <a16:rowId xmlns:a16="http://schemas.microsoft.com/office/drawing/2014/main" xmlns="" val="10004"/>
+                  </a:ext>
+                </a:extLst>
+              </a:tr>
+              <a:tr h="370840">
+                <a:tc>
+                  <a:txBody>
+                    <a:bodyPr/>
+                    <a:lstStyle/>
+                    <a:p>
+                      <a:r>
+                        <a:rPr lang="de-DE" dirty="0" smtClean="0"/>
+                        <a:t>RISIKOLOS</a:t>
+                      </a:r>
+                      <a:endParaRPr lang="de-DE" dirty="0"/>
+                    </a:p>
+                  </a:txBody>
+                  <a:tcPr marL="76535" marR="76535"/>
+                </a:tc>
+                <a:tc>
+                  <a:txBody>
+                    <a:bodyPr/>
+                    <a:lstStyle/>
+                    <a:p>
+                      <a:r>
+                        <a:rPr lang="de-DE" dirty="0" smtClean="0"/>
+                        <a:t>Sichere</a:t>
+                      </a:r>
+                      <a:r>
+                        <a:rPr lang="de-DE" baseline="0" dirty="0" smtClean="0"/>
+                        <a:t> Aufbewahrung der Kundendaten</a:t>
+                      </a:r>
+                      <a:endParaRPr lang="de-DE" dirty="0"/>
+                    </a:p>
+                  </a:txBody>
+                  <a:tcPr marL="76535" marR="76535"/>
+                </a:tc>
+                <a:extLst>
+                  <a:ext uri="{0D108BD9-81ED-4DB2-BD59-A6C34878D82A}">
+                    <a16:rowId xmlns:a16="http://schemas.microsoft.com/office/drawing/2014/main" xmlns="" val="10005"/>
+                  </a:ext>
+                </a:extLst>
+              </a:tr>
+              <a:tr h="370840">
+                <a:tc>
+                  <a:txBody>
+                    <a:bodyPr/>
+                    <a:lstStyle/>
+                    <a:p>
+                      <a:r>
+                        <a:rPr lang="de-DE" dirty="0" smtClean="0"/>
+                        <a:t>ÖKONOMIE</a:t>
+                      </a:r>
+                      <a:endParaRPr lang="de-DE" dirty="0"/>
+                    </a:p>
+                  </a:txBody>
+                  <a:tcPr marL="76535" marR="76535"/>
+                </a:tc>
+                <a:tc>
+                  <a:txBody>
+                    <a:bodyPr/>
+                    <a:lstStyle/>
+                    <a:p>
+                      <a:r>
+                        <a:rPr lang="de-DE" dirty="0" smtClean="0"/>
+                        <a:t>Keine </a:t>
+                      </a:r>
+                      <a:r>
+                        <a:rPr lang="de-DE" dirty="0" err="1" smtClean="0"/>
+                        <a:t>grossen</a:t>
+                      </a:r>
+                      <a:r>
+                        <a:rPr lang="de-DE" dirty="0" smtClean="0"/>
+                        <a:t> Investitionen nötig</a:t>
+                      </a:r>
+                      <a:endParaRPr lang="de-DE" dirty="0"/>
+                    </a:p>
+                  </a:txBody>
+                  <a:tcPr marL="76535" marR="76535"/>
+                </a:tc>
+                <a:extLst>
+                  <a:ext uri="{0D108BD9-81ED-4DB2-BD59-A6C34878D82A}">
+                    <a16:rowId xmlns:a16="http://schemas.microsoft.com/office/drawing/2014/main" xmlns="" val="10006"/>
+                  </a:ext>
+                </a:extLst>
+              </a:tr>
+              <a:tr h="370840">
+                <a:tc>
+                  <a:txBody>
+                    <a:bodyPr/>
+                    <a:lstStyle/>
+                    <a:p>
+                      <a:r>
+                        <a:rPr lang="de-DE" dirty="0" smtClean="0"/>
+                        <a:t>ÖKOLOGIE</a:t>
+                      </a:r>
+                      <a:endParaRPr lang="de-DE" dirty="0"/>
+                    </a:p>
+                  </a:txBody>
+                  <a:tcPr marL="76535" marR="76535"/>
+                </a:tc>
+                <a:tc>
+                  <a:txBody>
+                    <a:bodyPr/>
+                    <a:lstStyle/>
+                    <a:p>
+                      <a:r>
+                        <a:rPr lang="de-DE" dirty="0" smtClean="0"/>
+                        <a:t>Papierloses Training</a:t>
+                      </a:r>
+                      <a:endParaRPr lang="de-DE" dirty="0"/>
+                    </a:p>
+                  </a:txBody>
+                  <a:tcPr marL="76535" marR="76535"/>
+                </a:tc>
+                <a:extLst>
+                  <a:ext uri="{0D108BD9-81ED-4DB2-BD59-A6C34878D82A}">
+                    <a16:rowId xmlns:a16="http://schemas.microsoft.com/office/drawing/2014/main" xmlns="" val="10007"/>
+                  </a:ext>
+                </a:extLst>
+              </a:tr>
+              <a:tr h="370840">
+                <a:tc>
+                  <a:txBody>
+                    <a:bodyPr/>
+                    <a:lstStyle/>
+                    <a:p>
+                      <a:r>
+                        <a:rPr lang="de-DE" dirty="0" smtClean="0"/>
+                        <a:t>SYMPATHIE</a:t>
+                      </a:r>
+                      <a:endParaRPr lang="de-DE" dirty="0"/>
+                    </a:p>
+                  </a:txBody>
+                  <a:tcPr marL="76535" marR="76535"/>
+                </a:tc>
+                <a:tc>
+                  <a:txBody>
+                    <a:bodyPr/>
+                    <a:lstStyle/>
+                    <a:p>
+                      <a:r>
+                        <a:rPr lang="de-DE" dirty="0" smtClean="0"/>
+                        <a:t>Personalisierte</a:t>
+                      </a:r>
+                      <a:r>
+                        <a:rPr lang="de-DE" baseline="0" dirty="0" smtClean="0"/>
+                        <a:t> Betreuung</a:t>
+                      </a:r>
+                      <a:endParaRPr lang="de-DE" dirty="0"/>
+                    </a:p>
+                  </a:txBody>
+                  <a:tcPr marL="76535" marR="76535"/>
+                </a:tc>
+                <a:extLst>
+                  <a:ext uri="{0D108BD9-81ED-4DB2-BD59-A6C34878D82A}">
+                    <a16:rowId xmlns:a16="http://schemas.microsoft.com/office/drawing/2014/main" xmlns="" val="10008"/>
+                  </a:ext>
+                </a:extLst>
+              </a:tr>
+              <a:tr h="370840">
+                <a:tc>
+                  <a:txBody>
+                    <a:bodyPr/>
+                    <a:lstStyle/>
+                    <a:p>
+                      <a:r>
+                        <a:rPr lang="de-DE" dirty="0" smtClean="0"/>
+                        <a:t>ANGEHÖRIGKEIT</a:t>
+                      </a:r>
+                      <a:endParaRPr lang="de-DE" dirty="0"/>
+                    </a:p>
+                  </a:txBody>
+                  <a:tcPr marL="76535" marR="76535"/>
+                </a:tc>
+                <a:tc>
+                  <a:txBody>
+                    <a:bodyPr/>
+                    <a:lstStyle/>
+                    <a:p>
+                      <a:r>
+                        <a:rPr lang="de-DE" dirty="0" smtClean="0"/>
+                        <a:t>Kundennetzwerk</a:t>
+                      </a:r>
+                      <a:endParaRPr lang="de-DE" dirty="0"/>
+                    </a:p>
+                  </a:txBody>
+                  <a:tcPr marL="76535" marR="76535"/>
+                </a:tc>
+                <a:extLst>
+                  <a:ext uri="{0D108BD9-81ED-4DB2-BD59-A6C34878D82A}">
+                    <a16:rowId xmlns:a16="http://schemas.microsoft.com/office/drawing/2014/main" xmlns="" val="10009"/>
+                  </a:ext>
+                </a:extLst>
+              </a:tr>
+            </a:tbl>
+          </a:graphicData>
+        </a:graphic>
+      </p:graphicFrame>
+    </p:spTree>
+    <p:extLst>
+      <p:ext uri="{BB962C8B-B14F-4D97-AF65-F5344CB8AC3E}">
+        <p14:creationId xmlns:p14="http://schemas.microsoft.com/office/powerpoint/2010/main" val="3552168686"/>
+      </p:ext>
+    </p:extLst>
+  </p:cSld>
+  <p:clrMapOvr>
+    <a:masterClrMapping/>
+  </p:clrMapOvr>
+  <p:timing>
+    <p:tnLst>
+      <p:par>
+        <p:cTn id="1" dur="indefinite" restart="never" nodeType="tmRoot"/>
+      </p:par>
+    </p:tnLst>
+  </p:timing>
+</p:sld>
+</file>
+
+<file path=ppt/slides/slide6.xml><?xml version="1.0" encoding="utf-8"?>
+<p:sld xmlns:a="http://schemas.openxmlformats.org/drawingml/2006/main" xmlns:r="http://schemas.openxmlformats.org/officeDocument/2006/relationships" xmlns:p="http://schemas.openxmlformats.org/presentationml/2006/main">
+  <p:cSld>
+    <p:spTree>
+      <p:nvGrpSpPr>
+        <p:cNvPr id="1" name=""/>
+        <p:cNvGrpSpPr/>
+        <p:nvPr/>
+      </p:nvGrpSpPr>
+      <p:grpSpPr>
+        <a:xfrm>
+          <a:off x="0" y="0"/>
+          <a:ext cx="0" cy="0"/>
+          <a:chOff x="0" y="0"/>
+          <a:chExt cx="0" cy="0"/>
+        </a:xfrm>
+      </p:grpSpPr>
+      <p:sp>
+        <p:nvSpPr>
+          <p:cNvPr id="2" name="Titel 1"/>
+          <p:cNvSpPr>
+            <a:spLocks noGrp="1"/>
+          </p:cNvSpPr>
+          <p:nvPr>
+            <p:ph type="title"/>
+          </p:nvPr>
+        </p:nvSpPr>
+        <p:spPr/>
+        <p:txBody>
+          <a:bodyPr/>
+          <a:lstStyle/>
+          <a:p>
+            <a:r>
+              <a:rPr lang="de-DE" dirty="0" smtClean="0"/>
+              <a:t>Konkretes Angebot</a:t>
+            </a:r>
+            <a:endParaRPr lang="de-DE" dirty="0"/>
+          </a:p>
+        </p:txBody>
+      </p:sp>
+      <p:pic>
+        <p:nvPicPr>
+          <p:cNvPr id="4" name="Inhaltsplatzhalter 3"/>
+          <p:cNvPicPr>
+            <a:picLocks noGrp="1" noChangeAspect="1"/>
+          </p:cNvPicPr>
+          <p:nvPr>
+            <p:ph idx="1"/>
+          </p:nvPr>
+        </p:nvPicPr>
+        <p:blipFill>
+          <a:blip r:embed="rId2">
+            <a:extLst>
+              <a:ext uri="{28A0092B-C50C-407E-A947-70E740481C1C}">
+                <a14:useLocalDpi xmlns:a14="http://schemas.microsoft.com/office/drawing/2010/main" val="0"/>
+              </a:ext>
+            </a:extLst>
+          </a:blip>
+          <a:stretch>
+            <a:fillRect/>
+          </a:stretch>
+        </p:blipFill>
+        <p:spPr>
+          <a:xfrm>
+            <a:off x="910107" y="2120335"/>
+            <a:ext cx="6134750" cy="4174912"/>
+          </a:xfrm>
+        </p:spPr>
+      </p:pic>
+    </p:spTree>
+    <p:extLst>
+      <p:ext uri="{BB962C8B-B14F-4D97-AF65-F5344CB8AC3E}">
+        <p14:creationId xmlns:p14="http://schemas.microsoft.com/office/powerpoint/2010/main" val="4149359022"/>
+      </p:ext>
+    </p:extLst>
+  </p:cSld>
+  <p:clrMapOvr>
+    <a:masterClrMapping/>
+  </p:clrMapOvr>
+  <p:timing>
+    <p:tnLst>
+      <p:par>
+        <p:cTn id="1" dur="indefinite" restart="never" nodeType="tmRoot"/>
+      </p:par>
+    </p:tnLst>
+  </p:timing>
+</p:sld>
+</file>
+
+<file path=ppt/slides/slide7.xml><?xml version="1.0" encoding="utf-8"?>
+<p:sld xmlns:a="http://schemas.openxmlformats.org/drawingml/2006/main" xmlns:r="http://schemas.openxmlformats.org/officeDocument/2006/relationships" xmlns:p="http://schemas.openxmlformats.org/presentationml/2006/main">
+  <p:cSld>
+    <p:spTree>
+      <p:nvGrpSpPr>
+        <p:cNvPr id="1" name=""/>
+        <p:cNvGrpSpPr/>
+        <p:nvPr/>
+      </p:nvGrpSpPr>
+      <p:grpSpPr>
+        <a:xfrm>
+          <a:off x="0" y="0"/>
+          <a:ext cx="0" cy="0"/>
+          <a:chOff x="0" y="0"/>
+          <a:chExt cx="0" cy="0"/>
+        </a:xfrm>
+      </p:grpSpPr>
+      <p:sp>
+        <p:nvSpPr>
+          <p:cNvPr id="2" name="Titel 1"/>
+          <p:cNvSpPr>
+            <a:spLocks noGrp="1"/>
+          </p:cNvSpPr>
+          <p:nvPr>
+            <p:ph type="title"/>
+          </p:nvPr>
+        </p:nvSpPr>
+        <p:spPr/>
+        <p:txBody>
+          <a:bodyPr/>
+          <a:lstStyle/>
+          <a:p>
+            <a:r>
+              <a:rPr lang="de-DE" dirty="0" smtClean="0"/>
+              <a:t>Die App</a:t>
+            </a:r>
+            <a:endParaRPr lang="de-DE" dirty="0"/>
+          </a:p>
+        </p:txBody>
+      </p:sp>
+      <p:pic>
+        <p:nvPicPr>
+          <p:cNvPr id="3" name="Grafik 2"/>
+          <p:cNvPicPr>
+            <a:picLocks noChangeAspect="1"/>
+          </p:cNvPicPr>
+          <p:nvPr/>
+        </p:nvPicPr>
+        <p:blipFill>
+          <a:blip r:embed="rId2">
+            <a:extLst>
+              <a:ext uri="{28A0092B-C50C-407E-A947-70E740481C1C}">
+                <a14:useLocalDpi xmlns:a14="http://schemas.microsoft.com/office/drawing/2010/main" val="0"/>
+              </a:ext>
+            </a:extLst>
+          </a:blip>
+          <a:stretch>
+            <a:fillRect/>
+          </a:stretch>
+        </p:blipFill>
+        <p:spPr>
+          <a:xfrm>
+            <a:off x="326004" y="2387906"/>
+            <a:ext cx="7458324" cy="3497250"/>
+          </a:xfrm>
+          <a:prstGeom prst="rect">
+            <a:avLst/>
+          </a:prstGeom>
+        </p:spPr>
+      </p:pic>
+      <p:sp>
+        <p:nvSpPr>
+          <p:cNvPr id="4" name="Inhaltsplatzhalter 3"/>
+          <p:cNvSpPr>
+            <a:spLocks noGrp="1"/>
+          </p:cNvSpPr>
+          <p:nvPr>
+            <p:ph idx="1"/>
+          </p:nvPr>
+        </p:nvSpPr>
+        <p:spPr/>
+        <p:txBody>
+          <a:bodyPr/>
+          <a:lstStyle/>
+          <a:p>
+            <a:endParaRPr lang="de-CH" dirty="0"/>
+          </a:p>
+        </p:txBody>
+      </p:sp>
+    </p:spTree>
+    <p:extLst>
+      <p:ext uri="{BB962C8B-B14F-4D97-AF65-F5344CB8AC3E}">
+        <p14:creationId xmlns:p14="http://schemas.microsoft.com/office/powerpoint/2010/main" val="2907362700"/>
+      </p:ext>
+    </p:extLst>
+  </p:cSld>
+  <p:clrMapOvr>
+    <a:masterClrMapping/>
+  </p:clrMapOvr>
+  <p:timing>
+    <p:tnLst>
+      <p:par>
+        <p:cTn id="1" dur="indefinite" restart="never" nodeType="tmRoot"/>
+      </p:par>
+    </p:tnLst>
+  </p:timing>
+</p:sld>
+</file>
+
+<file path=ppt/slides/slide8.xml><?xml version="1.0" encoding="utf-8"?>
+<p:sld xmlns:a="http://schemas.openxmlformats.org/drawingml/2006/main" xmlns:r="http://schemas.openxmlformats.org/officeDocument/2006/relationships" xmlns:p="http://schemas.openxmlformats.org/presentationml/2006/main">
+  <p:cSld>
+    <p:spTree>
+      <p:nvGrpSpPr>
+        <p:cNvPr id="1" name=""/>
+        <p:cNvGrpSpPr/>
+        <p:nvPr/>
+      </p:nvGrpSpPr>
+      <p:grpSpPr>
+        <a:xfrm>
+          <a:off x="0" y="0"/>
+          <a:ext cx="0" cy="0"/>
+          <a:chOff x="0" y="0"/>
+          <a:chExt cx="0" cy="0"/>
+        </a:xfrm>
+      </p:grpSpPr>
+      <p:sp>
+        <p:nvSpPr>
+          <p:cNvPr id="2" name="Titel 1"/>
+          <p:cNvSpPr>
+            <a:spLocks noGrp="1"/>
+          </p:cNvSpPr>
+          <p:nvPr>
+            <p:ph type="title"/>
+          </p:nvPr>
+        </p:nvSpPr>
+        <p:spPr/>
+        <p:txBody>
+          <a:bodyPr/>
+          <a:lstStyle/>
+          <a:p>
+            <a:r>
+              <a:rPr lang="de-DE" dirty="0" smtClean="0"/>
+              <a:t>Markt und Konkurrenz</a:t>
+            </a:r>
+            <a:endParaRPr lang="de-DE" dirty="0"/>
+          </a:p>
+        </p:txBody>
+      </p:sp>
+      <p:sp>
+        <p:nvSpPr>
+          <p:cNvPr id="3" name="Inhaltsplatzhalter 2"/>
+          <p:cNvSpPr>
+            <a:spLocks noGrp="1"/>
+          </p:cNvSpPr>
+          <p:nvPr>
+            <p:ph idx="1"/>
+          </p:nvPr>
+        </p:nvSpPr>
+        <p:spPr/>
+        <p:txBody>
+          <a:bodyPr>
+            <a:normAutofit lnSpcReduction="10000"/>
+          </a:bodyPr>
+          <a:lstStyle/>
+          <a:p>
+            <a:r>
+              <a:rPr lang="de-DE" dirty="0" smtClean="0"/>
+              <a:t>Patente</a:t>
+            </a:r>
+          </a:p>
+          <a:p>
+            <a:pPr lvl="1"/>
+            <a:r>
+              <a:rPr lang="de-DE" dirty="0" smtClean="0"/>
+              <a:t>QR-Codes auf Fitnessgerät zu Video (Deutschland)</a:t>
+            </a:r>
+          </a:p>
+          <a:p>
+            <a:pPr lvl="1"/>
+            <a:r>
+              <a:rPr lang="de-DE" dirty="0" smtClean="0"/>
+              <a:t>Diverse Technikpatente</a:t>
+            </a:r>
+          </a:p>
+          <a:p>
+            <a:pPr lvl="1"/>
+            <a:endParaRPr lang="de-DE" dirty="0" smtClean="0"/>
+          </a:p>
+          <a:p>
+            <a:r>
+              <a:rPr lang="de-DE" dirty="0" smtClean="0"/>
+              <a:t>Smarte Fitnessgeräte</a:t>
+            </a:r>
+          </a:p>
+          <a:p>
+            <a:pPr lvl="1"/>
+            <a:r>
+              <a:rPr lang="de-DE" dirty="0" smtClean="0"/>
+              <a:t>z.B. in den </a:t>
+            </a:r>
+            <a:r>
+              <a:rPr lang="de-DE" dirty="0" smtClean="0">
+                <a:hlinkClick r:id="rId2"/>
+              </a:rPr>
+              <a:t>Niederlanden </a:t>
+            </a:r>
+            <a:r>
+              <a:rPr lang="de-DE" dirty="0" err="1" smtClean="0">
+                <a:hlinkClick r:id="rId2"/>
+              </a:rPr>
+              <a:t>TechnoGYM</a:t>
+            </a:r>
+            <a:r>
+              <a:rPr lang="de-DE" dirty="0" smtClean="0">
+                <a:hlinkClick r:id="rId2"/>
+              </a:rPr>
+              <a:t> App</a:t>
+            </a:r>
+            <a:endParaRPr lang="de-DE" dirty="0" smtClean="0"/>
+          </a:p>
+          <a:p>
+            <a:pPr lvl="1"/>
+            <a:r>
+              <a:rPr lang="de-DE" dirty="0" smtClean="0"/>
+              <a:t>In der Schweiz noch nicht verbreitet</a:t>
+            </a:r>
+          </a:p>
+          <a:p>
+            <a:pPr lvl="1"/>
+            <a:endParaRPr lang="de-DE" dirty="0" smtClean="0"/>
+          </a:p>
+          <a:p>
+            <a:r>
+              <a:rPr lang="de-DE" dirty="0" smtClean="0"/>
+              <a:t>16% der Schweizer/innen geht ins Fitness!</a:t>
+            </a:r>
+          </a:p>
+          <a:p>
+            <a:pPr lvl="1"/>
+            <a:r>
+              <a:rPr lang="de-DE" dirty="0" smtClean="0"/>
+              <a:t>Davon 40% unter 44 Jahre (Umfrage </a:t>
+            </a:r>
+            <a:r>
+              <a:rPr lang="de-DE" dirty="0" err="1" smtClean="0"/>
+              <a:t>Statista</a:t>
+            </a:r>
+            <a:r>
+              <a:rPr lang="de-DE" dirty="0" smtClean="0"/>
+              <a:t>)</a:t>
+            </a:r>
+            <a:endParaRPr lang="de-DE" dirty="0"/>
+          </a:p>
+        </p:txBody>
+      </p:sp>
+    </p:spTree>
+    <p:extLst>
+      <p:ext uri="{BB962C8B-B14F-4D97-AF65-F5344CB8AC3E}">
+        <p14:creationId xmlns:p14="http://schemas.microsoft.com/office/powerpoint/2010/main" val="1884947581"/>
+      </p:ext>
+    </p:extLst>
+  </p:cSld>
+  <p:clrMapOvr>
+    <a:masterClrMapping/>
+  </p:clrMapOvr>
+  <p:timing>
+    <p:tnLst>
+      <p:par>
+        <p:cTn id="1" dur="indefinite" restart="never" nodeType="tmRoot"/>
+      </p:par>
+    </p:tnLst>
+  </p:timing>
+</p:sld>
+</file>
+
+<file path=ppt/slides/slide9.xml><?xml version="1.0" encoding="utf-8"?>
+<p:sld xmlns:a="http://schemas.openxmlformats.org/drawingml/2006/main" xmlns:r="http://schemas.openxmlformats.org/officeDocument/2006/relationships" xmlns:p="http://schemas.openxmlformats.org/presentationml/2006/main">
+  <p:cSld>
+    <p:spTree>
+      <p:nvGrpSpPr>
+        <p:cNvPr id="1" name=""/>
+        <p:cNvGrpSpPr/>
+        <p:nvPr/>
+      </p:nvGrpSpPr>
+      <p:grpSpPr>
+        <a:xfrm>
+          <a:off x="0" y="0"/>
+          <a:ext cx="0" cy="0"/>
+          <a:chOff x="0" y="0"/>
+          <a:chExt cx="0" cy="0"/>
+        </a:xfrm>
+      </p:grpSpPr>
+      <p:sp>
+        <p:nvSpPr>
+          <p:cNvPr id="2" name="Titel 1"/>
+          <p:cNvSpPr>
+            <a:spLocks noGrp="1"/>
+          </p:cNvSpPr>
+          <p:nvPr>
+            <p:ph type="title"/>
+          </p:nvPr>
+        </p:nvSpPr>
+        <p:spPr/>
+        <p:txBody>
           <a:bodyPr/>
           <a:lstStyle/>
           <a:p>
@@ -8128,14 +9358,14 @@
                 <a:gridCol w="3156005">
                   <a:extLst>
                     <a:ext uri="{9D8B030D-6E8A-4147-A177-3AD203B41FA5}">
-                      <a16:colId xmlns:a16="http://schemas.microsoft.com/office/drawing/2014/main" val="20000"/>
+                      <a16:colId xmlns:a16="http://schemas.microsoft.com/office/drawing/2014/main" xmlns="" val="20000"/>
                     </a:ext>
                   </a:extLst>
                 </a:gridCol>
                 <a:gridCol w="3732157">
                   <a:extLst>
                     <a:ext uri="{9D8B030D-6E8A-4147-A177-3AD203B41FA5}">
-                      <a16:colId xmlns:a16="http://schemas.microsoft.com/office/drawing/2014/main" val="20001"/>
+                      <a16:colId xmlns:a16="http://schemas.microsoft.com/office/drawing/2014/main" xmlns="" val="20001"/>
                     </a:ext>
                   </a:extLst>
                 </a:gridCol>
@@ -8171,7 +9401,7 @@
                 </a:tc>
                 <a:extLst>
                   <a:ext uri="{0D108BD9-81ED-4DB2-BD59-A6C34878D82A}">
-                    <a16:rowId xmlns:a16="http://schemas.microsoft.com/office/drawing/2014/main" val="10000"/>
+                    <a16:rowId xmlns:a16="http://schemas.microsoft.com/office/drawing/2014/main" xmlns="" val="10000"/>
                   </a:ext>
                 </a:extLst>
               </a:tr>
@@ -8236,7 +9466,7 @@
                 </a:tc>
                 <a:extLst>
                   <a:ext uri="{0D108BD9-81ED-4DB2-BD59-A6C34878D82A}">
-                    <a16:rowId xmlns:a16="http://schemas.microsoft.com/office/drawing/2014/main" val="10001"/>
+                    <a16:rowId xmlns:a16="http://schemas.microsoft.com/office/drawing/2014/main" xmlns="" val="10001"/>
                   </a:ext>
                 </a:extLst>
               </a:tr>
@@ -8287,7 +9517,7 @@
                 </a:tc>
                 <a:extLst>
                   <a:ext uri="{0D108BD9-81ED-4DB2-BD59-A6C34878D82A}">
-                    <a16:rowId xmlns:a16="http://schemas.microsoft.com/office/drawing/2014/main" val="10002"/>
+                    <a16:rowId xmlns:a16="http://schemas.microsoft.com/office/drawing/2014/main" xmlns="" val="10002"/>
                   </a:ext>
                 </a:extLst>
               </a:tr>
@@ -8332,7 +9562,7 @@
                 </a:tc>
                 <a:extLst>
                   <a:ext uri="{0D108BD9-81ED-4DB2-BD59-A6C34878D82A}">
-                    <a16:rowId xmlns:a16="http://schemas.microsoft.com/office/drawing/2014/main" val="10003"/>
+                    <a16:rowId xmlns:a16="http://schemas.microsoft.com/office/drawing/2014/main" xmlns="" val="10003"/>
                   </a:ext>
                 </a:extLst>
               </a:tr>
@@ -8350,130 +9580,6 @@
   <p:clrMapOvr>
     <a:masterClrMapping/>
   </p:clrMapOvr>
-</p:sld>
-</file>
-
-<file path=ppt/slides/slide2.xml><?xml version="1.0" encoding="utf-8"?>
-<p:sld xmlns:a="http://schemas.openxmlformats.org/drawingml/2006/main" xmlns:r="http://schemas.openxmlformats.org/officeDocument/2006/relationships" xmlns:p="http://schemas.openxmlformats.org/presentationml/2006/main">
-  <p:cSld>
-    <p:spTree>
-      <p:nvGrpSpPr>
-        <p:cNvPr id="1" name=""/>
-        <p:cNvGrpSpPr/>
-        <p:nvPr/>
-      </p:nvGrpSpPr>
-      <p:grpSpPr>
-        <a:xfrm>
-          <a:off x="0" y="0"/>
-          <a:ext cx="0" cy="0"/>
-          <a:chOff x="0" y="0"/>
-          <a:chExt cx="0" cy="0"/>
-        </a:xfrm>
-      </p:grpSpPr>
-      <p:sp>
-        <p:nvSpPr>
-          <p:cNvPr id="2" name="Titel 1"/>
-          <p:cNvSpPr>
-            <a:spLocks noGrp="1"/>
-          </p:cNvSpPr>
-          <p:nvPr>
-            <p:ph type="title"/>
-          </p:nvPr>
-        </p:nvSpPr>
-        <p:spPr/>
-        <p:txBody>
-          <a:bodyPr>
-            <a:normAutofit/>
-          </a:bodyPr>
-          <a:lstStyle/>
-          <a:p>
-            <a:r>
-              <a:rPr lang="de-DE" dirty="0" smtClean="0"/>
-              <a:t>Aktuelle Situation / Kundenprobleme</a:t>
-            </a:r>
-            <a:endParaRPr lang="de-DE" dirty="0"/>
-          </a:p>
-        </p:txBody>
-      </p:sp>
-      <p:sp>
-        <p:nvSpPr>
-          <p:cNvPr id="3" name="Inhaltsplatzhalter 2"/>
-          <p:cNvSpPr>
-            <a:spLocks noGrp="1"/>
-          </p:cNvSpPr>
-          <p:nvPr>
-            <p:ph idx="1"/>
-          </p:nvPr>
-        </p:nvSpPr>
-        <p:spPr/>
-        <p:txBody>
-          <a:bodyPr/>
-          <a:lstStyle/>
-          <a:p>
-            <a:r>
-              <a:rPr lang="de-DE" dirty="0" smtClean="0"/>
-              <a:t>Alles von Hand, auf Papier: </a:t>
-            </a:r>
-          </a:p>
-          <a:p>
-            <a:pPr lvl="1"/>
-            <a:r>
-              <a:rPr lang="de-DE" dirty="0" smtClean="0"/>
-              <a:t>Aufwändige Erstellung des Trainingsplans</a:t>
-            </a:r>
-          </a:p>
-          <a:p>
-            <a:pPr lvl="1"/>
-            <a:r>
-              <a:rPr lang="de-DE" dirty="0" smtClean="0"/>
-              <a:t>Auswertung und Analyse schwierig</a:t>
-            </a:r>
-          </a:p>
-          <a:p>
-            <a:r>
-              <a:rPr lang="de-DE" dirty="0" smtClean="0"/>
-              <a:t>Kundenbindung schwach</a:t>
-            </a:r>
-          </a:p>
-          <a:p>
-            <a:pPr lvl="1"/>
-            <a:r>
-              <a:rPr lang="de-DE" dirty="0" smtClean="0"/>
-              <a:t>Motivation / Bestätigung fehlt den Sportlern</a:t>
-            </a:r>
-          </a:p>
-          <a:p>
-            <a:r>
-              <a:rPr lang="de-DE" dirty="0" smtClean="0"/>
-              <a:t>Fitnessindustrie boomt!</a:t>
-            </a:r>
-          </a:p>
-          <a:p>
-            <a:pPr lvl="1"/>
-            <a:r>
-              <a:rPr lang="de-DE" dirty="0" smtClean="0"/>
-              <a:t>Unterscheidung von Konkurrenz schwierig</a:t>
-            </a:r>
-          </a:p>
-          <a:p>
-            <a:pPr lvl="1"/>
-            <a:endParaRPr lang="de-DE" dirty="0" smtClean="0"/>
-          </a:p>
-          <a:p>
-            <a:endParaRPr lang="de-DE" dirty="0"/>
-          </a:p>
-        </p:txBody>
-      </p:sp>
-    </p:spTree>
-    <p:extLst>
-      <p:ext uri="{BB962C8B-B14F-4D97-AF65-F5344CB8AC3E}">
-        <p14:creationId xmlns:p14="http://schemas.microsoft.com/office/powerpoint/2010/main" val="1457874008"/>
-      </p:ext>
-    </p:extLst>
-  </p:cSld>
-  <p:clrMapOvr>
-    <a:masterClrMapping/>
-  </p:clrMapOvr>
   <p:timing>
     <p:tnLst>
       <p:par>
@@ -8481,1090 +9587,6 @@
       </p:par>
     </p:tnLst>
   </p:timing>
-</p:sld>
-</file>
-
-<file path=ppt/slides/slide3.xml><?xml version="1.0" encoding="utf-8"?>
-<p:sld xmlns:a="http://schemas.openxmlformats.org/drawingml/2006/main" xmlns:r="http://schemas.openxmlformats.org/officeDocument/2006/relationships" xmlns:p="http://schemas.openxmlformats.org/presentationml/2006/main">
-  <p:cSld>
-    <p:spTree>
-      <p:nvGrpSpPr>
-        <p:cNvPr id="1" name=""/>
-        <p:cNvGrpSpPr/>
-        <p:nvPr/>
-      </p:nvGrpSpPr>
-      <p:grpSpPr>
-        <a:xfrm>
-          <a:off x="0" y="0"/>
-          <a:ext cx="0" cy="0"/>
-          <a:chOff x="0" y="0"/>
-          <a:chExt cx="0" cy="0"/>
-        </a:xfrm>
-      </p:grpSpPr>
-      <p:sp>
-        <p:nvSpPr>
-          <p:cNvPr id="2" name="Titel 1"/>
-          <p:cNvSpPr>
-            <a:spLocks noGrp="1"/>
-          </p:cNvSpPr>
-          <p:nvPr>
-            <p:ph type="title"/>
-          </p:nvPr>
-        </p:nvSpPr>
-        <p:spPr/>
-        <p:txBody>
-          <a:bodyPr/>
-          <a:lstStyle/>
-          <a:p>
-            <a:r>
-              <a:rPr lang="de-DE" dirty="0" smtClean="0"/>
-              <a:t>Die Lösung</a:t>
-            </a:r>
-            <a:endParaRPr lang="de-DE" dirty="0"/>
-          </a:p>
-        </p:txBody>
-      </p:sp>
-      <p:sp>
-        <p:nvSpPr>
-          <p:cNvPr id="3" name="Inhaltsplatzhalter 2"/>
-          <p:cNvSpPr>
-            <a:spLocks noGrp="1"/>
-          </p:cNvSpPr>
-          <p:nvPr>
-            <p:ph idx="1"/>
-          </p:nvPr>
-        </p:nvSpPr>
-        <p:spPr/>
-        <p:txBody>
-          <a:bodyPr>
-            <a:normAutofit/>
-          </a:bodyPr>
-          <a:lstStyle/>
-          <a:p>
-            <a:r>
-              <a:rPr lang="de-DE" dirty="0" smtClean="0"/>
-              <a:t>Digitale Gesamtlösung: </a:t>
-            </a:r>
-          </a:p>
-          <a:p>
-            <a:pPr lvl="1"/>
-            <a:r>
-              <a:rPr lang="de-DE" dirty="0" smtClean="0"/>
-              <a:t>Trainingsplan in der </a:t>
-            </a:r>
-            <a:r>
-              <a:rPr lang="de-DE" dirty="0" err="1" smtClean="0"/>
-              <a:t>Cloud</a:t>
-            </a:r>
-            <a:endParaRPr lang="de-DE" dirty="0" smtClean="0"/>
-          </a:p>
-          <a:p>
-            <a:pPr lvl="1"/>
-            <a:r>
-              <a:rPr lang="de-DE" dirty="0" smtClean="0"/>
-              <a:t>Instant Feedback</a:t>
-            </a:r>
-          </a:p>
-          <a:p>
-            <a:pPr lvl="1"/>
-            <a:r>
-              <a:rPr lang="de-DE" dirty="0" smtClean="0"/>
-              <a:t>Umfassende Statistik</a:t>
-            </a:r>
-          </a:p>
-          <a:p>
-            <a:r>
-              <a:rPr lang="de-DE" dirty="0" smtClean="0"/>
-              <a:t>Kundenbindung</a:t>
-            </a:r>
-          </a:p>
-          <a:p>
-            <a:pPr lvl="1"/>
-            <a:r>
-              <a:rPr lang="de-DE" dirty="0" smtClean="0"/>
-              <a:t>Feedback und Analyse durch App</a:t>
-            </a:r>
-          </a:p>
-          <a:p>
-            <a:pPr lvl="1"/>
-            <a:r>
-              <a:rPr lang="de-DE" dirty="0" smtClean="0"/>
-              <a:t>Fitness Gesamtbetreuung</a:t>
-            </a:r>
-          </a:p>
-          <a:p>
-            <a:r>
-              <a:rPr lang="de-DE" dirty="0" smtClean="0"/>
-              <a:t>Fitnessindustrie boomt!</a:t>
-            </a:r>
-          </a:p>
-          <a:p>
-            <a:pPr lvl="1"/>
-            <a:r>
-              <a:rPr lang="de-DE" dirty="0" smtClean="0"/>
-              <a:t>Zertifizierung / Empfehlung</a:t>
-            </a:r>
-            <a:endParaRPr lang="de-DE" dirty="0"/>
-          </a:p>
-        </p:txBody>
-      </p:sp>
-    </p:spTree>
-    <p:extLst>
-      <p:ext uri="{BB962C8B-B14F-4D97-AF65-F5344CB8AC3E}">
-        <p14:creationId xmlns:p14="http://schemas.microsoft.com/office/powerpoint/2010/main" val="2602128835"/>
-      </p:ext>
-    </p:extLst>
-  </p:cSld>
-  <p:clrMapOvr>
-    <a:masterClrMapping/>
-  </p:clrMapOvr>
-  <p:timing>
-    <p:tnLst>
-      <p:par>
-        <p:cTn id="1" dur="indefinite" restart="never" nodeType="tmRoot"/>
-      </p:par>
-    </p:tnLst>
-  </p:timing>
-</p:sld>
-</file>
-
-<file path=ppt/slides/slide4.xml><?xml version="1.0" encoding="utf-8"?>
-<p:sld xmlns:a="http://schemas.openxmlformats.org/drawingml/2006/main" xmlns:r="http://schemas.openxmlformats.org/officeDocument/2006/relationships" xmlns:p="http://schemas.openxmlformats.org/presentationml/2006/main">
-  <p:cSld>
-    <p:spTree>
-      <p:nvGrpSpPr>
-        <p:cNvPr id="1" name=""/>
-        <p:cNvGrpSpPr/>
-        <p:nvPr/>
-      </p:nvGrpSpPr>
-      <p:grpSpPr>
-        <a:xfrm>
-          <a:off x="0" y="0"/>
-          <a:ext cx="0" cy="0"/>
-          <a:chOff x="0" y="0"/>
-          <a:chExt cx="0" cy="0"/>
-        </a:xfrm>
-      </p:grpSpPr>
-      <p:sp>
-        <p:nvSpPr>
-          <p:cNvPr id="2" name="Titel 1"/>
-          <p:cNvSpPr>
-            <a:spLocks noGrp="1"/>
-          </p:cNvSpPr>
-          <p:nvPr>
-            <p:ph type="title"/>
-          </p:nvPr>
-        </p:nvSpPr>
-        <p:spPr/>
-        <p:txBody>
-          <a:bodyPr/>
-          <a:lstStyle/>
-          <a:p>
-            <a:r>
-              <a:rPr lang="de-CH" dirty="0" smtClean="0"/>
-              <a:t>Der Kunde</a:t>
-            </a:r>
-            <a:endParaRPr lang="de-CH" dirty="0"/>
-          </a:p>
-        </p:txBody>
-      </p:sp>
-      <p:sp>
-        <p:nvSpPr>
-          <p:cNvPr id="3" name="Inhaltsplatzhalter 2"/>
-          <p:cNvSpPr>
-            <a:spLocks noGrp="1"/>
-          </p:cNvSpPr>
-          <p:nvPr>
-            <p:ph idx="1"/>
-          </p:nvPr>
-        </p:nvSpPr>
-        <p:spPr/>
-        <p:txBody>
-          <a:bodyPr/>
-          <a:lstStyle/>
-          <a:p>
-            <a:r>
-              <a:rPr lang="de-CH" dirty="0" smtClean="0"/>
-              <a:t>Fitnesscenter als primärer Kunde</a:t>
-            </a:r>
-          </a:p>
-          <a:p>
-            <a:endParaRPr lang="de-CH" dirty="0" smtClean="0"/>
-          </a:p>
-          <a:p>
-            <a:r>
-              <a:rPr lang="de-CH" dirty="0" smtClean="0"/>
-              <a:t>Mitglieder profitieren vom Angebot</a:t>
-            </a:r>
-          </a:p>
-          <a:p>
-            <a:r>
-              <a:rPr lang="de-CH" dirty="0" smtClean="0"/>
-              <a:t>Fitnesscenter profitiert von zufrieden Kunden</a:t>
-            </a:r>
-          </a:p>
-          <a:p>
-            <a:endParaRPr lang="de-CH" dirty="0" smtClean="0"/>
-          </a:p>
-          <a:p>
-            <a:endParaRPr lang="de-CH" dirty="0"/>
-          </a:p>
-        </p:txBody>
-      </p:sp>
-    </p:spTree>
-    <p:extLst>
-      <p:ext uri="{BB962C8B-B14F-4D97-AF65-F5344CB8AC3E}">
-        <p14:creationId xmlns:p14="http://schemas.microsoft.com/office/powerpoint/2010/main" val="2545300365"/>
-      </p:ext>
-    </p:extLst>
-  </p:cSld>
-  <p:clrMapOvr>
-    <a:masterClrMapping/>
-  </p:clrMapOvr>
-</p:sld>
-</file>
-
-<file path=ppt/slides/slide5.xml><?xml version="1.0" encoding="utf-8"?>
-<p:sld xmlns:a="http://schemas.openxmlformats.org/drawingml/2006/main" xmlns:r="http://schemas.openxmlformats.org/officeDocument/2006/relationships" xmlns:p="http://schemas.openxmlformats.org/presentationml/2006/main">
-  <p:cSld>
-    <p:spTree>
-      <p:nvGrpSpPr>
-        <p:cNvPr id="1" name=""/>
-        <p:cNvGrpSpPr/>
-        <p:nvPr/>
-      </p:nvGrpSpPr>
-      <p:grpSpPr>
-        <a:xfrm>
-          <a:off x="0" y="0"/>
-          <a:ext cx="0" cy="0"/>
-          <a:chOff x="0" y="0"/>
-          <a:chExt cx="0" cy="0"/>
-        </a:xfrm>
-      </p:grpSpPr>
-      <p:sp>
-        <p:nvSpPr>
-          <p:cNvPr id="2" name="Titel 1"/>
-          <p:cNvSpPr>
-            <a:spLocks noGrp="1"/>
-          </p:cNvSpPr>
-          <p:nvPr>
-            <p:ph type="title"/>
-          </p:nvPr>
-        </p:nvSpPr>
-        <p:spPr/>
-        <p:txBody>
-          <a:bodyPr/>
-          <a:lstStyle/>
-          <a:p>
-            <a:r>
-              <a:rPr lang="de-DE" dirty="0" smtClean="0"/>
-              <a:t>KANSROOSA</a:t>
-            </a:r>
-            <a:endParaRPr lang="de-DE" dirty="0"/>
-          </a:p>
-        </p:txBody>
-      </p:sp>
-      <p:graphicFrame>
-        <p:nvGraphicFramePr>
-          <p:cNvPr id="4" name="Inhaltsplatzhalter 3"/>
-          <p:cNvGraphicFramePr>
-            <a:graphicFrameLocks noGrp="1"/>
-          </p:cNvGraphicFramePr>
-          <p:nvPr>
-            <p:ph idx="1"/>
-            <p:extLst>
-              <p:ext uri="{D42A27DB-BD31-4B8C-83A1-F6EECF244321}">
-                <p14:modId xmlns:p14="http://schemas.microsoft.com/office/powerpoint/2010/main" val="2641221185"/>
-              </p:ext>
-            </p:extLst>
-          </p:nvPr>
-        </p:nvGraphicFramePr>
-        <p:xfrm>
-          <a:off x="533400" y="2336800"/>
-          <a:ext cx="6888163" cy="3708400"/>
-        </p:xfrm>
-        <a:graphic>
-          <a:graphicData uri="http://schemas.openxmlformats.org/drawingml/2006/table">
-            <a:tbl>
-              <a:tblPr firstRow="1" bandRow="1">
-                <a:tableStyleId>{9D7B26C5-4107-4FEC-AEDC-1716B250A1EF}</a:tableStyleId>
-              </a:tblPr>
-              <a:tblGrid>
-                <a:gridCol w="2162092">
-                  <a:extLst>
-                    <a:ext uri="{9D8B030D-6E8A-4147-A177-3AD203B41FA5}">
-                      <a16:colId xmlns:a16="http://schemas.microsoft.com/office/drawing/2014/main" val="20000"/>
-                    </a:ext>
-                  </a:extLst>
-                </a:gridCol>
-                <a:gridCol w="4726071">
-                  <a:extLst>
-                    <a:ext uri="{9D8B030D-6E8A-4147-A177-3AD203B41FA5}">
-                      <a16:colId xmlns:a16="http://schemas.microsoft.com/office/drawing/2014/main" val="20001"/>
-                    </a:ext>
-                  </a:extLst>
-                </a:gridCol>
-              </a:tblGrid>
-              <a:tr h="370840">
-                <a:tc>
-                  <a:txBody>
-                    <a:bodyPr/>
-                    <a:lstStyle/>
-                    <a:p>
-                      <a:r>
-                        <a:rPr lang="de-DE" dirty="0" smtClean="0"/>
-                        <a:t>Bedürfnis</a:t>
-                      </a:r>
-                      <a:endParaRPr lang="de-DE" dirty="0"/>
-                    </a:p>
-                  </a:txBody>
-                  <a:tcPr marL="76535" marR="76535"/>
-                </a:tc>
-                <a:tc>
-                  <a:txBody>
-                    <a:bodyPr/>
-                    <a:lstStyle/>
-                    <a:p>
-                      <a:r>
-                        <a:rPr lang="de-DE" dirty="0" smtClean="0"/>
-                        <a:t>Fitnesscenter</a:t>
-                      </a:r>
-                      <a:endParaRPr lang="de-DE" dirty="0"/>
-                    </a:p>
-                  </a:txBody>
-                  <a:tcPr marL="76535" marR="76535"/>
-                </a:tc>
-                <a:extLst>
-                  <a:ext uri="{0D108BD9-81ED-4DB2-BD59-A6C34878D82A}">
-                    <a16:rowId xmlns:a16="http://schemas.microsoft.com/office/drawing/2014/main" val="10000"/>
-                  </a:ext>
-                </a:extLst>
-              </a:tr>
-              <a:tr h="370840">
-                <a:tc>
-                  <a:txBody>
-                    <a:bodyPr/>
-                    <a:lstStyle/>
-                    <a:p>
-                      <a:r>
-                        <a:rPr lang="de-DE" dirty="0" smtClean="0"/>
-                        <a:t>KOMFORT</a:t>
-                      </a:r>
-                      <a:endParaRPr lang="de-DE" dirty="0"/>
-                    </a:p>
-                  </a:txBody>
-                  <a:tcPr marL="76535" marR="76535"/>
-                </a:tc>
-                <a:tc>
-                  <a:txBody>
-                    <a:bodyPr/>
-                    <a:lstStyle/>
-                    <a:p>
-                      <a:r>
-                        <a:rPr lang="de-DE" dirty="0" smtClean="0"/>
-                        <a:t>Aufwand Kundenbetreuung senken</a:t>
-                      </a:r>
-                      <a:endParaRPr lang="de-DE" dirty="0"/>
-                    </a:p>
-                  </a:txBody>
-                  <a:tcPr marL="76535" marR="76535"/>
-                </a:tc>
-                <a:extLst>
-                  <a:ext uri="{0D108BD9-81ED-4DB2-BD59-A6C34878D82A}">
-                    <a16:rowId xmlns:a16="http://schemas.microsoft.com/office/drawing/2014/main" val="10001"/>
-                  </a:ext>
-                </a:extLst>
-              </a:tr>
-              <a:tr h="370840">
-                <a:tc>
-                  <a:txBody>
-                    <a:bodyPr/>
-                    <a:lstStyle/>
-                    <a:p>
-                      <a:r>
-                        <a:rPr lang="de-DE" dirty="0" smtClean="0"/>
-                        <a:t>ANSEHEN</a:t>
-                      </a:r>
-                      <a:endParaRPr lang="de-DE" dirty="0"/>
-                    </a:p>
-                  </a:txBody>
-                  <a:tcPr marL="76535" marR="76535"/>
-                </a:tc>
-                <a:tc>
-                  <a:txBody>
-                    <a:bodyPr/>
-                    <a:lstStyle/>
-                    <a:p>
-                      <a:r>
-                        <a:rPr lang="de-DE" dirty="0" smtClean="0"/>
-                        <a:t>Zertifizierung</a:t>
-                      </a:r>
-                      <a:endParaRPr lang="de-DE" dirty="0"/>
-                    </a:p>
-                  </a:txBody>
-                  <a:tcPr marL="76535" marR="76535"/>
-                </a:tc>
-                <a:extLst>
-                  <a:ext uri="{0D108BD9-81ED-4DB2-BD59-A6C34878D82A}">
-                    <a16:rowId xmlns:a16="http://schemas.microsoft.com/office/drawing/2014/main" val="10002"/>
-                  </a:ext>
-                </a:extLst>
-              </a:tr>
-              <a:tr h="370840">
-                <a:tc>
-                  <a:txBody>
-                    <a:bodyPr/>
-                    <a:lstStyle/>
-                    <a:p>
-                      <a:r>
-                        <a:rPr lang="de-DE" dirty="0" smtClean="0"/>
-                        <a:t>NEUHEIT</a:t>
-                      </a:r>
-                      <a:endParaRPr lang="de-DE" dirty="0"/>
-                    </a:p>
-                  </a:txBody>
-                  <a:tcPr marL="76535" marR="76535"/>
-                </a:tc>
-                <a:tc>
-                  <a:txBody>
-                    <a:bodyPr/>
-                    <a:lstStyle/>
-                    <a:p>
-                      <a:pPr marL="0" marR="0" indent="0" algn="l" defTabSz="457200" rtl="0" eaLnBrk="1" fontAlgn="auto" latinLnBrk="0" hangingPunct="1">
-                        <a:lnSpc>
-                          <a:spcPct val="100000"/>
-                        </a:lnSpc>
-                        <a:spcBef>
-                          <a:spcPts val="0"/>
-                        </a:spcBef>
-                        <a:spcAft>
-                          <a:spcPts val="0"/>
-                        </a:spcAft>
-                        <a:buClrTx/>
-                        <a:buSzTx/>
-                        <a:buFontTx/>
-                        <a:buNone/>
-                        <a:tabLst/>
-                        <a:defRPr/>
-                      </a:pPr>
-                      <a:r>
-                        <a:rPr lang="de-DE" dirty="0" smtClean="0"/>
-                        <a:t>Einsatz</a:t>
-                      </a:r>
-                      <a:r>
-                        <a:rPr lang="de-DE" baseline="0" dirty="0" smtClean="0"/>
-                        <a:t> modernster</a:t>
-                      </a:r>
-                      <a:r>
-                        <a:rPr lang="de-DE" dirty="0" smtClean="0"/>
-                        <a:t> Technologie</a:t>
-                      </a:r>
-                    </a:p>
-                  </a:txBody>
-                  <a:tcPr marL="76535" marR="76535"/>
-                </a:tc>
-                <a:extLst>
-                  <a:ext uri="{0D108BD9-81ED-4DB2-BD59-A6C34878D82A}">
-                    <a16:rowId xmlns:a16="http://schemas.microsoft.com/office/drawing/2014/main" val="10003"/>
-                  </a:ext>
-                </a:extLst>
-              </a:tr>
-              <a:tr h="370840">
-                <a:tc>
-                  <a:txBody>
-                    <a:bodyPr/>
-                    <a:lstStyle/>
-                    <a:p>
-                      <a:r>
-                        <a:rPr lang="de-DE" dirty="0" smtClean="0"/>
-                        <a:t>SELBSTERHALTUNG</a:t>
-                      </a:r>
-                      <a:endParaRPr lang="de-DE" dirty="0"/>
-                    </a:p>
-                  </a:txBody>
-                  <a:tcPr marL="76535" marR="76535"/>
-                </a:tc>
-                <a:tc>
-                  <a:txBody>
-                    <a:bodyPr/>
-                    <a:lstStyle/>
-                    <a:p>
-                      <a:r>
-                        <a:rPr lang="de-DE" dirty="0" smtClean="0"/>
-                        <a:t>Konkurrenzfähig bleiben</a:t>
-                      </a:r>
-                      <a:endParaRPr lang="de-DE" dirty="0"/>
-                    </a:p>
-                  </a:txBody>
-                  <a:tcPr marL="76535" marR="76535"/>
-                </a:tc>
-                <a:extLst>
-                  <a:ext uri="{0D108BD9-81ED-4DB2-BD59-A6C34878D82A}">
-                    <a16:rowId xmlns:a16="http://schemas.microsoft.com/office/drawing/2014/main" val="10004"/>
-                  </a:ext>
-                </a:extLst>
-              </a:tr>
-              <a:tr h="370840">
-                <a:tc>
-                  <a:txBody>
-                    <a:bodyPr/>
-                    <a:lstStyle/>
-                    <a:p>
-                      <a:r>
-                        <a:rPr lang="de-DE" dirty="0" smtClean="0"/>
-                        <a:t>RISIKOLOS</a:t>
-                      </a:r>
-                      <a:endParaRPr lang="de-DE" dirty="0"/>
-                    </a:p>
-                  </a:txBody>
-                  <a:tcPr marL="76535" marR="76535"/>
-                </a:tc>
-                <a:tc>
-                  <a:txBody>
-                    <a:bodyPr/>
-                    <a:lstStyle/>
-                    <a:p>
-                      <a:r>
-                        <a:rPr lang="de-DE" dirty="0" smtClean="0"/>
-                        <a:t>Sichere</a:t>
-                      </a:r>
-                      <a:r>
-                        <a:rPr lang="de-DE" baseline="0" dirty="0" smtClean="0"/>
-                        <a:t> Aufbewahrung der Kundendaten</a:t>
-                      </a:r>
-                      <a:endParaRPr lang="de-DE" dirty="0"/>
-                    </a:p>
-                  </a:txBody>
-                  <a:tcPr marL="76535" marR="76535"/>
-                </a:tc>
-                <a:extLst>
-                  <a:ext uri="{0D108BD9-81ED-4DB2-BD59-A6C34878D82A}">
-                    <a16:rowId xmlns:a16="http://schemas.microsoft.com/office/drawing/2014/main" val="10005"/>
-                  </a:ext>
-                </a:extLst>
-              </a:tr>
-              <a:tr h="370840">
-                <a:tc>
-                  <a:txBody>
-                    <a:bodyPr/>
-                    <a:lstStyle/>
-                    <a:p>
-                      <a:r>
-                        <a:rPr lang="de-DE" dirty="0" smtClean="0"/>
-                        <a:t>ÖKONOMIE</a:t>
-                      </a:r>
-                      <a:endParaRPr lang="de-DE" dirty="0"/>
-                    </a:p>
-                  </a:txBody>
-                  <a:tcPr marL="76535" marR="76535"/>
-                </a:tc>
-                <a:tc>
-                  <a:txBody>
-                    <a:bodyPr/>
-                    <a:lstStyle/>
-                    <a:p>
-                      <a:r>
-                        <a:rPr lang="de-DE" dirty="0" smtClean="0"/>
-                        <a:t>Keine </a:t>
-                      </a:r>
-                      <a:r>
-                        <a:rPr lang="de-DE" dirty="0" err="1" smtClean="0"/>
-                        <a:t>grossen</a:t>
-                      </a:r>
-                      <a:r>
-                        <a:rPr lang="de-DE" dirty="0" smtClean="0"/>
-                        <a:t> Investitionen nötig</a:t>
-                      </a:r>
-                      <a:endParaRPr lang="de-DE" dirty="0"/>
-                    </a:p>
-                  </a:txBody>
-                  <a:tcPr marL="76535" marR="76535"/>
-                </a:tc>
-                <a:extLst>
-                  <a:ext uri="{0D108BD9-81ED-4DB2-BD59-A6C34878D82A}">
-                    <a16:rowId xmlns:a16="http://schemas.microsoft.com/office/drawing/2014/main" val="10006"/>
-                  </a:ext>
-                </a:extLst>
-              </a:tr>
-              <a:tr h="370840">
-                <a:tc>
-                  <a:txBody>
-                    <a:bodyPr/>
-                    <a:lstStyle/>
-                    <a:p>
-                      <a:r>
-                        <a:rPr lang="de-DE" dirty="0" smtClean="0"/>
-                        <a:t>ÖKOLOGIE</a:t>
-                      </a:r>
-                      <a:endParaRPr lang="de-DE" dirty="0"/>
-                    </a:p>
-                  </a:txBody>
-                  <a:tcPr marL="76535" marR="76535"/>
-                </a:tc>
-                <a:tc>
-                  <a:txBody>
-                    <a:bodyPr/>
-                    <a:lstStyle/>
-                    <a:p>
-                      <a:r>
-                        <a:rPr lang="de-DE" dirty="0" smtClean="0"/>
-                        <a:t>Papierloses Training</a:t>
-                      </a:r>
-                      <a:endParaRPr lang="de-DE" dirty="0"/>
-                    </a:p>
-                  </a:txBody>
-                  <a:tcPr marL="76535" marR="76535"/>
-                </a:tc>
-                <a:extLst>
-                  <a:ext uri="{0D108BD9-81ED-4DB2-BD59-A6C34878D82A}">
-                    <a16:rowId xmlns:a16="http://schemas.microsoft.com/office/drawing/2014/main" val="10007"/>
-                  </a:ext>
-                </a:extLst>
-              </a:tr>
-              <a:tr h="370840">
-                <a:tc>
-                  <a:txBody>
-                    <a:bodyPr/>
-                    <a:lstStyle/>
-                    <a:p>
-                      <a:r>
-                        <a:rPr lang="de-DE" dirty="0" smtClean="0"/>
-                        <a:t>SYMPATHIE</a:t>
-                      </a:r>
-                      <a:endParaRPr lang="de-DE" dirty="0"/>
-                    </a:p>
-                  </a:txBody>
-                  <a:tcPr marL="76535" marR="76535"/>
-                </a:tc>
-                <a:tc>
-                  <a:txBody>
-                    <a:bodyPr/>
-                    <a:lstStyle/>
-                    <a:p>
-                      <a:r>
-                        <a:rPr lang="de-DE" dirty="0" smtClean="0"/>
-                        <a:t>Personalisierte</a:t>
-                      </a:r>
-                      <a:r>
-                        <a:rPr lang="de-DE" baseline="0" dirty="0" smtClean="0"/>
-                        <a:t> Betreuung</a:t>
-                      </a:r>
-                      <a:endParaRPr lang="de-DE" dirty="0"/>
-                    </a:p>
-                  </a:txBody>
-                  <a:tcPr marL="76535" marR="76535"/>
-                </a:tc>
-                <a:extLst>
-                  <a:ext uri="{0D108BD9-81ED-4DB2-BD59-A6C34878D82A}">
-                    <a16:rowId xmlns:a16="http://schemas.microsoft.com/office/drawing/2014/main" val="10008"/>
-                  </a:ext>
-                </a:extLst>
-              </a:tr>
-              <a:tr h="370840">
-                <a:tc>
-                  <a:txBody>
-                    <a:bodyPr/>
-                    <a:lstStyle/>
-                    <a:p>
-                      <a:r>
-                        <a:rPr lang="de-DE" dirty="0" smtClean="0"/>
-                        <a:t>ANGEHÖRIGKEIT</a:t>
-                      </a:r>
-                      <a:endParaRPr lang="de-DE" dirty="0"/>
-                    </a:p>
-                  </a:txBody>
-                  <a:tcPr marL="76535" marR="76535"/>
-                </a:tc>
-                <a:tc>
-                  <a:txBody>
-                    <a:bodyPr/>
-                    <a:lstStyle/>
-                    <a:p>
-                      <a:r>
-                        <a:rPr lang="de-DE" dirty="0" smtClean="0"/>
-                        <a:t>Kundennetzwerk</a:t>
-                      </a:r>
-                      <a:endParaRPr lang="de-DE" dirty="0"/>
-                    </a:p>
-                  </a:txBody>
-                  <a:tcPr marL="76535" marR="76535"/>
-                </a:tc>
-                <a:extLst>
-                  <a:ext uri="{0D108BD9-81ED-4DB2-BD59-A6C34878D82A}">
-                    <a16:rowId xmlns:a16="http://schemas.microsoft.com/office/drawing/2014/main" val="10009"/>
-                  </a:ext>
-                </a:extLst>
-              </a:tr>
-            </a:tbl>
-          </a:graphicData>
-        </a:graphic>
-      </p:graphicFrame>
-    </p:spTree>
-    <p:extLst>
-      <p:ext uri="{BB962C8B-B14F-4D97-AF65-F5344CB8AC3E}">
-        <p14:creationId xmlns:p14="http://schemas.microsoft.com/office/powerpoint/2010/main" val="3552168686"/>
-      </p:ext>
-    </p:extLst>
-  </p:cSld>
-  <p:clrMapOvr>
-    <a:masterClrMapping/>
-  </p:clrMapOvr>
-  <p:timing>
-    <p:tnLst>
-      <p:par>
-        <p:cTn id="1" dur="indefinite" restart="never" nodeType="tmRoot"/>
-      </p:par>
-    </p:tnLst>
-  </p:timing>
-</p:sld>
-</file>
-
-<file path=ppt/slides/slide6.xml><?xml version="1.0" encoding="utf-8"?>
-<p:sld xmlns:a="http://schemas.openxmlformats.org/drawingml/2006/main" xmlns:r="http://schemas.openxmlformats.org/officeDocument/2006/relationships" xmlns:p="http://schemas.openxmlformats.org/presentationml/2006/main">
-  <p:cSld>
-    <p:spTree>
-      <p:nvGrpSpPr>
-        <p:cNvPr id="1" name=""/>
-        <p:cNvGrpSpPr/>
-        <p:nvPr/>
-      </p:nvGrpSpPr>
-      <p:grpSpPr>
-        <a:xfrm>
-          <a:off x="0" y="0"/>
-          <a:ext cx="0" cy="0"/>
-          <a:chOff x="0" y="0"/>
-          <a:chExt cx="0" cy="0"/>
-        </a:xfrm>
-      </p:grpSpPr>
-      <p:sp>
-        <p:nvSpPr>
-          <p:cNvPr id="2" name="Titel 1"/>
-          <p:cNvSpPr>
-            <a:spLocks noGrp="1"/>
-          </p:cNvSpPr>
-          <p:nvPr>
-            <p:ph type="title"/>
-          </p:nvPr>
-        </p:nvSpPr>
-        <p:spPr/>
-        <p:txBody>
-          <a:bodyPr/>
-          <a:lstStyle/>
-          <a:p>
-            <a:r>
-              <a:rPr lang="de-DE" dirty="0" smtClean="0"/>
-              <a:t>Konkretes Angebot</a:t>
-            </a:r>
-            <a:endParaRPr lang="de-DE" dirty="0"/>
-          </a:p>
-        </p:txBody>
-      </p:sp>
-      <p:pic>
-        <p:nvPicPr>
-          <p:cNvPr id="4" name="Inhaltsplatzhalter 3"/>
-          <p:cNvPicPr>
-            <a:picLocks noGrp="1" noChangeAspect="1"/>
-          </p:cNvPicPr>
-          <p:nvPr>
-            <p:ph idx="1"/>
-          </p:nvPr>
-        </p:nvPicPr>
-        <p:blipFill>
-          <a:blip r:embed="rId2">
-            <a:extLst>
-              <a:ext uri="{28A0092B-C50C-407E-A947-70E740481C1C}">
-                <a14:useLocalDpi xmlns:a14="http://schemas.microsoft.com/office/drawing/2010/main" val="0"/>
-              </a:ext>
-            </a:extLst>
-          </a:blip>
-          <a:stretch>
-            <a:fillRect/>
-          </a:stretch>
-        </p:blipFill>
-        <p:spPr>
-          <a:xfrm>
-            <a:off x="910107" y="2120335"/>
-            <a:ext cx="6134750" cy="4174912"/>
-          </a:xfrm>
-        </p:spPr>
-      </p:pic>
-    </p:spTree>
-    <p:extLst>
-      <p:ext uri="{BB962C8B-B14F-4D97-AF65-F5344CB8AC3E}">
-        <p14:creationId xmlns:p14="http://schemas.microsoft.com/office/powerpoint/2010/main" val="4149359022"/>
-      </p:ext>
-    </p:extLst>
-  </p:cSld>
-  <p:clrMapOvr>
-    <a:masterClrMapping/>
-  </p:clrMapOvr>
-  <p:timing>
-    <p:tnLst>
-      <p:par>
-        <p:cTn id="1" dur="indefinite" restart="never" nodeType="tmRoot"/>
-      </p:par>
-    </p:tnLst>
-  </p:timing>
-</p:sld>
-</file>
-
-<file path=ppt/slides/slide7.xml><?xml version="1.0" encoding="utf-8"?>
-<p:sld xmlns:a="http://schemas.openxmlformats.org/drawingml/2006/main" xmlns:r="http://schemas.openxmlformats.org/officeDocument/2006/relationships" xmlns:p="http://schemas.openxmlformats.org/presentationml/2006/main">
-  <p:cSld>
-    <p:spTree>
-      <p:nvGrpSpPr>
-        <p:cNvPr id="1" name=""/>
-        <p:cNvGrpSpPr/>
-        <p:nvPr/>
-      </p:nvGrpSpPr>
-      <p:grpSpPr>
-        <a:xfrm>
-          <a:off x="0" y="0"/>
-          <a:ext cx="0" cy="0"/>
-          <a:chOff x="0" y="0"/>
-          <a:chExt cx="0" cy="0"/>
-        </a:xfrm>
-      </p:grpSpPr>
-      <p:sp>
-        <p:nvSpPr>
-          <p:cNvPr id="2" name="Titel 1"/>
-          <p:cNvSpPr>
-            <a:spLocks noGrp="1"/>
-          </p:cNvSpPr>
-          <p:nvPr>
-            <p:ph type="title"/>
-          </p:nvPr>
-        </p:nvSpPr>
-        <p:spPr/>
-        <p:txBody>
-          <a:bodyPr/>
-          <a:lstStyle/>
-          <a:p>
-            <a:r>
-              <a:rPr lang="de-DE" dirty="0" smtClean="0"/>
-              <a:t>Die App</a:t>
-            </a:r>
-            <a:endParaRPr lang="de-DE" dirty="0"/>
-          </a:p>
-        </p:txBody>
-      </p:sp>
-      <p:pic>
-        <p:nvPicPr>
-          <p:cNvPr id="3" name="Grafik 2"/>
-          <p:cNvPicPr>
-            <a:picLocks noChangeAspect="1"/>
-          </p:cNvPicPr>
-          <p:nvPr/>
-        </p:nvPicPr>
-        <p:blipFill>
-          <a:blip r:embed="rId2">
-            <a:extLst>
-              <a:ext uri="{28A0092B-C50C-407E-A947-70E740481C1C}">
-                <a14:useLocalDpi xmlns:a14="http://schemas.microsoft.com/office/drawing/2010/main" val="0"/>
-              </a:ext>
-            </a:extLst>
-          </a:blip>
-          <a:stretch>
-            <a:fillRect/>
-          </a:stretch>
-        </p:blipFill>
-        <p:spPr>
-          <a:xfrm>
-            <a:off x="326004" y="2387906"/>
-            <a:ext cx="7458324" cy="3497250"/>
-          </a:xfrm>
-          <a:prstGeom prst="rect">
-            <a:avLst/>
-          </a:prstGeom>
-        </p:spPr>
-      </p:pic>
-      <p:sp>
-        <p:nvSpPr>
-          <p:cNvPr id="4" name="Inhaltsplatzhalter 3"/>
-          <p:cNvSpPr>
-            <a:spLocks noGrp="1"/>
-          </p:cNvSpPr>
-          <p:nvPr>
-            <p:ph idx="1"/>
-          </p:nvPr>
-        </p:nvSpPr>
-        <p:spPr/>
-        <p:txBody>
-          <a:bodyPr/>
-          <a:lstStyle/>
-          <a:p>
-            <a:endParaRPr lang="de-CH" dirty="0"/>
-          </a:p>
-        </p:txBody>
-      </p:sp>
-    </p:spTree>
-    <p:extLst>
-      <p:ext uri="{BB962C8B-B14F-4D97-AF65-F5344CB8AC3E}">
-        <p14:creationId xmlns:p14="http://schemas.microsoft.com/office/powerpoint/2010/main" val="2907362700"/>
-      </p:ext>
-    </p:extLst>
-  </p:cSld>
-  <p:clrMapOvr>
-    <a:masterClrMapping/>
-  </p:clrMapOvr>
-  <p:timing>
-    <p:tnLst>
-      <p:par>
-        <p:cTn id="1" dur="indefinite" restart="never" nodeType="tmRoot"/>
-      </p:par>
-    </p:tnLst>
-  </p:timing>
-</p:sld>
-</file>
-
-<file path=ppt/slides/slide8.xml><?xml version="1.0" encoding="utf-8"?>
-<p:sld xmlns:a="http://schemas.openxmlformats.org/drawingml/2006/main" xmlns:r="http://schemas.openxmlformats.org/officeDocument/2006/relationships" xmlns:p="http://schemas.openxmlformats.org/presentationml/2006/main">
-  <p:cSld>
-    <p:spTree>
-      <p:nvGrpSpPr>
-        <p:cNvPr id="1" name=""/>
-        <p:cNvGrpSpPr/>
-        <p:nvPr/>
-      </p:nvGrpSpPr>
-      <p:grpSpPr>
-        <a:xfrm>
-          <a:off x="0" y="0"/>
-          <a:ext cx="0" cy="0"/>
-          <a:chOff x="0" y="0"/>
-          <a:chExt cx="0" cy="0"/>
-        </a:xfrm>
-      </p:grpSpPr>
-      <p:sp>
-        <p:nvSpPr>
-          <p:cNvPr id="2" name="Titel 1"/>
-          <p:cNvSpPr>
-            <a:spLocks noGrp="1"/>
-          </p:cNvSpPr>
-          <p:nvPr>
-            <p:ph type="title"/>
-          </p:nvPr>
-        </p:nvSpPr>
-        <p:spPr/>
-        <p:txBody>
-          <a:bodyPr/>
-          <a:lstStyle/>
-          <a:p>
-            <a:r>
-              <a:rPr lang="de-DE" dirty="0" smtClean="0"/>
-              <a:t>Markt und Konkurrenz</a:t>
-            </a:r>
-            <a:endParaRPr lang="de-DE" dirty="0"/>
-          </a:p>
-        </p:txBody>
-      </p:sp>
-      <p:sp>
-        <p:nvSpPr>
-          <p:cNvPr id="3" name="Inhaltsplatzhalter 2"/>
-          <p:cNvSpPr>
-            <a:spLocks noGrp="1"/>
-          </p:cNvSpPr>
-          <p:nvPr>
-            <p:ph idx="1"/>
-          </p:nvPr>
-        </p:nvSpPr>
-        <p:spPr/>
-        <p:txBody>
-          <a:bodyPr/>
-          <a:lstStyle/>
-          <a:p>
-            <a:endParaRPr lang="de-DE"/>
-          </a:p>
-        </p:txBody>
-      </p:sp>
-    </p:spTree>
-    <p:extLst>
-      <p:ext uri="{BB962C8B-B14F-4D97-AF65-F5344CB8AC3E}">
-        <p14:creationId xmlns:p14="http://schemas.microsoft.com/office/powerpoint/2010/main" val="1884947581"/>
-      </p:ext>
-    </p:extLst>
-  </p:cSld>
-  <p:clrMapOvr>
-    <a:masterClrMapping/>
-  </p:clrMapOvr>
-  <p:timing>
-    <p:tnLst>
-      <p:par>
-        <p:cTn id="1" dur="indefinite" restart="never" nodeType="tmRoot"/>
-      </p:par>
-    </p:tnLst>
-  </p:timing>
-</p:sld>
-</file>
-
-<file path=ppt/slides/slide9.xml><?xml version="1.0" encoding="utf-8"?>
-<p:sld xmlns:a="http://schemas.openxmlformats.org/drawingml/2006/main" xmlns:r="http://schemas.openxmlformats.org/officeDocument/2006/relationships" xmlns:p="http://schemas.openxmlformats.org/presentationml/2006/main">
-  <p:cSld>
-    <p:spTree>
-      <p:nvGrpSpPr>
-        <p:cNvPr id="1" name=""/>
-        <p:cNvGrpSpPr/>
-        <p:nvPr/>
-      </p:nvGrpSpPr>
-      <p:grpSpPr>
-        <a:xfrm>
-          <a:off x="0" y="0"/>
-          <a:ext cx="0" cy="0"/>
-          <a:chOff x="0" y="0"/>
-          <a:chExt cx="0" cy="0"/>
-        </a:xfrm>
-      </p:grpSpPr>
-      <p:sp>
-        <p:nvSpPr>
-          <p:cNvPr id="2" name="Titel 1"/>
-          <p:cNvSpPr>
-            <a:spLocks noGrp="1"/>
-          </p:cNvSpPr>
-          <p:nvPr>
-            <p:ph type="title"/>
-          </p:nvPr>
-        </p:nvSpPr>
-        <p:spPr/>
-        <p:txBody>
-          <a:bodyPr/>
-          <a:lstStyle/>
-          <a:p>
-            <a:r>
-              <a:rPr lang="de-DE" dirty="0" smtClean="0"/>
-              <a:t>Kundennutzen</a:t>
-            </a:r>
-            <a:endParaRPr lang="de-DE" dirty="0"/>
-          </a:p>
-        </p:txBody>
-      </p:sp>
-      <p:sp>
-        <p:nvSpPr>
-          <p:cNvPr id="3" name="Inhaltsplatzhalter 2"/>
-          <p:cNvSpPr>
-            <a:spLocks noGrp="1"/>
-          </p:cNvSpPr>
-          <p:nvPr>
-            <p:ph idx="1"/>
-          </p:nvPr>
-        </p:nvSpPr>
-        <p:spPr/>
-        <p:txBody>
-          <a:bodyPr/>
-          <a:lstStyle/>
-          <a:p>
-            <a:endParaRPr lang="de-DE" dirty="0"/>
-          </a:p>
-        </p:txBody>
-      </p:sp>
-    </p:spTree>
-    <p:extLst>
-      <p:ext uri="{BB962C8B-B14F-4D97-AF65-F5344CB8AC3E}">
-        <p14:creationId xmlns:p14="http://schemas.microsoft.com/office/powerpoint/2010/main" val="4132382495"/>
-      </p:ext>
-    </p:extLst>
-  </p:cSld>
-  <p:clrMapOvr>
-    <a:masterClrMapping/>
-  </p:clrMapOvr>
 </p:sld>
 </file>
 

--- a/presentation/BuPl_concept-presentation-GitFit.pptx
+++ b/presentation/BuPl_concept-presentation-GitFit.pptx
@@ -7453,7 +7453,7 @@
           </a:prstGeom>
           <a:extLst>
             <a:ext uri="{909E8E84-426E-40dd-AFC4-6F175D3DCCD1}">
-              <a14:hiddenFill xmlns="" xmlns:a14="http://schemas.microsoft.com/office/drawing/2010/main">
+              <a14:hiddenFill xmlns:a14="http://schemas.microsoft.com/office/drawing/2010/main" xmlns="">
                 <a:solidFill>
                   <a:srgbClr val="FFFFFF"/>
                 </a:solidFill>
@@ -8055,6 +8055,13 @@
   <p:clrMapOvr>
     <a:masterClrMapping/>
   </p:clrMapOvr>
+  <p:timing>
+    <p:tnLst>
+      <p:par>
+        <p:cTn id="1" dur="indefinite" restart="never" nodeType="tmRoot"/>
+      </p:par>
+    </p:tnLst>
+  </p:timing>
 </p:sld>
 </file>
 
@@ -8334,7 +8341,7 @@
 </file>
 
 <file path=ppt/slides/slide4.xml><?xml version="1.0" encoding="utf-8"?>
-<p:sld xmlns:a="http://schemas.openxmlformats.org/drawingml/2006/main" xmlns:r="http://schemas.openxmlformats.org/officeDocument/2006/relationships" xmlns:p="http://schemas.openxmlformats.org/presentationml/2006/main">
+<p:sld xmlns:a="http://schemas.openxmlformats.org/drawingml/2006/main" xmlns:r="http://schemas.openxmlformats.org/officeDocument/2006/relationships" xmlns:p="http://schemas.openxmlformats.org/presentationml/2006/main" show="0">
   <p:cSld>
     <p:spTree>
       <p:nvGrpSpPr>
@@ -8426,11 +8433,19 @@
   <p:clrMapOvr>
     <a:masterClrMapping/>
   </p:clrMapOvr>
+  <mc:AlternateContent xmlns:mc="http://schemas.openxmlformats.org/markup-compatibility/2006">
+    <mc:Choice xmlns:p14="http://schemas.microsoft.com/office/powerpoint/2010/main" Requires="p14">
+      <p:transition spd="slow" p14:dur="2000"/>
+    </mc:Choice>
+    <mc:Fallback>
+      <p:transition spd="slow"/>
+    </mc:Fallback>
+  </mc:AlternateContent>
 </p:sld>
 </file>
 
 <file path=ppt/slides/slide5.xml><?xml version="1.0" encoding="utf-8"?>
-<p:sld xmlns:a="http://schemas.openxmlformats.org/drawingml/2006/main" xmlns:r="http://schemas.openxmlformats.org/officeDocument/2006/relationships" xmlns:p="http://schemas.openxmlformats.org/presentationml/2006/main">
+<p:sld xmlns:a="http://schemas.openxmlformats.org/drawingml/2006/main" xmlns:r="http://schemas.openxmlformats.org/officeDocument/2006/relationships" xmlns:p="http://schemas.openxmlformats.org/presentationml/2006/main" show="0">
   <p:cSld>
     <p:spTree>
       <p:nvGrpSpPr>
@@ -8498,14 +8513,14 @@
                 <a:gridCol w="2162092">
                   <a:extLst>
                     <a:ext uri="{9D8B030D-6E8A-4147-A177-3AD203B41FA5}">
-                      <a16:colId xmlns:a16="http://schemas.microsoft.com/office/drawing/2014/main" xmlns="" val="20000"/>
+                      <a16:colId xmlns="" xmlns:a16="http://schemas.microsoft.com/office/drawing/2014/main" val="20000"/>
                     </a:ext>
                   </a:extLst>
                 </a:gridCol>
                 <a:gridCol w="4726071">
                   <a:extLst>
                     <a:ext uri="{9D8B030D-6E8A-4147-A177-3AD203B41FA5}">
-                      <a16:colId xmlns:a16="http://schemas.microsoft.com/office/drawing/2014/main" xmlns="" val="20001"/>
+                      <a16:colId xmlns="" xmlns:a16="http://schemas.microsoft.com/office/drawing/2014/main" val="20001"/>
                     </a:ext>
                   </a:extLst>
                 </a:gridCol>
@@ -8541,7 +8556,7 @@
                 </a:tc>
                 <a:extLst>
                   <a:ext uri="{0D108BD9-81ED-4DB2-BD59-A6C34878D82A}">
-                    <a16:rowId xmlns:a16="http://schemas.microsoft.com/office/drawing/2014/main" xmlns="" val="10000"/>
+                    <a16:rowId xmlns="" xmlns:a16="http://schemas.microsoft.com/office/drawing/2014/main" val="10000"/>
                   </a:ext>
                 </a:extLst>
               </a:tr>
@@ -8576,7 +8591,7 @@
                 </a:tc>
                 <a:extLst>
                   <a:ext uri="{0D108BD9-81ED-4DB2-BD59-A6C34878D82A}">
-                    <a16:rowId xmlns:a16="http://schemas.microsoft.com/office/drawing/2014/main" xmlns="" val="10001"/>
+                    <a16:rowId xmlns="" xmlns:a16="http://schemas.microsoft.com/office/drawing/2014/main" val="10001"/>
                   </a:ext>
                 </a:extLst>
               </a:tr>
@@ -8611,7 +8626,7 @@
                 </a:tc>
                 <a:extLst>
                   <a:ext uri="{0D108BD9-81ED-4DB2-BD59-A6C34878D82A}">
-                    <a16:rowId xmlns:a16="http://schemas.microsoft.com/office/drawing/2014/main" xmlns="" val="10002"/>
+                    <a16:rowId xmlns="" xmlns:a16="http://schemas.microsoft.com/office/drawing/2014/main" val="10002"/>
                   </a:ext>
                 </a:extLst>
               </a:tr>
@@ -8670,7 +8685,7 @@
                 </a:tc>
                 <a:extLst>
                   <a:ext uri="{0D108BD9-81ED-4DB2-BD59-A6C34878D82A}">
-                    <a16:rowId xmlns:a16="http://schemas.microsoft.com/office/drawing/2014/main" xmlns="" val="10003"/>
+                    <a16:rowId xmlns="" xmlns:a16="http://schemas.microsoft.com/office/drawing/2014/main" val="10003"/>
                   </a:ext>
                 </a:extLst>
               </a:tr>
@@ -8705,7 +8720,7 @@
                 </a:tc>
                 <a:extLst>
                   <a:ext uri="{0D108BD9-81ED-4DB2-BD59-A6C34878D82A}">
-                    <a16:rowId xmlns:a16="http://schemas.microsoft.com/office/drawing/2014/main" xmlns="" val="10004"/>
+                    <a16:rowId xmlns="" xmlns:a16="http://schemas.microsoft.com/office/drawing/2014/main" val="10004"/>
                   </a:ext>
                 </a:extLst>
               </a:tr>
@@ -8744,7 +8759,7 @@
                 </a:tc>
                 <a:extLst>
                   <a:ext uri="{0D108BD9-81ED-4DB2-BD59-A6C34878D82A}">
-                    <a16:rowId xmlns:a16="http://schemas.microsoft.com/office/drawing/2014/main" xmlns="" val="10005"/>
+                    <a16:rowId xmlns="" xmlns:a16="http://schemas.microsoft.com/office/drawing/2014/main" val="10005"/>
                   </a:ext>
                 </a:extLst>
               </a:tr>
@@ -8787,7 +8802,7 @@
                 </a:tc>
                 <a:extLst>
                   <a:ext uri="{0D108BD9-81ED-4DB2-BD59-A6C34878D82A}">
-                    <a16:rowId xmlns:a16="http://schemas.microsoft.com/office/drawing/2014/main" xmlns="" val="10006"/>
+                    <a16:rowId xmlns="" xmlns:a16="http://schemas.microsoft.com/office/drawing/2014/main" val="10006"/>
                   </a:ext>
                 </a:extLst>
               </a:tr>
@@ -8822,7 +8837,7 @@
                 </a:tc>
                 <a:extLst>
                   <a:ext uri="{0D108BD9-81ED-4DB2-BD59-A6C34878D82A}">
-                    <a16:rowId xmlns:a16="http://schemas.microsoft.com/office/drawing/2014/main" xmlns="" val="10007"/>
+                    <a16:rowId xmlns="" xmlns:a16="http://schemas.microsoft.com/office/drawing/2014/main" val="10007"/>
                   </a:ext>
                 </a:extLst>
               </a:tr>
@@ -8861,7 +8876,7 @@
                 </a:tc>
                 <a:extLst>
                   <a:ext uri="{0D108BD9-81ED-4DB2-BD59-A6C34878D82A}">
-                    <a16:rowId xmlns:a16="http://schemas.microsoft.com/office/drawing/2014/main" xmlns="" val="10008"/>
+                    <a16:rowId xmlns="" xmlns:a16="http://schemas.microsoft.com/office/drawing/2014/main" val="10008"/>
                   </a:ext>
                 </a:extLst>
               </a:tr>
@@ -8896,7 +8911,7 @@
                 </a:tc>
                 <a:extLst>
                   <a:ext uri="{0D108BD9-81ED-4DB2-BD59-A6C34878D82A}">
-                    <a16:rowId xmlns:a16="http://schemas.microsoft.com/office/drawing/2014/main" xmlns="" val="10009"/>
+                    <a16:rowId xmlns="" xmlns:a16="http://schemas.microsoft.com/office/drawing/2014/main" val="10009"/>
                   </a:ext>
                 </a:extLst>
               </a:tr>
@@ -8914,6 +8929,14 @@
   <p:clrMapOvr>
     <a:masterClrMapping/>
   </p:clrMapOvr>
+  <mc:AlternateContent xmlns:mc="http://schemas.openxmlformats.org/markup-compatibility/2006">
+    <mc:Choice xmlns:p14="http://schemas.microsoft.com/office/powerpoint/2010/main" Requires="p14">
+      <p:transition spd="slow" p14:dur="2000"/>
+    </mc:Choice>
+    <mc:Fallback>
+      <p:transition spd="slow"/>
+    </mc:Fallback>
+  </mc:AlternateContent>
   <p:timing>
     <p:tnLst>
       <p:par>
@@ -8925,7 +8948,7 @@
 </file>
 
 <file path=ppt/slides/slide6.xml><?xml version="1.0" encoding="utf-8"?>
-<p:sld xmlns:a="http://schemas.openxmlformats.org/drawingml/2006/main" xmlns:r="http://schemas.openxmlformats.org/officeDocument/2006/relationships" xmlns:p="http://schemas.openxmlformats.org/presentationml/2006/main">
+<p:sld xmlns:a="http://schemas.openxmlformats.org/drawingml/2006/main" xmlns:r="http://schemas.openxmlformats.org/officeDocument/2006/relationships" xmlns:p="http://schemas.openxmlformats.org/presentationml/2006/main" show="0">
   <p:cSld>
     <p:spTree>
       <p:nvGrpSpPr>
@@ -9003,6 +9026,14 @@
   <p:clrMapOvr>
     <a:masterClrMapping/>
   </p:clrMapOvr>
+  <mc:AlternateContent xmlns:mc="http://schemas.openxmlformats.org/markup-compatibility/2006">
+    <mc:Choice xmlns:p14="http://schemas.microsoft.com/office/powerpoint/2010/main" Requires="p14">
+      <p:transition spd="slow" p14:dur="2000"/>
+    </mc:Choice>
+    <mc:Fallback>
+      <p:transition spd="slow"/>
+    </mc:Fallback>
+  </mc:AlternateContent>
   <p:timing>
     <p:tnLst>
       <p:par>
@@ -9123,7 +9154,7 @@
 </file>
 
 <file path=ppt/slides/slide8.xml><?xml version="1.0" encoding="utf-8"?>
-<p:sld xmlns:a="http://schemas.openxmlformats.org/drawingml/2006/main" xmlns:r="http://schemas.openxmlformats.org/officeDocument/2006/relationships" xmlns:p="http://schemas.openxmlformats.org/presentationml/2006/main">
+<p:sld xmlns:a="http://schemas.openxmlformats.org/drawingml/2006/main" xmlns:r="http://schemas.openxmlformats.org/officeDocument/2006/relationships" xmlns:p="http://schemas.openxmlformats.org/presentationml/2006/main" show="0">
   <p:cSld>
     <p:spTree>
       <p:nvGrpSpPr>
@@ -9279,6 +9310,14 @@
   <p:clrMapOvr>
     <a:masterClrMapping/>
   </p:clrMapOvr>
+  <mc:AlternateContent xmlns:mc="http://schemas.openxmlformats.org/markup-compatibility/2006">
+    <mc:Choice xmlns:p14="http://schemas.microsoft.com/office/powerpoint/2010/main" Requires="p14">
+      <p:transition spd="slow" p14:dur="2000"/>
+    </mc:Choice>
+    <mc:Fallback>
+      <p:transition spd="slow"/>
+    </mc:Fallback>
+  </mc:AlternateContent>
   <p:timing>
     <p:tnLst>
       <p:par>
@@ -9290,7 +9329,7 @@
 </file>
 
 <file path=ppt/slides/slide9.xml><?xml version="1.0" encoding="utf-8"?>
-<p:sld xmlns:a="http://schemas.openxmlformats.org/drawingml/2006/main" xmlns:r="http://schemas.openxmlformats.org/officeDocument/2006/relationships" xmlns:p="http://schemas.openxmlformats.org/presentationml/2006/main">
+<p:sld xmlns:a="http://schemas.openxmlformats.org/drawingml/2006/main" xmlns:r="http://schemas.openxmlformats.org/officeDocument/2006/relationships" xmlns:p="http://schemas.openxmlformats.org/presentationml/2006/main" show="0">
   <p:cSld>
     <p:spTree>
       <p:nvGrpSpPr>
@@ -9358,14 +9397,14 @@
                 <a:gridCol w="3156005">
                   <a:extLst>
                     <a:ext uri="{9D8B030D-6E8A-4147-A177-3AD203B41FA5}">
-                      <a16:colId xmlns:a16="http://schemas.microsoft.com/office/drawing/2014/main" xmlns="" val="20000"/>
+                      <a16:colId xmlns="" xmlns:a16="http://schemas.microsoft.com/office/drawing/2014/main" val="20000"/>
                     </a:ext>
                   </a:extLst>
                 </a:gridCol>
                 <a:gridCol w="3732157">
                   <a:extLst>
                     <a:ext uri="{9D8B030D-6E8A-4147-A177-3AD203B41FA5}">
-                      <a16:colId xmlns:a16="http://schemas.microsoft.com/office/drawing/2014/main" xmlns="" val="20001"/>
+                      <a16:colId xmlns="" xmlns:a16="http://schemas.microsoft.com/office/drawing/2014/main" val="20001"/>
                     </a:ext>
                   </a:extLst>
                 </a:gridCol>
@@ -9401,7 +9440,7 @@
                 </a:tc>
                 <a:extLst>
                   <a:ext uri="{0D108BD9-81ED-4DB2-BD59-A6C34878D82A}">
-                    <a16:rowId xmlns:a16="http://schemas.microsoft.com/office/drawing/2014/main" xmlns="" val="10000"/>
+                    <a16:rowId xmlns="" xmlns:a16="http://schemas.microsoft.com/office/drawing/2014/main" val="10000"/>
                   </a:ext>
                 </a:extLst>
               </a:tr>
@@ -9466,7 +9505,7 @@
                 </a:tc>
                 <a:extLst>
                   <a:ext uri="{0D108BD9-81ED-4DB2-BD59-A6C34878D82A}">
-                    <a16:rowId xmlns:a16="http://schemas.microsoft.com/office/drawing/2014/main" xmlns="" val="10001"/>
+                    <a16:rowId xmlns="" xmlns:a16="http://schemas.microsoft.com/office/drawing/2014/main" val="10001"/>
                   </a:ext>
                 </a:extLst>
               </a:tr>
@@ -9517,7 +9556,7 @@
                 </a:tc>
                 <a:extLst>
                   <a:ext uri="{0D108BD9-81ED-4DB2-BD59-A6C34878D82A}">
-                    <a16:rowId xmlns:a16="http://schemas.microsoft.com/office/drawing/2014/main" xmlns="" val="10002"/>
+                    <a16:rowId xmlns="" xmlns:a16="http://schemas.microsoft.com/office/drawing/2014/main" val="10002"/>
                   </a:ext>
                 </a:extLst>
               </a:tr>
@@ -9562,7 +9601,7 @@
                 </a:tc>
                 <a:extLst>
                   <a:ext uri="{0D108BD9-81ED-4DB2-BD59-A6C34878D82A}">
-                    <a16:rowId xmlns:a16="http://schemas.microsoft.com/office/drawing/2014/main" xmlns="" val="10003"/>
+                    <a16:rowId xmlns="" xmlns:a16="http://schemas.microsoft.com/office/drawing/2014/main" val="10003"/>
                   </a:ext>
                 </a:extLst>
               </a:tr>
@@ -9580,6 +9619,14 @@
   <p:clrMapOvr>
     <a:masterClrMapping/>
   </p:clrMapOvr>
+  <mc:AlternateContent xmlns:mc="http://schemas.openxmlformats.org/markup-compatibility/2006">
+    <mc:Choice xmlns:p14="http://schemas.microsoft.com/office/powerpoint/2010/main" Requires="p14">
+      <p:transition spd="slow" p14:dur="2000"/>
+    </mc:Choice>
+    <mc:Fallback>
+      <p:transition spd="slow"/>
+    </mc:Fallback>
+  </mc:AlternateContent>
   <p:timing>
     <p:tnLst>
       <p:par>
